--- a/PPT/Clean Code/Clean Code.pptx
+++ b/PPT/Clean Code/Clean Code.pptx
@@ -6,10 +6,10 @@
     <p:sldMasterId id="2147483663" r:id="rId2"/>
   </p:sldMasterIdLst>
   <p:notesMasterIdLst>
-    <p:notesMasterId r:id="rId55"/>
+    <p:notesMasterId r:id="rId66"/>
   </p:notesMasterIdLst>
   <p:handoutMasterIdLst>
-    <p:handoutMasterId r:id="rId56"/>
+    <p:handoutMasterId r:id="rId67"/>
   </p:handoutMasterIdLst>
   <p:sldIdLst>
     <p:sldId id="256" r:id="rId3"/>
@@ -27,10 +27,10 @@
     <p:sldId id="281" r:id="rId15"/>
     <p:sldId id="282" r:id="rId16"/>
     <p:sldId id="283" r:id="rId17"/>
-    <p:sldId id="284" r:id="rId18"/>
-    <p:sldId id="290" r:id="rId19"/>
-    <p:sldId id="291" r:id="rId20"/>
-    <p:sldId id="292" r:id="rId21"/>
+    <p:sldId id="290" r:id="rId18"/>
+    <p:sldId id="291" r:id="rId19"/>
+    <p:sldId id="292" r:id="rId20"/>
+    <p:sldId id="334" r:id="rId21"/>
     <p:sldId id="293" r:id="rId22"/>
     <p:sldId id="294" r:id="rId23"/>
     <p:sldId id="295" r:id="rId24"/>
@@ -47,23 +47,34 @@
     <p:sldId id="306" r:id="rId35"/>
     <p:sldId id="307" r:id="rId36"/>
     <p:sldId id="308" r:id="rId37"/>
-    <p:sldId id="309" r:id="rId38"/>
-    <p:sldId id="310" r:id="rId39"/>
-    <p:sldId id="311" r:id="rId40"/>
-    <p:sldId id="312" r:id="rId41"/>
-    <p:sldId id="313" r:id="rId42"/>
-    <p:sldId id="314" r:id="rId43"/>
-    <p:sldId id="265" r:id="rId44"/>
-    <p:sldId id="266" r:id="rId45"/>
-    <p:sldId id="267" r:id="rId46"/>
-    <p:sldId id="268" r:id="rId47"/>
-    <p:sldId id="269" r:id="rId48"/>
-    <p:sldId id="270" r:id="rId49"/>
-    <p:sldId id="271" r:id="rId50"/>
-    <p:sldId id="272" r:id="rId51"/>
-    <p:sldId id="273" r:id="rId52"/>
-    <p:sldId id="274" r:id="rId53"/>
-    <p:sldId id="275" r:id="rId54"/>
+    <p:sldId id="315" r:id="rId38"/>
+    <p:sldId id="317" r:id="rId39"/>
+    <p:sldId id="318" r:id="rId40"/>
+    <p:sldId id="319" r:id="rId41"/>
+    <p:sldId id="320" r:id="rId42"/>
+    <p:sldId id="321" r:id="rId43"/>
+    <p:sldId id="322" r:id="rId44"/>
+    <p:sldId id="323" r:id="rId45"/>
+    <p:sldId id="324" r:id="rId46"/>
+    <p:sldId id="325" r:id="rId47"/>
+    <p:sldId id="326" r:id="rId48"/>
+    <p:sldId id="327" r:id="rId49"/>
+    <p:sldId id="328" r:id="rId50"/>
+    <p:sldId id="329" r:id="rId51"/>
+    <p:sldId id="330" r:id="rId52"/>
+    <p:sldId id="331" r:id="rId53"/>
+    <p:sldId id="332" r:id="rId54"/>
+    <p:sldId id="333" r:id="rId55"/>
+    <p:sldId id="266" r:id="rId56"/>
+    <p:sldId id="267" r:id="rId57"/>
+    <p:sldId id="268" r:id="rId58"/>
+    <p:sldId id="269" r:id="rId59"/>
+    <p:sldId id="270" r:id="rId60"/>
+    <p:sldId id="271" r:id="rId61"/>
+    <p:sldId id="272" r:id="rId62"/>
+    <p:sldId id="273" r:id="rId63"/>
+    <p:sldId id="274" r:id="rId64"/>
+    <p:sldId id="275" r:id="rId65"/>
   </p:sldIdLst>
   <p:sldSz cx="12192000" cy="6858000"/>
   <p:notesSz cx="6858000" cy="9144000"/>
@@ -168,6 +179,32 @@
     </p:ext>
   </p:extLst>
 </p:presentation>
+</file>
+
+<file path=ppt/commentAuthors.xml><?xml version="1.0" encoding="utf-8"?>
+<p:cmAuthorLst xmlns:a="http://schemas.openxmlformats.org/drawingml/2006/main" xmlns:r="http://schemas.openxmlformats.org/officeDocument/2006/relationships" xmlns:p="http://schemas.openxmlformats.org/presentationml/2006/main">
+  <p:cmAuthor id="1" name="Vinanti Thakur" initials="VT" lastIdx="1" clrIdx="0">
+    <p:extLst>
+      <p:ext uri="{19B8F6BF-5375-455C-9EA6-DF929625EA0E}">
+        <p15:presenceInfo xmlns:p15="http://schemas.microsoft.com/office/powerpoint/2012/main" userId="ef901f80ce845485" providerId="Windows Live"/>
+      </p:ext>
+    </p:extLst>
+  </p:cmAuthor>
+</p:cmAuthorLst>
+</file>
+
+<file path=ppt/comments/comment1.xml><?xml version="1.0" encoding="utf-8"?>
+<p:cmLst xmlns:a="http://schemas.openxmlformats.org/drawingml/2006/main" xmlns:r="http://schemas.openxmlformats.org/officeDocument/2006/relationships" xmlns:p="http://schemas.openxmlformats.org/presentationml/2006/main">
+  <p:cm authorId="1" dt="2020-01-01T10:58:25.487" idx="1">
+    <p:pos x="10" y="10"/>
+    <p:text/>
+    <p:extLst>
+      <p:ext uri="{C676402C-5697-4E1C-873F-D02D1690AC5C}">
+        <p15:threadingInfo xmlns:p15="http://schemas.microsoft.com/office/powerpoint/2012/main" timeZoneBias="300"/>
+      </p:ext>
+    </p:extLst>
+  </p:cm>
+</p:cmLst>
 </file>
 
 <file path=ppt/diagrams/colors1.xml><?xml version="1.0" encoding="utf-8"?>
@@ -5727,7 +5764,7 @@
           <a:p>
             <a:fld id="{6B451109-92DB-4F3A-8754-3A881C271022}" type="datetime1">
               <a:rPr lang="en-US" smtClean="0"/>
-              <a:t>11/30/2019</a:t>
+              <a:t>1/2/2020</a:t>
             </a:fld>
             <a:endParaRPr lang="en-US"/>
           </a:p>
@@ -5905,7 +5942,7 @@
           <a:p>
             <a:fld id="{E55E0BF2-04CF-4FF9-A0D5-5EA729883599}" type="datetime1">
               <a:rPr lang="en-US" smtClean="0"/>
-              <a:t>11/30/2019</a:t>
+              <a:t>1/2/2020</a:t>
             </a:fld>
             <a:endParaRPr lang="en-US"/>
           </a:p>
@@ -10318,7 +10355,7 @@
             <a:fld id="{6C57CADF-DAFB-467D-871B-A4728029F0CB}" type="datetime4">
               <a:rPr lang="en-US" smtClean="0"/>
               <a:pPr algn="l"/>
-              <a:t>November 30, 2019</a:t>
+              <a:t>January 2, 2020</a:t>
             </a:fld>
             <a:endParaRPr lang="en-US" dirty="0"/>
           </a:p>
@@ -10795,7 +10832,7 @@
             <a:pPr algn="l"/>
             <a:fld id="{0477F178-95BE-4B1C-9247-30D6B7E59DB7}" type="datetime3">
               <a:rPr lang="en-US" smtClean="0"/>
-              <a:t>30 November 2019</a:t>
+              <a:t>2 January 2020</a:t>
             </a:fld>
             <a:endParaRPr lang="en-US" dirty="0"/>
           </a:p>
@@ -11554,7 +11591,7 @@
             <a:pPr algn="l"/>
             <a:fld id="{0477F178-95BE-4B1C-9247-30D6B7E59DB7}" type="datetime3">
               <a:rPr lang="en-US" smtClean="0"/>
-              <a:t>30 November 2019</a:t>
+              <a:t>2 January 2020</a:t>
             </a:fld>
             <a:endParaRPr lang="en-US" dirty="0"/>
           </a:p>
@@ -12250,7 +12287,7 @@
             <a:pPr algn="l"/>
             <a:fld id="{0477F178-95BE-4B1C-9247-30D6B7E59DB7}" type="datetime3">
               <a:rPr lang="en-US" smtClean="0"/>
-              <a:t>30 November 2019</a:t>
+              <a:t>2 January 2020</a:t>
             </a:fld>
             <a:endParaRPr lang="en-US" dirty="0"/>
           </a:p>
@@ -13077,7 +13114,7 @@
             <a:pPr algn="l"/>
             <a:fld id="{0477F178-95BE-4B1C-9247-30D6B7E59DB7}" type="datetime3">
               <a:rPr lang="en-US" smtClean="0"/>
-              <a:t>30 November 2019</a:t>
+              <a:t>2 January 2020</a:t>
             </a:fld>
             <a:endParaRPr lang="en-US" dirty="0"/>
           </a:p>
@@ -13631,7 +13668,7 @@
             <a:pPr algn="l"/>
             <a:fld id="{0477F178-95BE-4B1C-9247-30D6B7E59DB7}" type="datetime3">
               <a:rPr lang="en-US" smtClean="0"/>
-              <a:t>30 November 2019</a:t>
+              <a:t>2 January 2020</a:t>
             </a:fld>
             <a:endParaRPr lang="en-US" dirty="0"/>
           </a:p>
@@ -14347,7 +14384,7 @@
             <a:pPr algn="l"/>
             <a:fld id="{0477F178-95BE-4B1C-9247-30D6B7E59DB7}" type="datetime3">
               <a:rPr lang="en-US" smtClean="0"/>
-              <a:t>30 November 2019</a:t>
+              <a:t>2 January 2020</a:t>
             </a:fld>
             <a:endParaRPr lang="en-US" dirty="0"/>
           </a:p>
@@ -14515,7 +14552,7 @@
                   <a:schemeClr val="bg1"/>
                 </a:solidFill>
               </a:rPr>
-              <a:t>Meaningful Name</a:t>
+              <a:t>Functions</a:t>
             </a:r>
           </a:p>
         </p:txBody>
@@ -14704,33 +14741,27 @@
             </a:lvl9pPr>
           </a:lstStyle>
           <a:p>
-            <a:pPr fontAlgn="auto">
-              <a:spcBef>
-                <a:spcPts val="0"/>
-              </a:spcBef>
-              <a:spcAft>
-                <a:spcPts val="0"/>
-              </a:spcAft>
-              <a:defRPr/>
+            <a:pPr marL="342900" indent="-342900">
+              <a:buFont typeface="Arial" panose="020B0604020202020204" pitchFamily="34" charset="0"/>
+              <a:buChar char="•"/>
             </a:pPr>
             <a:r>
-              <a:rPr lang="en-US" sz="2400" b="1" dirty="0">
+              <a:rPr lang="en-US" dirty="0"/>
+              <a:t>Functions are the first line of organization in any program.</a:t>
+            </a:r>
+            <a:r>
+              <a:rPr lang="en-US" sz="2400" dirty="0">
                 <a:solidFill>
                   <a:schemeClr val="tx1"/>
                 </a:solidFill>
               </a:rPr>
-              <a:t>13. Don’t Add Gratuitous Context:</a:t>
+              <a:t>					</a:t>
             </a:r>
           </a:p>
           <a:p>
-            <a:pPr marL="347663" fontAlgn="auto">
-              <a:spcBef>
-                <a:spcPts val="0"/>
-              </a:spcBef>
-              <a:spcAft>
-                <a:spcPts val="0"/>
-              </a:spcAft>
-              <a:defRPr/>
+            <a:pPr marL="342900" indent="-342900">
+              <a:buFont typeface="Arial" panose="020B0604020202020204" pitchFamily="34" charset="0"/>
+              <a:buChar char="•"/>
             </a:pPr>
             <a:endParaRPr lang="en-US" sz="2400" dirty="0">
               <a:solidFill>
@@ -14739,14 +14770,9 @@
             </a:endParaRPr>
           </a:p>
           <a:p>
-            <a:pPr marL="347663" lvl="0" fontAlgn="auto">
-              <a:spcBef>
-                <a:spcPts val="0"/>
-              </a:spcBef>
-              <a:spcAft>
-                <a:spcPts val="0"/>
-              </a:spcAft>
-              <a:defRPr/>
+            <a:pPr marL="342900" indent="-342900">
+              <a:buFont typeface="Arial" panose="020B0604020202020204" pitchFamily="34" charset="0"/>
+              <a:buChar char="•"/>
             </a:pPr>
             <a:endParaRPr lang="en-US" sz="2400" dirty="0">
               <a:solidFill>
@@ -14755,14 +14781,9 @@
             </a:endParaRPr>
           </a:p>
           <a:p>
-            <a:pPr marL="347663" lvl="0" fontAlgn="auto">
-              <a:spcBef>
-                <a:spcPts val="0"/>
-              </a:spcBef>
-              <a:spcAft>
-                <a:spcPts val="0"/>
-              </a:spcAft>
-              <a:defRPr/>
+            <a:pPr marL="342900" indent="-342900">
+              <a:buFont typeface="Arial" panose="020B0604020202020204" pitchFamily="34" charset="0"/>
+              <a:buChar char="•"/>
             </a:pPr>
             <a:endParaRPr lang="en-US" sz="2400" dirty="0">
               <a:solidFill>
@@ -14774,10 +14795,10 @@
       </p:sp>
       <p:sp>
         <p:nvSpPr>
-          <p:cNvPr id="12" name="Slide Number Placeholder 9">
+          <p:cNvPr id="6" name="Slide Number Placeholder 9">
             <a:extLst>
               <a:ext uri="{FF2B5EF4-FFF2-40B4-BE49-F238E27FC236}">
-                <a16:creationId xmlns:a16="http://schemas.microsoft.com/office/drawing/2014/main" id="{6E55C243-23AE-45A3-A4BE-9D6FF22F9113}"/>
+                <a16:creationId xmlns:a16="http://schemas.microsoft.com/office/drawing/2014/main" id="{9E1271EC-8BC6-4145-8E39-8961635DFF5F}"/>
               </a:ext>
             </a:extLst>
           </p:cNvPr>
@@ -14789,7 +14810,7 @@
         <p:spPr>
           <a:xfrm>
             <a:off x="1" y="6356350"/>
-            <a:ext cx="1371600" cy="365125"/>
+            <a:ext cx="1557866" cy="365125"/>
           </a:xfrm>
           <a:prstGeom prst="rect">
             <a:avLst/>
@@ -14898,7 +14919,7 @@
             <a:pPr algn="l"/>
             <a:fld id="{0477F178-95BE-4B1C-9247-30D6B7E59DB7}" type="datetime3">
               <a:rPr lang="en-US" smtClean="0"/>
-              <a:t>30 November 2019</a:t>
+              <a:t>2 January 2020</a:t>
             </a:fld>
             <a:endParaRPr lang="en-US" dirty="0"/>
           </a:p>
@@ -14909,7 +14930,7 @@
           <p:cNvPr id="3" name="Picture 2">
             <a:extLst>
               <a:ext uri="{FF2B5EF4-FFF2-40B4-BE49-F238E27FC236}">
-                <a16:creationId xmlns:a16="http://schemas.microsoft.com/office/drawing/2014/main" id="{1549E84B-AE8F-4ED7-A2D0-C09E2B5C7F83}"/>
+                <a16:creationId xmlns:a16="http://schemas.microsoft.com/office/drawing/2014/main" id="{6B30A9CD-048A-488C-860A-58E8AFBDDDDD}"/>
               </a:ext>
             </a:extLst>
           </p:cNvPr>
@@ -14926,8 +14947,8 @@
         </p:blipFill>
         <p:spPr>
           <a:xfrm>
-            <a:off x="2383367" y="2504224"/>
-            <a:ext cx="7425266" cy="3319174"/>
+            <a:off x="3061328" y="2548467"/>
+            <a:ext cx="3134701" cy="3686001"/>
           </a:xfrm>
           <a:prstGeom prst="rect">
             <a:avLst/>
@@ -14937,7 +14958,7 @@
     </p:spTree>
     <p:extLst>
       <p:ext uri="{BB962C8B-B14F-4D97-AF65-F5344CB8AC3E}">
-        <p14:creationId xmlns:p14="http://schemas.microsoft.com/office/powerpoint/2010/main" val="4270971942"/>
+        <p14:creationId xmlns:p14="http://schemas.microsoft.com/office/powerpoint/2010/main" val="2236884708"/>
       </p:ext>
     </p:extLst>
   </p:cSld>
@@ -15225,14 +15246,6 @@
             </a:lvl9pPr>
           </a:lstStyle>
           <a:p>
-            <a:pPr marL="342900" indent="-342900">
-              <a:buFont typeface="Arial" panose="020B0604020202020204" pitchFamily="34" charset="0"/>
-              <a:buChar char="•"/>
-            </a:pPr>
-            <a:r>
-              <a:rPr lang="en-US" dirty="0"/>
-              <a:t>Functions are the first line of organization in any program.</a:t>
-            </a:r>
             <a:r>
               <a:rPr lang="en-US" sz="2400" dirty="0">
                 <a:solidFill>
@@ -15403,504 +15416,7 @@
             <a:pPr algn="l"/>
             <a:fld id="{0477F178-95BE-4B1C-9247-30D6B7E59DB7}" type="datetime3">
               <a:rPr lang="en-US" smtClean="0"/>
-              <a:t>30 November 2019</a:t>
-            </a:fld>
-            <a:endParaRPr lang="en-US" dirty="0"/>
-          </a:p>
-        </p:txBody>
-      </p:sp>
-      <p:pic>
-        <p:nvPicPr>
-          <p:cNvPr id="3" name="Picture 2">
-            <a:extLst>
-              <a:ext uri="{FF2B5EF4-FFF2-40B4-BE49-F238E27FC236}">
-                <a16:creationId xmlns:a16="http://schemas.microsoft.com/office/drawing/2014/main" id="{6B30A9CD-048A-488C-860A-58E8AFBDDDDD}"/>
-              </a:ext>
-            </a:extLst>
-          </p:cNvPr>
-          <p:cNvPicPr>
-            <a:picLocks noChangeAspect="1"/>
-          </p:cNvPicPr>
-          <p:nvPr/>
-        </p:nvPicPr>
-        <p:blipFill>
-          <a:blip r:embed="rId2"/>
-          <a:stretch>
-            <a:fillRect/>
-          </a:stretch>
-        </p:blipFill>
-        <p:spPr>
-          <a:xfrm>
-            <a:off x="3061328" y="2548467"/>
-            <a:ext cx="3134701" cy="3686001"/>
-          </a:xfrm>
-          <a:prstGeom prst="rect">
-            <a:avLst/>
-          </a:prstGeom>
-        </p:spPr>
-      </p:pic>
-    </p:spTree>
-    <p:extLst>
-      <p:ext uri="{BB962C8B-B14F-4D97-AF65-F5344CB8AC3E}">
-        <p14:creationId xmlns:p14="http://schemas.microsoft.com/office/powerpoint/2010/main" val="2236884708"/>
-      </p:ext>
-    </p:extLst>
-  </p:cSld>
-  <p:clrMapOvr>
-    <a:masterClrMapping/>
-  </p:clrMapOvr>
-</p:sld>
-</file>
-
-<file path=ppt/slides/slide18.xml><?xml version="1.0" encoding="utf-8"?>
-<p:sld xmlns:a="http://schemas.openxmlformats.org/drawingml/2006/main" xmlns:r="http://schemas.openxmlformats.org/officeDocument/2006/relationships" xmlns:p="http://schemas.openxmlformats.org/presentationml/2006/main">
-  <p:cSld>
-    <p:spTree>
-      <p:nvGrpSpPr>
-        <p:cNvPr id="1" name=""/>
-        <p:cNvGrpSpPr/>
-        <p:nvPr/>
-      </p:nvGrpSpPr>
-      <p:grpSpPr>
-        <a:xfrm>
-          <a:off x="0" y="0"/>
-          <a:ext cx="0" cy="0"/>
-          <a:chOff x="0" y="0"/>
-          <a:chExt cx="0" cy="0"/>
-        </a:xfrm>
-      </p:grpSpPr>
-      <p:sp>
-        <p:nvSpPr>
-          <p:cNvPr id="11" name="Slide Number Placeholder 10">
-            <a:extLst>
-              <a:ext uri="{FF2B5EF4-FFF2-40B4-BE49-F238E27FC236}">
-                <a16:creationId xmlns:a16="http://schemas.microsoft.com/office/drawing/2014/main" id="{11FA1C95-AB64-49D4-B3E1-0BC53485AFB8}"/>
-              </a:ext>
-            </a:extLst>
-          </p:cNvPr>
-          <p:cNvSpPr>
-            <a:spLocks noGrp="1"/>
-          </p:cNvSpPr>
-          <p:nvPr>
-            <p:ph type="sldNum" sz="quarter" idx="4294967295"/>
-          </p:nvPr>
-        </p:nvSpPr>
-        <p:spPr>
-          <a:xfrm>
-            <a:off x="9448800" y="6356350"/>
-            <a:ext cx="2743200" cy="365125"/>
-          </a:xfrm>
-          <a:prstGeom prst="rect">
-            <a:avLst/>
-          </a:prstGeom>
-        </p:spPr>
-        <p:txBody>
-          <a:bodyPr/>
-          <a:lstStyle/>
-          <a:p>
-            <a:fld id="{8C4B6803-2184-4C86-B74E-CCB2F4670823}" type="slidenum">
-              <a:rPr lang="en-US" smtClean="0"/>
-              <a:t>18</a:t>
-            </a:fld>
-            <a:endParaRPr lang="en-US"/>
-          </a:p>
-        </p:txBody>
-      </p:sp>
-      <p:sp>
-        <p:nvSpPr>
-          <p:cNvPr id="2" name="TextBox 1">
-            <a:extLst>
-              <a:ext uri="{FF2B5EF4-FFF2-40B4-BE49-F238E27FC236}">
-                <a16:creationId xmlns:a16="http://schemas.microsoft.com/office/drawing/2014/main" id="{B81E0849-5774-4C90-A259-E3BDF29E06D6}"/>
-              </a:ext>
-            </a:extLst>
-          </p:cNvPr>
-          <p:cNvSpPr txBox="1"/>
-          <p:nvPr/>
-        </p:nvSpPr>
-        <p:spPr>
-          <a:xfrm>
-            <a:off x="839449" y="369350"/>
-            <a:ext cx="8609351" cy="830997"/>
-          </a:xfrm>
-          <a:prstGeom prst="rect">
-            <a:avLst/>
-          </a:prstGeom>
-          <a:noFill/>
-        </p:spPr>
-        <p:txBody>
-          <a:bodyPr wrap="square" rtlCol="0">
-            <a:spAutoFit/>
-          </a:bodyPr>
-          <a:lstStyle/>
-          <a:p>
-            <a:pPr lvl="0" algn="ctr"/>
-            <a:r>
-              <a:rPr lang="en-US" sz="4800" b="1" dirty="0">
-                <a:solidFill>
-                  <a:schemeClr val="bg1"/>
-                </a:solidFill>
-              </a:rPr>
-              <a:t>Functions</a:t>
-            </a:r>
-          </a:p>
-        </p:txBody>
-      </p:sp>
-      <p:sp>
-        <p:nvSpPr>
-          <p:cNvPr id="4" name="Title 1">
-            <a:extLst>
-              <a:ext uri="{FF2B5EF4-FFF2-40B4-BE49-F238E27FC236}">
-                <a16:creationId xmlns:a16="http://schemas.microsoft.com/office/drawing/2014/main" id="{DDDD1131-69A0-4235-925F-CA6808B0F653}"/>
-              </a:ext>
-            </a:extLst>
-          </p:cNvPr>
-          <p:cNvSpPr txBox="1">
-            <a:spLocks/>
-          </p:cNvSpPr>
-          <p:nvPr/>
-        </p:nvSpPr>
-        <p:spPr bwMode="gray">
-          <a:xfrm>
-            <a:off x="554636" y="1813810"/>
-            <a:ext cx="11032761" cy="4542540"/>
-          </a:xfrm>
-          <a:prstGeom prst="rect">
-            <a:avLst/>
-          </a:prstGeom>
-          <a:noFill/>
-          <a:ln w="12700">
-            <a:noFill/>
-            <a:miter lim="800000"/>
-            <a:headEnd/>
-            <a:tailEnd/>
-          </a:ln>
-        </p:spPr>
-        <p:txBody>
-          <a:bodyPr vert="horz" wrap="square" lIns="0" tIns="0" rIns="0" bIns="0" numCol="1" anchor="t" anchorCtr="0" compatLnSpc="1">
-            <a:prstTxWarp prst="textNoShape">
-              <a:avLst/>
-            </a:prstTxWarp>
-            <a:noAutofit/>
-          </a:bodyPr>
-          <a:lstStyle>
-            <a:lvl1pPr algn="l" rtl="0" eaLnBrk="1" fontAlgn="base" hangingPunct="1">
-              <a:spcBef>
-                <a:spcPct val="0"/>
-              </a:spcBef>
-              <a:spcAft>
-                <a:spcPct val="0"/>
-              </a:spcAft>
-              <a:defRPr sz="2500" b="0" i="0" baseline="0">
-                <a:solidFill>
-                  <a:srgbClr val="2C2D8B"/>
-                </a:solidFill>
-                <a:latin typeface="Calibri Light"/>
-                <a:ea typeface="+mj-ea"/>
-                <a:cs typeface="Calibri Light"/>
-              </a:defRPr>
-            </a:lvl1pPr>
-            <a:lvl2pPr algn="l" rtl="0" eaLnBrk="1" fontAlgn="base" hangingPunct="1">
-              <a:spcBef>
-                <a:spcPct val="0"/>
-              </a:spcBef>
-              <a:spcAft>
-                <a:spcPct val="0"/>
-              </a:spcAft>
-              <a:defRPr sz="2000">
-                <a:solidFill>
-                  <a:schemeClr val="accent1"/>
-                </a:solidFill>
-                <a:latin typeface="Arial" pitchFamily="34" charset="0"/>
-                <a:ea typeface="STKaiti" pitchFamily="2" charset="-122"/>
-                <a:cs typeface="Geneva" pitchFamily="34" charset="0"/>
-              </a:defRPr>
-            </a:lvl2pPr>
-            <a:lvl3pPr algn="l" rtl="0" eaLnBrk="1" fontAlgn="base" hangingPunct="1">
-              <a:spcBef>
-                <a:spcPct val="0"/>
-              </a:spcBef>
-              <a:spcAft>
-                <a:spcPct val="0"/>
-              </a:spcAft>
-              <a:defRPr sz="2000">
-                <a:solidFill>
-                  <a:schemeClr val="accent1"/>
-                </a:solidFill>
-                <a:latin typeface="Arial" pitchFamily="34" charset="0"/>
-                <a:ea typeface="STKaiti" pitchFamily="2" charset="-122"/>
-                <a:cs typeface="Geneva" pitchFamily="34" charset="0"/>
-              </a:defRPr>
-            </a:lvl3pPr>
-            <a:lvl4pPr algn="l" rtl="0" eaLnBrk="1" fontAlgn="base" hangingPunct="1">
-              <a:spcBef>
-                <a:spcPct val="0"/>
-              </a:spcBef>
-              <a:spcAft>
-                <a:spcPct val="0"/>
-              </a:spcAft>
-              <a:defRPr sz="2000">
-                <a:solidFill>
-                  <a:schemeClr val="accent1"/>
-                </a:solidFill>
-                <a:latin typeface="Arial" pitchFamily="34" charset="0"/>
-                <a:ea typeface="STKaiti" pitchFamily="2" charset="-122"/>
-                <a:cs typeface="Geneva" pitchFamily="34" charset="0"/>
-              </a:defRPr>
-            </a:lvl4pPr>
-            <a:lvl5pPr algn="l" rtl="0" eaLnBrk="1" fontAlgn="base" hangingPunct="1">
-              <a:spcBef>
-                <a:spcPct val="0"/>
-              </a:spcBef>
-              <a:spcAft>
-                <a:spcPct val="0"/>
-              </a:spcAft>
-              <a:defRPr sz="2000">
-                <a:solidFill>
-                  <a:schemeClr val="accent1"/>
-                </a:solidFill>
-                <a:latin typeface="Arial" pitchFamily="34" charset="0"/>
-                <a:ea typeface="STKaiti" pitchFamily="2" charset="-122"/>
-                <a:cs typeface="Geneva" pitchFamily="34" charset="0"/>
-              </a:defRPr>
-            </a:lvl5pPr>
-            <a:lvl6pPr marL="389626" algn="l" rtl="0" eaLnBrk="1" fontAlgn="base" hangingPunct="1">
-              <a:spcBef>
-                <a:spcPct val="0"/>
-              </a:spcBef>
-              <a:spcAft>
-                <a:spcPct val="0"/>
-              </a:spcAft>
-              <a:defRPr sz="2000">
-                <a:solidFill>
-                  <a:schemeClr val="accent1"/>
-                </a:solidFill>
-                <a:latin typeface="Arial" pitchFamily="34" charset="0"/>
-                <a:ea typeface="ヒラギノ角ゴ Pro W3" pitchFamily="124" charset="-128"/>
-                <a:cs typeface="Geneva" pitchFamily="34" charset="0"/>
-              </a:defRPr>
-            </a:lvl6pPr>
-            <a:lvl7pPr marL="779252" algn="l" rtl="0" eaLnBrk="1" fontAlgn="base" hangingPunct="1">
-              <a:spcBef>
-                <a:spcPct val="0"/>
-              </a:spcBef>
-              <a:spcAft>
-                <a:spcPct val="0"/>
-              </a:spcAft>
-              <a:defRPr sz="2000">
-                <a:solidFill>
-                  <a:schemeClr val="accent1"/>
-                </a:solidFill>
-                <a:latin typeface="Arial" pitchFamily="34" charset="0"/>
-                <a:ea typeface="ヒラギノ角ゴ Pro W3" pitchFamily="124" charset="-128"/>
-                <a:cs typeface="Geneva" pitchFamily="34" charset="0"/>
-              </a:defRPr>
-            </a:lvl7pPr>
-            <a:lvl8pPr marL="1168878" algn="l" rtl="0" eaLnBrk="1" fontAlgn="base" hangingPunct="1">
-              <a:spcBef>
-                <a:spcPct val="0"/>
-              </a:spcBef>
-              <a:spcAft>
-                <a:spcPct val="0"/>
-              </a:spcAft>
-              <a:defRPr sz="2000">
-                <a:solidFill>
-                  <a:schemeClr val="accent1"/>
-                </a:solidFill>
-                <a:latin typeface="Arial" pitchFamily="34" charset="0"/>
-                <a:ea typeface="ヒラギノ角ゴ Pro W3" pitchFamily="124" charset="-128"/>
-                <a:cs typeface="Geneva" pitchFamily="34" charset="0"/>
-              </a:defRPr>
-            </a:lvl8pPr>
-            <a:lvl9pPr marL="1558503" algn="l" rtl="0" eaLnBrk="1" fontAlgn="base" hangingPunct="1">
-              <a:spcBef>
-                <a:spcPct val="0"/>
-              </a:spcBef>
-              <a:spcAft>
-                <a:spcPct val="0"/>
-              </a:spcAft>
-              <a:defRPr sz="2000">
-                <a:solidFill>
-                  <a:schemeClr val="accent1"/>
-                </a:solidFill>
-                <a:latin typeface="Arial" pitchFamily="34" charset="0"/>
-                <a:ea typeface="ヒラギノ角ゴ Pro W3" pitchFamily="124" charset="-128"/>
-                <a:cs typeface="Geneva" pitchFamily="34" charset="0"/>
-              </a:defRPr>
-            </a:lvl9pPr>
-          </a:lstStyle>
-          <a:p>
-            <a:r>
-              <a:rPr lang="en-US" sz="2400" dirty="0">
-                <a:solidFill>
-                  <a:schemeClr val="tx1"/>
-                </a:solidFill>
-              </a:rPr>
-              <a:t>					</a:t>
-            </a:r>
-          </a:p>
-          <a:p>
-            <a:pPr marL="342900" indent="-342900">
-              <a:buFont typeface="Arial" panose="020B0604020202020204" pitchFamily="34" charset="0"/>
-              <a:buChar char="•"/>
-            </a:pPr>
-            <a:endParaRPr lang="en-US" sz="2400" dirty="0">
-              <a:solidFill>
-                <a:schemeClr val="tx1"/>
-              </a:solidFill>
-            </a:endParaRPr>
-          </a:p>
-          <a:p>
-            <a:pPr marL="342900" indent="-342900">
-              <a:buFont typeface="Arial" panose="020B0604020202020204" pitchFamily="34" charset="0"/>
-              <a:buChar char="•"/>
-            </a:pPr>
-            <a:endParaRPr lang="en-US" sz="2400" dirty="0">
-              <a:solidFill>
-                <a:schemeClr val="tx1"/>
-              </a:solidFill>
-            </a:endParaRPr>
-          </a:p>
-          <a:p>
-            <a:pPr marL="342900" indent="-342900">
-              <a:buFont typeface="Arial" panose="020B0604020202020204" pitchFamily="34" charset="0"/>
-              <a:buChar char="•"/>
-            </a:pPr>
-            <a:endParaRPr lang="en-US" sz="2400" dirty="0">
-              <a:solidFill>
-                <a:schemeClr val="tx1"/>
-              </a:solidFill>
-            </a:endParaRPr>
-          </a:p>
-        </p:txBody>
-      </p:sp>
-      <p:sp>
-        <p:nvSpPr>
-          <p:cNvPr id="6" name="Slide Number Placeholder 9">
-            <a:extLst>
-              <a:ext uri="{FF2B5EF4-FFF2-40B4-BE49-F238E27FC236}">
-                <a16:creationId xmlns:a16="http://schemas.microsoft.com/office/drawing/2014/main" id="{9E1271EC-8BC6-4145-8E39-8961635DFF5F}"/>
-              </a:ext>
-            </a:extLst>
-          </p:cNvPr>
-          <p:cNvSpPr txBox="1">
-            <a:spLocks/>
-          </p:cNvSpPr>
-          <p:nvPr/>
-        </p:nvSpPr>
-        <p:spPr>
-          <a:xfrm>
-            <a:off x="1" y="6356350"/>
-            <a:ext cx="1557866" cy="365125"/>
-          </a:xfrm>
-          <a:prstGeom prst="rect">
-            <a:avLst/>
-          </a:prstGeom>
-        </p:spPr>
-        <p:txBody>
-          <a:bodyPr vert="horz" lIns="91440" tIns="45720" rIns="91440" bIns="45720" rtlCol="0" anchor="ctr"/>
-          <a:lstStyle>
-            <a:defPPr>
-              <a:defRPr lang="en-US"/>
-            </a:defPPr>
-            <a:lvl1pPr marL="0" algn="r" defTabSz="914400" rtl="0" eaLnBrk="1" latinLnBrk="0" hangingPunct="1">
-              <a:defRPr sz="1200" kern="1200">
-                <a:solidFill>
-                  <a:schemeClr val="tx1">
-                    <a:tint val="75000"/>
-                  </a:schemeClr>
-                </a:solidFill>
-                <a:latin typeface="+mn-lt"/>
-                <a:ea typeface="+mn-ea"/>
-                <a:cs typeface="+mn-cs"/>
-              </a:defRPr>
-            </a:lvl1pPr>
-            <a:lvl2pPr marL="457200" algn="l" defTabSz="914400" rtl="0" eaLnBrk="1" latinLnBrk="0" hangingPunct="1">
-              <a:defRPr sz="1800" kern="1200">
-                <a:solidFill>
-                  <a:schemeClr val="tx1"/>
-                </a:solidFill>
-                <a:latin typeface="+mn-lt"/>
-                <a:ea typeface="+mn-ea"/>
-                <a:cs typeface="+mn-cs"/>
-              </a:defRPr>
-            </a:lvl2pPr>
-            <a:lvl3pPr marL="914400" algn="l" defTabSz="914400" rtl="0" eaLnBrk="1" latinLnBrk="0" hangingPunct="1">
-              <a:defRPr sz="1800" kern="1200">
-                <a:solidFill>
-                  <a:schemeClr val="tx1"/>
-                </a:solidFill>
-                <a:latin typeface="+mn-lt"/>
-                <a:ea typeface="+mn-ea"/>
-                <a:cs typeface="+mn-cs"/>
-              </a:defRPr>
-            </a:lvl3pPr>
-            <a:lvl4pPr marL="1371600" algn="l" defTabSz="914400" rtl="0" eaLnBrk="1" latinLnBrk="0" hangingPunct="1">
-              <a:defRPr sz="1800" kern="1200">
-                <a:solidFill>
-                  <a:schemeClr val="tx1"/>
-                </a:solidFill>
-                <a:latin typeface="+mn-lt"/>
-                <a:ea typeface="+mn-ea"/>
-                <a:cs typeface="+mn-cs"/>
-              </a:defRPr>
-            </a:lvl4pPr>
-            <a:lvl5pPr marL="1828800" algn="l" defTabSz="914400" rtl="0" eaLnBrk="1" latinLnBrk="0" hangingPunct="1">
-              <a:defRPr sz="1800" kern="1200">
-                <a:solidFill>
-                  <a:schemeClr val="tx1"/>
-                </a:solidFill>
-                <a:latin typeface="+mn-lt"/>
-                <a:ea typeface="+mn-ea"/>
-                <a:cs typeface="+mn-cs"/>
-              </a:defRPr>
-            </a:lvl5pPr>
-            <a:lvl6pPr marL="2286000" algn="l" defTabSz="914400" rtl="0" eaLnBrk="1" latinLnBrk="0" hangingPunct="1">
-              <a:defRPr sz="1800" kern="1200">
-                <a:solidFill>
-                  <a:schemeClr val="tx1"/>
-                </a:solidFill>
-                <a:latin typeface="+mn-lt"/>
-                <a:ea typeface="+mn-ea"/>
-                <a:cs typeface="+mn-cs"/>
-              </a:defRPr>
-            </a:lvl6pPr>
-            <a:lvl7pPr marL="2743200" algn="l" defTabSz="914400" rtl="0" eaLnBrk="1" latinLnBrk="0" hangingPunct="1">
-              <a:defRPr sz="1800" kern="1200">
-                <a:solidFill>
-                  <a:schemeClr val="tx1"/>
-                </a:solidFill>
-                <a:latin typeface="+mn-lt"/>
-                <a:ea typeface="+mn-ea"/>
-                <a:cs typeface="+mn-cs"/>
-              </a:defRPr>
-            </a:lvl7pPr>
-            <a:lvl8pPr marL="3200400" algn="l" defTabSz="914400" rtl="0" eaLnBrk="1" latinLnBrk="0" hangingPunct="1">
-              <a:defRPr sz="1800" kern="1200">
-                <a:solidFill>
-                  <a:schemeClr val="tx1"/>
-                </a:solidFill>
-                <a:latin typeface="+mn-lt"/>
-                <a:ea typeface="+mn-ea"/>
-                <a:cs typeface="+mn-cs"/>
-              </a:defRPr>
-            </a:lvl8pPr>
-            <a:lvl9pPr marL="3657600" algn="l" defTabSz="914400" rtl="0" eaLnBrk="1" latinLnBrk="0" hangingPunct="1">
-              <a:defRPr sz="1800" kern="1200">
-                <a:solidFill>
-                  <a:schemeClr val="tx1"/>
-                </a:solidFill>
-                <a:latin typeface="+mn-lt"/>
-                <a:ea typeface="+mn-ea"/>
-                <a:cs typeface="+mn-cs"/>
-              </a:defRPr>
-            </a:lvl9pPr>
-          </a:lstStyle>
-          <a:p>
-            <a:pPr algn="l"/>
-            <a:fld id="{0477F178-95BE-4B1C-9247-30D6B7E59DB7}" type="datetime3">
-              <a:rPr lang="en-US" smtClean="0"/>
-              <a:t>30 November 2019</a:t>
+              <a:t>2 January 2020</a:t>
             </a:fld>
             <a:endParaRPr lang="en-US" dirty="0"/>
           </a:p>
@@ -16015,7 +15531,7 @@
 </p:sld>
 </file>
 
-<file path=ppt/slides/slide19.xml><?xml version="1.0" encoding="utf-8"?>
+<file path=ppt/slides/slide18.xml><?xml version="1.0" encoding="utf-8"?>
 <p:sld xmlns:a="http://schemas.openxmlformats.org/drawingml/2006/main" xmlns:r="http://schemas.openxmlformats.org/officeDocument/2006/relationships" xmlns:p="http://schemas.openxmlformats.org/presentationml/2006/main">
   <p:cSld>
     <p:spTree>
@@ -16063,7 +15579,7 @@
           <a:p>
             <a:fld id="{8C4B6803-2184-4C86-B74E-CCB2F4670823}" type="slidenum">
               <a:rPr lang="en-US" smtClean="0"/>
-              <a:t>19</a:t>
+              <a:t>18</a:t>
             </a:fld>
             <a:endParaRPr lang="en-US"/>
           </a:p>
@@ -16463,7 +15979,7 @@
             <a:pPr algn="l"/>
             <a:fld id="{0477F178-95BE-4B1C-9247-30D6B7E59DB7}" type="datetime3">
               <a:rPr lang="en-US" smtClean="0"/>
-              <a:t>30 November 2019</a:t>
+              <a:t>2 January 2020</a:t>
             </a:fld>
             <a:endParaRPr lang="en-US" dirty="0"/>
           </a:p>
@@ -16578,6 +16094,533 @@
 </p:sld>
 </file>
 
+<file path=ppt/slides/slide19.xml><?xml version="1.0" encoding="utf-8"?>
+<p:sld xmlns:a="http://schemas.openxmlformats.org/drawingml/2006/main" xmlns:r="http://schemas.openxmlformats.org/officeDocument/2006/relationships" xmlns:p="http://schemas.openxmlformats.org/presentationml/2006/main">
+  <p:cSld>
+    <p:spTree>
+      <p:nvGrpSpPr>
+        <p:cNvPr id="1" name=""/>
+        <p:cNvGrpSpPr/>
+        <p:nvPr/>
+      </p:nvGrpSpPr>
+      <p:grpSpPr>
+        <a:xfrm>
+          <a:off x="0" y="0"/>
+          <a:ext cx="0" cy="0"/>
+          <a:chOff x="0" y="0"/>
+          <a:chExt cx="0" cy="0"/>
+        </a:xfrm>
+      </p:grpSpPr>
+      <p:sp>
+        <p:nvSpPr>
+          <p:cNvPr id="11" name="Slide Number Placeholder 10">
+            <a:extLst>
+              <a:ext uri="{FF2B5EF4-FFF2-40B4-BE49-F238E27FC236}">
+                <a16:creationId xmlns:a16="http://schemas.microsoft.com/office/drawing/2014/main" id="{11FA1C95-AB64-49D4-B3E1-0BC53485AFB8}"/>
+              </a:ext>
+            </a:extLst>
+          </p:cNvPr>
+          <p:cNvSpPr>
+            <a:spLocks noGrp="1"/>
+          </p:cNvSpPr>
+          <p:nvPr>
+            <p:ph type="sldNum" sz="quarter" idx="4294967295"/>
+          </p:nvPr>
+        </p:nvSpPr>
+        <p:spPr>
+          <a:xfrm>
+            <a:off x="9448800" y="6356350"/>
+            <a:ext cx="2743200" cy="365125"/>
+          </a:xfrm>
+          <a:prstGeom prst="rect">
+            <a:avLst/>
+          </a:prstGeom>
+        </p:spPr>
+        <p:txBody>
+          <a:bodyPr/>
+          <a:lstStyle/>
+          <a:p>
+            <a:fld id="{8C4B6803-2184-4C86-B74E-CCB2F4670823}" type="slidenum">
+              <a:rPr lang="en-US" smtClean="0"/>
+              <a:t>19</a:t>
+            </a:fld>
+            <a:endParaRPr lang="en-US"/>
+          </a:p>
+        </p:txBody>
+      </p:sp>
+      <p:sp>
+        <p:nvSpPr>
+          <p:cNvPr id="2" name="TextBox 1">
+            <a:extLst>
+              <a:ext uri="{FF2B5EF4-FFF2-40B4-BE49-F238E27FC236}">
+                <a16:creationId xmlns:a16="http://schemas.microsoft.com/office/drawing/2014/main" id="{B81E0849-5774-4C90-A259-E3BDF29E06D6}"/>
+              </a:ext>
+            </a:extLst>
+          </p:cNvPr>
+          <p:cNvSpPr txBox="1"/>
+          <p:nvPr/>
+        </p:nvSpPr>
+        <p:spPr>
+          <a:xfrm>
+            <a:off x="839449" y="369350"/>
+            <a:ext cx="8609351" cy="830997"/>
+          </a:xfrm>
+          <a:prstGeom prst="rect">
+            <a:avLst/>
+          </a:prstGeom>
+          <a:noFill/>
+        </p:spPr>
+        <p:txBody>
+          <a:bodyPr wrap="square" rtlCol="0">
+            <a:spAutoFit/>
+          </a:bodyPr>
+          <a:lstStyle/>
+          <a:p>
+            <a:pPr lvl="0" algn="ctr"/>
+            <a:r>
+              <a:rPr lang="en-US" sz="4800" b="1" dirty="0">
+                <a:solidFill>
+                  <a:schemeClr val="bg1"/>
+                </a:solidFill>
+              </a:rPr>
+              <a:t>Functions</a:t>
+            </a:r>
+          </a:p>
+        </p:txBody>
+      </p:sp>
+      <p:sp>
+        <p:nvSpPr>
+          <p:cNvPr id="4" name="Title 1">
+            <a:extLst>
+              <a:ext uri="{FF2B5EF4-FFF2-40B4-BE49-F238E27FC236}">
+                <a16:creationId xmlns:a16="http://schemas.microsoft.com/office/drawing/2014/main" id="{DDDD1131-69A0-4235-925F-CA6808B0F653}"/>
+              </a:ext>
+            </a:extLst>
+          </p:cNvPr>
+          <p:cNvSpPr txBox="1">
+            <a:spLocks/>
+          </p:cNvSpPr>
+          <p:nvPr/>
+        </p:nvSpPr>
+        <p:spPr bwMode="gray">
+          <a:xfrm>
+            <a:off x="554636" y="1813810"/>
+            <a:ext cx="11032761" cy="4542540"/>
+          </a:xfrm>
+          <a:prstGeom prst="rect">
+            <a:avLst/>
+          </a:prstGeom>
+          <a:noFill/>
+          <a:ln w="12700">
+            <a:noFill/>
+            <a:miter lim="800000"/>
+            <a:headEnd/>
+            <a:tailEnd/>
+          </a:ln>
+        </p:spPr>
+        <p:txBody>
+          <a:bodyPr vert="horz" wrap="square" lIns="0" tIns="0" rIns="0" bIns="0" numCol="1" anchor="t" anchorCtr="0" compatLnSpc="1">
+            <a:prstTxWarp prst="textNoShape">
+              <a:avLst/>
+            </a:prstTxWarp>
+            <a:noAutofit/>
+          </a:bodyPr>
+          <a:lstStyle>
+            <a:lvl1pPr algn="l" rtl="0" eaLnBrk="1" fontAlgn="base" hangingPunct="1">
+              <a:spcBef>
+                <a:spcPct val="0"/>
+              </a:spcBef>
+              <a:spcAft>
+                <a:spcPct val="0"/>
+              </a:spcAft>
+              <a:defRPr sz="2500" b="0" i="0" baseline="0">
+                <a:solidFill>
+                  <a:srgbClr val="2C2D8B"/>
+                </a:solidFill>
+                <a:latin typeface="Calibri Light"/>
+                <a:ea typeface="+mj-ea"/>
+                <a:cs typeface="Calibri Light"/>
+              </a:defRPr>
+            </a:lvl1pPr>
+            <a:lvl2pPr algn="l" rtl="0" eaLnBrk="1" fontAlgn="base" hangingPunct="1">
+              <a:spcBef>
+                <a:spcPct val="0"/>
+              </a:spcBef>
+              <a:spcAft>
+                <a:spcPct val="0"/>
+              </a:spcAft>
+              <a:defRPr sz="2000">
+                <a:solidFill>
+                  <a:schemeClr val="accent1"/>
+                </a:solidFill>
+                <a:latin typeface="Arial" pitchFamily="34" charset="0"/>
+                <a:ea typeface="STKaiti" pitchFamily="2" charset="-122"/>
+                <a:cs typeface="Geneva" pitchFamily="34" charset="0"/>
+              </a:defRPr>
+            </a:lvl2pPr>
+            <a:lvl3pPr algn="l" rtl="0" eaLnBrk="1" fontAlgn="base" hangingPunct="1">
+              <a:spcBef>
+                <a:spcPct val="0"/>
+              </a:spcBef>
+              <a:spcAft>
+                <a:spcPct val="0"/>
+              </a:spcAft>
+              <a:defRPr sz="2000">
+                <a:solidFill>
+                  <a:schemeClr val="accent1"/>
+                </a:solidFill>
+                <a:latin typeface="Arial" pitchFamily="34" charset="0"/>
+                <a:ea typeface="STKaiti" pitchFamily="2" charset="-122"/>
+                <a:cs typeface="Geneva" pitchFamily="34" charset="0"/>
+              </a:defRPr>
+            </a:lvl3pPr>
+            <a:lvl4pPr algn="l" rtl="0" eaLnBrk="1" fontAlgn="base" hangingPunct="1">
+              <a:spcBef>
+                <a:spcPct val="0"/>
+              </a:spcBef>
+              <a:spcAft>
+                <a:spcPct val="0"/>
+              </a:spcAft>
+              <a:defRPr sz="2000">
+                <a:solidFill>
+                  <a:schemeClr val="accent1"/>
+                </a:solidFill>
+                <a:latin typeface="Arial" pitchFamily="34" charset="0"/>
+                <a:ea typeface="STKaiti" pitchFamily="2" charset="-122"/>
+                <a:cs typeface="Geneva" pitchFamily="34" charset="0"/>
+              </a:defRPr>
+            </a:lvl4pPr>
+            <a:lvl5pPr algn="l" rtl="0" eaLnBrk="1" fontAlgn="base" hangingPunct="1">
+              <a:spcBef>
+                <a:spcPct val="0"/>
+              </a:spcBef>
+              <a:spcAft>
+                <a:spcPct val="0"/>
+              </a:spcAft>
+              <a:defRPr sz="2000">
+                <a:solidFill>
+                  <a:schemeClr val="accent1"/>
+                </a:solidFill>
+                <a:latin typeface="Arial" pitchFamily="34" charset="0"/>
+                <a:ea typeface="STKaiti" pitchFamily="2" charset="-122"/>
+                <a:cs typeface="Geneva" pitchFamily="34" charset="0"/>
+              </a:defRPr>
+            </a:lvl5pPr>
+            <a:lvl6pPr marL="389626" algn="l" rtl="0" eaLnBrk="1" fontAlgn="base" hangingPunct="1">
+              <a:spcBef>
+                <a:spcPct val="0"/>
+              </a:spcBef>
+              <a:spcAft>
+                <a:spcPct val="0"/>
+              </a:spcAft>
+              <a:defRPr sz="2000">
+                <a:solidFill>
+                  <a:schemeClr val="accent1"/>
+                </a:solidFill>
+                <a:latin typeface="Arial" pitchFamily="34" charset="0"/>
+                <a:ea typeface="ヒラギノ角ゴ Pro W3" pitchFamily="124" charset="-128"/>
+                <a:cs typeface="Geneva" pitchFamily="34" charset="0"/>
+              </a:defRPr>
+            </a:lvl6pPr>
+            <a:lvl7pPr marL="779252" algn="l" rtl="0" eaLnBrk="1" fontAlgn="base" hangingPunct="1">
+              <a:spcBef>
+                <a:spcPct val="0"/>
+              </a:spcBef>
+              <a:spcAft>
+                <a:spcPct val="0"/>
+              </a:spcAft>
+              <a:defRPr sz="2000">
+                <a:solidFill>
+                  <a:schemeClr val="accent1"/>
+                </a:solidFill>
+                <a:latin typeface="Arial" pitchFamily="34" charset="0"/>
+                <a:ea typeface="ヒラギノ角ゴ Pro W3" pitchFamily="124" charset="-128"/>
+                <a:cs typeface="Geneva" pitchFamily="34" charset="0"/>
+              </a:defRPr>
+            </a:lvl7pPr>
+            <a:lvl8pPr marL="1168878" algn="l" rtl="0" eaLnBrk="1" fontAlgn="base" hangingPunct="1">
+              <a:spcBef>
+                <a:spcPct val="0"/>
+              </a:spcBef>
+              <a:spcAft>
+                <a:spcPct val="0"/>
+              </a:spcAft>
+              <a:defRPr sz="2000">
+                <a:solidFill>
+                  <a:schemeClr val="accent1"/>
+                </a:solidFill>
+                <a:latin typeface="Arial" pitchFamily="34" charset="0"/>
+                <a:ea typeface="ヒラギノ角ゴ Pro W3" pitchFamily="124" charset="-128"/>
+                <a:cs typeface="Geneva" pitchFamily="34" charset="0"/>
+              </a:defRPr>
+            </a:lvl8pPr>
+            <a:lvl9pPr marL="1558503" algn="l" rtl="0" eaLnBrk="1" fontAlgn="base" hangingPunct="1">
+              <a:spcBef>
+                <a:spcPct val="0"/>
+              </a:spcBef>
+              <a:spcAft>
+                <a:spcPct val="0"/>
+              </a:spcAft>
+              <a:defRPr sz="2000">
+                <a:solidFill>
+                  <a:schemeClr val="accent1"/>
+                </a:solidFill>
+                <a:latin typeface="Arial" pitchFamily="34" charset="0"/>
+                <a:ea typeface="ヒラギノ角ゴ Pro W3" pitchFamily="124" charset="-128"/>
+                <a:cs typeface="Geneva" pitchFamily="34" charset="0"/>
+              </a:defRPr>
+            </a:lvl9pPr>
+          </a:lstStyle>
+          <a:p>
+            <a:r>
+              <a:rPr lang="en-US" sz="2400" dirty="0">
+                <a:solidFill>
+                  <a:schemeClr val="tx1"/>
+                </a:solidFill>
+              </a:rPr>
+              <a:t>					</a:t>
+            </a:r>
+          </a:p>
+          <a:p>
+            <a:pPr marL="342900" indent="-342900">
+              <a:buFont typeface="Arial" panose="020B0604020202020204" pitchFamily="34" charset="0"/>
+              <a:buChar char="•"/>
+            </a:pPr>
+            <a:endParaRPr lang="en-US" sz="2400" dirty="0">
+              <a:solidFill>
+                <a:schemeClr val="tx1"/>
+              </a:solidFill>
+            </a:endParaRPr>
+          </a:p>
+          <a:p>
+            <a:pPr marL="342900" indent="-342900">
+              <a:buFont typeface="Arial" panose="020B0604020202020204" pitchFamily="34" charset="0"/>
+              <a:buChar char="•"/>
+            </a:pPr>
+            <a:endParaRPr lang="en-US" sz="2400" dirty="0">
+              <a:solidFill>
+                <a:schemeClr val="tx1"/>
+              </a:solidFill>
+            </a:endParaRPr>
+          </a:p>
+          <a:p>
+            <a:pPr marL="342900" indent="-342900">
+              <a:buFont typeface="Arial" panose="020B0604020202020204" pitchFamily="34" charset="0"/>
+              <a:buChar char="•"/>
+            </a:pPr>
+            <a:endParaRPr lang="en-US" sz="2400" dirty="0">
+              <a:solidFill>
+                <a:schemeClr val="tx1"/>
+              </a:solidFill>
+            </a:endParaRPr>
+          </a:p>
+        </p:txBody>
+      </p:sp>
+      <p:sp>
+        <p:nvSpPr>
+          <p:cNvPr id="6" name="Slide Number Placeholder 9">
+            <a:extLst>
+              <a:ext uri="{FF2B5EF4-FFF2-40B4-BE49-F238E27FC236}">
+                <a16:creationId xmlns:a16="http://schemas.microsoft.com/office/drawing/2014/main" id="{9E1271EC-8BC6-4145-8E39-8961635DFF5F}"/>
+              </a:ext>
+            </a:extLst>
+          </p:cNvPr>
+          <p:cNvSpPr txBox="1">
+            <a:spLocks/>
+          </p:cNvSpPr>
+          <p:nvPr/>
+        </p:nvSpPr>
+        <p:spPr>
+          <a:xfrm>
+            <a:off x="1" y="6356350"/>
+            <a:ext cx="1557866" cy="365125"/>
+          </a:xfrm>
+          <a:prstGeom prst="rect">
+            <a:avLst/>
+          </a:prstGeom>
+        </p:spPr>
+        <p:txBody>
+          <a:bodyPr vert="horz" lIns="91440" tIns="45720" rIns="91440" bIns="45720" rtlCol="0" anchor="ctr"/>
+          <a:lstStyle>
+            <a:defPPr>
+              <a:defRPr lang="en-US"/>
+            </a:defPPr>
+            <a:lvl1pPr marL="0" algn="r" defTabSz="914400" rtl="0" eaLnBrk="1" latinLnBrk="0" hangingPunct="1">
+              <a:defRPr sz="1200" kern="1200">
+                <a:solidFill>
+                  <a:schemeClr val="tx1">
+                    <a:tint val="75000"/>
+                  </a:schemeClr>
+                </a:solidFill>
+                <a:latin typeface="+mn-lt"/>
+                <a:ea typeface="+mn-ea"/>
+                <a:cs typeface="+mn-cs"/>
+              </a:defRPr>
+            </a:lvl1pPr>
+            <a:lvl2pPr marL="457200" algn="l" defTabSz="914400" rtl="0" eaLnBrk="1" latinLnBrk="0" hangingPunct="1">
+              <a:defRPr sz="1800" kern="1200">
+                <a:solidFill>
+                  <a:schemeClr val="tx1"/>
+                </a:solidFill>
+                <a:latin typeface="+mn-lt"/>
+                <a:ea typeface="+mn-ea"/>
+                <a:cs typeface="+mn-cs"/>
+              </a:defRPr>
+            </a:lvl2pPr>
+            <a:lvl3pPr marL="914400" algn="l" defTabSz="914400" rtl="0" eaLnBrk="1" latinLnBrk="0" hangingPunct="1">
+              <a:defRPr sz="1800" kern="1200">
+                <a:solidFill>
+                  <a:schemeClr val="tx1"/>
+                </a:solidFill>
+                <a:latin typeface="+mn-lt"/>
+                <a:ea typeface="+mn-ea"/>
+                <a:cs typeface="+mn-cs"/>
+              </a:defRPr>
+            </a:lvl3pPr>
+            <a:lvl4pPr marL="1371600" algn="l" defTabSz="914400" rtl="0" eaLnBrk="1" latinLnBrk="0" hangingPunct="1">
+              <a:defRPr sz="1800" kern="1200">
+                <a:solidFill>
+                  <a:schemeClr val="tx1"/>
+                </a:solidFill>
+                <a:latin typeface="+mn-lt"/>
+                <a:ea typeface="+mn-ea"/>
+                <a:cs typeface="+mn-cs"/>
+              </a:defRPr>
+            </a:lvl4pPr>
+            <a:lvl5pPr marL="1828800" algn="l" defTabSz="914400" rtl="0" eaLnBrk="1" latinLnBrk="0" hangingPunct="1">
+              <a:defRPr sz="1800" kern="1200">
+                <a:solidFill>
+                  <a:schemeClr val="tx1"/>
+                </a:solidFill>
+                <a:latin typeface="+mn-lt"/>
+                <a:ea typeface="+mn-ea"/>
+                <a:cs typeface="+mn-cs"/>
+              </a:defRPr>
+            </a:lvl5pPr>
+            <a:lvl6pPr marL="2286000" algn="l" defTabSz="914400" rtl="0" eaLnBrk="1" latinLnBrk="0" hangingPunct="1">
+              <a:defRPr sz="1800" kern="1200">
+                <a:solidFill>
+                  <a:schemeClr val="tx1"/>
+                </a:solidFill>
+                <a:latin typeface="+mn-lt"/>
+                <a:ea typeface="+mn-ea"/>
+                <a:cs typeface="+mn-cs"/>
+              </a:defRPr>
+            </a:lvl6pPr>
+            <a:lvl7pPr marL="2743200" algn="l" defTabSz="914400" rtl="0" eaLnBrk="1" latinLnBrk="0" hangingPunct="1">
+              <a:defRPr sz="1800" kern="1200">
+                <a:solidFill>
+                  <a:schemeClr val="tx1"/>
+                </a:solidFill>
+                <a:latin typeface="+mn-lt"/>
+                <a:ea typeface="+mn-ea"/>
+                <a:cs typeface="+mn-cs"/>
+              </a:defRPr>
+            </a:lvl7pPr>
+            <a:lvl8pPr marL="3200400" algn="l" defTabSz="914400" rtl="0" eaLnBrk="1" latinLnBrk="0" hangingPunct="1">
+              <a:defRPr sz="1800" kern="1200">
+                <a:solidFill>
+                  <a:schemeClr val="tx1"/>
+                </a:solidFill>
+                <a:latin typeface="+mn-lt"/>
+                <a:ea typeface="+mn-ea"/>
+                <a:cs typeface="+mn-cs"/>
+              </a:defRPr>
+            </a:lvl8pPr>
+            <a:lvl9pPr marL="3657600" algn="l" defTabSz="914400" rtl="0" eaLnBrk="1" latinLnBrk="0" hangingPunct="1">
+              <a:defRPr sz="1800" kern="1200">
+                <a:solidFill>
+                  <a:schemeClr val="tx1"/>
+                </a:solidFill>
+                <a:latin typeface="+mn-lt"/>
+                <a:ea typeface="+mn-ea"/>
+                <a:cs typeface="+mn-cs"/>
+              </a:defRPr>
+            </a:lvl9pPr>
+          </a:lstStyle>
+          <a:p>
+            <a:pPr algn="l"/>
+            <a:fld id="{0477F178-95BE-4B1C-9247-30D6B7E59DB7}" type="datetime3">
+              <a:rPr lang="en-US" smtClean="0"/>
+              <a:t>2 January 2020</a:t>
+            </a:fld>
+            <a:endParaRPr lang="en-US" dirty="0"/>
+          </a:p>
+        </p:txBody>
+      </p:sp>
+      <p:pic>
+        <p:nvPicPr>
+          <p:cNvPr id="3" name="Picture 2">
+            <a:extLst>
+              <a:ext uri="{FF2B5EF4-FFF2-40B4-BE49-F238E27FC236}">
+                <a16:creationId xmlns:a16="http://schemas.microsoft.com/office/drawing/2014/main" id="{E00B351E-9157-4C7B-9127-86A3FA86AA30}"/>
+              </a:ext>
+            </a:extLst>
+          </p:cNvPr>
+          <p:cNvPicPr>
+            <a:picLocks noChangeAspect="1"/>
+          </p:cNvPicPr>
+          <p:nvPr/>
+        </p:nvPicPr>
+        <p:blipFill>
+          <a:blip r:embed="rId2"/>
+          <a:stretch>
+            <a:fillRect/>
+          </a:stretch>
+        </p:blipFill>
+        <p:spPr>
+          <a:xfrm>
+            <a:off x="153609" y="1813811"/>
+            <a:ext cx="6798733" cy="3052104"/>
+          </a:xfrm>
+          <a:prstGeom prst="rect">
+            <a:avLst/>
+          </a:prstGeom>
+        </p:spPr>
+      </p:pic>
+      <p:pic>
+        <p:nvPicPr>
+          <p:cNvPr id="9" name="Picture 8">
+            <a:extLst>
+              <a:ext uri="{FF2B5EF4-FFF2-40B4-BE49-F238E27FC236}">
+                <a16:creationId xmlns:a16="http://schemas.microsoft.com/office/drawing/2014/main" id="{5909875A-42AF-4DC0-8F4D-2A2D80C35C2F}"/>
+              </a:ext>
+            </a:extLst>
+          </p:cNvPr>
+          <p:cNvPicPr>
+            <a:picLocks noChangeAspect="1"/>
+          </p:cNvPicPr>
+          <p:nvPr/>
+        </p:nvPicPr>
+        <p:blipFill>
+          <a:blip r:embed="rId3"/>
+          <a:stretch>
+            <a:fillRect/>
+          </a:stretch>
+        </p:blipFill>
+        <p:spPr>
+          <a:xfrm>
+            <a:off x="1928812" y="4920344"/>
+            <a:ext cx="8334375" cy="1684349"/>
+          </a:xfrm>
+          <a:prstGeom prst="rect">
+            <a:avLst/>
+          </a:prstGeom>
+        </p:spPr>
+      </p:pic>
+    </p:spTree>
+    <p:extLst>
+      <p:ext uri="{BB962C8B-B14F-4D97-AF65-F5344CB8AC3E}">
+        <p14:creationId xmlns:p14="http://schemas.microsoft.com/office/powerpoint/2010/main" val="19937601"/>
+      </p:ext>
+    </p:extLst>
+  </p:cSld>
+  <p:clrMapOvr>
+    <a:masterClrMapping/>
+  </p:clrMapOvr>
+</p:sld>
+</file>
+
 <file path=ppt/slides/slide2.xml><?xml version="1.0" encoding="utf-8"?>
 <p:sld xmlns:a="http://schemas.openxmlformats.org/drawingml/2006/main" xmlns:r="http://schemas.openxmlformats.org/officeDocument/2006/relationships" xmlns:p="http://schemas.openxmlformats.org/presentationml/2006/main">
   <p:cSld>
@@ -16689,7 +16732,7 @@
         <p:spPr bwMode="gray">
           <a:xfrm>
             <a:off x="524656" y="1813810"/>
-            <a:ext cx="11092721" cy="4542540"/>
+            <a:ext cx="11092721" cy="4674840"/>
           </a:xfrm>
           <a:prstGeom prst="rect">
             <a:avLst/>
@@ -16865,7 +16908,7 @@
                 <a:latin typeface="Calibri" panose="020F0502020204030204" pitchFamily="34" charset="0"/>
                 <a:cs typeface="Calibri" panose="020F0502020204030204" pitchFamily="34" charset="0"/>
               </a:rPr>
-              <a:t>Writing clean code is what you must do in order to call yourself a professional. </a:t>
+              <a:t>Writing clean code is what you must do in order to call yourself a professional. There is no reasonable excuse for doing anything less than your best.</a:t>
             </a:r>
           </a:p>
           <a:p>
@@ -17022,7 +17065,7 @@
             <a:pPr algn="l"/>
             <a:fld id="{0477F178-95BE-4B1C-9247-30D6B7E59DB7}" type="datetime3">
               <a:rPr lang="en-US" smtClean="0"/>
-              <a:t>30 November 2019</a:t>
+              <a:t>2 January 2020</a:t>
             </a:fld>
             <a:endParaRPr lang="en-US" dirty="0"/>
           </a:p>
@@ -17050,8 +17093,8 @@
         </p:blipFill>
         <p:spPr>
           <a:xfrm>
-            <a:off x="3591495" y="3186948"/>
-            <a:ext cx="5009010" cy="3534527"/>
+            <a:off x="3591495" y="3186949"/>
+            <a:ext cx="5009010" cy="3396732"/>
           </a:xfrm>
           <a:prstGeom prst="rect">
             <a:avLst/>
@@ -17663,7 +17706,7 @@
             <a:pPr algn="l"/>
             <a:fld id="{0477F178-95BE-4B1C-9247-30D6B7E59DB7}" type="datetime3">
               <a:rPr lang="en-US" smtClean="0"/>
-              <a:t>30 November 2019</a:t>
+              <a:t>2 January 2020</a:t>
             </a:fld>
             <a:endParaRPr lang="en-US" dirty="0"/>
           </a:p>
@@ -18298,7 +18341,7 @@
             <a:pPr algn="l"/>
             <a:fld id="{0477F178-95BE-4B1C-9247-30D6B7E59DB7}" type="datetime3">
               <a:rPr lang="en-US" smtClean="0"/>
-              <a:t>30 November 2019</a:t>
+              <a:t>2 January 2020</a:t>
             </a:fld>
             <a:endParaRPr lang="en-US" dirty="0"/>
           </a:p>
@@ -18794,7 +18837,7 @@
             <a:pPr algn="l"/>
             <a:fld id="{0477F178-95BE-4B1C-9247-30D6B7E59DB7}" type="datetime3">
               <a:rPr lang="en-US" smtClean="0"/>
-              <a:t>30 November 2019</a:t>
+              <a:t>2 January 2020</a:t>
             </a:fld>
             <a:endParaRPr lang="en-US" dirty="0"/>
           </a:p>
@@ -19440,7 +19483,7 @@
             <a:pPr algn="l"/>
             <a:fld id="{0477F178-95BE-4B1C-9247-30D6B7E59DB7}" type="datetime3">
               <a:rPr lang="en-US" smtClean="0"/>
-              <a:t>30 November 2019</a:t>
+              <a:t>2 January 2020</a:t>
             </a:fld>
             <a:endParaRPr lang="en-US" dirty="0"/>
           </a:p>
@@ -20099,7 +20142,7 @@
             <a:pPr algn="l"/>
             <a:fld id="{0477F178-95BE-4B1C-9247-30D6B7E59DB7}" type="datetime3">
               <a:rPr lang="en-US" smtClean="0"/>
-              <a:t>30 November 2019</a:t>
+              <a:t>2 January 2020</a:t>
             </a:fld>
             <a:endParaRPr lang="en-US" dirty="0"/>
           </a:p>
@@ -20636,7 +20679,7 @@
             <a:pPr algn="l"/>
             <a:fld id="{0477F178-95BE-4B1C-9247-30D6B7E59DB7}" type="datetime3">
               <a:rPr lang="en-US" smtClean="0"/>
-              <a:t>30 November 2019</a:t>
+              <a:t>2 January 2020</a:t>
             </a:fld>
             <a:endParaRPr lang="en-US" dirty="0"/>
           </a:p>
@@ -20976,6 +21019,20 @@
               <a:buFont typeface="Arial" panose="020B0604020202020204" pitchFamily="34" charset="0"/>
               <a:buChar char="•"/>
             </a:pPr>
+            <a:r>
+              <a:rPr lang="en-US" sz="2400" dirty="0">
+                <a:solidFill>
+                  <a:schemeClr val="tx1"/>
+                </a:solidFill>
+              </a:rPr>
+              <a:t>Have No Side Effects</a:t>
+            </a:r>
+          </a:p>
+          <a:p>
+            <a:pPr marL="342900" indent="-342900">
+              <a:buFont typeface="Arial" panose="020B0604020202020204" pitchFamily="34" charset="0"/>
+              <a:buChar char="•"/>
+            </a:pPr>
             <a:endParaRPr lang="en-US" sz="2400" dirty="0">
               <a:solidFill>
                 <a:schemeClr val="tx1"/>
@@ -21132,7 +21189,7 @@
             <a:pPr algn="l"/>
             <a:fld id="{0477F178-95BE-4B1C-9247-30D6B7E59DB7}" type="datetime3">
               <a:rPr lang="en-US" smtClean="0"/>
-              <a:t>30 November 2019</a:t>
+              <a:t>2 January 2020</a:t>
             </a:fld>
             <a:endParaRPr lang="en-US" dirty="0"/>
           </a:p>
@@ -21435,105 +21492,7 @@
                   <a:schemeClr val="tx1"/>
                 </a:solidFill>
               </a:rPr>
-              <a:t>Have No Side Effects</a:t>
-            </a:r>
-          </a:p>
-          <a:p>
-            <a:r>
-              <a:rPr lang="en-US" sz="2400" dirty="0">
-                <a:solidFill>
-                  <a:schemeClr val="tx1"/>
-                </a:solidFill>
-              </a:rPr>
-              <a:t>Output Arguments</a:t>
-            </a:r>
-          </a:p>
-          <a:p>
-            <a:r>
-              <a:rPr lang="en-US" sz="2400" dirty="0">
-                <a:solidFill>
-                  <a:schemeClr val="tx1"/>
-                </a:solidFill>
-              </a:rPr>
-              <a:t>Command Query Separation</a:t>
-            </a:r>
-          </a:p>
-          <a:p>
-            <a:r>
-              <a:rPr lang="en-US" sz="2400" dirty="0">
-                <a:solidFill>
-                  <a:schemeClr val="tx1"/>
-                </a:solidFill>
-              </a:rPr>
-              <a:t>Prefer Exceptions to Returning Error Codes</a:t>
-            </a:r>
-          </a:p>
-          <a:p>
-            <a:r>
-              <a:rPr lang="en-US" sz="2400" dirty="0">
-                <a:solidFill>
-                  <a:schemeClr val="tx1"/>
-                </a:solidFill>
-              </a:rPr>
-              <a:t>Extract Try/Catch Blocks</a:t>
-            </a:r>
-          </a:p>
-          <a:p>
-            <a:r>
-              <a:rPr lang="en-US" sz="2400" dirty="0">
-                <a:solidFill>
-                  <a:schemeClr val="tx1"/>
-                </a:solidFill>
-              </a:rPr>
-              <a:t>Error Handling Is One Thing</a:t>
-            </a:r>
-          </a:p>
-          <a:p>
-            <a:r>
-              <a:rPr lang="en-US" sz="2400" dirty="0">
-                <a:solidFill>
-                  <a:schemeClr val="tx1"/>
-                </a:solidFill>
-              </a:rPr>
-              <a:t>The Error.java Dependency Magnet</a:t>
-            </a:r>
-          </a:p>
-          <a:p>
-            <a:r>
-              <a:rPr lang="en-US" sz="2400" dirty="0">
-                <a:solidFill>
-                  <a:schemeClr val="tx1"/>
-                </a:solidFill>
-              </a:rPr>
-              <a:t>Don’t Repeat Yourself</a:t>
-            </a:r>
-          </a:p>
-          <a:p>
-            <a:r>
-              <a:rPr lang="en-US" sz="2400" dirty="0">
-                <a:solidFill>
-                  <a:schemeClr val="tx1"/>
-                </a:solidFill>
-              </a:rPr>
-              <a:t>Structured Programming</a:t>
-            </a:r>
-          </a:p>
-          <a:p>
-            <a:r>
-              <a:rPr lang="en-US" sz="2400">
-                <a:solidFill>
-                  <a:schemeClr val="tx1"/>
-                </a:solidFill>
-              </a:rPr>
-              <a:t>How Do You Write Functions Like This?</a:t>
-            </a:r>
-            <a:r>
-              <a:rPr lang="en-US" sz="2400" dirty="0">
-                <a:solidFill>
-                  <a:schemeClr val="tx1"/>
-                </a:solidFill>
-              </a:rPr>
-              <a:t>					</a:t>
+              <a:t>Output Arguments 					</a:t>
             </a:r>
           </a:p>
           <a:p>
@@ -21697,7 +21656,7 @@
             <a:pPr algn="l"/>
             <a:fld id="{0477F178-95BE-4B1C-9247-30D6B7E59DB7}" type="datetime3">
               <a:rPr lang="en-US" smtClean="0"/>
-              <a:t>30 November 2019</a:t>
+              <a:t>2 January 2020</a:t>
             </a:fld>
             <a:endParaRPr lang="en-US" dirty="0"/>
           </a:p>
@@ -22008,11 +21967,14 @@
               <a:buFont typeface="Arial" panose="020B0604020202020204" pitchFamily="34" charset="0"/>
               <a:buChar char="•"/>
             </a:pPr>
-            <a:endParaRPr lang="en-US" sz="2400" dirty="0">
-              <a:solidFill>
-                <a:schemeClr val="tx1"/>
-              </a:solidFill>
-            </a:endParaRPr>
+            <a:r>
+              <a:rPr lang="en-US" sz="2400" dirty="0">
+                <a:solidFill>
+                  <a:schemeClr val="tx1"/>
+                </a:solidFill>
+              </a:rPr>
+              <a:t>Command Query Separation</a:t>
+            </a:r>
           </a:p>
           <a:p>
             <a:pPr marL="342900" indent="-342900">
@@ -22164,7 +22126,7 @@
             <a:pPr algn="l"/>
             <a:fld id="{0477F178-95BE-4B1C-9247-30D6B7E59DB7}" type="datetime3">
               <a:rPr lang="en-US" smtClean="0"/>
-              <a:t>30 November 2019</a:t>
+              <a:t>2 January 2020</a:t>
             </a:fld>
             <a:endParaRPr lang="en-US" dirty="0"/>
           </a:p>
@@ -22467,7 +22429,7 @@
                   <a:schemeClr val="tx1"/>
                 </a:solidFill>
               </a:rPr>
-              <a:t>					</a:t>
+              <a:t>	 Prefer Exceptions to Returning Error Codes 				</a:t>
             </a:r>
           </a:p>
           <a:p>
@@ -22631,7 +22593,7 @@
             <a:pPr algn="l"/>
             <a:fld id="{0477F178-95BE-4B1C-9247-30D6B7E59DB7}" type="datetime3">
               <a:rPr lang="en-US" smtClean="0"/>
-              <a:t>30 November 2019</a:t>
+              <a:t>2 January 2020</a:t>
             </a:fld>
             <a:endParaRPr lang="en-US" dirty="0"/>
           </a:p>
@@ -23207,7 +23169,7 @@
             <a:pPr algn="l"/>
             <a:fld id="{0477F178-95BE-4B1C-9247-30D6B7E59DB7}" type="datetime3">
               <a:rPr lang="en-US" smtClean="0"/>
-              <a:t>30 November 2019</a:t>
+              <a:t>2 January 2020</a:t>
             </a:fld>
             <a:endParaRPr lang="en-US" dirty="0"/>
           </a:p>
@@ -23518,11 +23480,14 @@
               <a:buFont typeface="Arial" panose="020B0604020202020204" pitchFamily="34" charset="0"/>
               <a:buChar char="•"/>
             </a:pPr>
-            <a:endParaRPr lang="en-US" sz="2400" dirty="0">
-              <a:solidFill>
-                <a:schemeClr val="tx1"/>
-              </a:solidFill>
-            </a:endParaRPr>
+            <a:r>
+              <a:rPr lang="en-US" sz="2400" dirty="0">
+                <a:solidFill>
+                  <a:schemeClr val="tx1"/>
+                </a:solidFill>
+              </a:rPr>
+              <a:t>Extract Try/Catch Blocks</a:t>
+            </a:r>
           </a:p>
           <a:p>
             <a:pPr marL="342900" indent="-342900">
@@ -23674,7 +23639,7 @@
             <a:pPr algn="l"/>
             <a:fld id="{0477F178-95BE-4B1C-9247-30D6B7E59DB7}" type="datetime3">
               <a:rPr lang="en-US" smtClean="0"/>
-              <a:t>30 November 2019</a:t>
+              <a:t>2 January 2020</a:t>
             </a:fld>
             <a:endParaRPr lang="en-US" dirty="0"/>
           </a:p>
@@ -23977,7 +23942,7 @@
                   <a:schemeClr val="tx1"/>
                 </a:solidFill>
               </a:rPr>
-              <a:t>					</a:t>
+              <a:t>Error Handling Is One Thing 					</a:t>
             </a:r>
           </a:p>
           <a:p>
@@ -24141,7 +24106,7 @@
             <a:pPr algn="l"/>
             <a:fld id="{0477F178-95BE-4B1C-9247-30D6B7E59DB7}" type="datetime3">
               <a:rPr lang="en-US" smtClean="0"/>
-              <a:t>30 November 2019</a:t>
+              <a:t>2 January 2020</a:t>
             </a:fld>
             <a:endParaRPr lang="en-US" dirty="0"/>
           </a:p>
@@ -24452,11 +24417,14 @@
               <a:buFont typeface="Arial" panose="020B0604020202020204" pitchFamily="34" charset="0"/>
               <a:buChar char="•"/>
             </a:pPr>
-            <a:endParaRPr lang="en-US" sz="2400" dirty="0">
-              <a:solidFill>
-                <a:schemeClr val="tx1"/>
-              </a:solidFill>
-            </a:endParaRPr>
+            <a:r>
+              <a:rPr lang="en-US" sz="2400" dirty="0">
+                <a:solidFill>
+                  <a:schemeClr val="tx1"/>
+                </a:solidFill>
+              </a:rPr>
+              <a:t>The Error.java Dependency Magnet</a:t>
+            </a:r>
           </a:p>
           <a:p>
             <a:pPr marL="342900" indent="-342900">
@@ -24608,7 +24576,7 @@
             <a:pPr algn="l"/>
             <a:fld id="{0477F178-95BE-4B1C-9247-30D6B7E59DB7}" type="datetime3">
               <a:rPr lang="en-US" smtClean="0"/>
-              <a:t>30 November 2019</a:t>
+              <a:t>2 January 2020</a:t>
             </a:fld>
             <a:endParaRPr lang="en-US" dirty="0"/>
           </a:p>
@@ -24911,7 +24879,7 @@
                   <a:schemeClr val="tx1"/>
                 </a:solidFill>
               </a:rPr>
-              <a:t>					</a:t>
+              <a:t>	 Don’t Repeat Yourself 				</a:t>
             </a:r>
           </a:p>
           <a:p>
@@ -25075,7 +25043,7 @@
             <a:pPr algn="l"/>
             <a:fld id="{0477F178-95BE-4B1C-9247-30D6B7E59DB7}" type="datetime3">
               <a:rPr lang="en-US" smtClean="0"/>
-              <a:t>30 November 2019</a:t>
+              <a:t>2 January 2020</a:t>
             </a:fld>
             <a:endParaRPr lang="en-US" dirty="0"/>
           </a:p>
@@ -25378,7 +25346,7 @@
                   <a:schemeClr val="tx1"/>
                 </a:solidFill>
               </a:rPr>
-              <a:t>					</a:t>
+              <a:t>Structured Programming 					</a:t>
             </a:r>
           </a:p>
           <a:p>
@@ -25542,7 +25510,7 @@
             <a:pPr algn="l"/>
             <a:fld id="{0477F178-95BE-4B1C-9247-30D6B7E59DB7}" type="datetime3">
               <a:rPr lang="en-US" smtClean="0"/>
-              <a:t>30 November 2019</a:t>
+              <a:t>2 January 2020</a:t>
             </a:fld>
             <a:endParaRPr lang="en-US" dirty="0"/>
           </a:p>
@@ -25839,13 +25807,20 @@
             </a:lvl9pPr>
           </a:lstStyle>
           <a:p>
+            <a:endParaRPr lang="en-US" sz="2400" dirty="0">
+              <a:solidFill>
+                <a:schemeClr val="tx1"/>
+              </a:solidFill>
+            </a:endParaRPr>
+          </a:p>
+          <a:p>
             <a:r>
               <a:rPr lang="en-US" sz="2400" dirty="0">
                 <a:solidFill>
                   <a:schemeClr val="tx1"/>
                 </a:solidFill>
               </a:rPr>
-              <a:t>					</a:t>
+              <a:t>How Do You Write Functions Like This? 					</a:t>
             </a:r>
           </a:p>
           <a:p>
@@ -26009,7 +25984,7 @@
             <a:pPr algn="l"/>
             <a:fld id="{0477F178-95BE-4B1C-9247-30D6B7E59DB7}" type="datetime3">
               <a:rPr lang="en-US" smtClean="0"/>
-              <a:t>30 November 2019</a:t>
+              <a:t>2 January 2020</a:t>
             </a:fld>
             <a:endParaRPr lang="en-US" dirty="0"/>
           </a:p>
@@ -26117,7 +26092,7 @@
                   <a:schemeClr val="bg1"/>
                 </a:solidFill>
               </a:rPr>
-              <a:t>Functions</a:t>
+              <a:t>Comments</a:t>
             </a:r>
           </a:p>
         </p:txBody>
@@ -26307,55 +26282,27 @@
           </a:lstStyle>
           <a:p>
             <a:r>
-              <a:rPr lang="en-US" sz="2400" dirty="0">
+              <a:rPr lang="en-US" sz="2400">
                 <a:solidFill>
                   <a:schemeClr val="tx1"/>
                 </a:solidFill>
               </a:rPr>
-              <a:t>					</a:t>
+              <a:t>Mumbling </a:t>
             </a:r>
-          </a:p>
-          <a:p>
-            <a:pPr marL="342900" indent="-342900">
-              <a:buFont typeface="Arial" panose="020B0604020202020204" pitchFamily="34" charset="0"/>
-              <a:buChar char="•"/>
-            </a:pPr>
             <a:endParaRPr lang="en-US" sz="2400" dirty="0">
               <a:solidFill>
                 <a:schemeClr val="tx1"/>
               </a:solidFill>
             </a:endParaRPr>
           </a:p>
-          <a:p>
-            <a:pPr marL="342900" indent="-342900">
-              <a:buFont typeface="Arial" panose="020B0604020202020204" pitchFamily="34" charset="0"/>
-              <a:buChar char="•"/>
-            </a:pPr>
-            <a:endParaRPr lang="en-US" sz="2400" dirty="0">
-              <a:solidFill>
-                <a:schemeClr val="tx1"/>
-              </a:solidFill>
-            </a:endParaRPr>
-          </a:p>
-          <a:p>
-            <a:pPr marL="342900" indent="-342900">
-              <a:buFont typeface="Arial" panose="020B0604020202020204" pitchFamily="34" charset="0"/>
-              <a:buChar char="•"/>
-            </a:pPr>
-            <a:endParaRPr lang="en-US" sz="2400" dirty="0">
-              <a:solidFill>
-                <a:schemeClr val="tx1"/>
-              </a:solidFill>
-            </a:endParaRPr>
-          </a:p>
         </p:txBody>
       </p:sp>
       <p:sp>
         <p:nvSpPr>
-          <p:cNvPr id="6" name="Slide Number Placeholder 9">
+          <p:cNvPr id="5" name="Slide Number Placeholder 9">
             <a:extLst>
               <a:ext uri="{FF2B5EF4-FFF2-40B4-BE49-F238E27FC236}">
-                <a16:creationId xmlns:a16="http://schemas.microsoft.com/office/drawing/2014/main" id="{9E1271EC-8BC6-4145-8E39-8961635DFF5F}"/>
+                <a16:creationId xmlns:a16="http://schemas.microsoft.com/office/drawing/2014/main" id="{3E52CF98-B21B-4A31-B329-E9C4FACC112C}"/>
               </a:ext>
             </a:extLst>
           </p:cNvPr>
@@ -26367,7 +26314,7 @@
         <p:spPr>
           <a:xfrm>
             <a:off x="1" y="6356350"/>
-            <a:ext cx="1557866" cy="365125"/>
+            <a:ext cx="1371600" cy="365125"/>
           </a:xfrm>
           <a:prstGeom prst="rect">
             <a:avLst/>
@@ -26476,7 +26423,7 @@
             <a:pPr algn="l"/>
             <a:fld id="{0477F178-95BE-4B1C-9247-30D6B7E59DB7}" type="datetime3">
               <a:rPr lang="en-US" smtClean="0"/>
-              <a:t>30 November 2019</a:t>
+              <a:t>2 January 2020</a:t>
             </a:fld>
             <a:endParaRPr lang="en-US" dirty="0"/>
           </a:p>
@@ -26485,7 +26432,7 @@
     </p:spTree>
     <p:extLst>
       <p:ext uri="{BB962C8B-B14F-4D97-AF65-F5344CB8AC3E}">
-        <p14:creationId xmlns:p14="http://schemas.microsoft.com/office/powerpoint/2010/main" val="1466874032"/>
+        <p14:creationId xmlns:p14="http://schemas.microsoft.com/office/powerpoint/2010/main" val="1132963630"/>
       </p:ext>
     </p:extLst>
   </p:cSld>
@@ -26584,7 +26531,7 @@
                   <a:schemeClr val="bg1"/>
                 </a:solidFill>
               </a:rPr>
-              <a:t>Functions</a:t>
+              <a:t>Comments</a:t>
             </a:r>
           </a:p>
         </p:txBody>
@@ -26773,56 +26720,35 @@
             </a:lvl9pPr>
           </a:lstStyle>
           <a:p>
+            <a:endParaRPr lang="en-US" sz="2400">
+              <a:solidFill>
+                <a:schemeClr val="tx1"/>
+              </a:solidFill>
+            </a:endParaRPr>
+          </a:p>
+          <a:p>
             <a:r>
-              <a:rPr lang="en-US" sz="2400" dirty="0">
+              <a:rPr lang="en-US" sz="2400">
                 <a:solidFill>
                   <a:schemeClr val="tx1"/>
                 </a:solidFill>
               </a:rPr>
-              <a:t>					</a:t>
+              <a:t>Redundant Comments </a:t>
             </a:r>
-          </a:p>
-          <a:p>
-            <a:pPr marL="342900" indent="-342900">
-              <a:buFont typeface="Arial" panose="020B0604020202020204" pitchFamily="34" charset="0"/>
-              <a:buChar char="•"/>
-            </a:pPr>
             <a:endParaRPr lang="en-US" sz="2400" dirty="0">
               <a:solidFill>
                 <a:schemeClr val="tx1"/>
               </a:solidFill>
             </a:endParaRPr>
           </a:p>
-          <a:p>
-            <a:pPr marL="342900" indent="-342900">
-              <a:buFont typeface="Arial" panose="020B0604020202020204" pitchFamily="34" charset="0"/>
-              <a:buChar char="•"/>
-            </a:pPr>
-            <a:endParaRPr lang="en-US" sz="2400" dirty="0">
-              <a:solidFill>
-                <a:schemeClr val="tx1"/>
-              </a:solidFill>
-            </a:endParaRPr>
-          </a:p>
-          <a:p>
-            <a:pPr marL="342900" indent="-342900">
-              <a:buFont typeface="Arial" panose="020B0604020202020204" pitchFamily="34" charset="0"/>
-              <a:buChar char="•"/>
-            </a:pPr>
-            <a:endParaRPr lang="en-US" sz="2400" dirty="0">
-              <a:solidFill>
-                <a:schemeClr val="tx1"/>
-              </a:solidFill>
-            </a:endParaRPr>
-          </a:p>
         </p:txBody>
       </p:sp>
       <p:sp>
         <p:nvSpPr>
-          <p:cNvPr id="6" name="Slide Number Placeholder 9">
+          <p:cNvPr id="5" name="Slide Number Placeholder 9">
             <a:extLst>
               <a:ext uri="{FF2B5EF4-FFF2-40B4-BE49-F238E27FC236}">
-                <a16:creationId xmlns:a16="http://schemas.microsoft.com/office/drawing/2014/main" id="{9E1271EC-8BC6-4145-8E39-8961635DFF5F}"/>
+                <a16:creationId xmlns:a16="http://schemas.microsoft.com/office/drawing/2014/main" id="{3E52CF98-B21B-4A31-B329-E9C4FACC112C}"/>
               </a:ext>
             </a:extLst>
           </p:cNvPr>
@@ -26834,7 +26760,7 @@
         <p:spPr>
           <a:xfrm>
             <a:off x="1" y="6356350"/>
-            <a:ext cx="1557866" cy="365125"/>
+            <a:ext cx="1371600" cy="365125"/>
           </a:xfrm>
           <a:prstGeom prst="rect">
             <a:avLst/>
@@ -26943,7 +26869,7 @@
             <a:pPr algn="l"/>
             <a:fld id="{0477F178-95BE-4B1C-9247-30D6B7E59DB7}" type="datetime3">
               <a:rPr lang="en-US" smtClean="0"/>
-              <a:t>30 November 2019</a:t>
+              <a:t>2 January 2020</a:t>
             </a:fld>
             <a:endParaRPr lang="en-US" dirty="0"/>
           </a:p>
@@ -26952,7 +26878,7 @@
     </p:spTree>
     <p:extLst>
       <p:ext uri="{BB962C8B-B14F-4D97-AF65-F5344CB8AC3E}">
-        <p14:creationId xmlns:p14="http://schemas.microsoft.com/office/powerpoint/2010/main" val="1502520839"/>
+        <p14:creationId xmlns:p14="http://schemas.microsoft.com/office/powerpoint/2010/main" val="3950259397"/>
       </p:ext>
     </p:extLst>
   </p:cSld>
@@ -27051,7 +26977,7 @@
                   <a:schemeClr val="bg1"/>
                 </a:solidFill>
               </a:rPr>
-              <a:t>Functions</a:t>
+              <a:t>Comments</a:t>
             </a:r>
           </a:p>
         </p:txBody>
@@ -27240,56 +27166,35 @@
             </a:lvl9pPr>
           </a:lstStyle>
           <a:p>
+            <a:endParaRPr lang="en-US" sz="2400">
+              <a:solidFill>
+                <a:schemeClr val="tx1"/>
+              </a:solidFill>
+            </a:endParaRPr>
+          </a:p>
+          <a:p>
             <a:r>
-              <a:rPr lang="en-US" sz="2400" dirty="0">
+              <a:rPr lang="en-US" sz="2400">
                 <a:solidFill>
                   <a:schemeClr val="tx1"/>
                 </a:solidFill>
               </a:rPr>
-              <a:t>					</a:t>
+              <a:t>Misleading Comments</a:t>
             </a:r>
-          </a:p>
-          <a:p>
-            <a:pPr marL="342900" indent="-342900">
-              <a:buFont typeface="Arial" panose="020B0604020202020204" pitchFamily="34" charset="0"/>
-              <a:buChar char="•"/>
-            </a:pPr>
             <a:endParaRPr lang="en-US" sz="2400" dirty="0">
               <a:solidFill>
                 <a:schemeClr val="tx1"/>
               </a:solidFill>
             </a:endParaRPr>
           </a:p>
-          <a:p>
-            <a:pPr marL="342900" indent="-342900">
-              <a:buFont typeface="Arial" panose="020B0604020202020204" pitchFamily="34" charset="0"/>
-              <a:buChar char="•"/>
-            </a:pPr>
-            <a:endParaRPr lang="en-US" sz="2400" dirty="0">
-              <a:solidFill>
-                <a:schemeClr val="tx1"/>
-              </a:solidFill>
-            </a:endParaRPr>
-          </a:p>
-          <a:p>
-            <a:pPr marL="342900" indent="-342900">
-              <a:buFont typeface="Arial" panose="020B0604020202020204" pitchFamily="34" charset="0"/>
-              <a:buChar char="•"/>
-            </a:pPr>
-            <a:endParaRPr lang="en-US" sz="2400" dirty="0">
-              <a:solidFill>
-                <a:schemeClr val="tx1"/>
-              </a:solidFill>
-            </a:endParaRPr>
-          </a:p>
         </p:txBody>
       </p:sp>
       <p:sp>
         <p:nvSpPr>
-          <p:cNvPr id="6" name="Slide Number Placeholder 9">
+          <p:cNvPr id="5" name="Slide Number Placeholder 9">
             <a:extLst>
               <a:ext uri="{FF2B5EF4-FFF2-40B4-BE49-F238E27FC236}">
-                <a16:creationId xmlns:a16="http://schemas.microsoft.com/office/drawing/2014/main" id="{9E1271EC-8BC6-4145-8E39-8961635DFF5F}"/>
+                <a16:creationId xmlns:a16="http://schemas.microsoft.com/office/drawing/2014/main" id="{3E52CF98-B21B-4A31-B329-E9C4FACC112C}"/>
               </a:ext>
             </a:extLst>
           </p:cNvPr>
@@ -27301,7 +27206,7 @@
         <p:spPr>
           <a:xfrm>
             <a:off x="1" y="6356350"/>
-            <a:ext cx="1557866" cy="365125"/>
+            <a:ext cx="1371600" cy="365125"/>
           </a:xfrm>
           <a:prstGeom prst="rect">
             <a:avLst/>
@@ -27410,7 +27315,7 @@
             <a:pPr algn="l"/>
             <a:fld id="{0477F178-95BE-4B1C-9247-30D6B7E59DB7}" type="datetime3">
               <a:rPr lang="en-US" smtClean="0"/>
-              <a:t>30 November 2019</a:t>
+              <a:t>2 January 2020</a:t>
             </a:fld>
             <a:endParaRPr lang="en-US" dirty="0"/>
           </a:p>
@@ -27419,7 +27324,7 @@
     </p:spTree>
     <p:extLst>
       <p:ext uri="{BB962C8B-B14F-4D97-AF65-F5344CB8AC3E}">
-        <p14:creationId xmlns:p14="http://schemas.microsoft.com/office/powerpoint/2010/main" val="4203285356"/>
+        <p14:creationId xmlns:p14="http://schemas.microsoft.com/office/powerpoint/2010/main" val="3655139227"/>
       </p:ext>
     </p:extLst>
   </p:cSld>
@@ -27518,7 +27423,7 @@
                   <a:schemeClr val="bg1"/>
                 </a:solidFill>
               </a:rPr>
-              <a:t>Functions</a:t>
+              <a:t>Comments</a:t>
             </a:r>
           </a:p>
         </p:txBody>
@@ -27708,55 +27613,27 @@
           </a:lstStyle>
           <a:p>
             <a:r>
-              <a:rPr lang="en-US" sz="2400" dirty="0">
+              <a:rPr lang="en-US" sz="2400">
                 <a:solidFill>
                   <a:schemeClr val="tx1"/>
                 </a:solidFill>
               </a:rPr>
-              <a:t>					</a:t>
+              <a:t>Mandated Comments</a:t>
             </a:r>
-          </a:p>
-          <a:p>
-            <a:pPr marL="342900" indent="-342900">
-              <a:buFont typeface="Arial" panose="020B0604020202020204" pitchFamily="34" charset="0"/>
-              <a:buChar char="•"/>
-            </a:pPr>
             <a:endParaRPr lang="en-US" sz="2400" dirty="0">
               <a:solidFill>
                 <a:schemeClr val="tx1"/>
               </a:solidFill>
             </a:endParaRPr>
           </a:p>
-          <a:p>
-            <a:pPr marL="342900" indent="-342900">
-              <a:buFont typeface="Arial" panose="020B0604020202020204" pitchFamily="34" charset="0"/>
-              <a:buChar char="•"/>
-            </a:pPr>
-            <a:endParaRPr lang="en-US" sz="2400" dirty="0">
-              <a:solidFill>
-                <a:schemeClr val="tx1"/>
-              </a:solidFill>
-            </a:endParaRPr>
-          </a:p>
-          <a:p>
-            <a:pPr marL="342900" indent="-342900">
-              <a:buFont typeface="Arial" panose="020B0604020202020204" pitchFamily="34" charset="0"/>
-              <a:buChar char="•"/>
-            </a:pPr>
-            <a:endParaRPr lang="en-US" sz="2400" dirty="0">
-              <a:solidFill>
-                <a:schemeClr val="tx1"/>
-              </a:solidFill>
-            </a:endParaRPr>
-          </a:p>
         </p:txBody>
       </p:sp>
       <p:sp>
         <p:nvSpPr>
-          <p:cNvPr id="6" name="Slide Number Placeholder 9">
+          <p:cNvPr id="5" name="Slide Number Placeholder 9">
             <a:extLst>
               <a:ext uri="{FF2B5EF4-FFF2-40B4-BE49-F238E27FC236}">
-                <a16:creationId xmlns:a16="http://schemas.microsoft.com/office/drawing/2014/main" id="{9E1271EC-8BC6-4145-8E39-8961635DFF5F}"/>
+                <a16:creationId xmlns:a16="http://schemas.microsoft.com/office/drawing/2014/main" id="{3E52CF98-B21B-4A31-B329-E9C4FACC112C}"/>
               </a:ext>
             </a:extLst>
           </p:cNvPr>
@@ -27768,7 +27645,7 @@
         <p:spPr>
           <a:xfrm>
             <a:off x="1" y="6356350"/>
-            <a:ext cx="1557866" cy="365125"/>
+            <a:ext cx="1371600" cy="365125"/>
           </a:xfrm>
           <a:prstGeom prst="rect">
             <a:avLst/>
@@ -27877,7 +27754,7 @@
             <a:pPr algn="l"/>
             <a:fld id="{0477F178-95BE-4B1C-9247-30D6B7E59DB7}" type="datetime3">
               <a:rPr lang="en-US" smtClean="0"/>
-              <a:t>30 November 2019</a:t>
+              <a:t>2 January 2020</a:t>
             </a:fld>
             <a:endParaRPr lang="en-US" dirty="0"/>
           </a:p>
@@ -27886,7 +27763,7 @@
     </p:spTree>
     <p:extLst>
       <p:ext uri="{BB962C8B-B14F-4D97-AF65-F5344CB8AC3E}">
-        <p14:creationId xmlns:p14="http://schemas.microsoft.com/office/powerpoint/2010/main" val="372679539"/>
+        <p14:creationId xmlns:p14="http://schemas.microsoft.com/office/powerpoint/2010/main" val="3449418744"/>
       </p:ext>
     </p:extLst>
   </p:cSld>
@@ -28313,7 +28190,7 @@
             <a:pPr algn="l"/>
             <a:fld id="{0477F178-95BE-4B1C-9247-30D6B7E59DB7}" type="datetime3">
               <a:rPr lang="en-US" smtClean="0"/>
-              <a:t>30 November 2019</a:t>
+              <a:t>2 January 2020</a:t>
             </a:fld>
             <a:endParaRPr lang="en-US" dirty="0"/>
           </a:p>
@@ -28449,7 +28326,7 @@
                   <a:schemeClr val="bg1"/>
                 </a:solidFill>
               </a:rPr>
-              <a:t>Functions</a:t>
+              <a:t>Comments</a:t>
             </a:r>
           </a:p>
         </p:txBody>
@@ -28639,55 +28516,27 @@
           </a:lstStyle>
           <a:p>
             <a:r>
-              <a:rPr lang="en-US" sz="2400" dirty="0">
+              <a:rPr lang="en-US" sz="2400">
                 <a:solidFill>
                   <a:schemeClr val="tx1"/>
                 </a:solidFill>
               </a:rPr>
-              <a:t>					</a:t>
+              <a:t>Journal Comments</a:t>
             </a:r>
-          </a:p>
-          <a:p>
-            <a:pPr marL="342900" indent="-342900">
-              <a:buFont typeface="Arial" panose="020B0604020202020204" pitchFamily="34" charset="0"/>
-              <a:buChar char="•"/>
-            </a:pPr>
             <a:endParaRPr lang="en-US" sz="2400" dirty="0">
               <a:solidFill>
                 <a:schemeClr val="tx1"/>
               </a:solidFill>
             </a:endParaRPr>
           </a:p>
-          <a:p>
-            <a:pPr marL="342900" indent="-342900">
-              <a:buFont typeface="Arial" panose="020B0604020202020204" pitchFamily="34" charset="0"/>
-              <a:buChar char="•"/>
-            </a:pPr>
-            <a:endParaRPr lang="en-US" sz="2400" dirty="0">
-              <a:solidFill>
-                <a:schemeClr val="tx1"/>
-              </a:solidFill>
-            </a:endParaRPr>
-          </a:p>
-          <a:p>
-            <a:pPr marL="342900" indent="-342900">
-              <a:buFont typeface="Arial" panose="020B0604020202020204" pitchFamily="34" charset="0"/>
-              <a:buChar char="•"/>
-            </a:pPr>
-            <a:endParaRPr lang="en-US" sz="2400" dirty="0">
-              <a:solidFill>
-                <a:schemeClr val="tx1"/>
-              </a:solidFill>
-            </a:endParaRPr>
-          </a:p>
         </p:txBody>
       </p:sp>
       <p:sp>
         <p:nvSpPr>
-          <p:cNvPr id="6" name="Slide Number Placeholder 9">
+          <p:cNvPr id="5" name="Slide Number Placeholder 9">
             <a:extLst>
               <a:ext uri="{FF2B5EF4-FFF2-40B4-BE49-F238E27FC236}">
-                <a16:creationId xmlns:a16="http://schemas.microsoft.com/office/drawing/2014/main" id="{9E1271EC-8BC6-4145-8E39-8961635DFF5F}"/>
+                <a16:creationId xmlns:a16="http://schemas.microsoft.com/office/drawing/2014/main" id="{3E52CF98-B21B-4A31-B329-E9C4FACC112C}"/>
               </a:ext>
             </a:extLst>
           </p:cNvPr>
@@ -28699,7 +28548,7 @@
         <p:spPr>
           <a:xfrm>
             <a:off x="1" y="6356350"/>
-            <a:ext cx="1557866" cy="365125"/>
+            <a:ext cx="1371600" cy="365125"/>
           </a:xfrm>
           <a:prstGeom prst="rect">
             <a:avLst/>
@@ -28808,7 +28657,7 @@
             <a:pPr algn="l"/>
             <a:fld id="{0477F178-95BE-4B1C-9247-30D6B7E59DB7}" type="datetime3">
               <a:rPr lang="en-US" smtClean="0"/>
-              <a:t>30 November 2019</a:t>
+              <a:t>2 January 2020</a:t>
             </a:fld>
             <a:endParaRPr lang="en-US" dirty="0"/>
           </a:p>
@@ -28817,7 +28666,7 @@
     </p:spTree>
     <p:extLst>
       <p:ext uri="{BB962C8B-B14F-4D97-AF65-F5344CB8AC3E}">
-        <p14:creationId xmlns:p14="http://schemas.microsoft.com/office/powerpoint/2010/main" val="1377087849"/>
+        <p14:creationId xmlns:p14="http://schemas.microsoft.com/office/powerpoint/2010/main" val="3282569229"/>
       </p:ext>
     </p:extLst>
   </p:cSld>
@@ -28916,7 +28765,7 @@
                   <a:schemeClr val="bg1"/>
                 </a:solidFill>
               </a:rPr>
-              <a:t>Functions</a:t>
+              <a:t>Comments</a:t>
             </a:r>
           </a:p>
         </p:txBody>
@@ -29106,55 +28955,27 @@
           </a:lstStyle>
           <a:p>
             <a:r>
-              <a:rPr lang="en-US" sz="2400" dirty="0">
+              <a:rPr lang="en-US" sz="2400">
                 <a:solidFill>
                   <a:schemeClr val="tx1"/>
                 </a:solidFill>
               </a:rPr>
-              <a:t>					</a:t>
+              <a:t>Noise Comments </a:t>
             </a:r>
-          </a:p>
-          <a:p>
-            <a:pPr marL="342900" indent="-342900">
-              <a:buFont typeface="Arial" panose="020B0604020202020204" pitchFamily="34" charset="0"/>
-              <a:buChar char="•"/>
-            </a:pPr>
             <a:endParaRPr lang="en-US" sz="2400" dirty="0">
               <a:solidFill>
                 <a:schemeClr val="tx1"/>
               </a:solidFill>
             </a:endParaRPr>
           </a:p>
-          <a:p>
-            <a:pPr marL="342900" indent="-342900">
-              <a:buFont typeface="Arial" panose="020B0604020202020204" pitchFamily="34" charset="0"/>
-              <a:buChar char="•"/>
-            </a:pPr>
-            <a:endParaRPr lang="en-US" sz="2400" dirty="0">
-              <a:solidFill>
-                <a:schemeClr val="tx1"/>
-              </a:solidFill>
-            </a:endParaRPr>
-          </a:p>
-          <a:p>
-            <a:pPr marL="342900" indent="-342900">
-              <a:buFont typeface="Arial" panose="020B0604020202020204" pitchFamily="34" charset="0"/>
-              <a:buChar char="•"/>
-            </a:pPr>
-            <a:endParaRPr lang="en-US" sz="2400" dirty="0">
-              <a:solidFill>
-                <a:schemeClr val="tx1"/>
-              </a:solidFill>
-            </a:endParaRPr>
-          </a:p>
         </p:txBody>
       </p:sp>
       <p:sp>
         <p:nvSpPr>
-          <p:cNvPr id="6" name="Slide Number Placeholder 9">
+          <p:cNvPr id="5" name="Slide Number Placeholder 9">
             <a:extLst>
               <a:ext uri="{FF2B5EF4-FFF2-40B4-BE49-F238E27FC236}">
-                <a16:creationId xmlns:a16="http://schemas.microsoft.com/office/drawing/2014/main" id="{9E1271EC-8BC6-4145-8E39-8961635DFF5F}"/>
+                <a16:creationId xmlns:a16="http://schemas.microsoft.com/office/drawing/2014/main" id="{3E52CF98-B21B-4A31-B329-E9C4FACC112C}"/>
               </a:ext>
             </a:extLst>
           </p:cNvPr>
@@ -29166,7 +28987,7 @@
         <p:spPr>
           <a:xfrm>
             <a:off x="1" y="6356350"/>
-            <a:ext cx="1557866" cy="365125"/>
+            <a:ext cx="1371600" cy="365125"/>
           </a:xfrm>
           <a:prstGeom prst="rect">
             <a:avLst/>
@@ -29275,7 +29096,7 @@
             <a:pPr algn="l"/>
             <a:fld id="{0477F178-95BE-4B1C-9247-30D6B7E59DB7}" type="datetime3">
               <a:rPr lang="en-US" smtClean="0"/>
-              <a:t>30 November 2019</a:t>
+              <a:t>2 January 2020</a:t>
             </a:fld>
             <a:endParaRPr lang="en-US" dirty="0"/>
           </a:p>
@@ -29284,7 +29105,7 @@
     </p:spTree>
     <p:extLst>
       <p:ext uri="{BB962C8B-B14F-4D97-AF65-F5344CB8AC3E}">
-        <p14:creationId xmlns:p14="http://schemas.microsoft.com/office/powerpoint/2010/main" val="1712176813"/>
+        <p14:creationId xmlns:p14="http://schemas.microsoft.com/office/powerpoint/2010/main" val="1845721379"/>
       </p:ext>
     </p:extLst>
   </p:cSld>
@@ -29573,41 +29394,13 @@
           </a:lstStyle>
           <a:p>
             <a:r>
-              <a:rPr lang="en-US" sz="2400" dirty="0">
+              <a:rPr lang="en-US" sz="2400">
                 <a:solidFill>
                   <a:schemeClr val="tx1"/>
                 </a:solidFill>
               </a:rPr>
-              <a:t>					</a:t>
+              <a:t>Scary Noise</a:t>
             </a:r>
-          </a:p>
-          <a:p>
-            <a:pPr marL="342900" indent="-342900">
-              <a:buFont typeface="Arial" panose="020B0604020202020204" pitchFamily="34" charset="0"/>
-              <a:buChar char="•"/>
-            </a:pPr>
-            <a:endParaRPr lang="en-US" sz="2400" dirty="0">
-              <a:solidFill>
-                <a:schemeClr val="tx1"/>
-              </a:solidFill>
-            </a:endParaRPr>
-          </a:p>
-          <a:p>
-            <a:pPr marL="342900" indent="-342900">
-              <a:buFont typeface="Arial" panose="020B0604020202020204" pitchFamily="34" charset="0"/>
-              <a:buChar char="•"/>
-            </a:pPr>
-            <a:endParaRPr lang="en-US" sz="2400" dirty="0">
-              <a:solidFill>
-                <a:schemeClr val="tx1"/>
-              </a:solidFill>
-            </a:endParaRPr>
-          </a:p>
-          <a:p>
-            <a:pPr marL="342900" indent="-342900">
-              <a:buFont typeface="Arial" panose="020B0604020202020204" pitchFamily="34" charset="0"/>
-              <a:buChar char="•"/>
-            </a:pPr>
             <a:endParaRPr lang="en-US" sz="2400" dirty="0">
               <a:solidFill>
                 <a:schemeClr val="tx1"/>
@@ -29742,7 +29535,7 @@
             <a:pPr algn="l"/>
             <a:fld id="{0477F178-95BE-4B1C-9247-30D6B7E59DB7}" type="datetime3">
               <a:rPr lang="en-US" smtClean="0"/>
-              <a:t>30 November 2019</a:t>
+              <a:t>2 January 2020</a:t>
             </a:fld>
             <a:endParaRPr lang="en-US" dirty="0"/>
           </a:p>
@@ -29751,7 +29544,7 @@
     </p:spTree>
     <p:extLst>
       <p:ext uri="{BB962C8B-B14F-4D97-AF65-F5344CB8AC3E}">
-        <p14:creationId xmlns:p14="http://schemas.microsoft.com/office/powerpoint/2010/main" val="2774306626"/>
+        <p14:creationId xmlns:p14="http://schemas.microsoft.com/office/powerpoint/2010/main" val="2678474493"/>
       </p:ext>
     </p:extLst>
   </p:cSld>
@@ -29843,14 +29636,14 @@
           </a:bodyPr>
           <a:lstStyle/>
           <a:p>
-            <a:pPr algn="ctr"/>
+            <a:pPr lvl="0" algn="ctr"/>
             <a:r>
               <a:rPr lang="en-US" sz="4800" b="1" dirty="0">
                 <a:solidFill>
                   <a:schemeClr val="bg1"/>
                 </a:solidFill>
               </a:rPr>
-              <a:t>Formatting</a:t>
+              <a:t>Comments</a:t>
             </a:r>
           </a:p>
         </p:txBody>
@@ -30040,41 +29833,13 @@
           </a:lstStyle>
           <a:p>
             <a:r>
-              <a:rPr lang="en-US" sz="2400" dirty="0">
+              <a:rPr lang="en-US" sz="2400">
                 <a:solidFill>
                   <a:schemeClr val="tx1"/>
                 </a:solidFill>
               </a:rPr>
-              <a:t>					</a:t>
+              <a:t>Don’t Use a Comment When You Can Use a Function or a Variable</a:t>
             </a:r>
-          </a:p>
-          <a:p>
-            <a:pPr marL="342900" indent="-342900">
-              <a:buFont typeface="Arial" panose="020B0604020202020204" pitchFamily="34" charset="0"/>
-              <a:buChar char="•"/>
-            </a:pPr>
-            <a:endParaRPr lang="en-US" sz="2400" dirty="0">
-              <a:solidFill>
-                <a:schemeClr val="tx1"/>
-              </a:solidFill>
-            </a:endParaRPr>
-          </a:p>
-          <a:p>
-            <a:pPr marL="342900" indent="-342900">
-              <a:buFont typeface="Arial" panose="020B0604020202020204" pitchFamily="34" charset="0"/>
-              <a:buChar char="•"/>
-            </a:pPr>
-            <a:endParaRPr lang="en-US" sz="2400" dirty="0">
-              <a:solidFill>
-                <a:schemeClr val="tx1"/>
-              </a:solidFill>
-            </a:endParaRPr>
-          </a:p>
-          <a:p>
-            <a:pPr marL="342900" indent="-342900">
-              <a:buFont typeface="Arial" panose="020B0604020202020204" pitchFamily="34" charset="0"/>
-              <a:buChar char="•"/>
-            </a:pPr>
             <a:endParaRPr lang="en-US" sz="2400" dirty="0">
               <a:solidFill>
                 <a:schemeClr val="tx1"/>
@@ -30088,7 +29853,7 @@
           <p:cNvPr id="5" name="Slide Number Placeholder 9">
             <a:extLst>
               <a:ext uri="{FF2B5EF4-FFF2-40B4-BE49-F238E27FC236}">
-                <a16:creationId xmlns:a16="http://schemas.microsoft.com/office/drawing/2014/main" id="{36D9B34C-3A08-409B-BF44-47473935FB3A}"/>
+                <a16:creationId xmlns:a16="http://schemas.microsoft.com/office/drawing/2014/main" id="{3E52CF98-B21B-4A31-B329-E9C4FACC112C}"/>
               </a:ext>
             </a:extLst>
           </p:cNvPr>
@@ -30209,7 +29974,7 @@
             <a:pPr algn="l"/>
             <a:fld id="{0477F178-95BE-4B1C-9247-30D6B7E59DB7}" type="datetime3">
               <a:rPr lang="en-US" smtClean="0"/>
-              <a:t>30 November 2019</a:t>
+              <a:t>2 January 2020</a:t>
             </a:fld>
             <a:endParaRPr lang="en-US" dirty="0"/>
           </a:p>
@@ -30218,7 +29983,7 @@
     </p:spTree>
     <p:extLst>
       <p:ext uri="{BB962C8B-B14F-4D97-AF65-F5344CB8AC3E}">
-        <p14:creationId xmlns:p14="http://schemas.microsoft.com/office/powerpoint/2010/main" val="4226934858"/>
+        <p14:creationId xmlns:p14="http://schemas.microsoft.com/office/powerpoint/2010/main" val="2672437247"/>
       </p:ext>
     </p:extLst>
   </p:cSld>
@@ -30310,14 +30075,14 @@
           </a:bodyPr>
           <a:lstStyle/>
           <a:p>
-            <a:pPr algn="ctr"/>
+            <a:pPr lvl="0" algn="ctr"/>
             <a:r>
               <a:rPr lang="en-US" sz="4800" b="1" dirty="0">
                 <a:solidFill>
                   <a:schemeClr val="bg1"/>
                 </a:solidFill>
               </a:rPr>
-              <a:t>Object and data structure</a:t>
+              <a:t>Comments</a:t>
             </a:r>
           </a:p>
         </p:txBody>
@@ -30507,41 +30272,13 @@
           </a:lstStyle>
           <a:p>
             <a:r>
-              <a:rPr lang="en-US" sz="2400" dirty="0">
+              <a:rPr lang="en-US" sz="2400">
                 <a:solidFill>
                   <a:schemeClr val="tx1"/>
                 </a:solidFill>
               </a:rPr>
-              <a:t>					</a:t>
+              <a:t>Position Markers</a:t>
             </a:r>
-          </a:p>
-          <a:p>
-            <a:pPr marL="342900" indent="-342900">
-              <a:buFont typeface="Arial" panose="020B0604020202020204" pitchFamily="34" charset="0"/>
-              <a:buChar char="•"/>
-            </a:pPr>
-            <a:endParaRPr lang="en-US" sz="2400" dirty="0">
-              <a:solidFill>
-                <a:schemeClr val="tx1"/>
-              </a:solidFill>
-            </a:endParaRPr>
-          </a:p>
-          <a:p>
-            <a:pPr marL="342900" indent="-342900">
-              <a:buFont typeface="Arial" panose="020B0604020202020204" pitchFamily="34" charset="0"/>
-              <a:buChar char="•"/>
-            </a:pPr>
-            <a:endParaRPr lang="en-US" sz="2400" dirty="0">
-              <a:solidFill>
-                <a:schemeClr val="tx1"/>
-              </a:solidFill>
-            </a:endParaRPr>
-          </a:p>
-          <a:p>
-            <a:pPr marL="342900" indent="-342900">
-              <a:buFont typeface="Arial" panose="020B0604020202020204" pitchFamily="34" charset="0"/>
-              <a:buChar char="•"/>
-            </a:pPr>
             <a:endParaRPr lang="en-US" sz="2400" dirty="0">
               <a:solidFill>
                 <a:schemeClr val="tx1"/>
@@ -30555,7 +30292,7 @@
           <p:cNvPr id="5" name="Slide Number Placeholder 9">
             <a:extLst>
               <a:ext uri="{FF2B5EF4-FFF2-40B4-BE49-F238E27FC236}">
-                <a16:creationId xmlns:a16="http://schemas.microsoft.com/office/drawing/2014/main" id="{7734EA43-D48F-44F0-B5FF-2F51705EF7FE}"/>
+                <a16:creationId xmlns:a16="http://schemas.microsoft.com/office/drawing/2014/main" id="{3E52CF98-B21B-4A31-B329-E9C4FACC112C}"/>
               </a:ext>
             </a:extLst>
           </p:cNvPr>
@@ -30676,7 +30413,7 @@
             <a:pPr algn="l"/>
             <a:fld id="{0477F178-95BE-4B1C-9247-30D6B7E59DB7}" type="datetime3">
               <a:rPr lang="en-US" smtClean="0"/>
-              <a:t>30 November 2019</a:t>
+              <a:t>2 January 2020</a:t>
             </a:fld>
             <a:endParaRPr lang="en-US" dirty="0"/>
           </a:p>
@@ -30685,7 +30422,7 @@
     </p:spTree>
     <p:extLst>
       <p:ext uri="{BB962C8B-B14F-4D97-AF65-F5344CB8AC3E}">
-        <p14:creationId xmlns:p14="http://schemas.microsoft.com/office/powerpoint/2010/main" val="4082062199"/>
+        <p14:creationId xmlns:p14="http://schemas.microsoft.com/office/powerpoint/2010/main" val="3877313815"/>
       </p:ext>
     </p:extLst>
   </p:cSld>
@@ -30777,14 +30514,14 @@
           </a:bodyPr>
           <a:lstStyle/>
           <a:p>
-            <a:pPr algn="ctr"/>
+            <a:pPr lvl="0" algn="ctr"/>
             <a:r>
               <a:rPr lang="en-US" sz="4800" b="1" dirty="0">
                 <a:solidFill>
                   <a:schemeClr val="bg1"/>
                 </a:solidFill>
               </a:rPr>
-              <a:t>Error Handling</a:t>
+              <a:t>Comments</a:t>
             </a:r>
           </a:p>
         </p:txBody>
@@ -30974,41 +30711,13 @@
           </a:lstStyle>
           <a:p>
             <a:r>
-              <a:rPr lang="en-US" sz="2400" dirty="0">
+              <a:rPr lang="en-US" sz="2400">
                 <a:solidFill>
                   <a:schemeClr val="tx1"/>
                 </a:solidFill>
               </a:rPr>
-              <a:t>					</a:t>
+              <a:t>Closing Brace Comments</a:t>
             </a:r>
-          </a:p>
-          <a:p>
-            <a:pPr marL="342900" indent="-342900">
-              <a:buFont typeface="Arial" panose="020B0604020202020204" pitchFamily="34" charset="0"/>
-              <a:buChar char="•"/>
-            </a:pPr>
-            <a:endParaRPr lang="en-US" sz="2400" dirty="0">
-              <a:solidFill>
-                <a:schemeClr val="tx1"/>
-              </a:solidFill>
-            </a:endParaRPr>
-          </a:p>
-          <a:p>
-            <a:pPr marL="342900" indent="-342900">
-              <a:buFont typeface="Arial" panose="020B0604020202020204" pitchFamily="34" charset="0"/>
-              <a:buChar char="•"/>
-            </a:pPr>
-            <a:endParaRPr lang="en-US" sz="2400" dirty="0">
-              <a:solidFill>
-                <a:schemeClr val="tx1"/>
-              </a:solidFill>
-            </a:endParaRPr>
-          </a:p>
-          <a:p>
-            <a:pPr marL="342900" indent="-342900">
-              <a:buFont typeface="Arial" panose="020B0604020202020204" pitchFamily="34" charset="0"/>
-              <a:buChar char="•"/>
-            </a:pPr>
             <a:endParaRPr lang="en-US" sz="2400" dirty="0">
               <a:solidFill>
                 <a:schemeClr val="tx1"/>
@@ -31022,7 +30731,7 @@
           <p:cNvPr id="5" name="Slide Number Placeholder 9">
             <a:extLst>
               <a:ext uri="{FF2B5EF4-FFF2-40B4-BE49-F238E27FC236}">
-                <a16:creationId xmlns:a16="http://schemas.microsoft.com/office/drawing/2014/main" id="{DD773A21-3DF7-416F-9D6F-AB2FE87877D9}"/>
+                <a16:creationId xmlns:a16="http://schemas.microsoft.com/office/drawing/2014/main" id="{3E52CF98-B21B-4A31-B329-E9C4FACC112C}"/>
               </a:ext>
             </a:extLst>
           </p:cNvPr>
@@ -31143,7 +30852,7 @@
             <a:pPr algn="l"/>
             <a:fld id="{0477F178-95BE-4B1C-9247-30D6B7E59DB7}" type="datetime3">
               <a:rPr lang="en-US" smtClean="0"/>
-              <a:t>30 November 2019</a:t>
+              <a:t>2 January 2020</a:t>
             </a:fld>
             <a:endParaRPr lang="en-US" dirty="0"/>
           </a:p>
@@ -31152,7 +30861,7 @@
     </p:spTree>
     <p:extLst>
       <p:ext uri="{BB962C8B-B14F-4D97-AF65-F5344CB8AC3E}">
-        <p14:creationId xmlns:p14="http://schemas.microsoft.com/office/powerpoint/2010/main" val="2791776015"/>
+        <p14:creationId xmlns:p14="http://schemas.microsoft.com/office/powerpoint/2010/main" val="342823783"/>
       </p:ext>
     </p:extLst>
   </p:cSld>
@@ -31244,14 +30953,14 @@
           </a:bodyPr>
           <a:lstStyle/>
           <a:p>
-            <a:pPr algn="ctr"/>
+            <a:pPr lvl="0" algn="ctr"/>
             <a:r>
               <a:rPr lang="en-US" sz="4800" b="1" dirty="0">
                 <a:solidFill>
                   <a:schemeClr val="bg1"/>
                 </a:solidFill>
               </a:rPr>
-              <a:t>Boundaries</a:t>
+              <a:t>Comments</a:t>
             </a:r>
           </a:p>
         </p:txBody>
@@ -31441,41 +31150,13 @@
           </a:lstStyle>
           <a:p>
             <a:r>
-              <a:rPr lang="en-US" sz="2400" dirty="0">
+              <a:rPr lang="en-US" sz="2400">
                 <a:solidFill>
                   <a:schemeClr val="tx1"/>
                 </a:solidFill>
               </a:rPr>
-              <a:t>					</a:t>
+              <a:t>Attributions and Bylines</a:t>
             </a:r>
-          </a:p>
-          <a:p>
-            <a:pPr marL="342900" indent="-342900">
-              <a:buFont typeface="Arial" panose="020B0604020202020204" pitchFamily="34" charset="0"/>
-              <a:buChar char="•"/>
-            </a:pPr>
-            <a:endParaRPr lang="en-US" sz="2400" dirty="0">
-              <a:solidFill>
-                <a:schemeClr val="tx1"/>
-              </a:solidFill>
-            </a:endParaRPr>
-          </a:p>
-          <a:p>
-            <a:pPr marL="342900" indent="-342900">
-              <a:buFont typeface="Arial" panose="020B0604020202020204" pitchFamily="34" charset="0"/>
-              <a:buChar char="•"/>
-            </a:pPr>
-            <a:endParaRPr lang="en-US" sz="2400" dirty="0">
-              <a:solidFill>
-                <a:schemeClr val="tx1"/>
-              </a:solidFill>
-            </a:endParaRPr>
-          </a:p>
-          <a:p>
-            <a:pPr marL="342900" indent="-342900">
-              <a:buFont typeface="Arial" panose="020B0604020202020204" pitchFamily="34" charset="0"/>
-              <a:buChar char="•"/>
-            </a:pPr>
             <a:endParaRPr lang="en-US" sz="2400" dirty="0">
               <a:solidFill>
                 <a:schemeClr val="tx1"/>
@@ -31489,7 +31170,7 @@
           <p:cNvPr id="5" name="Slide Number Placeholder 9">
             <a:extLst>
               <a:ext uri="{FF2B5EF4-FFF2-40B4-BE49-F238E27FC236}">
-                <a16:creationId xmlns:a16="http://schemas.microsoft.com/office/drawing/2014/main" id="{D4E3A54A-08ED-48C3-BC0C-901D771D7007}"/>
+                <a16:creationId xmlns:a16="http://schemas.microsoft.com/office/drawing/2014/main" id="{3E52CF98-B21B-4A31-B329-E9C4FACC112C}"/>
               </a:ext>
             </a:extLst>
           </p:cNvPr>
@@ -31610,7 +31291,7 @@
             <a:pPr algn="l"/>
             <a:fld id="{0477F178-95BE-4B1C-9247-30D6B7E59DB7}" type="datetime3">
               <a:rPr lang="en-US" smtClean="0"/>
-              <a:t>30 November 2019</a:t>
+              <a:t>2 January 2020</a:t>
             </a:fld>
             <a:endParaRPr lang="en-US" dirty="0"/>
           </a:p>
@@ -31619,7 +31300,7 @@
     </p:spTree>
     <p:extLst>
       <p:ext uri="{BB962C8B-B14F-4D97-AF65-F5344CB8AC3E}">
-        <p14:creationId xmlns:p14="http://schemas.microsoft.com/office/powerpoint/2010/main" val="1297484438"/>
+        <p14:creationId xmlns:p14="http://schemas.microsoft.com/office/powerpoint/2010/main" val="1309621810"/>
       </p:ext>
     </p:extLst>
   </p:cSld>
@@ -31711,14 +31392,14 @@
           </a:bodyPr>
           <a:lstStyle/>
           <a:p>
-            <a:pPr algn="ctr"/>
+            <a:pPr lvl="0" algn="ctr"/>
             <a:r>
               <a:rPr lang="en-US" sz="4800" b="1" dirty="0">
                 <a:solidFill>
                   <a:schemeClr val="bg1"/>
                 </a:solidFill>
               </a:rPr>
-              <a:t>Unit Test</a:t>
+              <a:t>Comments</a:t>
             </a:r>
           </a:p>
         </p:txBody>
@@ -31908,41 +31589,13 @@
           </a:lstStyle>
           <a:p>
             <a:r>
-              <a:rPr lang="en-US" sz="2400" dirty="0">
+              <a:rPr lang="en-US" sz="2400">
                 <a:solidFill>
                   <a:schemeClr val="tx1"/>
                 </a:solidFill>
               </a:rPr>
-              <a:t>					</a:t>
+              <a:t>Commented-Out Code</a:t>
             </a:r>
-          </a:p>
-          <a:p>
-            <a:pPr marL="342900" indent="-342900">
-              <a:buFont typeface="Arial" panose="020B0604020202020204" pitchFamily="34" charset="0"/>
-              <a:buChar char="•"/>
-            </a:pPr>
-            <a:endParaRPr lang="en-US" sz="2400" dirty="0">
-              <a:solidFill>
-                <a:schemeClr val="tx1"/>
-              </a:solidFill>
-            </a:endParaRPr>
-          </a:p>
-          <a:p>
-            <a:pPr marL="342900" indent="-342900">
-              <a:buFont typeface="Arial" panose="020B0604020202020204" pitchFamily="34" charset="0"/>
-              <a:buChar char="•"/>
-            </a:pPr>
-            <a:endParaRPr lang="en-US" sz="2400" dirty="0">
-              <a:solidFill>
-                <a:schemeClr val="tx1"/>
-              </a:solidFill>
-            </a:endParaRPr>
-          </a:p>
-          <a:p>
-            <a:pPr marL="342900" indent="-342900">
-              <a:buFont typeface="Arial" panose="020B0604020202020204" pitchFamily="34" charset="0"/>
-              <a:buChar char="•"/>
-            </a:pPr>
             <a:endParaRPr lang="en-US" sz="2400" dirty="0">
               <a:solidFill>
                 <a:schemeClr val="tx1"/>
@@ -31956,7 +31609,7 @@
           <p:cNvPr id="5" name="Slide Number Placeholder 9">
             <a:extLst>
               <a:ext uri="{FF2B5EF4-FFF2-40B4-BE49-F238E27FC236}">
-                <a16:creationId xmlns:a16="http://schemas.microsoft.com/office/drawing/2014/main" id="{CB4D9BD0-2427-4EB0-8EB3-C6DA900AA9E3}"/>
+                <a16:creationId xmlns:a16="http://schemas.microsoft.com/office/drawing/2014/main" id="{3E52CF98-B21B-4A31-B329-E9C4FACC112C}"/>
               </a:ext>
             </a:extLst>
           </p:cNvPr>
@@ -32077,7 +31730,7 @@
             <a:pPr algn="l"/>
             <a:fld id="{0477F178-95BE-4B1C-9247-30D6B7E59DB7}" type="datetime3">
               <a:rPr lang="en-US" smtClean="0"/>
-              <a:t>30 November 2019</a:t>
+              <a:t>2 January 2020</a:t>
             </a:fld>
             <a:endParaRPr lang="en-US" dirty="0"/>
           </a:p>
@@ -32086,7 +31739,7 @@
     </p:spTree>
     <p:extLst>
       <p:ext uri="{BB962C8B-B14F-4D97-AF65-F5344CB8AC3E}">
-        <p14:creationId xmlns:p14="http://schemas.microsoft.com/office/powerpoint/2010/main" val="3565484639"/>
+        <p14:creationId xmlns:p14="http://schemas.microsoft.com/office/powerpoint/2010/main" val="3968428629"/>
       </p:ext>
     </p:extLst>
   </p:cSld>
@@ -32178,14 +31831,14 @@
           </a:bodyPr>
           <a:lstStyle/>
           <a:p>
-            <a:pPr algn="ctr"/>
+            <a:pPr lvl="0" algn="ctr"/>
             <a:r>
               <a:rPr lang="en-US" sz="4800" b="1" dirty="0">
                 <a:solidFill>
                   <a:schemeClr val="bg1"/>
                 </a:solidFill>
               </a:rPr>
-              <a:t>Classes</a:t>
+              <a:t>Comments</a:t>
             </a:r>
           </a:p>
         </p:txBody>
@@ -32375,41 +32028,13 @@
           </a:lstStyle>
           <a:p>
             <a:r>
-              <a:rPr lang="en-US" sz="2400" dirty="0">
+              <a:rPr lang="en-US" sz="2400">
                 <a:solidFill>
                   <a:schemeClr val="tx1"/>
                 </a:solidFill>
               </a:rPr>
-              <a:t>					</a:t>
+              <a:t>HTML Comments </a:t>
             </a:r>
-          </a:p>
-          <a:p>
-            <a:pPr marL="342900" indent="-342900">
-              <a:buFont typeface="Arial" panose="020B0604020202020204" pitchFamily="34" charset="0"/>
-              <a:buChar char="•"/>
-            </a:pPr>
-            <a:endParaRPr lang="en-US" sz="2400" dirty="0">
-              <a:solidFill>
-                <a:schemeClr val="tx1"/>
-              </a:solidFill>
-            </a:endParaRPr>
-          </a:p>
-          <a:p>
-            <a:pPr marL="342900" indent="-342900">
-              <a:buFont typeface="Arial" panose="020B0604020202020204" pitchFamily="34" charset="0"/>
-              <a:buChar char="•"/>
-            </a:pPr>
-            <a:endParaRPr lang="en-US" sz="2400" dirty="0">
-              <a:solidFill>
-                <a:schemeClr val="tx1"/>
-              </a:solidFill>
-            </a:endParaRPr>
-          </a:p>
-          <a:p>
-            <a:pPr marL="342900" indent="-342900">
-              <a:buFont typeface="Arial" panose="020B0604020202020204" pitchFamily="34" charset="0"/>
-              <a:buChar char="•"/>
-            </a:pPr>
             <a:endParaRPr lang="en-US" sz="2400" dirty="0">
               <a:solidFill>
                 <a:schemeClr val="tx1"/>
@@ -32423,7 +32048,7 @@
           <p:cNvPr id="5" name="Slide Number Placeholder 9">
             <a:extLst>
               <a:ext uri="{FF2B5EF4-FFF2-40B4-BE49-F238E27FC236}">
-                <a16:creationId xmlns:a16="http://schemas.microsoft.com/office/drawing/2014/main" id="{DE3A573C-6B85-4B30-91BB-6917A0258311}"/>
+                <a16:creationId xmlns:a16="http://schemas.microsoft.com/office/drawing/2014/main" id="{3E52CF98-B21B-4A31-B329-E9C4FACC112C}"/>
               </a:ext>
             </a:extLst>
           </p:cNvPr>
@@ -32544,7 +32169,7 @@
             <a:pPr algn="l"/>
             <a:fld id="{0477F178-95BE-4B1C-9247-30D6B7E59DB7}" type="datetime3">
               <a:rPr lang="en-US" smtClean="0"/>
-              <a:t>30 November 2019</a:t>
+              <a:t>2 January 2020</a:t>
             </a:fld>
             <a:endParaRPr lang="en-US" dirty="0"/>
           </a:p>
@@ -32553,7 +32178,7 @@
     </p:spTree>
     <p:extLst>
       <p:ext uri="{BB962C8B-B14F-4D97-AF65-F5344CB8AC3E}">
-        <p14:creationId xmlns:p14="http://schemas.microsoft.com/office/powerpoint/2010/main" val="4152960685"/>
+        <p14:creationId xmlns:p14="http://schemas.microsoft.com/office/powerpoint/2010/main" val="579905728"/>
       </p:ext>
     </p:extLst>
   </p:cSld>
@@ -32645,14 +32270,14 @@
           </a:bodyPr>
           <a:lstStyle/>
           <a:p>
-            <a:pPr algn="ctr"/>
+            <a:pPr lvl="0" algn="ctr"/>
             <a:r>
               <a:rPr lang="en-US" sz="4800" b="1" dirty="0">
                 <a:solidFill>
                   <a:schemeClr val="bg1"/>
                 </a:solidFill>
               </a:rPr>
-              <a:t>Systems</a:t>
+              <a:t>Comments</a:t>
             </a:r>
           </a:p>
         </p:txBody>
@@ -32842,41 +32467,13 @@
           </a:lstStyle>
           <a:p>
             <a:r>
-              <a:rPr lang="en-US" sz="2400" dirty="0">
+              <a:rPr lang="en-US" sz="2400">
                 <a:solidFill>
                   <a:schemeClr val="tx1"/>
                 </a:solidFill>
               </a:rPr>
-              <a:t>					</a:t>
+              <a:t>Nonlocal Information </a:t>
             </a:r>
-          </a:p>
-          <a:p>
-            <a:pPr marL="342900" indent="-342900">
-              <a:buFont typeface="Arial" panose="020B0604020202020204" pitchFamily="34" charset="0"/>
-              <a:buChar char="•"/>
-            </a:pPr>
-            <a:endParaRPr lang="en-US" sz="2400" dirty="0">
-              <a:solidFill>
-                <a:schemeClr val="tx1"/>
-              </a:solidFill>
-            </a:endParaRPr>
-          </a:p>
-          <a:p>
-            <a:pPr marL="342900" indent="-342900">
-              <a:buFont typeface="Arial" panose="020B0604020202020204" pitchFamily="34" charset="0"/>
-              <a:buChar char="•"/>
-            </a:pPr>
-            <a:endParaRPr lang="en-US" sz="2400" dirty="0">
-              <a:solidFill>
-                <a:schemeClr val="tx1"/>
-              </a:solidFill>
-            </a:endParaRPr>
-          </a:p>
-          <a:p>
-            <a:pPr marL="342900" indent="-342900">
-              <a:buFont typeface="Arial" panose="020B0604020202020204" pitchFamily="34" charset="0"/>
-              <a:buChar char="•"/>
-            </a:pPr>
             <a:endParaRPr lang="en-US" sz="2400" dirty="0">
               <a:solidFill>
                 <a:schemeClr val="tx1"/>
@@ -32890,7 +32487,7 @@
           <p:cNvPr id="5" name="Slide Number Placeholder 9">
             <a:extLst>
               <a:ext uri="{FF2B5EF4-FFF2-40B4-BE49-F238E27FC236}">
-                <a16:creationId xmlns:a16="http://schemas.microsoft.com/office/drawing/2014/main" id="{DE51849C-4469-4998-BF10-0D647F395067}"/>
+                <a16:creationId xmlns:a16="http://schemas.microsoft.com/office/drawing/2014/main" id="{3E52CF98-B21B-4A31-B329-E9C4FACC112C}"/>
               </a:ext>
             </a:extLst>
           </p:cNvPr>
@@ -33011,7 +32608,7 @@
             <a:pPr algn="l"/>
             <a:fld id="{0477F178-95BE-4B1C-9247-30D6B7E59DB7}" type="datetime3">
               <a:rPr lang="en-US" smtClean="0"/>
-              <a:t>30 November 2019</a:t>
+              <a:t>2 January 2020</a:t>
             </a:fld>
             <a:endParaRPr lang="en-US" dirty="0"/>
           </a:p>
@@ -33020,7 +32617,7 @@
     </p:spTree>
     <p:extLst>
       <p:ext uri="{BB962C8B-B14F-4D97-AF65-F5344CB8AC3E}">
-        <p14:creationId xmlns:p14="http://schemas.microsoft.com/office/powerpoint/2010/main" val="2130412542"/>
+        <p14:creationId xmlns:p14="http://schemas.microsoft.com/office/powerpoint/2010/main" val="613785538"/>
       </p:ext>
     </p:extLst>
   </p:cSld>
@@ -33563,7 +33160,7 @@
             <a:pPr algn="l"/>
             <a:fld id="{0477F178-95BE-4B1C-9247-30D6B7E59DB7}" type="datetime3">
               <a:rPr lang="en-US" smtClean="0"/>
-              <a:t>30 November 2019</a:t>
+              <a:t>2 January 2020</a:t>
             </a:fld>
             <a:endParaRPr lang="en-US" dirty="0"/>
           </a:p>
@@ -33664,14 +33261,14 @@
           </a:bodyPr>
           <a:lstStyle/>
           <a:p>
-            <a:pPr algn="ctr"/>
+            <a:pPr lvl="0" algn="ctr"/>
             <a:r>
               <a:rPr lang="en-US" sz="4800" b="1" dirty="0">
                 <a:solidFill>
                   <a:schemeClr val="bg1"/>
                 </a:solidFill>
               </a:rPr>
-              <a:t>Emergence</a:t>
+              <a:t>Comments</a:t>
             </a:r>
           </a:p>
         </p:txBody>
@@ -33861,41 +33458,13 @@
           </a:lstStyle>
           <a:p>
             <a:r>
-              <a:rPr lang="en-US" sz="2400" dirty="0">
+              <a:rPr lang="en-US" sz="2400">
                 <a:solidFill>
                   <a:schemeClr val="tx1"/>
                 </a:solidFill>
               </a:rPr>
-              <a:t>					</a:t>
+              <a:t>Too Much Information </a:t>
             </a:r>
-          </a:p>
-          <a:p>
-            <a:pPr marL="342900" indent="-342900">
-              <a:buFont typeface="Arial" panose="020B0604020202020204" pitchFamily="34" charset="0"/>
-              <a:buChar char="•"/>
-            </a:pPr>
-            <a:endParaRPr lang="en-US" sz="2400" dirty="0">
-              <a:solidFill>
-                <a:schemeClr val="tx1"/>
-              </a:solidFill>
-            </a:endParaRPr>
-          </a:p>
-          <a:p>
-            <a:pPr marL="342900" indent="-342900">
-              <a:buFont typeface="Arial" panose="020B0604020202020204" pitchFamily="34" charset="0"/>
-              <a:buChar char="•"/>
-            </a:pPr>
-            <a:endParaRPr lang="en-US" sz="2400" dirty="0">
-              <a:solidFill>
-                <a:schemeClr val="tx1"/>
-              </a:solidFill>
-            </a:endParaRPr>
-          </a:p>
-          <a:p>
-            <a:pPr marL="342900" indent="-342900">
-              <a:buFont typeface="Arial" panose="020B0604020202020204" pitchFamily="34" charset="0"/>
-              <a:buChar char="•"/>
-            </a:pPr>
             <a:endParaRPr lang="en-US" sz="2400" dirty="0">
               <a:solidFill>
                 <a:schemeClr val="tx1"/>
@@ -33909,7 +33478,7 @@
           <p:cNvPr id="5" name="Slide Number Placeholder 9">
             <a:extLst>
               <a:ext uri="{FF2B5EF4-FFF2-40B4-BE49-F238E27FC236}">
-                <a16:creationId xmlns:a16="http://schemas.microsoft.com/office/drawing/2014/main" id="{F01800E4-8B0C-4E3F-8D87-093A28C52727}"/>
+                <a16:creationId xmlns:a16="http://schemas.microsoft.com/office/drawing/2014/main" id="{3E52CF98-B21B-4A31-B329-E9C4FACC112C}"/>
               </a:ext>
             </a:extLst>
           </p:cNvPr>
@@ -34030,7 +33599,7 @@
             <a:pPr algn="l"/>
             <a:fld id="{0477F178-95BE-4B1C-9247-30D6B7E59DB7}" type="datetime3">
               <a:rPr lang="en-US" smtClean="0"/>
-              <a:t>30 November 2019</a:t>
+              <a:t>2 January 2020</a:t>
             </a:fld>
             <a:endParaRPr lang="en-US" dirty="0"/>
           </a:p>
@@ -34039,7 +33608,7 @@
     </p:spTree>
     <p:extLst>
       <p:ext uri="{BB962C8B-B14F-4D97-AF65-F5344CB8AC3E}">
-        <p14:creationId xmlns:p14="http://schemas.microsoft.com/office/powerpoint/2010/main" val="3371371365"/>
+        <p14:creationId xmlns:p14="http://schemas.microsoft.com/office/powerpoint/2010/main" val="3792629675"/>
       </p:ext>
     </p:extLst>
   </p:cSld>
@@ -34131,14 +33700,14 @@
           </a:bodyPr>
           <a:lstStyle/>
           <a:p>
-            <a:pPr algn="ctr"/>
+            <a:pPr lvl="0" algn="ctr"/>
             <a:r>
               <a:rPr lang="en-US" sz="4800" b="1" dirty="0">
                 <a:solidFill>
                   <a:schemeClr val="bg1"/>
                 </a:solidFill>
               </a:rPr>
-              <a:t>Concurrency</a:t>
+              <a:t>Comments</a:t>
             </a:r>
           </a:p>
         </p:txBody>
@@ -34328,41 +33897,13 @@
           </a:lstStyle>
           <a:p>
             <a:r>
-              <a:rPr lang="en-US" sz="2400" dirty="0">
+              <a:rPr lang="en-US" sz="2400">
                 <a:solidFill>
                   <a:schemeClr val="tx1"/>
                 </a:solidFill>
               </a:rPr>
-              <a:t>					</a:t>
+              <a:t>Inobvious Connection</a:t>
             </a:r>
-          </a:p>
-          <a:p>
-            <a:pPr marL="342900" indent="-342900">
-              <a:buFont typeface="Arial" panose="020B0604020202020204" pitchFamily="34" charset="0"/>
-              <a:buChar char="•"/>
-            </a:pPr>
-            <a:endParaRPr lang="en-US" sz="2400" dirty="0">
-              <a:solidFill>
-                <a:schemeClr val="tx1"/>
-              </a:solidFill>
-            </a:endParaRPr>
-          </a:p>
-          <a:p>
-            <a:pPr marL="342900" indent="-342900">
-              <a:buFont typeface="Arial" panose="020B0604020202020204" pitchFamily="34" charset="0"/>
-              <a:buChar char="•"/>
-            </a:pPr>
-            <a:endParaRPr lang="en-US" sz="2400" dirty="0">
-              <a:solidFill>
-                <a:schemeClr val="tx1"/>
-              </a:solidFill>
-            </a:endParaRPr>
-          </a:p>
-          <a:p>
-            <a:pPr marL="342900" indent="-342900">
-              <a:buFont typeface="Arial" panose="020B0604020202020204" pitchFamily="34" charset="0"/>
-              <a:buChar char="•"/>
-            </a:pPr>
             <a:endParaRPr lang="en-US" sz="2400" dirty="0">
               <a:solidFill>
                 <a:schemeClr val="tx1"/>
@@ -34376,7 +33917,7 @@
           <p:cNvPr id="5" name="Slide Number Placeholder 9">
             <a:extLst>
               <a:ext uri="{FF2B5EF4-FFF2-40B4-BE49-F238E27FC236}">
-                <a16:creationId xmlns:a16="http://schemas.microsoft.com/office/drawing/2014/main" id="{57F75633-95CB-471E-B737-2E0B92F3EC87}"/>
+                <a16:creationId xmlns:a16="http://schemas.microsoft.com/office/drawing/2014/main" id="{3E52CF98-B21B-4A31-B329-E9C4FACC112C}"/>
               </a:ext>
             </a:extLst>
           </p:cNvPr>
@@ -34497,7 +34038,7 @@
             <a:pPr algn="l"/>
             <a:fld id="{0477F178-95BE-4B1C-9247-30D6B7E59DB7}" type="datetime3">
               <a:rPr lang="en-US" smtClean="0"/>
-              <a:t>30 November 2019</a:t>
+              <a:t>2 January 2020</a:t>
             </a:fld>
             <a:endParaRPr lang="en-US" dirty="0"/>
           </a:p>
@@ -34506,7 +34047,7 @@
     </p:spTree>
     <p:extLst>
       <p:ext uri="{BB962C8B-B14F-4D97-AF65-F5344CB8AC3E}">
-        <p14:creationId xmlns:p14="http://schemas.microsoft.com/office/powerpoint/2010/main" val="1683742523"/>
+        <p14:creationId xmlns:p14="http://schemas.microsoft.com/office/powerpoint/2010/main" val="2331535314"/>
       </p:ext>
     </p:extLst>
   </p:cSld>
@@ -34535,10 +34076,10 @@
       </p:grpSpPr>
       <p:sp>
         <p:nvSpPr>
-          <p:cNvPr id="10" name="Slide Number Placeholder 9">
+          <p:cNvPr id="11" name="Slide Number Placeholder 10">
             <a:extLst>
               <a:ext uri="{FF2B5EF4-FFF2-40B4-BE49-F238E27FC236}">
-                <a16:creationId xmlns:a16="http://schemas.microsoft.com/office/drawing/2014/main" id="{C97A452E-A1EE-426B-AECF-8119742E8B21}"/>
+                <a16:creationId xmlns:a16="http://schemas.microsoft.com/office/drawing/2014/main" id="{11FA1C95-AB64-49D4-B3E1-0BC53485AFB8}"/>
               </a:ext>
             </a:extLst>
           </p:cNvPr>
@@ -34572,10 +34113,10 @@
       </p:sp>
       <p:sp>
         <p:nvSpPr>
-          <p:cNvPr id="11" name="TextBox 10">
+          <p:cNvPr id="2" name="TextBox 1">
             <a:extLst>
               <a:ext uri="{FF2B5EF4-FFF2-40B4-BE49-F238E27FC236}">
-                <a16:creationId xmlns:a16="http://schemas.microsoft.com/office/drawing/2014/main" id="{E042ECB3-0E84-43BC-81C9-03BAF2C3422E}"/>
+                <a16:creationId xmlns:a16="http://schemas.microsoft.com/office/drawing/2014/main" id="{B81E0849-5774-4C90-A259-E3BDF29E06D6}"/>
               </a:ext>
             </a:extLst>
           </p:cNvPr>
@@ -34584,8 +34125,8 @@
         </p:nvSpPr>
         <p:spPr>
           <a:xfrm>
-            <a:off x="0" y="760022"/>
-            <a:ext cx="8419605" cy="1569660"/>
+            <a:off x="839449" y="369350"/>
+            <a:ext cx="8609351" cy="830997"/>
           </a:xfrm>
           <a:prstGeom prst="rect">
             <a:avLst/>
@@ -34598,54 +34139,224 @@
           </a:bodyPr>
           <a:lstStyle/>
           <a:p>
-            <a:pPr algn="ctr"/>
+            <a:pPr lvl="0" algn="ctr"/>
             <a:r>
-              <a:rPr lang="en-US" sz="9600" b="1" dirty="0">
+              <a:rPr lang="en-US" sz="4800" b="1" dirty="0">
                 <a:solidFill>
                   <a:schemeClr val="bg1"/>
                 </a:solidFill>
               </a:rPr>
-              <a:t>Thank You!!!</a:t>
+              <a:t>Comments</a:t>
             </a:r>
           </a:p>
         </p:txBody>
       </p:sp>
-      <p:pic>
-        <p:nvPicPr>
-          <p:cNvPr id="2" name="Picture 1">
+      <p:sp>
+        <p:nvSpPr>
+          <p:cNvPr id="4" name="Title 1">
             <a:extLst>
               <a:ext uri="{FF2B5EF4-FFF2-40B4-BE49-F238E27FC236}">
-                <a16:creationId xmlns:a16="http://schemas.microsoft.com/office/drawing/2014/main" id="{67CB8E82-4FCE-426C-BAB8-CB0EBBB6F88A}"/>
+                <a16:creationId xmlns:a16="http://schemas.microsoft.com/office/drawing/2014/main" id="{DDDD1131-69A0-4235-925F-CA6808B0F653}"/>
               </a:ext>
             </a:extLst>
           </p:cNvPr>
-          <p:cNvPicPr>
-            <a:picLocks noChangeAspect="1"/>
-          </p:cNvPicPr>
+          <p:cNvSpPr txBox="1">
+            <a:spLocks/>
+          </p:cNvSpPr>
           <p:nvPr/>
-        </p:nvPicPr>
-        <p:blipFill>
-          <a:blip r:embed="rId2"/>
-          <a:stretch>
-            <a:fillRect/>
-          </a:stretch>
-        </p:blipFill>
-        <p:spPr>
+        </p:nvSpPr>
+        <p:spPr bwMode="gray">
           <a:xfrm>
-            <a:off x="4438283" y="3214013"/>
-            <a:ext cx="2466609" cy="3169785"/>
+            <a:off x="554636" y="1813810"/>
+            <a:ext cx="11032761" cy="4542540"/>
           </a:xfrm>
           <a:prstGeom prst="rect">
             <a:avLst/>
           </a:prstGeom>
+          <a:noFill/>
+          <a:ln w="12700">
+            <a:noFill/>
+            <a:miter lim="800000"/>
+            <a:headEnd/>
+            <a:tailEnd/>
+          </a:ln>
         </p:spPr>
-      </p:pic>
+        <p:txBody>
+          <a:bodyPr vert="horz" wrap="square" lIns="0" tIns="0" rIns="0" bIns="0" numCol="1" anchor="t" anchorCtr="0" compatLnSpc="1">
+            <a:prstTxWarp prst="textNoShape">
+              <a:avLst/>
+            </a:prstTxWarp>
+            <a:noAutofit/>
+          </a:bodyPr>
+          <a:lstStyle>
+            <a:lvl1pPr algn="l" rtl="0" eaLnBrk="1" fontAlgn="base" hangingPunct="1">
+              <a:spcBef>
+                <a:spcPct val="0"/>
+              </a:spcBef>
+              <a:spcAft>
+                <a:spcPct val="0"/>
+              </a:spcAft>
+              <a:defRPr sz="2500" b="0" i="0" baseline="0">
+                <a:solidFill>
+                  <a:srgbClr val="2C2D8B"/>
+                </a:solidFill>
+                <a:latin typeface="Calibri Light"/>
+                <a:ea typeface="+mj-ea"/>
+                <a:cs typeface="Calibri Light"/>
+              </a:defRPr>
+            </a:lvl1pPr>
+            <a:lvl2pPr algn="l" rtl="0" eaLnBrk="1" fontAlgn="base" hangingPunct="1">
+              <a:spcBef>
+                <a:spcPct val="0"/>
+              </a:spcBef>
+              <a:spcAft>
+                <a:spcPct val="0"/>
+              </a:spcAft>
+              <a:defRPr sz="2000">
+                <a:solidFill>
+                  <a:schemeClr val="accent1"/>
+                </a:solidFill>
+                <a:latin typeface="Arial" pitchFamily="34" charset="0"/>
+                <a:ea typeface="STKaiti" pitchFamily="2" charset="-122"/>
+                <a:cs typeface="Geneva" pitchFamily="34" charset="0"/>
+              </a:defRPr>
+            </a:lvl2pPr>
+            <a:lvl3pPr algn="l" rtl="0" eaLnBrk="1" fontAlgn="base" hangingPunct="1">
+              <a:spcBef>
+                <a:spcPct val="0"/>
+              </a:spcBef>
+              <a:spcAft>
+                <a:spcPct val="0"/>
+              </a:spcAft>
+              <a:defRPr sz="2000">
+                <a:solidFill>
+                  <a:schemeClr val="accent1"/>
+                </a:solidFill>
+                <a:latin typeface="Arial" pitchFamily="34" charset="0"/>
+                <a:ea typeface="STKaiti" pitchFamily="2" charset="-122"/>
+                <a:cs typeface="Geneva" pitchFamily="34" charset="0"/>
+              </a:defRPr>
+            </a:lvl3pPr>
+            <a:lvl4pPr algn="l" rtl="0" eaLnBrk="1" fontAlgn="base" hangingPunct="1">
+              <a:spcBef>
+                <a:spcPct val="0"/>
+              </a:spcBef>
+              <a:spcAft>
+                <a:spcPct val="0"/>
+              </a:spcAft>
+              <a:defRPr sz="2000">
+                <a:solidFill>
+                  <a:schemeClr val="accent1"/>
+                </a:solidFill>
+                <a:latin typeface="Arial" pitchFamily="34" charset="0"/>
+                <a:ea typeface="STKaiti" pitchFamily="2" charset="-122"/>
+                <a:cs typeface="Geneva" pitchFamily="34" charset="0"/>
+              </a:defRPr>
+            </a:lvl4pPr>
+            <a:lvl5pPr algn="l" rtl="0" eaLnBrk="1" fontAlgn="base" hangingPunct="1">
+              <a:spcBef>
+                <a:spcPct val="0"/>
+              </a:spcBef>
+              <a:spcAft>
+                <a:spcPct val="0"/>
+              </a:spcAft>
+              <a:defRPr sz="2000">
+                <a:solidFill>
+                  <a:schemeClr val="accent1"/>
+                </a:solidFill>
+                <a:latin typeface="Arial" pitchFamily="34" charset="0"/>
+                <a:ea typeface="STKaiti" pitchFamily="2" charset="-122"/>
+                <a:cs typeface="Geneva" pitchFamily="34" charset="0"/>
+              </a:defRPr>
+            </a:lvl5pPr>
+            <a:lvl6pPr marL="389626" algn="l" rtl="0" eaLnBrk="1" fontAlgn="base" hangingPunct="1">
+              <a:spcBef>
+                <a:spcPct val="0"/>
+              </a:spcBef>
+              <a:spcAft>
+                <a:spcPct val="0"/>
+              </a:spcAft>
+              <a:defRPr sz="2000">
+                <a:solidFill>
+                  <a:schemeClr val="accent1"/>
+                </a:solidFill>
+                <a:latin typeface="Arial" pitchFamily="34" charset="0"/>
+                <a:ea typeface="ヒラギノ角ゴ Pro W3" pitchFamily="124" charset="-128"/>
+                <a:cs typeface="Geneva" pitchFamily="34" charset="0"/>
+              </a:defRPr>
+            </a:lvl6pPr>
+            <a:lvl7pPr marL="779252" algn="l" rtl="0" eaLnBrk="1" fontAlgn="base" hangingPunct="1">
+              <a:spcBef>
+                <a:spcPct val="0"/>
+              </a:spcBef>
+              <a:spcAft>
+                <a:spcPct val="0"/>
+              </a:spcAft>
+              <a:defRPr sz="2000">
+                <a:solidFill>
+                  <a:schemeClr val="accent1"/>
+                </a:solidFill>
+                <a:latin typeface="Arial" pitchFamily="34" charset="0"/>
+                <a:ea typeface="ヒラギノ角ゴ Pro W3" pitchFamily="124" charset="-128"/>
+                <a:cs typeface="Geneva" pitchFamily="34" charset="0"/>
+              </a:defRPr>
+            </a:lvl7pPr>
+            <a:lvl8pPr marL="1168878" algn="l" rtl="0" eaLnBrk="1" fontAlgn="base" hangingPunct="1">
+              <a:spcBef>
+                <a:spcPct val="0"/>
+              </a:spcBef>
+              <a:spcAft>
+                <a:spcPct val="0"/>
+              </a:spcAft>
+              <a:defRPr sz="2000">
+                <a:solidFill>
+                  <a:schemeClr val="accent1"/>
+                </a:solidFill>
+                <a:latin typeface="Arial" pitchFamily="34" charset="0"/>
+                <a:ea typeface="ヒラギノ角ゴ Pro W3" pitchFamily="124" charset="-128"/>
+                <a:cs typeface="Geneva" pitchFamily="34" charset="0"/>
+              </a:defRPr>
+            </a:lvl8pPr>
+            <a:lvl9pPr marL="1558503" algn="l" rtl="0" eaLnBrk="1" fontAlgn="base" hangingPunct="1">
+              <a:spcBef>
+                <a:spcPct val="0"/>
+              </a:spcBef>
+              <a:spcAft>
+                <a:spcPct val="0"/>
+              </a:spcAft>
+              <a:defRPr sz="2000">
+                <a:solidFill>
+                  <a:schemeClr val="accent1"/>
+                </a:solidFill>
+                <a:latin typeface="Arial" pitchFamily="34" charset="0"/>
+                <a:ea typeface="ヒラギノ角ゴ Pro W3" pitchFamily="124" charset="-128"/>
+                <a:cs typeface="Geneva" pitchFamily="34" charset="0"/>
+              </a:defRPr>
+            </a:lvl9pPr>
+          </a:lstStyle>
+          <a:p>
+            <a:r>
+              <a:rPr lang="en-US" sz="2400">
+                <a:solidFill>
+                  <a:schemeClr val="tx1"/>
+                </a:solidFill>
+              </a:rPr>
+              <a:t>Function Headers</a:t>
+            </a:r>
+            <a:endParaRPr lang="en-US" sz="2400" dirty="0">
+              <a:solidFill>
+                <a:schemeClr val="tx1"/>
+              </a:solidFill>
+            </a:endParaRPr>
+          </a:p>
+        </p:txBody>
+      </p:sp>
       <p:sp>
         <p:nvSpPr>
-          <p:cNvPr id="8" name="Slide Number Placeholder 9">
+          <p:cNvPr id="5" name="Slide Number Placeholder 9">
             <a:extLst>
               <a:ext uri="{FF2B5EF4-FFF2-40B4-BE49-F238E27FC236}">
-                <a16:creationId xmlns:a16="http://schemas.microsoft.com/office/drawing/2014/main" id="{9D47A70C-2306-49B0-A3D5-6E7FA8E01056}"/>
+                <a16:creationId xmlns:a16="http://schemas.microsoft.com/office/drawing/2014/main" id="{3E52CF98-B21B-4A31-B329-E9C4FACC112C}"/>
               </a:ext>
             </a:extLst>
           </p:cNvPr>
@@ -34766,7 +34477,7 @@
             <a:pPr algn="l"/>
             <a:fld id="{0477F178-95BE-4B1C-9247-30D6B7E59DB7}" type="datetime3">
               <a:rPr lang="en-US" smtClean="0"/>
-              <a:t>30 November 2019</a:t>
+              <a:t>2 January 2020</a:t>
             </a:fld>
             <a:endParaRPr lang="en-US" dirty="0"/>
           </a:p>
@@ -34775,7 +34486,3248 @@
     </p:spTree>
     <p:extLst>
       <p:ext uri="{BB962C8B-B14F-4D97-AF65-F5344CB8AC3E}">
-        <p14:creationId xmlns:p14="http://schemas.microsoft.com/office/powerpoint/2010/main" val="1867502856"/>
+        <p14:creationId xmlns:p14="http://schemas.microsoft.com/office/powerpoint/2010/main" val="170608503"/>
+      </p:ext>
+    </p:extLst>
+  </p:cSld>
+  <p:clrMapOvr>
+    <a:masterClrMapping/>
+  </p:clrMapOvr>
+</p:sld>
+</file>
+
+<file path=ppt/slides/slide53.xml><?xml version="1.0" encoding="utf-8"?>
+<p:sld xmlns:a="http://schemas.openxmlformats.org/drawingml/2006/main" xmlns:r="http://schemas.openxmlformats.org/officeDocument/2006/relationships" xmlns:p="http://schemas.openxmlformats.org/presentationml/2006/main">
+  <p:cSld>
+    <p:spTree>
+      <p:nvGrpSpPr>
+        <p:cNvPr id="1" name=""/>
+        <p:cNvGrpSpPr/>
+        <p:nvPr/>
+      </p:nvGrpSpPr>
+      <p:grpSpPr>
+        <a:xfrm>
+          <a:off x="0" y="0"/>
+          <a:ext cx="0" cy="0"/>
+          <a:chOff x="0" y="0"/>
+          <a:chExt cx="0" cy="0"/>
+        </a:xfrm>
+      </p:grpSpPr>
+      <p:sp>
+        <p:nvSpPr>
+          <p:cNvPr id="11" name="Slide Number Placeholder 10">
+            <a:extLst>
+              <a:ext uri="{FF2B5EF4-FFF2-40B4-BE49-F238E27FC236}">
+                <a16:creationId xmlns:a16="http://schemas.microsoft.com/office/drawing/2014/main" id="{11FA1C95-AB64-49D4-B3E1-0BC53485AFB8}"/>
+              </a:ext>
+            </a:extLst>
+          </p:cNvPr>
+          <p:cNvSpPr>
+            <a:spLocks noGrp="1"/>
+          </p:cNvSpPr>
+          <p:nvPr>
+            <p:ph type="sldNum" sz="quarter" idx="4294967295"/>
+          </p:nvPr>
+        </p:nvSpPr>
+        <p:spPr>
+          <a:xfrm>
+            <a:off x="9448800" y="6356350"/>
+            <a:ext cx="2743200" cy="365125"/>
+          </a:xfrm>
+          <a:prstGeom prst="rect">
+            <a:avLst/>
+          </a:prstGeom>
+        </p:spPr>
+        <p:txBody>
+          <a:bodyPr/>
+          <a:lstStyle/>
+          <a:p>
+            <a:fld id="{8C4B6803-2184-4C86-B74E-CCB2F4670823}" type="slidenum">
+              <a:rPr lang="en-US" smtClean="0"/>
+              <a:t>53</a:t>
+            </a:fld>
+            <a:endParaRPr lang="en-US"/>
+          </a:p>
+        </p:txBody>
+      </p:sp>
+      <p:sp>
+        <p:nvSpPr>
+          <p:cNvPr id="2" name="TextBox 1">
+            <a:extLst>
+              <a:ext uri="{FF2B5EF4-FFF2-40B4-BE49-F238E27FC236}">
+                <a16:creationId xmlns:a16="http://schemas.microsoft.com/office/drawing/2014/main" id="{B81E0849-5774-4C90-A259-E3BDF29E06D6}"/>
+              </a:ext>
+            </a:extLst>
+          </p:cNvPr>
+          <p:cNvSpPr txBox="1"/>
+          <p:nvPr/>
+        </p:nvSpPr>
+        <p:spPr>
+          <a:xfrm>
+            <a:off x="839449" y="369350"/>
+            <a:ext cx="8609351" cy="830997"/>
+          </a:xfrm>
+          <a:prstGeom prst="rect">
+            <a:avLst/>
+          </a:prstGeom>
+          <a:noFill/>
+        </p:spPr>
+        <p:txBody>
+          <a:bodyPr wrap="square" rtlCol="0">
+            <a:spAutoFit/>
+          </a:bodyPr>
+          <a:lstStyle/>
+          <a:p>
+            <a:pPr lvl="0" algn="ctr"/>
+            <a:r>
+              <a:rPr lang="en-US" sz="4800" b="1" dirty="0">
+                <a:solidFill>
+                  <a:schemeClr val="bg1"/>
+                </a:solidFill>
+              </a:rPr>
+              <a:t>Comments</a:t>
+            </a:r>
+          </a:p>
+        </p:txBody>
+      </p:sp>
+      <p:sp>
+        <p:nvSpPr>
+          <p:cNvPr id="4" name="Title 1">
+            <a:extLst>
+              <a:ext uri="{FF2B5EF4-FFF2-40B4-BE49-F238E27FC236}">
+                <a16:creationId xmlns:a16="http://schemas.microsoft.com/office/drawing/2014/main" id="{DDDD1131-69A0-4235-925F-CA6808B0F653}"/>
+              </a:ext>
+            </a:extLst>
+          </p:cNvPr>
+          <p:cNvSpPr txBox="1">
+            <a:spLocks/>
+          </p:cNvSpPr>
+          <p:nvPr/>
+        </p:nvSpPr>
+        <p:spPr bwMode="gray">
+          <a:xfrm>
+            <a:off x="554636" y="1813810"/>
+            <a:ext cx="11032761" cy="4542540"/>
+          </a:xfrm>
+          <a:prstGeom prst="rect">
+            <a:avLst/>
+          </a:prstGeom>
+          <a:noFill/>
+          <a:ln w="12700">
+            <a:noFill/>
+            <a:miter lim="800000"/>
+            <a:headEnd/>
+            <a:tailEnd/>
+          </a:ln>
+        </p:spPr>
+        <p:txBody>
+          <a:bodyPr vert="horz" wrap="square" lIns="0" tIns="0" rIns="0" bIns="0" numCol="1" anchor="t" anchorCtr="0" compatLnSpc="1">
+            <a:prstTxWarp prst="textNoShape">
+              <a:avLst/>
+            </a:prstTxWarp>
+            <a:noAutofit/>
+          </a:bodyPr>
+          <a:lstStyle>
+            <a:lvl1pPr algn="l" rtl="0" eaLnBrk="1" fontAlgn="base" hangingPunct="1">
+              <a:spcBef>
+                <a:spcPct val="0"/>
+              </a:spcBef>
+              <a:spcAft>
+                <a:spcPct val="0"/>
+              </a:spcAft>
+              <a:defRPr sz="2500" b="0" i="0" baseline="0">
+                <a:solidFill>
+                  <a:srgbClr val="2C2D8B"/>
+                </a:solidFill>
+                <a:latin typeface="Calibri Light"/>
+                <a:ea typeface="+mj-ea"/>
+                <a:cs typeface="Calibri Light"/>
+              </a:defRPr>
+            </a:lvl1pPr>
+            <a:lvl2pPr algn="l" rtl="0" eaLnBrk="1" fontAlgn="base" hangingPunct="1">
+              <a:spcBef>
+                <a:spcPct val="0"/>
+              </a:spcBef>
+              <a:spcAft>
+                <a:spcPct val="0"/>
+              </a:spcAft>
+              <a:defRPr sz="2000">
+                <a:solidFill>
+                  <a:schemeClr val="accent1"/>
+                </a:solidFill>
+                <a:latin typeface="Arial" pitchFamily="34" charset="0"/>
+                <a:ea typeface="STKaiti" pitchFamily="2" charset="-122"/>
+                <a:cs typeface="Geneva" pitchFamily="34" charset="0"/>
+              </a:defRPr>
+            </a:lvl2pPr>
+            <a:lvl3pPr algn="l" rtl="0" eaLnBrk="1" fontAlgn="base" hangingPunct="1">
+              <a:spcBef>
+                <a:spcPct val="0"/>
+              </a:spcBef>
+              <a:spcAft>
+                <a:spcPct val="0"/>
+              </a:spcAft>
+              <a:defRPr sz="2000">
+                <a:solidFill>
+                  <a:schemeClr val="accent1"/>
+                </a:solidFill>
+                <a:latin typeface="Arial" pitchFamily="34" charset="0"/>
+                <a:ea typeface="STKaiti" pitchFamily="2" charset="-122"/>
+                <a:cs typeface="Geneva" pitchFamily="34" charset="0"/>
+              </a:defRPr>
+            </a:lvl3pPr>
+            <a:lvl4pPr algn="l" rtl="0" eaLnBrk="1" fontAlgn="base" hangingPunct="1">
+              <a:spcBef>
+                <a:spcPct val="0"/>
+              </a:spcBef>
+              <a:spcAft>
+                <a:spcPct val="0"/>
+              </a:spcAft>
+              <a:defRPr sz="2000">
+                <a:solidFill>
+                  <a:schemeClr val="accent1"/>
+                </a:solidFill>
+                <a:latin typeface="Arial" pitchFamily="34" charset="0"/>
+                <a:ea typeface="STKaiti" pitchFamily="2" charset="-122"/>
+                <a:cs typeface="Geneva" pitchFamily="34" charset="0"/>
+              </a:defRPr>
+            </a:lvl4pPr>
+            <a:lvl5pPr algn="l" rtl="0" eaLnBrk="1" fontAlgn="base" hangingPunct="1">
+              <a:spcBef>
+                <a:spcPct val="0"/>
+              </a:spcBef>
+              <a:spcAft>
+                <a:spcPct val="0"/>
+              </a:spcAft>
+              <a:defRPr sz="2000">
+                <a:solidFill>
+                  <a:schemeClr val="accent1"/>
+                </a:solidFill>
+                <a:latin typeface="Arial" pitchFamily="34" charset="0"/>
+                <a:ea typeface="STKaiti" pitchFamily="2" charset="-122"/>
+                <a:cs typeface="Geneva" pitchFamily="34" charset="0"/>
+              </a:defRPr>
+            </a:lvl5pPr>
+            <a:lvl6pPr marL="389626" algn="l" rtl="0" eaLnBrk="1" fontAlgn="base" hangingPunct="1">
+              <a:spcBef>
+                <a:spcPct val="0"/>
+              </a:spcBef>
+              <a:spcAft>
+                <a:spcPct val="0"/>
+              </a:spcAft>
+              <a:defRPr sz="2000">
+                <a:solidFill>
+                  <a:schemeClr val="accent1"/>
+                </a:solidFill>
+                <a:latin typeface="Arial" pitchFamily="34" charset="0"/>
+                <a:ea typeface="ヒラギノ角ゴ Pro W3" pitchFamily="124" charset="-128"/>
+                <a:cs typeface="Geneva" pitchFamily="34" charset="0"/>
+              </a:defRPr>
+            </a:lvl6pPr>
+            <a:lvl7pPr marL="779252" algn="l" rtl="0" eaLnBrk="1" fontAlgn="base" hangingPunct="1">
+              <a:spcBef>
+                <a:spcPct val="0"/>
+              </a:spcBef>
+              <a:spcAft>
+                <a:spcPct val="0"/>
+              </a:spcAft>
+              <a:defRPr sz="2000">
+                <a:solidFill>
+                  <a:schemeClr val="accent1"/>
+                </a:solidFill>
+                <a:latin typeface="Arial" pitchFamily="34" charset="0"/>
+                <a:ea typeface="ヒラギノ角ゴ Pro W3" pitchFamily="124" charset="-128"/>
+                <a:cs typeface="Geneva" pitchFamily="34" charset="0"/>
+              </a:defRPr>
+            </a:lvl7pPr>
+            <a:lvl8pPr marL="1168878" algn="l" rtl="0" eaLnBrk="1" fontAlgn="base" hangingPunct="1">
+              <a:spcBef>
+                <a:spcPct val="0"/>
+              </a:spcBef>
+              <a:spcAft>
+                <a:spcPct val="0"/>
+              </a:spcAft>
+              <a:defRPr sz="2000">
+                <a:solidFill>
+                  <a:schemeClr val="accent1"/>
+                </a:solidFill>
+                <a:latin typeface="Arial" pitchFamily="34" charset="0"/>
+                <a:ea typeface="ヒラギノ角ゴ Pro W3" pitchFamily="124" charset="-128"/>
+                <a:cs typeface="Geneva" pitchFamily="34" charset="0"/>
+              </a:defRPr>
+            </a:lvl8pPr>
+            <a:lvl9pPr marL="1558503" algn="l" rtl="0" eaLnBrk="1" fontAlgn="base" hangingPunct="1">
+              <a:spcBef>
+                <a:spcPct val="0"/>
+              </a:spcBef>
+              <a:spcAft>
+                <a:spcPct val="0"/>
+              </a:spcAft>
+              <a:defRPr sz="2000">
+                <a:solidFill>
+                  <a:schemeClr val="accent1"/>
+                </a:solidFill>
+                <a:latin typeface="Arial" pitchFamily="34" charset="0"/>
+                <a:ea typeface="ヒラギノ角ゴ Pro W3" pitchFamily="124" charset="-128"/>
+                <a:cs typeface="Geneva" pitchFamily="34" charset="0"/>
+              </a:defRPr>
+            </a:lvl9pPr>
+          </a:lstStyle>
+          <a:p>
+            <a:r>
+              <a:rPr lang="en-US" sz="2400">
+                <a:solidFill>
+                  <a:schemeClr val="tx1"/>
+                </a:solidFill>
+              </a:rPr>
+              <a:t>Javadocs in Nonpublic Code </a:t>
+            </a:r>
+            <a:endParaRPr lang="en-US" sz="2400" dirty="0">
+              <a:solidFill>
+                <a:schemeClr val="tx1"/>
+              </a:solidFill>
+            </a:endParaRPr>
+          </a:p>
+        </p:txBody>
+      </p:sp>
+      <p:sp>
+        <p:nvSpPr>
+          <p:cNvPr id="5" name="Slide Number Placeholder 9">
+            <a:extLst>
+              <a:ext uri="{FF2B5EF4-FFF2-40B4-BE49-F238E27FC236}">
+                <a16:creationId xmlns:a16="http://schemas.microsoft.com/office/drawing/2014/main" id="{3E52CF98-B21B-4A31-B329-E9C4FACC112C}"/>
+              </a:ext>
+            </a:extLst>
+          </p:cNvPr>
+          <p:cNvSpPr txBox="1">
+            <a:spLocks/>
+          </p:cNvSpPr>
+          <p:nvPr/>
+        </p:nvSpPr>
+        <p:spPr>
+          <a:xfrm>
+            <a:off x="1" y="6356350"/>
+            <a:ext cx="1371600" cy="365125"/>
+          </a:xfrm>
+          <a:prstGeom prst="rect">
+            <a:avLst/>
+          </a:prstGeom>
+        </p:spPr>
+        <p:txBody>
+          <a:bodyPr vert="horz" lIns="91440" tIns="45720" rIns="91440" bIns="45720" rtlCol="0" anchor="ctr"/>
+          <a:lstStyle>
+            <a:defPPr>
+              <a:defRPr lang="en-US"/>
+            </a:defPPr>
+            <a:lvl1pPr marL="0" algn="r" defTabSz="914400" rtl="0" eaLnBrk="1" latinLnBrk="0" hangingPunct="1">
+              <a:defRPr sz="1200" kern="1200">
+                <a:solidFill>
+                  <a:schemeClr val="tx1">
+                    <a:tint val="75000"/>
+                  </a:schemeClr>
+                </a:solidFill>
+                <a:latin typeface="+mn-lt"/>
+                <a:ea typeface="+mn-ea"/>
+                <a:cs typeface="+mn-cs"/>
+              </a:defRPr>
+            </a:lvl1pPr>
+            <a:lvl2pPr marL="457200" algn="l" defTabSz="914400" rtl="0" eaLnBrk="1" latinLnBrk="0" hangingPunct="1">
+              <a:defRPr sz="1800" kern="1200">
+                <a:solidFill>
+                  <a:schemeClr val="tx1"/>
+                </a:solidFill>
+                <a:latin typeface="+mn-lt"/>
+                <a:ea typeface="+mn-ea"/>
+                <a:cs typeface="+mn-cs"/>
+              </a:defRPr>
+            </a:lvl2pPr>
+            <a:lvl3pPr marL="914400" algn="l" defTabSz="914400" rtl="0" eaLnBrk="1" latinLnBrk="0" hangingPunct="1">
+              <a:defRPr sz="1800" kern="1200">
+                <a:solidFill>
+                  <a:schemeClr val="tx1"/>
+                </a:solidFill>
+                <a:latin typeface="+mn-lt"/>
+                <a:ea typeface="+mn-ea"/>
+                <a:cs typeface="+mn-cs"/>
+              </a:defRPr>
+            </a:lvl3pPr>
+            <a:lvl4pPr marL="1371600" algn="l" defTabSz="914400" rtl="0" eaLnBrk="1" latinLnBrk="0" hangingPunct="1">
+              <a:defRPr sz="1800" kern="1200">
+                <a:solidFill>
+                  <a:schemeClr val="tx1"/>
+                </a:solidFill>
+                <a:latin typeface="+mn-lt"/>
+                <a:ea typeface="+mn-ea"/>
+                <a:cs typeface="+mn-cs"/>
+              </a:defRPr>
+            </a:lvl4pPr>
+            <a:lvl5pPr marL="1828800" algn="l" defTabSz="914400" rtl="0" eaLnBrk="1" latinLnBrk="0" hangingPunct="1">
+              <a:defRPr sz="1800" kern="1200">
+                <a:solidFill>
+                  <a:schemeClr val="tx1"/>
+                </a:solidFill>
+                <a:latin typeface="+mn-lt"/>
+                <a:ea typeface="+mn-ea"/>
+                <a:cs typeface="+mn-cs"/>
+              </a:defRPr>
+            </a:lvl5pPr>
+            <a:lvl6pPr marL="2286000" algn="l" defTabSz="914400" rtl="0" eaLnBrk="1" latinLnBrk="0" hangingPunct="1">
+              <a:defRPr sz="1800" kern="1200">
+                <a:solidFill>
+                  <a:schemeClr val="tx1"/>
+                </a:solidFill>
+                <a:latin typeface="+mn-lt"/>
+                <a:ea typeface="+mn-ea"/>
+                <a:cs typeface="+mn-cs"/>
+              </a:defRPr>
+            </a:lvl6pPr>
+            <a:lvl7pPr marL="2743200" algn="l" defTabSz="914400" rtl="0" eaLnBrk="1" latinLnBrk="0" hangingPunct="1">
+              <a:defRPr sz="1800" kern="1200">
+                <a:solidFill>
+                  <a:schemeClr val="tx1"/>
+                </a:solidFill>
+                <a:latin typeface="+mn-lt"/>
+                <a:ea typeface="+mn-ea"/>
+                <a:cs typeface="+mn-cs"/>
+              </a:defRPr>
+            </a:lvl7pPr>
+            <a:lvl8pPr marL="3200400" algn="l" defTabSz="914400" rtl="0" eaLnBrk="1" latinLnBrk="0" hangingPunct="1">
+              <a:defRPr sz="1800" kern="1200">
+                <a:solidFill>
+                  <a:schemeClr val="tx1"/>
+                </a:solidFill>
+                <a:latin typeface="+mn-lt"/>
+                <a:ea typeface="+mn-ea"/>
+                <a:cs typeface="+mn-cs"/>
+              </a:defRPr>
+            </a:lvl8pPr>
+            <a:lvl9pPr marL="3657600" algn="l" defTabSz="914400" rtl="0" eaLnBrk="1" latinLnBrk="0" hangingPunct="1">
+              <a:defRPr sz="1800" kern="1200">
+                <a:solidFill>
+                  <a:schemeClr val="tx1"/>
+                </a:solidFill>
+                <a:latin typeface="+mn-lt"/>
+                <a:ea typeface="+mn-ea"/>
+                <a:cs typeface="+mn-cs"/>
+              </a:defRPr>
+            </a:lvl9pPr>
+          </a:lstStyle>
+          <a:p>
+            <a:pPr algn="l"/>
+            <a:fld id="{0477F178-95BE-4B1C-9247-30D6B7E59DB7}" type="datetime3">
+              <a:rPr lang="en-US" smtClean="0"/>
+              <a:t>2 January 2020</a:t>
+            </a:fld>
+            <a:endParaRPr lang="en-US" dirty="0"/>
+          </a:p>
+        </p:txBody>
+      </p:sp>
+    </p:spTree>
+    <p:extLst>
+      <p:ext uri="{BB962C8B-B14F-4D97-AF65-F5344CB8AC3E}">
+        <p14:creationId xmlns:p14="http://schemas.microsoft.com/office/powerpoint/2010/main" val="2211595615"/>
+      </p:ext>
+    </p:extLst>
+  </p:cSld>
+  <p:clrMapOvr>
+    <a:masterClrMapping/>
+  </p:clrMapOvr>
+</p:sld>
+</file>
+
+<file path=ppt/slides/slide54.xml><?xml version="1.0" encoding="utf-8"?>
+<p:sld xmlns:a="http://schemas.openxmlformats.org/drawingml/2006/main" xmlns:r="http://schemas.openxmlformats.org/officeDocument/2006/relationships" xmlns:p="http://schemas.openxmlformats.org/presentationml/2006/main">
+  <p:cSld>
+    <p:spTree>
+      <p:nvGrpSpPr>
+        <p:cNvPr id="1" name=""/>
+        <p:cNvGrpSpPr/>
+        <p:nvPr/>
+      </p:nvGrpSpPr>
+      <p:grpSpPr>
+        <a:xfrm>
+          <a:off x="0" y="0"/>
+          <a:ext cx="0" cy="0"/>
+          <a:chOff x="0" y="0"/>
+          <a:chExt cx="0" cy="0"/>
+        </a:xfrm>
+      </p:grpSpPr>
+      <p:sp>
+        <p:nvSpPr>
+          <p:cNvPr id="11" name="Slide Number Placeholder 10">
+            <a:extLst>
+              <a:ext uri="{FF2B5EF4-FFF2-40B4-BE49-F238E27FC236}">
+                <a16:creationId xmlns:a16="http://schemas.microsoft.com/office/drawing/2014/main" id="{11FA1C95-AB64-49D4-B3E1-0BC53485AFB8}"/>
+              </a:ext>
+            </a:extLst>
+          </p:cNvPr>
+          <p:cNvSpPr>
+            <a:spLocks noGrp="1"/>
+          </p:cNvSpPr>
+          <p:nvPr>
+            <p:ph type="sldNum" sz="quarter" idx="4294967295"/>
+          </p:nvPr>
+        </p:nvSpPr>
+        <p:spPr>
+          <a:xfrm>
+            <a:off x="9448800" y="6356350"/>
+            <a:ext cx="2743200" cy="365125"/>
+          </a:xfrm>
+          <a:prstGeom prst="rect">
+            <a:avLst/>
+          </a:prstGeom>
+        </p:spPr>
+        <p:txBody>
+          <a:bodyPr/>
+          <a:lstStyle/>
+          <a:p>
+            <a:fld id="{8C4B6803-2184-4C86-B74E-CCB2F4670823}" type="slidenum">
+              <a:rPr lang="en-US" smtClean="0"/>
+              <a:t>54</a:t>
+            </a:fld>
+            <a:endParaRPr lang="en-US"/>
+          </a:p>
+        </p:txBody>
+      </p:sp>
+      <p:sp>
+        <p:nvSpPr>
+          <p:cNvPr id="2" name="TextBox 1">
+            <a:extLst>
+              <a:ext uri="{FF2B5EF4-FFF2-40B4-BE49-F238E27FC236}">
+                <a16:creationId xmlns:a16="http://schemas.microsoft.com/office/drawing/2014/main" id="{B81E0849-5774-4C90-A259-E3BDF29E06D6}"/>
+              </a:ext>
+            </a:extLst>
+          </p:cNvPr>
+          <p:cNvSpPr txBox="1"/>
+          <p:nvPr/>
+        </p:nvSpPr>
+        <p:spPr>
+          <a:xfrm>
+            <a:off x="839449" y="369350"/>
+            <a:ext cx="8609351" cy="830997"/>
+          </a:xfrm>
+          <a:prstGeom prst="rect">
+            <a:avLst/>
+          </a:prstGeom>
+          <a:noFill/>
+        </p:spPr>
+        <p:txBody>
+          <a:bodyPr wrap="square" rtlCol="0">
+            <a:spAutoFit/>
+          </a:bodyPr>
+          <a:lstStyle/>
+          <a:p>
+            <a:pPr algn="ctr"/>
+            <a:r>
+              <a:rPr lang="en-US" sz="4800" b="1" dirty="0">
+                <a:solidFill>
+                  <a:schemeClr val="bg1"/>
+                </a:solidFill>
+              </a:rPr>
+              <a:t>Formatting</a:t>
+            </a:r>
+          </a:p>
+        </p:txBody>
+      </p:sp>
+      <p:sp>
+        <p:nvSpPr>
+          <p:cNvPr id="4" name="Title 1">
+            <a:extLst>
+              <a:ext uri="{FF2B5EF4-FFF2-40B4-BE49-F238E27FC236}">
+                <a16:creationId xmlns:a16="http://schemas.microsoft.com/office/drawing/2014/main" id="{DDDD1131-69A0-4235-925F-CA6808B0F653}"/>
+              </a:ext>
+            </a:extLst>
+          </p:cNvPr>
+          <p:cNvSpPr txBox="1">
+            <a:spLocks/>
+          </p:cNvSpPr>
+          <p:nvPr/>
+        </p:nvSpPr>
+        <p:spPr bwMode="gray">
+          <a:xfrm>
+            <a:off x="554636" y="1813810"/>
+            <a:ext cx="11032761" cy="4542540"/>
+          </a:xfrm>
+          <a:prstGeom prst="rect">
+            <a:avLst/>
+          </a:prstGeom>
+          <a:noFill/>
+          <a:ln w="12700">
+            <a:noFill/>
+            <a:miter lim="800000"/>
+            <a:headEnd/>
+            <a:tailEnd/>
+          </a:ln>
+        </p:spPr>
+        <p:txBody>
+          <a:bodyPr vert="horz" wrap="square" lIns="0" tIns="0" rIns="0" bIns="0" numCol="1" anchor="t" anchorCtr="0" compatLnSpc="1">
+            <a:prstTxWarp prst="textNoShape">
+              <a:avLst/>
+            </a:prstTxWarp>
+            <a:noAutofit/>
+          </a:bodyPr>
+          <a:lstStyle>
+            <a:lvl1pPr algn="l" rtl="0" eaLnBrk="1" fontAlgn="base" hangingPunct="1">
+              <a:spcBef>
+                <a:spcPct val="0"/>
+              </a:spcBef>
+              <a:spcAft>
+                <a:spcPct val="0"/>
+              </a:spcAft>
+              <a:defRPr sz="2500" b="0" i="0" baseline="0">
+                <a:solidFill>
+                  <a:srgbClr val="2C2D8B"/>
+                </a:solidFill>
+                <a:latin typeface="Calibri Light"/>
+                <a:ea typeface="+mj-ea"/>
+                <a:cs typeface="Calibri Light"/>
+              </a:defRPr>
+            </a:lvl1pPr>
+            <a:lvl2pPr algn="l" rtl="0" eaLnBrk="1" fontAlgn="base" hangingPunct="1">
+              <a:spcBef>
+                <a:spcPct val="0"/>
+              </a:spcBef>
+              <a:spcAft>
+                <a:spcPct val="0"/>
+              </a:spcAft>
+              <a:defRPr sz="2000">
+                <a:solidFill>
+                  <a:schemeClr val="accent1"/>
+                </a:solidFill>
+                <a:latin typeface="Arial" pitchFamily="34" charset="0"/>
+                <a:ea typeface="STKaiti" pitchFamily="2" charset="-122"/>
+                <a:cs typeface="Geneva" pitchFamily="34" charset="0"/>
+              </a:defRPr>
+            </a:lvl2pPr>
+            <a:lvl3pPr algn="l" rtl="0" eaLnBrk="1" fontAlgn="base" hangingPunct="1">
+              <a:spcBef>
+                <a:spcPct val="0"/>
+              </a:spcBef>
+              <a:spcAft>
+                <a:spcPct val="0"/>
+              </a:spcAft>
+              <a:defRPr sz="2000">
+                <a:solidFill>
+                  <a:schemeClr val="accent1"/>
+                </a:solidFill>
+                <a:latin typeface="Arial" pitchFamily="34" charset="0"/>
+                <a:ea typeface="STKaiti" pitchFamily="2" charset="-122"/>
+                <a:cs typeface="Geneva" pitchFamily="34" charset="0"/>
+              </a:defRPr>
+            </a:lvl3pPr>
+            <a:lvl4pPr algn="l" rtl="0" eaLnBrk="1" fontAlgn="base" hangingPunct="1">
+              <a:spcBef>
+                <a:spcPct val="0"/>
+              </a:spcBef>
+              <a:spcAft>
+                <a:spcPct val="0"/>
+              </a:spcAft>
+              <a:defRPr sz="2000">
+                <a:solidFill>
+                  <a:schemeClr val="accent1"/>
+                </a:solidFill>
+                <a:latin typeface="Arial" pitchFamily="34" charset="0"/>
+                <a:ea typeface="STKaiti" pitchFamily="2" charset="-122"/>
+                <a:cs typeface="Geneva" pitchFamily="34" charset="0"/>
+              </a:defRPr>
+            </a:lvl4pPr>
+            <a:lvl5pPr algn="l" rtl="0" eaLnBrk="1" fontAlgn="base" hangingPunct="1">
+              <a:spcBef>
+                <a:spcPct val="0"/>
+              </a:spcBef>
+              <a:spcAft>
+                <a:spcPct val="0"/>
+              </a:spcAft>
+              <a:defRPr sz="2000">
+                <a:solidFill>
+                  <a:schemeClr val="accent1"/>
+                </a:solidFill>
+                <a:latin typeface="Arial" pitchFamily="34" charset="0"/>
+                <a:ea typeface="STKaiti" pitchFamily="2" charset="-122"/>
+                <a:cs typeface="Geneva" pitchFamily="34" charset="0"/>
+              </a:defRPr>
+            </a:lvl5pPr>
+            <a:lvl6pPr marL="389626" algn="l" rtl="0" eaLnBrk="1" fontAlgn="base" hangingPunct="1">
+              <a:spcBef>
+                <a:spcPct val="0"/>
+              </a:spcBef>
+              <a:spcAft>
+                <a:spcPct val="0"/>
+              </a:spcAft>
+              <a:defRPr sz="2000">
+                <a:solidFill>
+                  <a:schemeClr val="accent1"/>
+                </a:solidFill>
+                <a:latin typeface="Arial" pitchFamily="34" charset="0"/>
+                <a:ea typeface="ヒラギノ角ゴ Pro W3" pitchFamily="124" charset="-128"/>
+                <a:cs typeface="Geneva" pitchFamily="34" charset="0"/>
+              </a:defRPr>
+            </a:lvl6pPr>
+            <a:lvl7pPr marL="779252" algn="l" rtl="0" eaLnBrk="1" fontAlgn="base" hangingPunct="1">
+              <a:spcBef>
+                <a:spcPct val="0"/>
+              </a:spcBef>
+              <a:spcAft>
+                <a:spcPct val="0"/>
+              </a:spcAft>
+              <a:defRPr sz="2000">
+                <a:solidFill>
+                  <a:schemeClr val="accent1"/>
+                </a:solidFill>
+                <a:latin typeface="Arial" pitchFamily="34" charset="0"/>
+                <a:ea typeface="ヒラギノ角ゴ Pro W3" pitchFamily="124" charset="-128"/>
+                <a:cs typeface="Geneva" pitchFamily="34" charset="0"/>
+              </a:defRPr>
+            </a:lvl7pPr>
+            <a:lvl8pPr marL="1168878" algn="l" rtl="0" eaLnBrk="1" fontAlgn="base" hangingPunct="1">
+              <a:spcBef>
+                <a:spcPct val="0"/>
+              </a:spcBef>
+              <a:spcAft>
+                <a:spcPct val="0"/>
+              </a:spcAft>
+              <a:defRPr sz="2000">
+                <a:solidFill>
+                  <a:schemeClr val="accent1"/>
+                </a:solidFill>
+                <a:latin typeface="Arial" pitchFamily="34" charset="0"/>
+                <a:ea typeface="ヒラギノ角ゴ Pro W3" pitchFamily="124" charset="-128"/>
+                <a:cs typeface="Geneva" pitchFamily="34" charset="0"/>
+              </a:defRPr>
+            </a:lvl8pPr>
+            <a:lvl9pPr marL="1558503" algn="l" rtl="0" eaLnBrk="1" fontAlgn="base" hangingPunct="1">
+              <a:spcBef>
+                <a:spcPct val="0"/>
+              </a:spcBef>
+              <a:spcAft>
+                <a:spcPct val="0"/>
+              </a:spcAft>
+              <a:defRPr sz="2000">
+                <a:solidFill>
+                  <a:schemeClr val="accent1"/>
+                </a:solidFill>
+                <a:latin typeface="Arial" pitchFamily="34" charset="0"/>
+                <a:ea typeface="ヒラギノ角ゴ Pro W3" pitchFamily="124" charset="-128"/>
+                <a:cs typeface="Geneva" pitchFamily="34" charset="0"/>
+              </a:defRPr>
+            </a:lvl9pPr>
+          </a:lstStyle>
+          <a:p>
+            <a:r>
+              <a:rPr lang="en-US" sz="2400" dirty="0">
+                <a:solidFill>
+                  <a:schemeClr val="tx1"/>
+                </a:solidFill>
+              </a:rPr>
+              <a:t>					</a:t>
+            </a:r>
+          </a:p>
+          <a:p>
+            <a:pPr marL="342900" indent="-342900">
+              <a:buFont typeface="Arial" panose="020B0604020202020204" pitchFamily="34" charset="0"/>
+              <a:buChar char="•"/>
+            </a:pPr>
+            <a:endParaRPr lang="en-US" sz="2400" dirty="0">
+              <a:solidFill>
+                <a:schemeClr val="tx1"/>
+              </a:solidFill>
+            </a:endParaRPr>
+          </a:p>
+          <a:p>
+            <a:pPr marL="342900" indent="-342900">
+              <a:buFont typeface="Arial" panose="020B0604020202020204" pitchFamily="34" charset="0"/>
+              <a:buChar char="•"/>
+            </a:pPr>
+            <a:endParaRPr lang="en-US" sz="2400" dirty="0">
+              <a:solidFill>
+                <a:schemeClr val="tx1"/>
+              </a:solidFill>
+            </a:endParaRPr>
+          </a:p>
+          <a:p>
+            <a:pPr marL="342900" indent="-342900">
+              <a:buFont typeface="Arial" panose="020B0604020202020204" pitchFamily="34" charset="0"/>
+              <a:buChar char="•"/>
+            </a:pPr>
+            <a:endParaRPr lang="en-US" sz="2400" dirty="0">
+              <a:solidFill>
+                <a:schemeClr val="tx1"/>
+              </a:solidFill>
+            </a:endParaRPr>
+          </a:p>
+        </p:txBody>
+      </p:sp>
+      <p:sp>
+        <p:nvSpPr>
+          <p:cNvPr id="5" name="Slide Number Placeholder 9">
+            <a:extLst>
+              <a:ext uri="{FF2B5EF4-FFF2-40B4-BE49-F238E27FC236}">
+                <a16:creationId xmlns:a16="http://schemas.microsoft.com/office/drawing/2014/main" id="{36D9B34C-3A08-409B-BF44-47473935FB3A}"/>
+              </a:ext>
+            </a:extLst>
+          </p:cNvPr>
+          <p:cNvSpPr txBox="1">
+            <a:spLocks/>
+          </p:cNvSpPr>
+          <p:nvPr/>
+        </p:nvSpPr>
+        <p:spPr>
+          <a:xfrm>
+            <a:off x="1" y="6356350"/>
+            <a:ext cx="1371600" cy="365125"/>
+          </a:xfrm>
+          <a:prstGeom prst="rect">
+            <a:avLst/>
+          </a:prstGeom>
+        </p:spPr>
+        <p:txBody>
+          <a:bodyPr vert="horz" lIns="91440" tIns="45720" rIns="91440" bIns="45720" rtlCol="0" anchor="ctr"/>
+          <a:lstStyle>
+            <a:defPPr>
+              <a:defRPr lang="en-US"/>
+            </a:defPPr>
+            <a:lvl1pPr marL="0" algn="r" defTabSz="914400" rtl="0" eaLnBrk="1" latinLnBrk="0" hangingPunct="1">
+              <a:defRPr sz="1200" kern="1200">
+                <a:solidFill>
+                  <a:schemeClr val="tx1">
+                    <a:tint val="75000"/>
+                  </a:schemeClr>
+                </a:solidFill>
+                <a:latin typeface="+mn-lt"/>
+                <a:ea typeface="+mn-ea"/>
+                <a:cs typeface="+mn-cs"/>
+              </a:defRPr>
+            </a:lvl1pPr>
+            <a:lvl2pPr marL="457200" algn="l" defTabSz="914400" rtl="0" eaLnBrk="1" latinLnBrk="0" hangingPunct="1">
+              <a:defRPr sz="1800" kern="1200">
+                <a:solidFill>
+                  <a:schemeClr val="tx1"/>
+                </a:solidFill>
+                <a:latin typeface="+mn-lt"/>
+                <a:ea typeface="+mn-ea"/>
+                <a:cs typeface="+mn-cs"/>
+              </a:defRPr>
+            </a:lvl2pPr>
+            <a:lvl3pPr marL="914400" algn="l" defTabSz="914400" rtl="0" eaLnBrk="1" latinLnBrk="0" hangingPunct="1">
+              <a:defRPr sz="1800" kern="1200">
+                <a:solidFill>
+                  <a:schemeClr val="tx1"/>
+                </a:solidFill>
+                <a:latin typeface="+mn-lt"/>
+                <a:ea typeface="+mn-ea"/>
+                <a:cs typeface="+mn-cs"/>
+              </a:defRPr>
+            </a:lvl3pPr>
+            <a:lvl4pPr marL="1371600" algn="l" defTabSz="914400" rtl="0" eaLnBrk="1" latinLnBrk="0" hangingPunct="1">
+              <a:defRPr sz="1800" kern="1200">
+                <a:solidFill>
+                  <a:schemeClr val="tx1"/>
+                </a:solidFill>
+                <a:latin typeface="+mn-lt"/>
+                <a:ea typeface="+mn-ea"/>
+                <a:cs typeface="+mn-cs"/>
+              </a:defRPr>
+            </a:lvl4pPr>
+            <a:lvl5pPr marL="1828800" algn="l" defTabSz="914400" rtl="0" eaLnBrk="1" latinLnBrk="0" hangingPunct="1">
+              <a:defRPr sz="1800" kern="1200">
+                <a:solidFill>
+                  <a:schemeClr val="tx1"/>
+                </a:solidFill>
+                <a:latin typeface="+mn-lt"/>
+                <a:ea typeface="+mn-ea"/>
+                <a:cs typeface="+mn-cs"/>
+              </a:defRPr>
+            </a:lvl5pPr>
+            <a:lvl6pPr marL="2286000" algn="l" defTabSz="914400" rtl="0" eaLnBrk="1" latinLnBrk="0" hangingPunct="1">
+              <a:defRPr sz="1800" kern="1200">
+                <a:solidFill>
+                  <a:schemeClr val="tx1"/>
+                </a:solidFill>
+                <a:latin typeface="+mn-lt"/>
+                <a:ea typeface="+mn-ea"/>
+                <a:cs typeface="+mn-cs"/>
+              </a:defRPr>
+            </a:lvl6pPr>
+            <a:lvl7pPr marL="2743200" algn="l" defTabSz="914400" rtl="0" eaLnBrk="1" latinLnBrk="0" hangingPunct="1">
+              <a:defRPr sz="1800" kern="1200">
+                <a:solidFill>
+                  <a:schemeClr val="tx1"/>
+                </a:solidFill>
+                <a:latin typeface="+mn-lt"/>
+                <a:ea typeface="+mn-ea"/>
+                <a:cs typeface="+mn-cs"/>
+              </a:defRPr>
+            </a:lvl7pPr>
+            <a:lvl8pPr marL="3200400" algn="l" defTabSz="914400" rtl="0" eaLnBrk="1" latinLnBrk="0" hangingPunct="1">
+              <a:defRPr sz="1800" kern="1200">
+                <a:solidFill>
+                  <a:schemeClr val="tx1"/>
+                </a:solidFill>
+                <a:latin typeface="+mn-lt"/>
+                <a:ea typeface="+mn-ea"/>
+                <a:cs typeface="+mn-cs"/>
+              </a:defRPr>
+            </a:lvl8pPr>
+            <a:lvl9pPr marL="3657600" algn="l" defTabSz="914400" rtl="0" eaLnBrk="1" latinLnBrk="0" hangingPunct="1">
+              <a:defRPr sz="1800" kern="1200">
+                <a:solidFill>
+                  <a:schemeClr val="tx1"/>
+                </a:solidFill>
+                <a:latin typeface="+mn-lt"/>
+                <a:ea typeface="+mn-ea"/>
+                <a:cs typeface="+mn-cs"/>
+              </a:defRPr>
+            </a:lvl9pPr>
+          </a:lstStyle>
+          <a:p>
+            <a:pPr algn="l"/>
+            <a:fld id="{0477F178-95BE-4B1C-9247-30D6B7E59DB7}" type="datetime3">
+              <a:rPr lang="en-US" smtClean="0"/>
+              <a:t>2 January 2020</a:t>
+            </a:fld>
+            <a:endParaRPr lang="en-US" dirty="0"/>
+          </a:p>
+        </p:txBody>
+      </p:sp>
+    </p:spTree>
+    <p:extLst>
+      <p:ext uri="{BB962C8B-B14F-4D97-AF65-F5344CB8AC3E}">
+        <p14:creationId xmlns:p14="http://schemas.microsoft.com/office/powerpoint/2010/main" val="4226934858"/>
+      </p:ext>
+    </p:extLst>
+  </p:cSld>
+  <p:clrMapOvr>
+    <a:masterClrMapping/>
+  </p:clrMapOvr>
+</p:sld>
+</file>
+
+<file path=ppt/slides/slide55.xml><?xml version="1.0" encoding="utf-8"?>
+<p:sld xmlns:a="http://schemas.openxmlformats.org/drawingml/2006/main" xmlns:r="http://schemas.openxmlformats.org/officeDocument/2006/relationships" xmlns:p="http://schemas.openxmlformats.org/presentationml/2006/main">
+  <p:cSld>
+    <p:spTree>
+      <p:nvGrpSpPr>
+        <p:cNvPr id="1" name=""/>
+        <p:cNvGrpSpPr/>
+        <p:nvPr/>
+      </p:nvGrpSpPr>
+      <p:grpSpPr>
+        <a:xfrm>
+          <a:off x="0" y="0"/>
+          <a:ext cx="0" cy="0"/>
+          <a:chOff x="0" y="0"/>
+          <a:chExt cx="0" cy="0"/>
+        </a:xfrm>
+      </p:grpSpPr>
+      <p:sp>
+        <p:nvSpPr>
+          <p:cNvPr id="11" name="Slide Number Placeholder 10">
+            <a:extLst>
+              <a:ext uri="{FF2B5EF4-FFF2-40B4-BE49-F238E27FC236}">
+                <a16:creationId xmlns:a16="http://schemas.microsoft.com/office/drawing/2014/main" id="{11FA1C95-AB64-49D4-B3E1-0BC53485AFB8}"/>
+              </a:ext>
+            </a:extLst>
+          </p:cNvPr>
+          <p:cNvSpPr>
+            <a:spLocks noGrp="1"/>
+          </p:cNvSpPr>
+          <p:nvPr>
+            <p:ph type="sldNum" sz="quarter" idx="4294967295"/>
+          </p:nvPr>
+        </p:nvSpPr>
+        <p:spPr>
+          <a:xfrm>
+            <a:off x="9448800" y="6356350"/>
+            <a:ext cx="2743200" cy="365125"/>
+          </a:xfrm>
+          <a:prstGeom prst="rect">
+            <a:avLst/>
+          </a:prstGeom>
+        </p:spPr>
+        <p:txBody>
+          <a:bodyPr/>
+          <a:lstStyle/>
+          <a:p>
+            <a:fld id="{8C4B6803-2184-4C86-B74E-CCB2F4670823}" type="slidenum">
+              <a:rPr lang="en-US" smtClean="0"/>
+              <a:t>55</a:t>
+            </a:fld>
+            <a:endParaRPr lang="en-US"/>
+          </a:p>
+        </p:txBody>
+      </p:sp>
+      <p:sp>
+        <p:nvSpPr>
+          <p:cNvPr id="2" name="TextBox 1">
+            <a:extLst>
+              <a:ext uri="{FF2B5EF4-FFF2-40B4-BE49-F238E27FC236}">
+                <a16:creationId xmlns:a16="http://schemas.microsoft.com/office/drawing/2014/main" id="{B81E0849-5774-4C90-A259-E3BDF29E06D6}"/>
+              </a:ext>
+            </a:extLst>
+          </p:cNvPr>
+          <p:cNvSpPr txBox="1"/>
+          <p:nvPr/>
+        </p:nvSpPr>
+        <p:spPr>
+          <a:xfrm>
+            <a:off x="839449" y="369350"/>
+            <a:ext cx="8609351" cy="830997"/>
+          </a:xfrm>
+          <a:prstGeom prst="rect">
+            <a:avLst/>
+          </a:prstGeom>
+          <a:noFill/>
+        </p:spPr>
+        <p:txBody>
+          <a:bodyPr wrap="square" rtlCol="0">
+            <a:spAutoFit/>
+          </a:bodyPr>
+          <a:lstStyle/>
+          <a:p>
+            <a:pPr algn="ctr"/>
+            <a:r>
+              <a:rPr lang="en-US" sz="4800" b="1" dirty="0">
+                <a:solidFill>
+                  <a:schemeClr val="bg1"/>
+                </a:solidFill>
+              </a:rPr>
+              <a:t>Object and data structure</a:t>
+            </a:r>
+          </a:p>
+        </p:txBody>
+      </p:sp>
+      <p:sp>
+        <p:nvSpPr>
+          <p:cNvPr id="4" name="Title 1">
+            <a:extLst>
+              <a:ext uri="{FF2B5EF4-FFF2-40B4-BE49-F238E27FC236}">
+                <a16:creationId xmlns:a16="http://schemas.microsoft.com/office/drawing/2014/main" id="{DDDD1131-69A0-4235-925F-CA6808B0F653}"/>
+              </a:ext>
+            </a:extLst>
+          </p:cNvPr>
+          <p:cNvSpPr txBox="1">
+            <a:spLocks/>
+          </p:cNvSpPr>
+          <p:nvPr/>
+        </p:nvSpPr>
+        <p:spPr bwMode="gray">
+          <a:xfrm>
+            <a:off x="554636" y="1813810"/>
+            <a:ext cx="11032761" cy="4542540"/>
+          </a:xfrm>
+          <a:prstGeom prst="rect">
+            <a:avLst/>
+          </a:prstGeom>
+          <a:noFill/>
+          <a:ln w="12700">
+            <a:noFill/>
+            <a:miter lim="800000"/>
+            <a:headEnd/>
+            <a:tailEnd/>
+          </a:ln>
+        </p:spPr>
+        <p:txBody>
+          <a:bodyPr vert="horz" wrap="square" lIns="0" tIns="0" rIns="0" bIns="0" numCol="1" anchor="t" anchorCtr="0" compatLnSpc="1">
+            <a:prstTxWarp prst="textNoShape">
+              <a:avLst/>
+            </a:prstTxWarp>
+            <a:noAutofit/>
+          </a:bodyPr>
+          <a:lstStyle>
+            <a:lvl1pPr algn="l" rtl="0" eaLnBrk="1" fontAlgn="base" hangingPunct="1">
+              <a:spcBef>
+                <a:spcPct val="0"/>
+              </a:spcBef>
+              <a:spcAft>
+                <a:spcPct val="0"/>
+              </a:spcAft>
+              <a:defRPr sz="2500" b="0" i="0" baseline="0">
+                <a:solidFill>
+                  <a:srgbClr val="2C2D8B"/>
+                </a:solidFill>
+                <a:latin typeface="Calibri Light"/>
+                <a:ea typeface="+mj-ea"/>
+                <a:cs typeface="Calibri Light"/>
+              </a:defRPr>
+            </a:lvl1pPr>
+            <a:lvl2pPr algn="l" rtl="0" eaLnBrk="1" fontAlgn="base" hangingPunct="1">
+              <a:spcBef>
+                <a:spcPct val="0"/>
+              </a:spcBef>
+              <a:spcAft>
+                <a:spcPct val="0"/>
+              </a:spcAft>
+              <a:defRPr sz="2000">
+                <a:solidFill>
+                  <a:schemeClr val="accent1"/>
+                </a:solidFill>
+                <a:latin typeface="Arial" pitchFamily="34" charset="0"/>
+                <a:ea typeface="STKaiti" pitchFamily="2" charset="-122"/>
+                <a:cs typeface="Geneva" pitchFamily="34" charset="0"/>
+              </a:defRPr>
+            </a:lvl2pPr>
+            <a:lvl3pPr algn="l" rtl="0" eaLnBrk="1" fontAlgn="base" hangingPunct="1">
+              <a:spcBef>
+                <a:spcPct val="0"/>
+              </a:spcBef>
+              <a:spcAft>
+                <a:spcPct val="0"/>
+              </a:spcAft>
+              <a:defRPr sz="2000">
+                <a:solidFill>
+                  <a:schemeClr val="accent1"/>
+                </a:solidFill>
+                <a:latin typeface="Arial" pitchFamily="34" charset="0"/>
+                <a:ea typeface="STKaiti" pitchFamily="2" charset="-122"/>
+                <a:cs typeface="Geneva" pitchFamily="34" charset="0"/>
+              </a:defRPr>
+            </a:lvl3pPr>
+            <a:lvl4pPr algn="l" rtl="0" eaLnBrk="1" fontAlgn="base" hangingPunct="1">
+              <a:spcBef>
+                <a:spcPct val="0"/>
+              </a:spcBef>
+              <a:spcAft>
+                <a:spcPct val="0"/>
+              </a:spcAft>
+              <a:defRPr sz="2000">
+                <a:solidFill>
+                  <a:schemeClr val="accent1"/>
+                </a:solidFill>
+                <a:latin typeface="Arial" pitchFamily="34" charset="0"/>
+                <a:ea typeface="STKaiti" pitchFamily="2" charset="-122"/>
+                <a:cs typeface="Geneva" pitchFamily="34" charset="0"/>
+              </a:defRPr>
+            </a:lvl4pPr>
+            <a:lvl5pPr algn="l" rtl="0" eaLnBrk="1" fontAlgn="base" hangingPunct="1">
+              <a:spcBef>
+                <a:spcPct val="0"/>
+              </a:spcBef>
+              <a:spcAft>
+                <a:spcPct val="0"/>
+              </a:spcAft>
+              <a:defRPr sz="2000">
+                <a:solidFill>
+                  <a:schemeClr val="accent1"/>
+                </a:solidFill>
+                <a:latin typeface="Arial" pitchFamily="34" charset="0"/>
+                <a:ea typeface="STKaiti" pitchFamily="2" charset="-122"/>
+                <a:cs typeface="Geneva" pitchFamily="34" charset="0"/>
+              </a:defRPr>
+            </a:lvl5pPr>
+            <a:lvl6pPr marL="389626" algn="l" rtl="0" eaLnBrk="1" fontAlgn="base" hangingPunct="1">
+              <a:spcBef>
+                <a:spcPct val="0"/>
+              </a:spcBef>
+              <a:spcAft>
+                <a:spcPct val="0"/>
+              </a:spcAft>
+              <a:defRPr sz="2000">
+                <a:solidFill>
+                  <a:schemeClr val="accent1"/>
+                </a:solidFill>
+                <a:latin typeface="Arial" pitchFamily="34" charset="0"/>
+                <a:ea typeface="ヒラギノ角ゴ Pro W3" pitchFamily="124" charset="-128"/>
+                <a:cs typeface="Geneva" pitchFamily="34" charset="0"/>
+              </a:defRPr>
+            </a:lvl6pPr>
+            <a:lvl7pPr marL="779252" algn="l" rtl="0" eaLnBrk="1" fontAlgn="base" hangingPunct="1">
+              <a:spcBef>
+                <a:spcPct val="0"/>
+              </a:spcBef>
+              <a:spcAft>
+                <a:spcPct val="0"/>
+              </a:spcAft>
+              <a:defRPr sz="2000">
+                <a:solidFill>
+                  <a:schemeClr val="accent1"/>
+                </a:solidFill>
+                <a:latin typeface="Arial" pitchFamily="34" charset="0"/>
+                <a:ea typeface="ヒラギノ角ゴ Pro W3" pitchFamily="124" charset="-128"/>
+                <a:cs typeface="Geneva" pitchFamily="34" charset="0"/>
+              </a:defRPr>
+            </a:lvl7pPr>
+            <a:lvl8pPr marL="1168878" algn="l" rtl="0" eaLnBrk="1" fontAlgn="base" hangingPunct="1">
+              <a:spcBef>
+                <a:spcPct val="0"/>
+              </a:spcBef>
+              <a:spcAft>
+                <a:spcPct val="0"/>
+              </a:spcAft>
+              <a:defRPr sz="2000">
+                <a:solidFill>
+                  <a:schemeClr val="accent1"/>
+                </a:solidFill>
+                <a:latin typeface="Arial" pitchFamily="34" charset="0"/>
+                <a:ea typeface="ヒラギノ角ゴ Pro W3" pitchFamily="124" charset="-128"/>
+                <a:cs typeface="Geneva" pitchFamily="34" charset="0"/>
+              </a:defRPr>
+            </a:lvl8pPr>
+            <a:lvl9pPr marL="1558503" algn="l" rtl="0" eaLnBrk="1" fontAlgn="base" hangingPunct="1">
+              <a:spcBef>
+                <a:spcPct val="0"/>
+              </a:spcBef>
+              <a:spcAft>
+                <a:spcPct val="0"/>
+              </a:spcAft>
+              <a:defRPr sz="2000">
+                <a:solidFill>
+                  <a:schemeClr val="accent1"/>
+                </a:solidFill>
+                <a:latin typeface="Arial" pitchFamily="34" charset="0"/>
+                <a:ea typeface="ヒラギノ角ゴ Pro W3" pitchFamily="124" charset="-128"/>
+                <a:cs typeface="Geneva" pitchFamily="34" charset="0"/>
+              </a:defRPr>
+            </a:lvl9pPr>
+          </a:lstStyle>
+          <a:p>
+            <a:r>
+              <a:rPr lang="en-US" sz="2400" dirty="0">
+                <a:solidFill>
+                  <a:schemeClr val="tx1"/>
+                </a:solidFill>
+              </a:rPr>
+              <a:t>					</a:t>
+            </a:r>
+          </a:p>
+          <a:p>
+            <a:pPr marL="342900" indent="-342900">
+              <a:buFont typeface="Arial" panose="020B0604020202020204" pitchFamily="34" charset="0"/>
+              <a:buChar char="•"/>
+            </a:pPr>
+            <a:endParaRPr lang="en-US" sz="2400" dirty="0">
+              <a:solidFill>
+                <a:schemeClr val="tx1"/>
+              </a:solidFill>
+            </a:endParaRPr>
+          </a:p>
+          <a:p>
+            <a:pPr marL="342900" indent="-342900">
+              <a:buFont typeface="Arial" panose="020B0604020202020204" pitchFamily="34" charset="0"/>
+              <a:buChar char="•"/>
+            </a:pPr>
+            <a:endParaRPr lang="en-US" sz="2400" dirty="0">
+              <a:solidFill>
+                <a:schemeClr val="tx1"/>
+              </a:solidFill>
+            </a:endParaRPr>
+          </a:p>
+          <a:p>
+            <a:pPr marL="342900" indent="-342900">
+              <a:buFont typeface="Arial" panose="020B0604020202020204" pitchFamily="34" charset="0"/>
+              <a:buChar char="•"/>
+            </a:pPr>
+            <a:endParaRPr lang="en-US" sz="2400" dirty="0">
+              <a:solidFill>
+                <a:schemeClr val="tx1"/>
+              </a:solidFill>
+            </a:endParaRPr>
+          </a:p>
+        </p:txBody>
+      </p:sp>
+      <p:sp>
+        <p:nvSpPr>
+          <p:cNvPr id="5" name="Slide Number Placeholder 9">
+            <a:extLst>
+              <a:ext uri="{FF2B5EF4-FFF2-40B4-BE49-F238E27FC236}">
+                <a16:creationId xmlns:a16="http://schemas.microsoft.com/office/drawing/2014/main" id="{7734EA43-D48F-44F0-B5FF-2F51705EF7FE}"/>
+              </a:ext>
+            </a:extLst>
+          </p:cNvPr>
+          <p:cNvSpPr txBox="1">
+            <a:spLocks/>
+          </p:cNvSpPr>
+          <p:nvPr/>
+        </p:nvSpPr>
+        <p:spPr>
+          <a:xfrm>
+            <a:off x="1" y="6356350"/>
+            <a:ext cx="1371600" cy="365125"/>
+          </a:xfrm>
+          <a:prstGeom prst="rect">
+            <a:avLst/>
+          </a:prstGeom>
+        </p:spPr>
+        <p:txBody>
+          <a:bodyPr vert="horz" lIns="91440" tIns="45720" rIns="91440" bIns="45720" rtlCol="0" anchor="ctr"/>
+          <a:lstStyle>
+            <a:defPPr>
+              <a:defRPr lang="en-US"/>
+            </a:defPPr>
+            <a:lvl1pPr marL="0" algn="r" defTabSz="914400" rtl="0" eaLnBrk="1" latinLnBrk="0" hangingPunct="1">
+              <a:defRPr sz="1200" kern="1200">
+                <a:solidFill>
+                  <a:schemeClr val="tx1">
+                    <a:tint val="75000"/>
+                  </a:schemeClr>
+                </a:solidFill>
+                <a:latin typeface="+mn-lt"/>
+                <a:ea typeface="+mn-ea"/>
+                <a:cs typeface="+mn-cs"/>
+              </a:defRPr>
+            </a:lvl1pPr>
+            <a:lvl2pPr marL="457200" algn="l" defTabSz="914400" rtl="0" eaLnBrk="1" latinLnBrk="0" hangingPunct="1">
+              <a:defRPr sz="1800" kern="1200">
+                <a:solidFill>
+                  <a:schemeClr val="tx1"/>
+                </a:solidFill>
+                <a:latin typeface="+mn-lt"/>
+                <a:ea typeface="+mn-ea"/>
+                <a:cs typeface="+mn-cs"/>
+              </a:defRPr>
+            </a:lvl2pPr>
+            <a:lvl3pPr marL="914400" algn="l" defTabSz="914400" rtl="0" eaLnBrk="1" latinLnBrk="0" hangingPunct="1">
+              <a:defRPr sz="1800" kern="1200">
+                <a:solidFill>
+                  <a:schemeClr val="tx1"/>
+                </a:solidFill>
+                <a:latin typeface="+mn-lt"/>
+                <a:ea typeface="+mn-ea"/>
+                <a:cs typeface="+mn-cs"/>
+              </a:defRPr>
+            </a:lvl3pPr>
+            <a:lvl4pPr marL="1371600" algn="l" defTabSz="914400" rtl="0" eaLnBrk="1" latinLnBrk="0" hangingPunct="1">
+              <a:defRPr sz="1800" kern="1200">
+                <a:solidFill>
+                  <a:schemeClr val="tx1"/>
+                </a:solidFill>
+                <a:latin typeface="+mn-lt"/>
+                <a:ea typeface="+mn-ea"/>
+                <a:cs typeface="+mn-cs"/>
+              </a:defRPr>
+            </a:lvl4pPr>
+            <a:lvl5pPr marL="1828800" algn="l" defTabSz="914400" rtl="0" eaLnBrk="1" latinLnBrk="0" hangingPunct="1">
+              <a:defRPr sz="1800" kern="1200">
+                <a:solidFill>
+                  <a:schemeClr val="tx1"/>
+                </a:solidFill>
+                <a:latin typeface="+mn-lt"/>
+                <a:ea typeface="+mn-ea"/>
+                <a:cs typeface="+mn-cs"/>
+              </a:defRPr>
+            </a:lvl5pPr>
+            <a:lvl6pPr marL="2286000" algn="l" defTabSz="914400" rtl="0" eaLnBrk="1" latinLnBrk="0" hangingPunct="1">
+              <a:defRPr sz="1800" kern="1200">
+                <a:solidFill>
+                  <a:schemeClr val="tx1"/>
+                </a:solidFill>
+                <a:latin typeface="+mn-lt"/>
+                <a:ea typeface="+mn-ea"/>
+                <a:cs typeface="+mn-cs"/>
+              </a:defRPr>
+            </a:lvl6pPr>
+            <a:lvl7pPr marL="2743200" algn="l" defTabSz="914400" rtl="0" eaLnBrk="1" latinLnBrk="0" hangingPunct="1">
+              <a:defRPr sz="1800" kern="1200">
+                <a:solidFill>
+                  <a:schemeClr val="tx1"/>
+                </a:solidFill>
+                <a:latin typeface="+mn-lt"/>
+                <a:ea typeface="+mn-ea"/>
+                <a:cs typeface="+mn-cs"/>
+              </a:defRPr>
+            </a:lvl7pPr>
+            <a:lvl8pPr marL="3200400" algn="l" defTabSz="914400" rtl="0" eaLnBrk="1" latinLnBrk="0" hangingPunct="1">
+              <a:defRPr sz="1800" kern="1200">
+                <a:solidFill>
+                  <a:schemeClr val="tx1"/>
+                </a:solidFill>
+                <a:latin typeface="+mn-lt"/>
+                <a:ea typeface="+mn-ea"/>
+                <a:cs typeface="+mn-cs"/>
+              </a:defRPr>
+            </a:lvl8pPr>
+            <a:lvl9pPr marL="3657600" algn="l" defTabSz="914400" rtl="0" eaLnBrk="1" latinLnBrk="0" hangingPunct="1">
+              <a:defRPr sz="1800" kern="1200">
+                <a:solidFill>
+                  <a:schemeClr val="tx1"/>
+                </a:solidFill>
+                <a:latin typeface="+mn-lt"/>
+                <a:ea typeface="+mn-ea"/>
+                <a:cs typeface="+mn-cs"/>
+              </a:defRPr>
+            </a:lvl9pPr>
+          </a:lstStyle>
+          <a:p>
+            <a:pPr algn="l"/>
+            <a:fld id="{0477F178-95BE-4B1C-9247-30D6B7E59DB7}" type="datetime3">
+              <a:rPr lang="en-US" smtClean="0"/>
+              <a:t>2 January 2020</a:t>
+            </a:fld>
+            <a:endParaRPr lang="en-US" dirty="0"/>
+          </a:p>
+        </p:txBody>
+      </p:sp>
+    </p:spTree>
+    <p:extLst>
+      <p:ext uri="{BB962C8B-B14F-4D97-AF65-F5344CB8AC3E}">
+        <p14:creationId xmlns:p14="http://schemas.microsoft.com/office/powerpoint/2010/main" val="4082062199"/>
+      </p:ext>
+    </p:extLst>
+  </p:cSld>
+  <p:clrMapOvr>
+    <a:masterClrMapping/>
+  </p:clrMapOvr>
+</p:sld>
+</file>
+
+<file path=ppt/slides/slide56.xml><?xml version="1.0" encoding="utf-8"?>
+<p:sld xmlns:a="http://schemas.openxmlformats.org/drawingml/2006/main" xmlns:r="http://schemas.openxmlformats.org/officeDocument/2006/relationships" xmlns:p="http://schemas.openxmlformats.org/presentationml/2006/main">
+  <p:cSld>
+    <p:spTree>
+      <p:nvGrpSpPr>
+        <p:cNvPr id="1" name=""/>
+        <p:cNvGrpSpPr/>
+        <p:nvPr/>
+      </p:nvGrpSpPr>
+      <p:grpSpPr>
+        <a:xfrm>
+          <a:off x="0" y="0"/>
+          <a:ext cx="0" cy="0"/>
+          <a:chOff x="0" y="0"/>
+          <a:chExt cx="0" cy="0"/>
+        </a:xfrm>
+      </p:grpSpPr>
+      <p:sp>
+        <p:nvSpPr>
+          <p:cNvPr id="11" name="Slide Number Placeholder 10">
+            <a:extLst>
+              <a:ext uri="{FF2B5EF4-FFF2-40B4-BE49-F238E27FC236}">
+                <a16:creationId xmlns:a16="http://schemas.microsoft.com/office/drawing/2014/main" id="{11FA1C95-AB64-49D4-B3E1-0BC53485AFB8}"/>
+              </a:ext>
+            </a:extLst>
+          </p:cNvPr>
+          <p:cNvSpPr>
+            <a:spLocks noGrp="1"/>
+          </p:cNvSpPr>
+          <p:nvPr>
+            <p:ph type="sldNum" sz="quarter" idx="4294967295"/>
+          </p:nvPr>
+        </p:nvSpPr>
+        <p:spPr>
+          <a:xfrm>
+            <a:off x="9448800" y="6356350"/>
+            <a:ext cx="2743200" cy="365125"/>
+          </a:xfrm>
+          <a:prstGeom prst="rect">
+            <a:avLst/>
+          </a:prstGeom>
+        </p:spPr>
+        <p:txBody>
+          <a:bodyPr/>
+          <a:lstStyle/>
+          <a:p>
+            <a:fld id="{8C4B6803-2184-4C86-B74E-CCB2F4670823}" type="slidenum">
+              <a:rPr lang="en-US" smtClean="0"/>
+              <a:t>56</a:t>
+            </a:fld>
+            <a:endParaRPr lang="en-US"/>
+          </a:p>
+        </p:txBody>
+      </p:sp>
+      <p:sp>
+        <p:nvSpPr>
+          <p:cNvPr id="2" name="TextBox 1">
+            <a:extLst>
+              <a:ext uri="{FF2B5EF4-FFF2-40B4-BE49-F238E27FC236}">
+                <a16:creationId xmlns:a16="http://schemas.microsoft.com/office/drawing/2014/main" id="{B81E0849-5774-4C90-A259-E3BDF29E06D6}"/>
+              </a:ext>
+            </a:extLst>
+          </p:cNvPr>
+          <p:cNvSpPr txBox="1"/>
+          <p:nvPr/>
+        </p:nvSpPr>
+        <p:spPr>
+          <a:xfrm>
+            <a:off x="839449" y="369350"/>
+            <a:ext cx="8609351" cy="830997"/>
+          </a:xfrm>
+          <a:prstGeom prst="rect">
+            <a:avLst/>
+          </a:prstGeom>
+          <a:noFill/>
+        </p:spPr>
+        <p:txBody>
+          <a:bodyPr wrap="square" rtlCol="0">
+            <a:spAutoFit/>
+          </a:bodyPr>
+          <a:lstStyle/>
+          <a:p>
+            <a:pPr algn="ctr"/>
+            <a:r>
+              <a:rPr lang="en-US" sz="4800" b="1" dirty="0">
+                <a:solidFill>
+                  <a:schemeClr val="bg1"/>
+                </a:solidFill>
+              </a:rPr>
+              <a:t>Error Handling</a:t>
+            </a:r>
+          </a:p>
+        </p:txBody>
+      </p:sp>
+      <p:sp>
+        <p:nvSpPr>
+          <p:cNvPr id="4" name="Title 1">
+            <a:extLst>
+              <a:ext uri="{FF2B5EF4-FFF2-40B4-BE49-F238E27FC236}">
+                <a16:creationId xmlns:a16="http://schemas.microsoft.com/office/drawing/2014/main" id="{DDDD1131-69A0-4235-925F-CA6808B0F653}"/>
+              </a:ext>
+            </a:extLst>
+          </p:cNvPr>
+          <p:cNvSpPr txBox="1">
+            <a:spLocks/>
+          </p:cNvSpPr>
+          <p:nvPr/>
+        </p:nvSpPr>
+        <p:spPr bwMode="gray">
+          <a:xfrm>
+            <a:off x="554636" y="1813810"/>
+            <a:ext cx="11032761" cy="4542540"/>
+          </a:xfrm>
+          <a:prstGeom prst="rect">
+            <a:avLst/>
+          </a:prstGeom>
+          <a:noFill/>
+          <a:ln w="12700">
+            <a:noFill/>
+            <a:miter lim="800000"/>
+            <a:headEnd/>
+            <a:tailEnd/>
+          </a:ln>
+        </p:spPr>
+        <p:txBody>
+          <a:bodyPr vert="horz" wrap="square" lIns="0" tIns="0" rIns="0" bIns="0" numCol="1" anchor="t" anchorCtr="0" compatLnSpc="1">
+            <a:prstTxWarp prst="textNoShape">
+              <a:avLst/>
+            </a:prstTxWarp>
+            <a:noAutofit/>
+          </a:bodyPr>
+          <a:lstStyle>
+            <a:lvl1pPr algn="l" rtl="0" eaLnBrk="1" fontAlgn="base" hangingPunct="1">
+              <a:spcBef>
+                <a:spcPct val="0"/>
+              </a:spcBef>
+              <a:spcAft>
+                <a:spcPct val="0"/>
+              </a:spcAft>
+              <a:defRPr sz="2500" b="0" i="0" baseline="0">
+                <a:solidFill>
+                  <a:srgbClr val="2C2D8B"/>
+                </a:solidFill>
+                <a:latin typeface="Calibri Light"/>
+                <a:ea typeface="+mj-ea"/>
+                <a:cs typeface="Calibri Light"/>
+              </a:defRPr>
+            </a:lvl1pPr>
+            <a:lvl2pPr algn="l" rtl="0" eaLnBrk="1" fontAlgn="base" hangingPunct="1">
+              <a:spcBef>
+                <a:spcPct val="0"/>
+              </a:spcBef>
+              <a:spcAft>
+                <a:spcPct val="0"/>
+              </a:spcAft>
+              <a:defRPr sz="2000">
+                <a:solidFill>
+                  <a:schemeClr val="accent1"/>
+                </a:solidFill>
+                <a:latin typeface="Arial" pitchFamily="34" charset="0"/>
+                <a:ea typeface="STKaiti" pitchFamily="2" charset="-122"/>
+                <a:cs typeface="Geneva" pitchFamily="34" charset="0"/>
+              </a:defRPr>
+            </a:lvl2pPr>
+            <a:lvl3pPr algn="l" rtl="0" eaLnBrk="1" fontAlgn="base" hangingPunct="1">
+              <a:spcBef>
+                <a:spcPct val="0"/>
+              </a:spcBef>
+              <a:spcAft>
+                <a:spcPct val="0"/>
+              </a:spcAft>
+              <a:defRPr sz="2000">
+                <a:solidFill>
+                  <a:schemeClr val="accent1"/>
+                </a:solidFill>
+                <a:latin typeface="Arial" pitchFamily="34" charset="0"/>
+                <a:ea typeface="STKaiti" pitchFamily="2" charset="-122"/>
+                <a:cs typeface="Geneva" pitchFamily="34" charset="0"/>
+              </a:defRPr>
+            </a:lvl3pPr>
+            <a:lvl4pPr algn="l" rtl="0" eaLnBrk="1" fontAlgn="base" hangingPunct="1">
+              <a:spcBef>
+                <a:spcPct val="0"/>
+              </a:spcBef>
+              <a:spcAft>
+                <a:spcPct val="0"/>
+              </a:spcAft>
+              <a:defRPr sz="2000">
+                <a:solidFill>
+                  <a:schemeClr val="accent1"/>
+                </a:solidFill>
+                <a:latin typeface="Arial" pitchFamily="34" charset="0"/>
+                <a:ea typeface="STKaiti" pitchFamily="2" charset="-122"/>
+                <a:cs typeface="Geneva" pitchFamily="34" charset="0"/>
+              </a:defRPr>
+            </a:lvl4pPr>
+            <a:lvl5pPr algn="l" rtl="0" eaLnBrk="1" fontAlgn="base" hangingPunct="1">
+              <a:spcBef>
+                <a:spcPct val="0"/>
+              </a:spcBef>
+              <a:spcAft>
+                <a:spcPct val="0"/>
+              </a:spcAft>
+              <a:defRPr sz="2000">
+                <a:solidFill>
+                  <a:schemeClr val="accent1"/>
+                </a:solidFill>
+                <a:latin typeface="Arial" pitchFamily="34" charset="0"/>
+                <a:ea typeface="STKaiti" pitchFamily="2" charset="-122"/>
+                <a:cs typeface="Geneva" pitchFamily="34" charset="0"/>
+              </a:defRPr>
+            </a:lvl5pPr>
+            <a:lvl6pPr marL="389626" algn="l" rtl="0" eaLnBrk="1" fontAlgn="base" hangingPunct="1">
+              <a:spcBef>
+                <a:spcPct val="0"/>
+              </a:spcBef>
+              <a:spcAft>
+                <a:spcPct val="0"/>
+              </a:spcAft>
+              <a:defRPr sz="2000">
+                <a:solidFill>
+                  <a:schemeClr val="accent1"/>
+                </a:solidFill>
+                <a:latin typeface="Arial" pitchFamily="34" charset="0"/>
+                <a:ea typeface="ヒラギノ角ゴ Pro W3" pitchFamily="124" charset="-128"/>
+                <a:cs typeface="Geneva" pitchFamily="34" charset="0"/>
+              </a:defRPr>
+            </a:lvl6pPr>
+            <a:lvl7pPr marL="779252" algn="l" rtl="0" eaLnBrk="1" fontAlgn="base" hangingPunct="1">
+              <a:spcBef>
+                <a:spcPct val="0"/>
+              </a:spcBef>
+              <a:spcAft>
+                <a:spcPct val="0"/>
+              </a:spcAft>
+              <a:defRPr sz="2000">
+                <a:solidFill>
+                  <a:schemeClr val="accent1"/>
+                </a:solidFill>
+                <a:latin typeface="Arial" pitchFamily="34" charset="0"/>
+                <a:ea typeface="ヒラギノ角ゴ Pro W3" pitchFamily="124" charset="-128"/>
+                <a:cs typeface="Geneva" pitchFamily="34" charset="0"/>
+              </a:defRPr>
+            </a:lvl7pPr>
+            <a:lvl8pPr marL="1168878" algn="l" rtl="0" eaLnBrk="1" fontAlgn="base" hangingPunct="1">
+              <a:spcBef>
+                <a:spcPct val="0"/>
+              </a:spcBef>
+              <a:spcAft>
+                <a:spcPct val="0"/>
+              </a:spcAft>
+              <a:defRPr sz="2000">
+                <a:solidFill>
+                  <a:schemeClr val="accent1"/>
+                </a:solidFill>
+                <a:latin typeface="Arial" pitchFamily="34" charset="0"/>
+                <a:ea typeface="ヒラギノ角ゴ Pro W3" pitchFamily="124" charset="-128"/>
+                <a:cs typeface="Geneva" pitchFamily="34" charset="0"/>
+              </a:defRPr>
+            </a:lvl8pPr>
+            <a:lvl9pPr marL="1558503" algn="l" rtl="0" eaLnBrk="1" fontAlgn="base" hangingPunct="1">
+              <a:spcBef>
+                <a:spcPct val="0"/>
+              </a:spcBef>
+              <a:spcAft>
+                <a:spcPct val="0"/>
+              </a:spcAft>
+              <a:defRPr sz="2000">
+                <a:solidFill>
+                  <a:schemeClr val="accent1"/>
+                </a:solidFill>
+                <a:latin typeface="Arial" pitchFamily="34" charset="0"/>
+                <a:ea typeface="ヒラギノ角ゴ Pro W3" pitchFamily="124" charset="-128"/>
+                <a:cs typeface="Geneva" pitchFamily="34" charset="0"/>
+              </a:defRPr>
+            </a:lvl9pPr>
+          </a:lstStyle>
+          <a:p>
+            <a:r>
+              <a:rPr lang="en-US" sz="2400" dirty="0">
+                <a:solidFill>
+                  <a:schemeClr val="tx1"/>
+                </a:solidFill>
+              </a:rPr>
+              <a:t>					</a:t>
+            </a:r>
+          </a:p>
+          <a:p>
+            <a:pPr marL="342900" indent="-342900">
+              <a:buFont typeface="Arial" panose="020B0604020202020204" pitchFamily="34" charset="0"/>
+              <a:buChar char="•"/>
+            </a:pPr>
+            <a:endParaRPr lang="en-US" sz="2400" dirty="0">
+              <a:solidFill>
+                <a:schemeClr val="tx1"/>
+              </a:solidFill>
+            </a:endParaRPr>
+          </a:p>
+          <a:p>
+            <a:pPr marL="342900" indent="-342900">
+              <a:buFont typeface="Arial" panose="020B0604020202020204" pitchFamily="34" charset="0"/>
+              <a:buChar char="•"/>
+            </a:pPr>
+            <a:endParaRPr lang="en-US" sz="2400" dirty="0">
+              <a:solidFill>
+                <a:schemeClr val="tx1"/>
+              </a:solidFill>
+            </a:endParaRPr>
+          </a:p>
+          <a:p>
+            <a:pPr marL="342900" indent="-342900">
+              <a:buFont typeface="Arial" panose="020B0604020202020204" pitchFamily="34" charset="0"/>
+              <a:buChar char="•"/>
+            </a:pPr>
+            <a:endParaRPr lang="en-US" sz="2400" dirty="0">
+              <a:solidFill>
+                <a:schemeClr val="tx1"/>
+              </a:solidFill>
+            </a:endParaRPr>
+          </a:p>
+        </p:txBody>
+      </p:sp>
+      <p:sp>
+        <p:nvSpPr>
+          <p:cNvPr id="5" name="Slide Number Placeholder 9">
+            <a:extLst>
+              <a:ext uri="{FF2B5EF4-FFF2-40B4-BE49-F238E27FC236}">
+                <a16:creationId xmlns:a16="http://schemas.microsoft.com/office/drawing/2014/main" id="{DD773A21-3DF7-416F-9D6F-AB2FE87877D9}"/>
+              </a:ext>
+            </a:extLst>
+          </p:cNvPr>
+          <p:cNvSpPr txBox="1">
+            <a:spLocks/>
+          </p:cNvSpPr>
+          <p:nvPr/>
+        </p:nvSpPr>
+        <p:spPr>
+          <a:xfrm>
+            <a:off x="1" y="6356350"/>
+            <a:ext cx="1371600" cy="365125"/>
+          </a:xfrm>
+          <a:prstGeom prst="rect">
+            <a:avLst/>
+          </a:prstGeom>
+        </p:spPr>
+        <p:txBody>
+          <a:bodyPr vert="horz" lIns="91440" tIns="45720" rIns="91440" bIns="45720" rtlCol="0" anchor="ctr"/>
+          <a:lstStyle>
+            <a:defPPr>
+              <a:defRPr lang="en-US"/>
+            </a:defPPr>
+            <a:lvl1pPr marL="0" algn="r" defTabSz="914400" rtl="0" eaLnBrk="1" latinLnBrk="0" hangingPunct="1">
+              <a:defRPr sz="1200" kern="1200">
+                <a:solidFill>
+                  <a:schemeClr val="tx1">
+                    <a:tint val="75000"/>
+                  </a:schemeClr>
+                </a:solidFill>
+                <a:latin typeface="+mn-lt"/>
+                <a:ea typeface="+mn-ea"/>
+                <a:cs typeface="+mn-cs"/>
+              </a:defRPr>
+            </a:lvl1pPr>
+            <a:lvl2pPr marL="457200" algn="l" defTabSz="914400" rtl="0" eaLnBrk="1" latinLnBrk="0" hangingPunct="1">
+              <a:defRPr sz="1800" kern="1200">
+                <a:solidFill>
+                  <a:schemeClr val="tx1"/>
+                </a:solidFill>
+                <a:latin typeface="+mn-lt"/>
+                <a:ea typeface="+mn-ea"/>
+                <a:cs typeface="+mn-cs"/>
+              </a:defRPr>
+            </a:lvl2pPr>
+            <a:lvl3pPr marL="914400" algn="l" defTabSz="914400" rtl="0" eaLnBrk="1" latinLnBrk="0" hangingPunct="1">
+              <a:defRPr sz="1800" kern="1200">
+                <a:solidFill>
+                  <a:schemeClr val="tx1"/>
+                </a:solidFill>
+                <a:latin typeface="+mn-lt"/>
+                <a:ea typeface="+mn-ea"/>
+                <a:cs typeface="+mn-cs"/>
+              </a:defRPr>
+            </a:lvl3pPr>
+            <a:lvl4pPr marL="1371600" algn="l" defTabSz="914400" rtl="0" eaLnBrk="1" latinLnBrk="0" hangingPunct="1">
+              <a:defRPr sz="1800" kern="1200">
+                <a:solidFill>
+                  <a:schemeClr val="tx1"/>
+                </a:solidFill>
+                <a:latin typeface="+mn-lt"/>
+                <a:ea typeface="+mn-ea"/>
+                <a:cs typeface="+mn-cs"/>
+              </a:defRPr>
+            </a:lvl4pPr>
+            <a:lvl5pPr marL="1828800" algn="l" defTabSz="914400" rtl="0" eaLnBrk="1" latinLnBrk="0" hangingPunct="1">
+              <a:defRPr sz="1800" kern="1200">
+                <a:solidFill>
+                  <a:schemeClr val="tx1"/>
+                </a:solidFill>
+                <a:latin typeface="+mn-lt"/>
+                <a:ea typeface="+mn-ea"/>
+                <a:cs typeface="+mn-cs"/>
+              </a:defRPr>
+            </a:lvl5pPr>
+            <a:lvl6pPr marL="2286000" algn="l" defTabSz="914400" rtl="0" eaLnBrk="1" latinLnBrk="0" hangingPunct="1">
+              <a:defRPr sz="1800" kern="1200">
+                <a:solidFill>
+                  <a:schemeClr val="tx1"/>
+                </a:solidFill>
+                <a:latin typeface="+mn-lt"/>
+                <a:ea typeface="+mn-ea"/>
+                <a:cs typeface="+mn-cs"/>
+              </a:defRPr>
+            </a:lvl6pPr>
+            <a:lvl7pPr marL="2743200" algn="l" defTabSz="914400" rtl="0" eaLnBrk="1" latinLnBrk="0" hangingPunct="1">
+              <a:defRPr sz="1800" kern="1200">
+                <a:solidFill>
+                  <a:schemeClr val="tx1"/>
+                </a:solidFill>
+                <a:latin typeface="+mn-lt"/>
+                <a:ea typeface="+mn-ea"/>
+                <a:cs typeface="+mn-cs"/>
+              </a:defRPr>
+            </a:lvl7pPr>
+            <a:lvl8pPr marL="3200400" algn="l" defTabSz="914400" rtl="0" eaLnBrk="1" latinLnBrk="0" hangingPunct="1">
+              <a:defRPr sz="1800" kern="1200">
+                <a:solidFill>
+                  <a:schemeClr val="tx1"/>
+                </a:solidFill>
+                <a:latin typeface="+mn-lt"/>
+                <a:ea typeface="+mn-ea"/>
+                <a:cs typeface="+mn-cs"/>
+              </a:defRPr>
+            </a:lvl8pPr>
+            <a:lvl9pPr marL="3657600" algn="l" defTabSz="914400" rtl="0" eaLnBrk="1" latinLnBrk="0" hangingPunct="1">
+              <a:defRPr sz="1800" kern="1200">
+                <a:solidFill>
+                  <a:schemeClr val="tx1"/>
+                </a:solidFill>
+                <a:latin typeface="+mn-lt"/>
+                <a:ea typeface="+mn-ea"/>
+                <a:cs typeface="+mn-cs"/>
+              </a:defRPr>
+            </a:lvl9pPr>
+          </a:lstStyle>
+          <a:p>
+            <a:pPr algn="l"/>
+            <a:fld id="{0477F178-95BE-4B1C-9247-30D6B7E59DB7}" type="datetime3">
+              <a:rPr lang="en-US" smtClean="0"/>
+              <a:t>2 January 2020</a:t>
+            </a:fld>
+            <a:endParaRPr lang="en-US" dirty="0"/>
+          </a:p>
+        </p:txBody>
+      </p:sp>
+    </p:spTree>
+    <p:extLst>
+      <p:ext uri="{BB962C8B-B14F-4D97-AF65-F5344CB8AC3E}">
+        <p14:creationId xmlns:p14="http://schemas.microsoft.com/office/powerpoint/2010/main" val="2791776015"/>
+      </p:ext>
+    </p:extLst>
+  </p:cSld>
+  <p:clrMapOvr>
+    <a:masterClrMapping/>
+  </p:clrMapOvr>
+</p:sld>
+</file>
+
+<file path=ppt/slides/slide57.xml><?xml version="1.0" encoding="utf-8"?>
+<p:sld xmlns:a="http://schemas.openxmlformats.org/drawingml/2006/main" xmlns:r="http://schemas.openxmlformats.org/officeDocument/2006/relationships" xmlns:p="http://schemas.openxmlformats.org/presentationml/2006/main">
+  <p:cSld>
+    <p:spTree>
+      <p:nvGrpSpPr>
+        <p:cNvPr id="1" name=""/>
+        <p:cNvGrpSpPr/>
+        <p:nvPr/>
+      </p:nvGrpSpPr>
+      <p:grpSpPr>
+        <a:xfrm>
+          <a:off x="0" y="0"/>
+          <a:ext cx="0" cy="0"/>
+          <a:chOff x="0" y="0"/>
+          <a:chExt cx="0" cy="0"/>
+        </a:xfrm>
+      </p:grpSpPr>
+      <p:sp>
+        <p:nvSpPr>
+          <p:cNvPr id="11" name="Slide Number Placeholder 10">
+            <a:extLst>
+              <a:ext uri="{FF2B5EF4-FFF2-40B4-BE49-F238E27FC236}">
+                <a16:creationId xmlns:a16="http://schemas.microsoft.com/office/drawing/2014/main" id="{11FA1C95-AB64-49D4-B3E1-0BC53485AFB8}"/>
+              </a:ext>
+            </a:extLst>
+          </p:cNvPr>
+          <p:cNvSpPr>
+            <a:spLocks noGrp="1"/>
+          </p:cNvSpPr>
+          <p:nvPr>
+            <p:ph type="sldNum" sz="quarter" idx="4294967295"/>
+          </p:nvPr>
+        </p:nvSpPr>
+        <p:spPr>
+          <a:xfrm>
+            <a:off x="9448800" y="6356350"/>
+            <a:ext cx="2743200" cy="365125"/>
+          </a:xfrm>
+          <a:prstGeom prst="rect">
+            <a:avLst/>
+          </a:prstGeom>
+        </p:spPr>
+        <p:txBody>
+          <a:bodyPr/>
+          <a:lstStyle/>
+          <a:p>
+            <a:fld id="{8C4B6803-2184-4C86-B74E-CCB2F4670823}" type="slidenum">
+              <a:rPr lang="en-US" smtClean="0"/>
+              <a:t>57</a:t>
+            </a:fld>
+            <a:endParaRPr lang="en-US"/>
+          </a:p>
+        </p:txBody>
+      </p:sp>
+      <p:sp>
+        <p:nvSpPr>
+          <p:cNvPr id="2" name="TextBox 1">
+            <a:extLst>
+              <a:ext uri="{FF2B5EF4-FFF2-40B4-BE49-F238E27FC236}">
+                <a16:creationId xmlns:a16="http://schemas.microsoft.com/office/drawing/2014/main" id="{B81E0849-5774-4C90-A259-E3BDF29E06D6}"/>
+              </a:ext>
+            </a:extLst>
+          </p:cNvPr>
+          <p:cNvSpPr txBox="1"/>
+          <p:nvPr/>
+        </p:nvSpPr>
+        <p:spPr>
+          <a:xfrm>
+            <a:off x="839449" y="369350"/>
+            <a:ext cx="8609351" cy="830997"/>
+          </a:xfrm>
+          <a:prstGeom prst="rect">
+            <a:avLst/>
+          </a:prstGeom>
+          <a:noFill/>
+        </p:spPr>
+        <p:txBody>
+          <a:bodyPr wrap="square" rtlCol="0">
+            <a:spAutoFit/>
+          </a:bodyPr>
+          <a:lstStyle/>
+          <a:p>
+            <a:pPr algn="ctr"/>
+            <a:r>
+              <a:rPr lang="en-US" sz="4800" b="1" dirty="0">
+                <a:solidFill>
+                  <a:schemeClr val="bg1"/>
+                </a:solidFill>
+              </a:rPr>
+              <a:t>Boundaries</a:t>
+            </a:r>
+          </a:p>
+        </p:txBody>
+      </p:sp>
+      <p:sp>
+        <p:nvSpPr>
+          <p:cNvPr id="4" name="Title 1">
+            <a:extLst>
+              <a:ext uri="{FF2B5EF4-FFF2-40B4-BE49-F238E27FC236}">
+                <a16:creationId xmlns:a16="http://schemas.microsoft.com/office/drawing/2014/main" id="{DDDD1131-69A0-4235-925F-CA6808B0F653}"/>
+              </a:ext>
+            </a:extLst>
+          </p:cNvPr>
+          <p:cNvSpPr txBox="1">
+            <a:spLocks/>
+          </p:cNvSpPr>
+          <p:nvPr/>
+        </p:nvSpPr>
+        <p:spPr bwMode="gray">
+          <a:xfrm>
+            <a:off x="554636" y="1813810"/>
+            <a:ext cx="11032761" cy="4542540"/>
+          </a:xfrm>
+          <a:prstGeom prst="rect">
+            <a:avLst/>
+          </a:prstGeom>
+          <a:noFill/>
+          <a:ln w="12700">
+            <a:noFill/>
+            <a:miter lim="800000"/>
+            <a:headEnd/>
+            <a:tailEnd/>
+          </a:ln>
+        </p:spPr>
+        <p:txBody>
+          <a:bodyPr vert="horz" wrap="square" lIns="0" tIns="0" rIns="0" bIns="0" numCol="1" anchor="t" anchorCtr="0" compatLnSpc="1">
+            <a:prstTxWarp prst="textNoShape">
+              <a:avLst/>
+            </a:prstTxWarp>
+            <a:noAutofit/>
+          </a:bodyPr>
+          <a:lstStyle>
+            <a:lvl1pPr algn="l" rtl="0" eaLnBrk="1" fontAlgn="base" hangingPunct="1">
+              <a:spcBef>
+                <a:spcPct val="0"/>
+              </a:spcBef>
+              <a:spcAft>
+                <a:spcPct val="0"/>
+              </a:spcAft>
+              <a:defRPr sz="2500" b="0" i="0" baseline="0">
+                <a:solidFill>
+                  <a:srgbClr val="2C2D8B"/>
+                </a:solidFill>
+                <a:latin typeface="Calibri Light"/>
+                <a:ea typeface="+mj-ea"/>
+                <a:cs typeface="Calibri Light"/>
+              </a:defRPr>
+            </a:lvl1pPr>
+            <a:lvl2pPr algn="l" rtl="0" eaLnBrk="1" fontAlgn="base" hangingPunct="1">
+              <a:spcBef>
+                <a:spcPct val="0"/>
+              </a:spcBef>
+              <a:spcAft>
+                <a:spcPct val="0"/>
+              </a:spcAft>
+              <a:defRPr sz="2000">
+                <a:solidFill>
+                  <a:schemeClr val="accent1"/>
+                </a:solidFill>
+                <a:latin typeface="Arial" pitchFamily="34" charset="0"/>
+                <a:ea typeface="STKaiti" pitchFamily="2" charset="-122"/>
+                <a:cs typeface="Geneva" pitchFamily="34" charset="0"/>
+              </a:defRPr>
+            </a:lvl2pPr>
+            <a:lvl3pPr algn="l" rtl="0" eaLnBrk="1" fontAlgn="base" hangingPunct="1">
+              <a:spcBef>
+                <a:spcPct val="0"/>
+              </a:spcBef>
+              <a:spcAft>
+                <a:spcPct val="0"/>
+              </a:spcAft>
+              <a:defRPr sz="2000">
+                <a:solidFill>
+                  <a:schemeClr val="accent1"/>
+                </a:solidFill>
+                <a:latin typeface="Arial" pitchFamily="34" charset="0"/>
+                <a:ea typeface="STKaiti" pitchFamily="2" charset="-122"/>
+                <a:cs typeface="Geneva" pitchFamily="34" charset="0"/>
+              </a:defRPr>
+            </a:lvl3pPr>
+            <a:lvl4pPr algn="l" rtl="0" eaLnBrk="1" fontAlgn="base" hangingPunct="1">
+              <a:spcBef>
+                <a:spcPct val="0"/>
+              </a:spcBef>
+              <a:spcAft>
+                <a:spcPct val="0"/>
+              </a:spcAft>
+              <a:defRPr sz="2000">
+                <a:solidFill>
+                  <a:schemeClr val="accent1"/>
+                </a:solidFill>
+                <a:latin typeface="Arial" pitchFamily="34" charset="0"/>
+                <a:ea typeface="STKaiti" pitchFamily="2" charset="-122"/>
+                <a:cs typeface="Geneva" pitchFamily="34" charset="0"/>
+              </a:defRPr>
+            </a:lvl4pPr>
+            <a:lvl5pPr algn="l" rtl="0" eaLnBrk="1" fontAlgn="base" hangingPunct="1">
+              <a:spcBef>
+                <a:spcPct val="0"/>
+              </a:spcBef>
+              <a:spcAft>
+                <a:spcPct val="0"/>
+              </a:spcAft>
+              <a:defRPr sz="2000">
+                <a:solidFill>
+                  <a:schemeClr val="accent1"/>
+                </a:solidFill>
+                <a:latin typeface="Arial" pitchFamily="34" charset="0"/>
+                <a:ea typeface="STKaiti" pitchFamily="2" charset="-122"/>
+                <a:cs typeface="Geneva" pitchFamily="34" charset="0"/>
+              </a:defRPr>
+            </a:lvl5pPr>
+            <a:lvl6pPr marL="389626" algn="l" rtl="0" eaLnBrk="1" fontAlgn="base" hangingPunct="1">
+              <a:spcBef>
+                <a:spcPct val="0"/>
+              </a:spcBef>
+              <a:spcAft>
+                <a:spcPct val="0"/>
+              </a:spcAft>
+              <a:defRPr sz="2000">
+                <a:solidFill>
+                  <a:schemeClr val="accent1"/>
+                </a:solidFill>
+                <a:latin typeface="Arial" pitchFamily="34" charset="0"/>
+                <a:ea typeface="ヒラギノ角ゴ Pro W3" pitchFamily="124" charset="-128"/>
+                <a:cs typeface="Geneva" pitchFamily="34" charset="0"/>
+              </a:defRPr>
+            </a:lvl6pPr>
+            <a:lvl7pPr marL="779252" algn="l" rtl="0" eaLnBrk="1" fontAlgn="base" hangingPunct="1">
+              <a:spcBef>
+                <a:spcPct val="0"/>
+              </a:spcBef>
+              <a:spcAft>
+                <a:spcPct val="0"/>
+              </a:spcAft>
+              <a:defRPr sz="2000">
+                <a:solidFill>
+                  <a:schemeClr val="accent1"/>
+                </a:solidFill>
+                <a:latin typeface="Arial" pitchFamily="34" charset="0"/>
+                <a:ea typeface="ヒラギノ角ゴ Pro W3" pitchFamily="124" charset="-128"/>
+                <a:cs typeface="Geneva" pitchFamily="34" charset="0"/>
+              </a:defRPr>
+            </a:lvl7pPr>
+            <a:lvl8pPr marL="1168878" algn="l" rtl="0" eaLnBrk="1" fontAlgn="base" hangingPunct="1">
+              <a:spcBef>
+                <a:spcPct val="0"/>
+              </a:spcBef>
+              <a:spcAft>
+                <a:spcPct val="0"/>
+              </a:spcAft>
+              <a:defRPr sz="2000">
+                <a:solidFill>
+                  <a:schemeClr val="accent1"/>
+                </a:solidFill>
+                <a:latin typeface="Arial" pitchFamily="34" charset="0"/>
+                <a:ea typeface="ヒラギノ角ゴ Pro W3" pitchFamily="124" charset="-128"/>
+                <a:cs typeface="Geneva" pitchFamily="34" charset="0"/>
+              </a:defRPr>
+            </a:lvl8pPr>
+            <a:lvl9pPr marL="1558503" algn="l" rtl="0" eaLnBrk="1" fontAlgn="base" hangingPunct="1">
+              <a:spcBef>
+                <a:spcPct val="0"/>
+              </a:spcBef>
+              <a:spcAft>
+                <a:spcPct val="0"/>
+              </a:spcAft>
+              <a:defRPr sz="2000">
+                <a:solidFill>
+                  <a:schemeClr val="accent1"/>
+                </a:solidFill>
+                <a:latin typeface="Arial" pitchFamily="34" charset="0"/>
+                <a:ea typeface="ヒラギノ角ゴ Pro W3" pitchFamily="124" charset="-128"/>
+                <a:cs typeface="Geneva" pitchFamily="34" charset="0"/>
+              </a:defRPr>
+            </a:lvl9pPr>
+          </a:lstStyle>
+          <a:p>
+            <a:r>
+              <a:rPr lang="en-US" sz="2400" dirty="0">
+                <a:solidFill>
+                  <a:schemeClr val="tx1"/>
+                </a:solidFill>
+              </a:rPr>
+              <a:t>					</a:t>
+            </a:r>
+          </a:p>
+          <a:p>
+            <a:pPr marL="342900" indent="-342900">
+              <a:buFont typeface="Arial" panose="020B0604020202020204" pitchFamily="34" charset="0"/>
+              <a:buChar char="•"/>
+            </a:pPr>
+            <a:endParaRPr lang="en-US" sz="2400" dirty="0">
+              <a:solidFill>
+                <a:schemeClr val="tx1"/>
+              </a:solidFill>
+            </a:endParaRPr>
+          </a:p>
+          <a:p>
+            <a:pPr marL="342900" indent="-342900">
+              <a:buFont typeface="Arial" panose="020B0604020202020204" pitchFamily="34" charset="0"/>
+              <a:buChar char="•"/>
+            </a:pPr>
+            <a:endParaRPr lang="en-US" sz="2400" dirty="0">
+              <a:solidFill>
+                <a:schemeClr val="tx1"/>
+              </a:solidFill>
+            </a:endParaRPr>
+          </a:p>
+          <a:p>
+            <a:pPr marL="342900" indent="-342900">
+              <a:buFont typeface="Arial" panose="020B0604020202020204" pitchFamily="34" charset="0"/>
+              <a:buChar char="•"/>
+            </a:pPr>
+            <a:endParaRPr lang="en-US" sz="2400" dirty="0">
+              <a:solidFill>
+                <a:schemeClr val="tx1"/>
+              </a:solidFill>
+            </a:endParaRPr>
+          </a:p>
+        </p:txBody>
+      </p:sp>
+      <p:sp>
+        <p:nvSpPr>
+          <p:cNvPr id="5" name="Slide Number Placeholder 9">
+            <a:extLst>
+              <a:ext uri="{FF2B5EF4-FFF2-40B4-BE49-F238E27FC236}">
+                <a16:creationId xmlns:a16="http://schemas.microsoft.com/office/drawing/2014/main" id="{D4E3A54A-08ED-48C3-BC0C-901D771D7007}"/>
+              </a:ext>
+            </a:extLst>
+          </p:cNvPr>
+          <p:cNvSpPr txBox="1">
+            <a:spLocks/>
+          </p:cNvSpPr>
+          <p:nvPr/>
+        </p:nvSpPr>
+        <p:spPr>
+          <a:xfrm>
+            <a:off x="1" y="6356350"/>
+            <a:ext cx="1371600" cy="365125"/>
+          </a:xfrm>
+          <a:prstGeom prst="rect">
+            <a:avLst/>
+          </a:prstGeom>
+        </p:spPr>
+        <p:txBody>
+          <a:bodyPr vert="horz" lIns="91440" tIns="45720" rIns="91440" bIns="45720" rtlCol="0" anchor="ctr"/>
+          <a:lstStyle>
+            <a:defPPr>
+              <a:defRPr lang="en-US"/>
+            </a:defPPr>
+            <a:lvl1pPr marL="0" algn="r" defTabSz="914400" rtl="0" eaLnBrk="1" latinLnBrk="0" hangingPunct="1">
+              <a:defRPr sz="1200" kern="1200">
+                <a:solidFill>
+                  <a:schemeClr val="tx1">
+                    <a:tint val="75000"/>
+                  </a:schemeClr>
+                </a:solidFill>
+                <a:latin typeface="+mn-lt"/>
+                <a:ea typeface="+mn-ea"/>
+                <a:cs typeface="+mn-cs"/>
+              </a:defRPr>
+            </a:lvl1pPr>
+            <a:lvl2pPr marL="457200" algn="l" defTabSz="914400" rtl="0" eaLnBrk="1" latinLnBrk="0" hangingPunct="1">
+              <a:defRPr sz="1800" kern="1200">
+                <a:solidFill>
+                  <a:schemeClr val="tx1"/>
+                </a:solidFill>
+                <a:latin typeface="+mn-lt"/>
+                <a:ea typeface="+mn-ea"/>
+                <a:cs typeface="+mn-cs"/>
+              </a:defRPr>
+            </a:lvl2pPr>
+            <a:lvl3pPr marL="914400" algn="l" defTabSz="914400" rtl="0" eaLnBrk="1" latinLnBrk="0" hangingPunct="1">
+              <a:defRPr sz="1800" kern="1200">
+                <a:solidFill>
+                  <a:schemeClr val="tx1"/>
+                </a:solidFill>
+                <a:latin typeface="+mn-lt"/>
+                <a:ea typeface="+mn-ea"/>
+                <a:cs typeface="+mn-cs"/>
+              </a:defRPr>
+            </a:lvl3pPr>
+            <a:lvl4pPr marL="1371600" algn="l" defTabSz="914400" rtl="0" eaLnBrk="1" latinLnBrk="0" hangingPunct="1">
+              <a:defRPr sz="1800" kern="1200">
+                <a:solidFill>
+                  <a:schemeClr val="tx1"/>
+                </a:solidFill>
+                <a:latin typeface="+mn-lt"/>
+                <a:ea typeface="+mn-ea"/>
+                <a:cs typeface="+mn-cs"/>
+              </a:defRPr>
+            </a:lvl4pPr>
+            <a:lvl5pPr marL="1828800" algn="l" defTabSz="914400" rtl="0" eaLnBrk="1" latinLnBrk="0" hangingPunct="1">
+              <a:defRPr sz="1800" kern="1200">
+                <a:solidFill>
+                  <a:schemeClr val="tx1"/>
+                </a:solidFill>
+                <a:latin typeface="+mn-lt"/>
+                <a:ea typeface="+mn-ea"/>
+                <a:cs typeface="+mn-cs"/>
+              </a:defRPr>
+            </a:lvl5pPr>
+            <a:lvl6pPr marL="2286000" algn="l" defTabSz="914400" rtl="0" eaLnBrk="1" latinLnBrk="0" hangingPunct="1">
+              <a:defRPr sz="1800" kern="1200">
+                <a:solidFill>
+                  <a:schemeClr val="tx1"/>
+                </a:solidFill>
+                <a:latin typeface="+mn-lt"/>
+                <a:ea typeface="+mn-ea"/>
+                <a:cs typeface="+mn-cs"/>
+              </a:defRPr>
+            </a:lvl6pPr>
+            <a:lvl7pPr marL="2743200" algn="l" defTabSz="914400" rtl="0" eaLnBrk="1" latinLnBrk="0" hangingPunct="1">
+              <a:defRPr sz="1800" kern="1200">
+                <a:solidFill>
+                  <a:schemeClr val="tx1"/>
+                </a:solidFill>
+                <a:latin typeface="+mn-lt"/>
+                <a:ea typeface="+mn-ea"/>
+                <a:cs typeface="+mn-cs"/>
+              </a:defRPr>
+            </a:lvl7pPr>
+            <a:lvl8pPr marL="3200400" algn="l" defTabSz="914400" rtl="0" eaLnBrk="1" latinLnBrk="0" hangingPunct="1">
+              <a:defRPr sz="1800" kern="1200">
+                <a:solidFill>
+                  <a:schemeClr val="tx1"/>
+                </a:solidFill>
+                <a:latin typeface="+mn-lt"/>
+                <a:ea typeface="+mn-ea"/>
+                <a:cs typeface="+mn-cs"/>
+              </a:defRPr>
+            </a:lvl8pPr>
+            <a:lvl9pPr marL="3657600" algn="l" defTabSz="914400" rtl="0" eaLnBrk="1" latinLnBrk="0" hangingPunct="1">
+              <a:defRPr sz="1800" kern="1200">
+                <a:solidFill>
+                  <a:schemeClr val="tx1"/>
+                </a:solidFill>
+                <a:latin typeface="+mn-lt"/>
+                <a:ea typeface="+mn-ea"/>
+                <a:cs typeface="+mn-cs"/>
+              </a:defRPr>
+            </a:lvl9pPr>
+          </a:lstStyle>
+          <a:p>
+            <a:pPr algn="l"/>
+            <a:fld id="{0477F178-95BE-4B1C-9247-30D6B7E59DB7}" type="datetime3">
+              <a:rPr lang="en-US" smtClean="0"/>
+              <a:t>2 January 2020</a:t>
+            </a:fld>
+            <a:endParaRPr lang="en-US" dirty="0"/>
+          </a:p>
+        </p:txBody>
+      </p:sp>
+    </p:spTree>
+    <p:extLst>
+      <p:ext uri="{BB962C8B-B14F-4D97-AF65-F5344CB8AC3E}">
+        <p14:creationId xmlns:p14="http://schemas.microsoft.com/office/powerpoint/2010/main" val="1297484438"/>
+      </p:ext>
+    </p:extLst>
+  </p:cSld>
+  <p:clrMapOvr>
+    <a:masterClrMapping/>
+  </p:clrMapOvr>
+</p:sld>
+</file>
+
+<file path=ppt/slides/slide58.xml><?xml version="1.0" encoding="utf-8"?>
+<p:sld xmlns:a="http://schemas.openxmlformats.org/drawingml/2006/main" xmlns:r="http://schemas.openxmlformats.org/officeDocument/2006/relationships" xmlns:p="http://schemas.openxmlformats.org/presentationml/2006/main">
+  <p:cSld>
+    <p:spTree>
+      <p:nvGrpSpPr>
+        <p:cNvPr id="1" name=""/>
+        <p:cNvGrpSpPr/>
+        <p:nvPr/>
+      </p:nvGrpSpPr>
+      <p:grpSpPr>
+        <a:xfrm>
+          <a:off x="0" y="0"/>
+          <a:ext cx="0" cy="0"/>
+          <a:chOff x="0" y="0"/>
+          <a:chExt cx="0" cy="0"/>
+        </a:xfrm>
+      </p:grpSpPr>
+      <p:sp>
+        <p:nvSpPr>
+          <p:cNvPr id="11" name="Slide Number Placeholder 10">
+            <a:extLst>
+              <a:ext uri="{FF2B5EF4-FFF2-40B4-BE49-F238E27FC236}">
+                <a16:creationId xmlns:a16="http://schemas.microsoft.com/office/drawing/2014/main" id="{11FA1C95-AB64-49D4-B3E1-0BC53485AFB8}"/>
+              </a:ext>
+            </a:extLst>
+          </p:cNvPr>
+          <p:cNvSpPr>
+            <a:spLocks noGrp="1"/>
+          </p:cNvSpPr>
+          <p:nvPr>
+            <p:ph type="sldNum" sz="quarter" idx="4294967295"/>
+          </p:nvPr>
+        </p:nvSpPr>
+        <p:spPr>
+          <a:xfrm>
+            <a:off x="9448800" y="6356350"/>
+            <a:ext cx="2743200" cy="365125"/>
+          </a:xfrm>
+          <a:prstGeom prst="rect">
+            <a:avLst/>
+          </a:prstGeom>
+        </p:spPr>
+        <p:txBody>
+          <a:bodyPr/>
+          <a:lstStyle/>
+          <a:p>
+            <a:fld id="{8C4B6803-2184-4C86-B74E-CCB2F4670823}" type="slidenum">
+              <a:rPr lang="en-US" smtClean="0"/>
+              <a:t>58</a:t>
+            </a:fld>
+            <a:endParaRPr lang="en-US"/>
+          </a:p>
+        </p:txBody>
+      </p:sp>
+      <p:sp>
+        <p:nvSpPr>
+          <p:cNvPr id="2" name="TextBox 1">
+            <a:extLst>
+              <a:ext uri="{FF2B5EF4-FFF2-40B4-BE49-F238E27FC236}">
+                <a16:creationId xmlns:a16="http://schemas.microsoft.com/office/drawing/2014/main" id="{B81E0849-5774-4C90-A259-E3BDF29E06D6}"/>
+              </a:ext>
+            </a:extLst>
+          </p:cNvPr>
+          <p:cNvSpPr txBox="1"/>
+          <p:nvPr/>
+        </p:nvSpPr>
+        <p:spPr>
+          <a:xfrm>
+            <a:off x="839449" y="369350"/>
+            <a:ext cx="8609351" cy="830997"/>
+          </a:xfrm>
+          <a:prstGeom prst="rect">
+            <a:avLst/>
+          </a:prstGeom>
+          <a:noFill/>
+        </p:spPr>
+        <p:txBody>
+          <a:bodyPr wrap="square" rtlCol="0">
+            <a:spAutoFit/>
+          </a:bodyPr>
+          <a:lstStyle/>
+          <a:p>
+            <a:pPr algn="ctr"/>
+            <a:r>
+              <a:rPr lang="en-US" sz="4800" b="1" dirty="0">
+                <a:solidFill>
+                  <a:schemeClr val="bg1"/>
+                </a:solidFill>
+              </a:rPr>
+              <a:t>Unit Test</a:t>
+            </a:r>
+          </a:p>
+        </p:txBody>
+      </p:sp>
+      <p:sp>
+        <p:nvSpPr>
+          <p:cNvPr id="4" name="Title 1">
+            <a:extLst>
+              <a:ext uri="{FF2B5EF4-FFF2-40B4-BE49-F238E27FC236}">
+                <a16:creationId xmlns:a16="http://schemas.microsoft.com/office/drawing/2014/main" id="{DDDD1131-69A0-4235-925F-CA6808B0F653}"/>
+              </a:ext>
+            </a:extLst>
+          </p:cNvPr>
+          <p:cNvSpPr txBox="1">
+            <a:spLocks/>
+          </p:cNvSpPr>
+          <p:nvPr/>
+        </p:nvSpPr>
+        <p:spPr bwMode="gray">
+          <a:xfrm>
+            <a:off x="554636" y="1813810"/>
+            <a:ext cx="11032761" cy="4542540"/>
+          </a:xfrm>
+          <a:prstGeom prst="rect">
+            <a:avLst/>
+          </a:prstGeom>
+          <a:noFill/>
+          <a:ln w="12700">
+            <a:noFill/>
+            <a:miter lim="800000"/>
+            <a:headEnd/>
+            <a:tailEnd/>
+          </a:ln>
+        </p:spPr>
+        <p:txBody>
+          <a:bodyPr vert="horz" wrap="square" lIns="0" tIns="0" rIns="0" bIns="0" numCol="1" anchor="t" anchorCtr="0" compatLnSpc="1">
+            <a:prstTxWarp prst="textNoShape">
+              <a:avLst/>
+            </a:prstTxWarp>
+            <a:noAutofit/>
+          </a:bodyPr>
+          <a:lstStyle>
+            <a:lvl1pPr algn="l" rtl="0" eaLnBrk="1" fontAlgn="base" hangingPunct="1">
+              <a:spcBef>
+                <a:spcPct val="0"/>
+              </a:spcBef>
+              <a:spcAft>
+                <a:spcPct val="0"/>
+              </a:spcAft>
+              <a:defRPr sz="2500" b="0" i="0" baseline="0">
+                <a:solidFill>
+                  <a:srgbClr val="2C2D8B"/>
+                </a:solidFill>
+                <a:latin typeface="Calibri Light"/>
+                <a:ea typeface="+mj-ea"/>
+                <a:cs typeface="Calibri Light"/>
+              </a:defRPr>
+            </a:lvl1pPr>
+            <a:lvl2pPr algn="l" rtl="0" eaLnBrk="1" fontAlgn="base" hangingPunct="1">
+              <a:spcBef>
+                <a:spcPct val="0"/>
+              </a:spcBef>
+              <a:spcAft>
+                <a:spcPct val="0"/>
+              </a:spcAft>
+              <a:defRPr sz="2000">
+                <a:solidFill>
+                  <a:schemeClr val="accent1"/>
+                </a:solidFill>
+                <a:latin typeface="Arial" pitchFamily="34" charset="0"/>
+                <a:ea typeface="STKaiti" pitchFamily="2" charset="-122"/>
+                <a:cs typeface="Geneva" pitchFamily="34" charset="0"/>
+              </a:defRPr>
+            </a:lvl2pPr>
+            <a:lvl3pPr algn="l" rtl="0" eaLnBrk="1" fontAlgn="base" hangingPunct="1">
+              <a:spcBef>
+                <a:spcPct val="0"/>
+              </a:spcBef>
+              <a:spcAft>
+                <a:spcPct val="0"/>
+              </a:spcAft>
+              <a:defRPr sz="2000">
+                <a:solidFill>
+                  <a:schemeClr val="accent1"/>
+                </a:solidFill>
+                <a:latin typeface="Arial" pitchFamily="34" charset="0"/>
+                <a:ea typeface="STKaiti" pitchFamily="2" charset="-122"/>
+                <a:cs typeface="Geneva" pitchFamily="34" charset="0"/>
+              </a:defRPr>
+            </a:lvl3pPr>
+            <a:lvl4pPr algn="l" rtl="0" eaLnBrk="1" fontAlgn="base" hangingPunct="1">
+              <a:spcBef>
+                <a:spcPct val="0"/>
+              </a:spcBef>
+              <a:spcAft>
+                <a:spcPct val="0"/>
+              </a:spcAft>
+              <a:defRPr sz="2000">
+                <a:solidFill>
+                  <a:schemeClr val="accent1"/>
+                </a:solidFill>
+                <a:latin typeface="Arial" pitchFamily="34" charset="0"/>
+                <a:ea typeface="STKaiti" pitchFamily="2" charset="-122"/>
+                <a:cs typeface="Geneva" pitchFamily="34" charset="0"/>
+              </a:defRPr>
+            </a:lvl4pPr>
+            <a:lvl5pPr algn="l" rtl="0" eaLnBrk="1" fontAlgn="base" hangingPunct="1">
+              <a:spcBef>
+                <a:spcPct val="0"/>
+              </a:spcBef>
+              <a:spcAft>
+                <a:spcPct val="0"/>
+              </a:spcAft>
+              <a:defRPr sz="2000">
+                <a:solidFill>
+                  <a:schemeClr val="accent1"/>
+                </a:solidFill>
+                <a:latin typeface="Arial" pitchFamily="34" charset="0"/>
+                <a:ea typeface="STKaiti" pitchFamily="2" charset="-122"/>
+                <a:cs typeface="Geneva" pitchFamily="34" charset="0"/>
+              </a:defRPr>
+            </a:lvl5pPr>
+            <a:lvl6pPr marL="389626" algn="l" rtl="0" eaLnBrk="1" fontAlgn="base" hangingPunct="1">
+              <a:spcBef>
+                <a:spcPct val="0"/>
+              </a:spcBef>
+              <a:spcAft>
+                <a:spcPct val="0"/>
+              </a:spcAft>
+              <a:defRPr sz="2000">
+                <a:solidFill>
+                  <a:schemeClr val="accent1"/>
+                </a:solidFill>
+                <a:latin typeface="Arial" pitchFamily="34" charset="0"/>
+                <a:ea typeface="ヒラギノ角ゴ Pro W3" pitchFamily="124" charset="-128"/>
+                <a:cs typeface="Geneva" pitchFamily="34" charset="0"/>
+              </a:defRPr>
+            </a:lvl6pPr>
+            <a:lvl7pPr marL="779252" algn="l" rtl="0" eaLnBrk="1" fontAlgn="base" hangingPunct="1">
+              <a:spcBef>
+                <a:spcPct val="0"/>
+              </a:spcBef>
+              <a:spcAft>
+                <a:spcPct val="0"/>
+              </a:spcAft>
+              <a:defRPr sz="2000">
+                <a:solidFill>
+                  <a:schemeClr val="accent1"/>
+                </a:solidFill>
+                <a:latin typeface="Arial" pitchFamily="34" charset="0"/>
+                <a:ea typeface="ヒラギノ角ゴ Pro W3" pitchFamily="124" charset="-128"/>
+                <a:cs typeface="Geneva" pitchFamily="34" charset="0"/>
+              </a:defRPr>
+            </a:lvl7pPr>
+            <a:lvl8pPr marL="1168878" algn="l" rtl="0" eaLnBrk="1" fontAlgn="base" hangingPunct="1">
+              <a:spcBef>
+                <a:spcPct val="0"/>
+              </a:spcBef>
+              <a:spcAft>
+                <a:spcPct val="0"/>
+              </a:spcAft>
+              <a:defRPr sz="2000">
+                <a:solidFill>
+                  <a:schemeClr val="accent1"/>
+                </a:solidFill>
+                <a:latin typeface="Arial" pitchFamily="34" charset="0"/>
+                <a:ea typeface="ヒラギノ角ゴ Pro W3" pitchFamily="124" charset="-128"/>
+                <a:cs typeface="Geneva" pitchFamily="34" charset="0"/>
+              </a:defRPr>
+            </a:lvl8pPr>
+            <a:lvl9pPr marL="1558503" algn="l" rtl="0" eaLnBrk="1" fontAlgn="base" hangingPunct="1">
+              <a:spcBef>
+                <a:spcPct val="0"/>
+              </a:spcBef>
+              <a:spcAft>
+                <a:spcPct val="0"/>
+              </a:spcAft>
+              <a:defRPr sz="2000">
+                <a:solidFill>
+                  <a:schemeClr val="accent1"/>
+                </a:solidFill>
+                <a:latin typeface="Arial" pitchFamily="34" charset="0"/>
+                <a:ea typeface="ヒラギノ角ゴ Pro W3" pitchFamily="124" charset="-128"/>
+                <a:cs typeface="Geneva" pitchFamily="34" charset="0"/>
+              </a:defRPr>
+            </a:lvl9pPr>
+          </a:lstStyle>
+          <a:p>
+            <a:r>
+              <a:rPr lang="en-US" sz="2400" dirty="0">
+                <a:solidFill>
+                  <a:schemeClr val="tx1"/>
+                </a:solidFill>
+              </a:rPr>
+              <a:t>					</a:t>
+            </a:r>
+          </a:p>
+          <a:p>
+            <a:pPr marL="342900" indent="-342900">
+              <a:buFont typeface="Arial" panose="020B0604020202020204" pitchFamily="34" charset="0"/>
+              <a:buChar char="•"/>
+            </a:pPr>
+            <a:endParaRPr lang="en-US" sz="2400" dirty="0">
+              <a:solidFill>
+                <a:schemeClr val="tx1"/>
+              </a:solidFill>
+            </a:endParaRPr>
+          </a:p>
+          <a:p>
+            <a:pPr marL="342900" indent="-342900">
+              <a:buFont typeface="Arial" panose="020B0604020202020204" pitchFamily="34" charset="0"/>
+              <a:buChar char="•"/>
+            </a:pPr>
+            <a:endParaRPr lang="en-US" sz="2400" dirty="0">
+              <a:solidFill>
+                <a:schemeClr val="tx1"/>
+              </a:solidFill>
+            </a:endParaRPr>
+          </a:p>
+          <a:p>
+            <a:pPr marL="342900" indent="-342900">
+              <a:buFont typeface="Arial" panose="020B0604020202020204" pitchFamily="34" charset="0"/>
+              <a:buChar char="•"/>
+            </a:pPr>
+            <a:endParaRPr lang="en-US" sz="2400" dirty="0">
+              <a:solidFill>
+                <a:schemeClr val="tx1"/>
+              </a:solidFill>
+            </a:endParaRPr>
+          </a:p>
+        </p:txBody>
+      </p:sp>
+      <p:sp>
+        <p:nvSpPr>
+          <p:cNvPr id="5" name="Slide Number Placeholder 9">
+            <a:extLst>
+              <a:ext uri="{FF2B5EF4-FFF2-40B4-BE49-F238E27FC236}">
+                <a16:creationId xmlns:a16="http://schemas.microsoft.com/office/drawing/2014/main" id="{CB4D9BD0-2427-4EB0-8EB3-C6DA900AA9E3}"/>
+              </a:ext>
+            </a:extLst>
+          </p:cNvPr>
+          <p:cNvSpPr txBox="1">
+            <a:spLocks/>
+          </p:cNvSpPr>
+          <p:nvPr/>
+        </p:nvSpPr>
+        <p:spPr>
+          <a:xfrm>
+            <a:off x="1" y="6356350"/>
+            <a:ext cx="1371600" cy="365125"/>
+          </a:xfrm>
+          <a:prstGeom prst="rect">
+            <a:avLst/>
+          </a:prstGeom>
+        </p:spPr>
+        <p:txBody>
+          <a:bodyPr vert="horz" lIns="91440" tIns="45720" rIns="91440" bIns="45720" rtlCol="0" anchor="ctr"/>
+          <a:lstStyle>
+            <a:defPPr>
+              <a:defRPr lang="en-US"/>
+            </a:defPPr>
+            <a:lvl1pPr marL="0" algn="r" defTabSz="914400" rtl="0" eaLnBrk="1" latinLnBrk="0" hangingPunct="1">
+              <a:defRPr sz="1200" kern="1200">
+                <a:solidFill>
+                  <a:schemeClr val="tx1">
+                    <a:tint val="75000"/>
+                  </a:schemeClr>
+                </a:solidFill>
+                <a:latin typeface="+mn-lt"/>
+                <a:ea typeface="+mn-ea"/>
+                <a:cs typeface="+mn-cs"/>
+              </a:defRPr>
+            </a:lvl1pPr>
+            <a:lvl2pPr marL="457200" algn="l" defTabSz="914400" rtl="0" eaLnBrk="1" latinLnBrk="0" hangingPunct="1">
+              <a:defRPr sz="1800" kern="1200">
+                <a:solidFill>
+                  <a:schemeClr val="tx1"/>
+                </a:solidFill>
+                <a:latin typeface="+mn-lt"/>
+                <a:ea typeface="+mn-ea"/>
+                <a:cs typeface="+mn-cs"/>
+              </a:defRPr>
+            </a:lvl2pPr>
+            <a:lvl3pPr marL="914400" algn="l" defTabSz="914400" rtl="0" eaLnBrk="1" latinLnBrk="0" hangingPunct="1">
+              <a:defRPr sz="1800" kern="1200">
+                <a:solidFill>
+                  <a:schemeClr val="tx1"/>
+                </a:solidFill>
+                <a:latin typeface="+mn-lt"/>
+                <a:ea typeface="+mn-ea"/>
+                <a:cs typeface="+mn-cs"/>
+              </a:defRPr>
+            </a:lvl3pPr>
+            <a:lvl4pPr marL="1371600" algn="l" defTabSz="914400" rtl="0" eaLnBrk="1" latinLnBrk="0" hangingPunct="1">
+              <a:defRPr sz="1800" kern="1200">
+                <a:solidFill>
+                  <a:schemeClr val="tx1"/>
+                </a:solidFill>
+                <a:latin typeface="+mn-lt"/>
+                <a:ea typeface="+mn-ea"/>
+                <a:cs typeface="+mn-cs"/>
+              </a:defRPr>
+            </a:lvl4pPr>
+            <a:lvl5pPr marL="1828800" algn="l" defTabSz="914400" rtl="0" eaLnBrk="1" latinLnBrk="0" hangingPunct="1">
+              <a:defRPr sz="1800" kern="1200">
+                <a:solidFill>
+                  <a:schemeClr val="tx1"/>
+                </a:solidFill>
+                <a:latin typeface="+mn-lt"/>
+                <a:ea typeface="+mn-ea"/>
+                <a:cs typeface="+mn-cs"/>
+              </a:defRPr>
+            </a:lvl5pPr>
+            <a:lvl6pPr marL="2286000" algn="l" defTabSz="914400" rtl="0" eaLnBrk="1" latinLnBrk="0" hangingPunct="1">
+              <a:defRPr sz="1800" kern="1200">
+                <a:solidFill>
+                  <a:schemeClr val="tx1"/>
+                </a:solidFill>
+                <a:latin typeface="+mn-lt"/>
+                <a:ea typeface="+mn-ea"/>
+                <a:cs typeface="+mn-cs"/>
+              </a:defRPr>
+            </a:lvl6pPr>
+            <a:lvl7pPr marL="2743200" algn="l" defTabSz="914400" rtl="0" eaLnBrk="1" latinLnBrk="0" hangingPunct="1">
+              <a:defRPr sz="1800" kern="1200">
+                <a:solidFill>
+                  <a:schemeClr val="tx1"/>
+                </a:solidFill>
+                <a:latin typeface="+mn-lt"/>
+                <a:ea typeface="+mn-ea"/>
+                <a:cs typeface="+mn-cs"/>
+              </a:defRPr>
+            </a:lvl7pPr>
+            <a:lvl8pPr marL="3200400" algn="l" defTabSz="914400" rtl="0" eaLnBrk="1" latinLnBrk="0" hangingPunct="1">
+              <a:defRPr sz="1800" kern="1200">
+                <a:solidFill>
+                  <a:schemeClr val="tx1"/>
+                </a:solidFill>
+                <a:latin typeface="+mn-lt"/>
+                <a:ea typeface="+mn-ea"/>
+                <a:cs typeface="+mn-cs"/>
+              </a:defRPr>
+            </a:lvl8pPr>
+            <a:lvl9pPr marL="3657600" algn="l" defTabSz="914400" rtl="0" eaLnBrk="1" latinLnBrk="0" hangingPunct="1">
+              <a:defRPr sz="1800" kern="1200">
+                <a:solidFill>
+                  <a:schemeClr val="tx1"/>
+                </a:solidFill>
+                <a:latin typeface="+mn-lt"/>
+                <a:ea typeface="+mn-ea"/>
+                <a:cs typeface="+mn-cs"/>
+              </a:defRPr>
+            </a:lvl9pPr>
+          </a:lstStyle>
+          <a:p>
+            <a:pPr algn="l"/>
+            <a:fld id="{0477F178-95BE-4B1C-9247-30D6B7E59DB7}" type="datetime3">
+              <a:rPr lang="en-US" smtClean="0"/>
+              <a:t>2 January 2020</a:t>
+            </a:fld>
+            <a:endParaRPr lang="en-US" dirty="0"/>
+          </a:p>
+        </p:txBody>
+      </p:sp>
+    </p:spTree>
+    <p:extLst>
+      <p:ext uri="{BB962C8B-B14F-4D97-AF65-F5344CB8AC3E}">
+        <p14:creationId xmlns:p14="http://schemas.microsoft.com/office/powerpoint/2010/main" val="3565484639"/>
+      </p:ext>
+    </p:extLst>
+  </p:cSld>
+  <p:clrMapOvr>
+    <a:masterClrMapping/>
+  </p:clrMapOvr>
+</p:sld>
+</file>
+
+<file path=ppt/slides/slide59.xml><?xml version="1.0" encoding="utf-8"?>
+<p:sld xmlns:a="http://schemas.openxmlformats.org/drawingml/2006/main" xmlns:r="http://schemas.openxmlformats.org/officeDocument/2006/relationships" xmlns:p="http://schemas.openxmlformats.org/presentationml/2006/main">
+  <p:cSld>
+    <p:spTree>
+      <p:nvGrpSpPr>
+        <p:cNvPr id="1" name=""/>
+        <p:cNvGrpSpPr/>
+        <p:nvPr/>
+      </p:nvGrpSpPr>
+      <p:grpSpPr>
+        <a:xfrm>
+          <a:off x="0" y="0"/>
+          <a:ext cx="0" cy="0"/>
+          <a:chOff x="0" y="0"/>
+          <a:chExt cx="0" cy="0"/>
+        </a:xfrm>
+      </p:grpSpPr>
+      <p:sp>
+        <p:nvSpPr>
+          <p:cNvPr id="11" name="Slide Number Placeholder 10">
+            <a:extLst>
+              <a:ext uri="{FF2B5EF4-FFF2-40B4-BE49-F238E27FC236}">
+                <a16:creationId xmlns:a16="http://schemas.microsoft.com/office/drawing/2014/main" id="{11FA1C95-AB64-49D4-B3E1-0BC53485AFB8}"/>
+              </a:ext>
+            </a:extLst>
+          </p:cNvPr>
+          <p:cNvSpPr>
+            <a:spLocks noGrp="1"/>
+          </p:cNvSpPr>
+          <p:nvPr>
+            <p:ph type="sldNum" sz="quarter" idx="4294967295"/>
+          </p:nvPr>
+        </p:nvSpPr>
+        <p:spPr>
+          <a:xfrm>
+            <a:off x="9448800" y="6356350"/>
+            <a:ext cx="2743200" cy="365125"/>
+          </a:xfrm>
+          <a:prstGeom prst="rect">
+            <a:avLst/>
+          </a:prstGeom>
+        </p:spPr>
+        <p:txBody>
+          <a:bodyPr/>
+          <a:lstStyle/>
+          <a:p>
+            <a:fld id="{8C4B6803-2184-4C86-B74E-CCB2F4670823}" type="slidenum">
+              <a:rPr lang="en-US" smtClean="0"/>
+              <a:t>59</a:t>
+            </a:fld>
+            <a:endParaRPr lang="en-US"/>
+          </a:p>
+        </p:txBody>
+      </p:sp>
+      <p:sp>
+        <p:nvSpPr>
+          <p:cNvPr id="2" name="TextBox 1">
+            <a:extLst>
+              <a:ext uri="{FF2B5EF4-FFF2-40B4-BE49-F238E27FC236}">
+                <a16:creationId xmlns:a16="http://schemas.microsoft.com/office/drawing/2014/main" id="{B81E0849-5774-4C90-A259-E3BDF29E06D6}"/>
+              </a:ext>
+            </a:extLst>
+          </p:cNvPr>
+          <p:cNvSpPr txBox="1"/>
+          <p:nvPr/>
+        </p:nvSpPr>
+        <p:spPr>
+          <a:xfrm>
+            <a:off x="839449" y="369350"/>
+            <a:ext cx="8609351" cy="830997"/>
+          </a:xfrm>
+          <a:prstGeom prst="rect">
+            <a:avLst/>
+          </a:prstGeom>
+          <a:noFill/>
+        </p:spPr>
+        <p:txBody>
+          <a:bodyPr wrap="square" rtlCol="0">
+            <a:spAutoFit/>
+          </a:bodyPr>
+          <a:lstStyle/>
+          <a:p>
+            <a:pPr algn="ctr"/>
+            <a:r>
+              <a:rPr lang="en-US" sz="4800" b="1" dirty="0">
+                <a:solidFill>
+                  <a:schemeClr val="bg1"/>
+                </a:solidFill>
+              </a:rPr>
+              <a:t>Classes</a:t>
+            </a:r>
+          </a:p>
+        </p:txBody>
+      </p:sp>
+      <p:sp>
+        <p:nvSpPr>
+          <p:cNvPr id="4" name="Title 1">
+            <a:extLst>
+              <a:ext uri="{FF2B5EF4-FFF2-40B4-BE49-F238E27FC236}">
+                <a16:creationId xmlns:a16="http://schemas.microsoft.com/office/drawing/2014/main" id="{DDDD1131-69A0-4235-925F-CA6808B0F653}"/>
+              </a:ext>
+            </a:extLst>
+          </p:cNvPr>
+          <p:cNvSpPr txBox="1">
+            <a:spLocks/>
+          </p:cNvSpPr>
+          <p:nvPr/>
+        </p:nvSpPr>
+        <p:spPr bwMode="gray">
+          <a:xfrm>
+            <a:off x="554636" y="1813810"/>
+            <a:ext cx="11032761" cy="4542540"/>
+          </a:xfrm>
+          <a:prstGeom prst="rect">
+            <a:avLst/>
+          </a:prstGeom>
+          <a:noFill/>
+          <a:ln w="12700">
+            <a:noFill/>
+            <a:miter lim="800000"/>
+            <a:headEnd/>
+            <a:tailEnd/>
+          </a:ln>
+        </p:spPr>
+        <p:txBody>
+          <a:bodyPr vert="horz" wrap="square" lIns="0" tIns="0" rIns="0" bIns="0" numCol="1" anchor="t" anchorCtr="0" compatLnSpc="1">
+            <a:prstTxWarp prst="textNoShape">
+              <a:avLst/>
+            </a:prstTxWarp>
+            <a:noAutofit/>
+          </a:bodyPr>
+          <a:lstStyle>
+            <a:lvl1pPr algn="l" rtl="0" eaLnBrk="1" fontAlgn="base" hangingPunct="1">
+              <a:spcBef>
+                <a:spcPct val="0"/>
+              </a:spcBef>
+              <a:spcAft>
+                <a:spcPct val="0"/>
+              </a:spcAft>
+              <a:defRPr sz="2500" b="0" i="0" baseline="0">
+                <a:solidFill>
+                  <a:srgbClr val="2C2D8B"/>
+                </a:solidFill>
+                <a:latin typeface="Calibri Light"/>
+                <a:ea typeface="+mj-ea"/>
+                <a:cs typeface="Calibri Light"/>
+              </a:defRPr>
+            </a:lvl1pPr>
+            <a:lvl2pPr algn="l" rtl="0" eaLnBrk="1" fontAlgn="base" hangingPunct="1">
+              <a:spcBef>
+                <a:spcPct val="0"/>
+              </a:spcBef>
+              <a:spcAft>
+                <a:spcPct val="0"/>
+              </a:spcAft>
+              <a:defRPr sz="2000">
+                <a:solidFill>
+                  <a:schemeClr val="accent1"/>
+                </a:solidFill>
+                <a:latin typeface="Arial" pitchFamily="34" charset="0"/>
+                <a:ea typeface="STKaiti" pitchFamily="2" charset="-122"/>
+                <a:cs typeface="Geneva" pitchFamily="34" charset="0"/>
+              </a:defRPr>
+            </a:lvl2pPr>
+            <a:lvl3pPr algn="l" rtl="0" eaLnBrk="1" fontAlgn="base" hangingPunct="1">
+              <a:spcBef>
+                <a:spcPct val="0"/>
+              </a:spcBef>
+              <a:spcAft>
+                <a:spcPct val="0"/>
+              </a:spcAft>
+              <a:defRPr sz="2000">
+                <a:solidFill>
+                  <a:schemeClr val="accent1"/>
+                </a:solidFill>
+                <a:latin typeface="Arial" pitchFamily="34" charset="0"/>
+                <a:ea typeface="STKaiti" pitchFamily="2" charset="-122"/>
+                <a:cs typeface="Geneva" pitchFamily="34" charset="0"/>
+              </a:defRPr>
+            </a:lvl3pPr>
+            <a:lvl4pPr algn="l" rtl="0" eaLnBrk="1" fontAlgn="base" hangingPunct="1">
+              <a:spcBef>
+                <a:spcPct val="0"/>
+              </a:spcBef>
+              <a:spcAft>
+                <a:spcPct val="0"/>
+              </a:spcAft>
+              <a:defRPr sz="2000">
+                <a:solidFill>
+                  <a:schemeClr val="accent1"/>
+                </a:solidFill>
+                <a:latin typeface="Arial" pitchFamily="34" charset="0"/>
+                <a:ea typeface="STKaiti" pitchFamily="2" charset="-122"/>
+                <a:cs typeface="Geneva" pitchFamily="34" charset="0"/>
+              </a:defRPr>
+            </a:lvl4pPr>
+            <a:lvl5pPr algn="l" rtl="0" eaLnBrk="1" fontAlgn="base" hangingPunct="1">
+              <a:spcBef>
+                <a:spcPct val="0"/>
+              </a:spcBef>
+              <a:spcAft>
+                <a:spcPct val="0"/>
+              </a:spcAft>
+              <a:defRPr sz="2000">
+                <a:solidFill>
+                  <a:schemeClr val="accent1"/>
+                </a:solidFill>
+                <a:latin typeface="Arial" pitchFamily="34" charset="0"/>
+                <a:ea typeface="STKaiti" pitchFamily="2" charset="-122"/>
+                <a:cs typeface="Geneva" pitchFamily="34" charset="0"/>
+              </a:defRPr>
+            </a:lvl5pPr>
+            <a:lvl6pPr marL="389626" algn="l" rtl="0" eaLnBrk="1" fontAlgn="base" hangingPunct="1">
+              <a:spcBef>
+                <a:spcPct val="0"/>
+              </a:spcBef>
+              <a:spcAft>
+                <a:spcPct val="0"/>
+              </a:spcAft>
+              <a:defRPr sz="2000">
+                <a:solidFill>
+                  <a:schemeClr val="accent1"/>
+                </a:solidFill>
+                <a:latin typeface="Arial" pitchFamily="34" charset="0"/>
+                <a:ea typeface="ヒラギノ角ゴ Pro W3" pitchFamily="124" charset="-128"/>
+                <a:cs typeface="Geneva" pitchFamily="34" charset="0"/>
+              </a:defRPr>
+            </a:lvl6pPr>
+            <a:lvl7pPr marL="779252" algn="l" rtl="0" eaLnBrk="1" fontAlgn="base" hangingPunct="1">
+              <a:spcBef>
+                <a:spcPct val="0"/>
+              </a:spcBef>
+              <a:spcAft>
+                <a:spcPct val="0"/>
+              </a:spcAft>
+              <a:defRPr sz="2000">
+                <a:solidFill>
+                  <a:schemeClr val="accent1"/>
+                </a:solidFill>
+                <a:latin typeface="Arial" pitchFamily="34" charset="0"/>
+                <a:ea typeface="ヒラギノ角ゴ Pro W3" pitchFamily="124" charset="-128"/>
+                <a:cs typeface="Geneva" pitchFamily="34" charset="0"/>
+              </a:defRPr>
+            </a:lvl7pPr>
+            <a:lvl8pPr marL="1168878" algn="l" rtl="0" eaLnBrk="1" fontAlgn="base" hangingPunct="1">
+              <a:spcBef>
+                <a:spcPct val="0"/>
+              </a:spcBef>
+              <a:spcAft>
+                <a:spcPct val="0"/>
+              </a:spcAft>
+              <a:defRPr sz="2000">
+                <a:solidFill>
+                  <a:schemeClr val="accent1"/>
+                </a:solidFill>
+                <a:latin typeface="Arial" pitchFamily="34" charset="0"/>
+                <a:ea typeface="ヒラギノ角ゴ Pro W3" pitchFamily="124" charset="-128"/>
+                <a:cs typeface="Geneva" pitchFamily="34" charset="0"/>
+              </a:defRPr>
+            </a:lvl8pPr>
+            <a:lvl9pPr marL="1558503" algn="l" rtl="0" eaLnBrk="1" fontAlgn="base" hangingPunct="1">
+              <a:spcBef>
+                <a:spcPct val="0"/>
+              </a:spcBef>
+              <a:spcAft>
+                <a:spcPct val="0"/>
+              </a:spcAft>
+              <a:defRPr sz="2000">
+                <a:solidFill>
+                  <a:schemeClr val="accent1"/>
+                </a:solidFill>
+                <a:latin typeface="Arial" pitchFamily="34" charset="0"/>
+                <a:ea typeface="ヒラギノ角ゴ Pro W3" pitchFamily="124" charset="-128"/>
+                <a:cs typeface="Geneva" pitchFamily="34" charset="0"/>
+              </a:defRPr>
+            </a:lvl9pPr>
+          </a:lstStyle>
+          <a:p>
+            <a:r>
+              <a:rPr lang="en-US" sz="2400" dirty="0">
+                <a:solidFill>
+                  <a:schemeClr val="tx1"/>
+                </a:solidFill>
+              </a:rPr>
+              <a:t>					</a:t>
+            </a:r>
+          </a:p>
+          <a:p>
+            <a:pPr marL="342900" indent="-342900">
+              <a:buFont typeface="Arial" panose="020B0604020202020204" pitchFamily="34" charset="0"/>
+              <a:buChar char="•"/>
+            </a:pPr>
+            <a:endParaRPr lang="en-US" sz="2400" dirty="0">
+              <a:solidFill>
+                <a:schemeClr val="tx1"/>
+              </a:solidFill>
+            </a:endParaRPr>
+          </a:p>
+          <a:p>
+            <a:pPr marL="342900" indent="-342900">
+              <a:buFont typeface="Arial" panose="020B0604020202020204" pitchFamily="34" charset="0"/>
+              <a:buChar char="•"/>
+            </a:pPr>
+            <a:endParaRPr lang="en-US" sz="2400" dirty="0">
+              <a:solidFill>
+                <a:schemeClr val="tx1"/>
+              </a:solidFill>
+            </a:endParaRPr>
+          </a:p>
+          <a:p>
+            <a:pPr marL="342900" indent="-342900">
+              <a:buFont typeface="Arial" panose="020B0604020202020204" pitchFamily="34" charset="0"/>
+              <a:buChar char="•"/>
+            </a:pPr>
+            <a:endParaRPr lang="en-US" sz="2400" dirty="0">
+              <a:solidFill>
+                <a:schemeClr val="tx1"/>
+              </a:solidFill>
+            </a:endParaRPr>
+          </a:p>
+        </p:txBody>
+      </p:sp>
+      <p:sp>
+        <p:nvSpPr>
+          <p:cNvPr id="5" name="Slide Number Placeholder 9">
+            <a:extLst>
+              <a:ext uri="{FF2B5EF4-FFF2-40B4-BE49-F238E27FC236}">
+                <a16:creationId xmlns:a16="http://schemas.microsoft.com/office/drawing/2014/main" id="{DE3A573C-6B85-4B30-91BB-6917A0258311}"/>
+              </a:ext>
+            </a:extLst>
+          </p:cNvPr>
+          <p:cNvSpPr txBox="1">
+            <a:spLocks/>
+          </p:cNvSpPr>
+          <p:nvPr/>
+        </p:nvSpPr>
+        <p:spPr>
+          <a:xfrm>
+            <a:off x="1" y="6356350"/>
+            <a:ext cx="1371600" cy="365125"/>
+          </a:xfrm>
+          <a:prstGeom prst="rect">
+            <a:avLst/>
+          </a:prstGeom>
+        </p:spPr>
+        <p:txBody>
+          <a:bodyPr vert="horz" lIns="91440" tIns="45720" rIns="91440" bIns="45720" rtlCol="0" anchor="ctr"/>
+          <a:lstStyle>
+            <a:defPPr>
+              <a:defRPr lang="en-US"/>
+            </a:defPPr>
+            <a:lvl1pPr marL="0" algn="r" defTabSz="914400" rtl="0" eaLnBrk="1" latinLnBrk="0" hangingPunct="1">
+              <a:defRPr sz="1200" kern="1200">
+                <a:solidFill>
+                  <a:schemeClr val="tx1">
+                    <a:tint val="75000"/>
+                  </a:schemeClr>
+                </a:solidFill>
+                <a:latin typeface="+mn-lt"/>
+                <a:ea typeface="+mn-ea"/>
+                <a:cs typeface="+mn-cs"/>
+              </a:defRPr>
+            </a:lvl1pPr>
+            <a:lvl2pPr marL="457200" algn="l" defTabSz="914400" rtl="0" eaLnBrk="1" latinLnBrk="0" hangingPunct="1">
+              <a:defRPr sz="1800" kern="1200">
+                <a:solidFill>
+                  <a:schemeClr val="tx1"/>
+                </a:solidFill>
+                <a:latin typeface="+mn-lt"/>
+                <a:ea typeface="+mn-ea"/>
+                <a:cs typeface="+mn-cs"/>
+              </a:defRPr>
+            </a:lvl2pPr>
+            <a:lvl3pPr marL="914400" algn="l" defTabSz="914400" rtl="0" eaLnBrk="1" latinLnBrk="0" hangingPunct="1">
+              <a:defRPr sz="1800" kern="1200">
+                <a:solidFill>
+                  <a:schemeClr val="tx1"/>
+                </a:solidFill>
+                <a:latin typeface="+mn-lt"/>
+                <a:ea typeface="+mn-ea"/>
+                <a:cs typeface="+mn-cs"/>
+              </a:defRPr>
+            </a:lvl3pPr>
+            <a:lvl4pPr marL="1371600" algn="l" defTabSz="914400" rtl="0" eaLnBrk="1" latinLnBrk="0" hangingPunct="1">
+              <a:defRPr sz="1800" kern="1200">
+                <a:solidFill>
+                  <a:schemeClr val="tx1"/>
+                </a:solidFill>
+                <a:latin typeface="+mn-lt"/>
+                <a:ea typeface="+mn-ea"/>
+                <a:cs typeface="+mn-cs"/>
+              </a:defRPr>
+            </a:lvl4pPr>
+            <a:lvl5pPr marL="1828800" algn="l" defTabSz="914400" rtl="0" eaLnBrk="1" latinLnBrk="0" hangingPunct="1">
+              <a:defRPr sz="1800" kern="1200">
+                <a:solidFill>
+                  <a:schemeClr val="tx1"/>
+                </a:solidFill>
+                <a:latin typeface="+mn-lt"/>
+                <a:ea typeface="+mn-ea"/>
+                <a:cs typeface="+mn-cs"/>
+              </a:defRPr>
+            </a:lvl5pPr>
+            <a:lvl6pPr marL="2286000" algn="l" defTabSz="914400" rtl="0" eaLnBrk="1" latinLnBrk="0" hangingPunct="1">
+              <a:defRPr sz="1800" kern="1200">
+                <a:solidFill>
+                  <a:schemeClr val="tx1"/>
+                </a:solidFill>
+                <a:latin typeface="+mn-lt"/>
+                <a:ea typeface="+mn-ea"/>
+                <a:cs typeface="+mn-cs"/>
+              </a:defRPr>
+            </a:lvl6pPr>
+            <a:lvl7pPr marL="2743200" algn="l" defTabSz="914400" rtl="0" eaLnBrk="1" latinLnBrk="0" hangingPunct="1">
+              <a:defRPr sz="1800" kern="1200">
+                <a:solidFill>
+                  <a:schemeClr val="tx1"/>
+                </a:solidFill>
+                <a:latin typeface="+mn-lt"/>
+                <a:ea typeface="+mn-ea"/>
+                <a:cs typeface="+mn-cs"/>
+              </a:defRPr>
+            </a:lvl7pPr>
+            <a:lvl8pPr marL="3200400" algn="l" defTabSz="914400" rtl="0" eaLnBrk="1" latinLnBrk="0" hangingPunct="1">
+              <a:defRPr sz="1800" kern="1200">
+                <a:solidFill>
+                  <a:schemeClr val="tx1"/>
+                </a:solidFill>
+                <a:latin typeface="+mn-lt"/>
+                <a:ea typeface="+mn-ea"/>
+                <a:cs typeface="+mn-cs"/>
+              </a:defRPr>
+            </a:lvl8pPr>
+            <a:lvl9pPr marL="3657600" algn="l" defTabSz="914400" rtl="0" eaLnBrk="1" latinLnBrk="0" hangingPunct="1">
+              <a:defRPr sz="1800" kern="1200">
+                <a:solidFill>
+                  <a:schemeClr val="tx1"/>
+                </a:solidFill>
+                <a:latin typeface="+mn-lt"/>
+                <a:ea typeface="+mn-ea"/>
+                <a:cs typeface="+mn-cs"/>
+              </a:defRPr>
+            </a:lvl9pPr>
+          </a:lstStyle>
+          <a:p>
+            <a:pPr algn="l"/>
+            <a:fld id="{0477F178-95BE-4B1C-9247-30D6B7E59DB7}" type="datetime3">
+              <a:rPr lang="en-US" smtClean="0"/>
+              <a:t>2 January 2020</a:t>
+            </a:fld>
+            <a:endParaRPr lang="en-US" dirty="0"/>
+          </a:p>
+        </p:txBody>
+      </p:sp>
+    </p:spTree>
+    <p:extLst>
+      <p:ext uri="{BB962C8B-B14F-4D97-AF65-F5344CB8AC3E}">
+        <p14:creationId xmlns:p14="http://schemas.microsoft.com/office/powerpoint/2010/main" val="4152960685"/>
       </p:ext>
     </p:extLst>
   </p:cSld>
@@ -35389,7 +38341,7 @@
             <a:pPr algn="l"/>
             <a:fld id="{0477F178-95BE-4B1C-9247-30D6B7E59DB7}" type="datetime3">
               <a:rPr lang="en-US" smtClean="0"/>
-              <a:t>30 November 2019</a:t>
+              <a:t>2 January 2020</a:t>
             </a:fld>
             <a:endParaRPr lang="en-US" dirty="0"/>
           </a:p>
@@ -35577,6 +38529,1676 @@
 </p:sld>
 </file>
 
+<file path=ppt/slides/slide60.xml><?xml version="1.0" encoding="utf-8"?>
+<p:sld xmlns:a="http://schemas.openxmlformats.org/drawingml/2006/main" xmlns:r="http://schemas.openxmlformats.org/officeDocument/2006/relationships" xmlns:p="http://schemas.openxmlformats.org/presentationml/2006/main">
+  <p:cSld>
+    <p:spTree>
+      <p:nvGrpSpPr>
+        <p:cNvPr id="1" name=""/>
+        <p:cNvGrpSpPr/>
+        <p:nvPr/>
+      </p:nvGrpSpPr>
+      <p:grpSpPr>
+        <a:xfrm>
+          <a:off x="0" y="0"/>
+          <a:ext cx="0" cy="0"/>
+          <a:chOff x="0" y="0"/>
+          <a:chExt cx="0" cy="0"/>
+        </a:xfrm>
+      </p:grpSpPr>
+      <p:sp>
+        <p:nvSpPr>
+          <p:cNvPr id="11" name="Slide Number Placeholder 10">
+            <a:extLst>
+              <a:ext uri="{FF2B5EF4-FFF2-40B4-BE49-F238E27FC236}">
+                <a16:creationId xmlns:a16="http://schemas.microsoft.com/office/drawing/2014/main" id="{11FA1C95-AB64-49D4-B3E1-0BC53485AFB8}"/>
+              </a:ext>
+            </a:extLst>
+          </p:cNvPr>
+          <p:cNvSpPr>
+            <a:spLocks noGrp="1"/>
+          </p:cNvSpPr>
+          <p:nvPr>
+            <p:ph type="sldNum" sz="quarter" idx="4294967295"/>
+          </p:nvPr>
+        </p:nvSpPr>
+        <p:spPr>
+          <a:xfrm>
+            <a:off x="9448800" y="6356350"/>
+            <a:ext cx="2743200" cy="365125"/>
+          </a:xfrm>
+          <a:prstGeom prst="rect">
+            <a:avLst/>
+          </a:prstGeom>
+        </p:spPr>
+        <p:txBody>
+          <a:bodyPr/>
+          <a:lstStyle/>
+          <a:p>
+            <a:fld id="{8C4B6803-2184-4C86-B74E-CCB2F4670823}" type="slidenum">
+              <a:rPr lang="en-US" smtClean="0"/>
+              <a:t>60</a:t>
+            </a:fld>
+            <a:endParaRPr lang="en-US"/>
+          </a:p>
+        </p:txBody>
+      </p:sp>
+      <p:sp>
+        <p:nvSpPr>
+          <p:cNvPr id="2" name="TextBox 1">
+            <a:extLst>
+              <a:ext uri="{FF2B5EF4-FFF2-40B4-BE49-F238E27FC236}">
+                <a16:creationId xmlns:a16="http://schemas.microsoft.com/office/drawing/2014/main" id="{B81E0849-5774-4C90-A259-E3BDF29E06D6}"/>
+              </a:ext>
+            </a:extLst>
+          </p:cNvPr>
+          <p:cNvSpPr txBox="1"/>
+          <p:nvPr/>
+        </p:nvSpPr>
+        <p:spPr>
+          <a:xfrm>
+            <a:off x="839449" y="369350"/>
+            <a:ext cx="8609351" cy="830997"/>
+          </a:xfrm>
+          <a:prstGeom prst="rect">
+            <a:avLst/>
+          </a:prstGeom>
+          <a:noFill/>
+        </p:spPr>
+        <p:txBody>
+          <a:bodyPr wrap="square" rtlCol="0">
+            <a:spAutoFit/>
+          </a:bodyPr>
+          <a:lstStyle/>
+          <a:p>
+            <a:pPr algn="ctr"/>
+            <a:r>
+              <a:rPr lang="en-US" sz="4800" b="1" dirty="0">
+                <a:solidFill>
+                  <a:schemeClr val="bg1"/>
+                </a:solidFill>
+              </a:rPr>
+              <a:t>Systems</a:t>
+            </a:r>
+          </a:p>
+        </p:txBody>
+      </p:sp>
+      <p:sp>
+        <p:nvSpPr>
+          <p:cNvPr id="4" name="Title 1">
+            <a:extLst>
+              <a:ext uri="{FF2B5EF4-FFF2-40B4-BE49-F238E27FC236}">
+                <a16:creationId xmlns:a16="http://schemas.microsoft.com/office/drawing/2014/main" id="{DDDD1131-69A0-4235-925F-CA6808B0F653}"/>
+              </a:ext>
+            </a:extLst>
+          </p:cNvPr>
+          <p:cNvSpPr txBox="1">
+            <a:spLocks/>
+          </p:cNvSpPr>
+          <p:nvPr/>
+        </p:nvSpPr>
+        <p:spPr bwMode="gray">
+          <a:xfrm>
+            <a:off x="554636" y="1813810"/>
+            <a:ext cx="11032761" cy="4542540"/>
+          </a:xfrm>
+          <a:prstGeom prst="rect">
+            <a:avLst/>
+          </a:prstGeom>
+          <a:noFill/>
+          <a:ln w="12700">
+            <a:noFill/>
+            <a:miter lim="800000"/>
+            <a:headEnd/>
+            <a:tailEnd/>
+          </a:ln>
+        </p:spPr>
+        <p:txBody>
+          <a:bodyPr vert="horz" wrap="square" lIns="0" tIns="0" rIns="0" bIns="0" numCol="1" anchor="t" anchorCtr="0" compatLnSpc="1">
+            <a:prstTxWarp prst="textNoShape">
+              <a:avLst/>
+            </a:prstTxWarp>
+            <a:noAutofit/>
+          </a:bodyPr>
+          <a:lstStyle>
+            <a:lvl1pPr algn="l" rtl="0" eaLnBrk="1" fontAlgn="base" hangingPunct="1">
+              <a:spcBef>
+                <a:spcPct val="0"/>
+              </a:spcBef>
+              <a:spcAft>
+                <a:spcPct val="0"/>
+              </a:spcAft>
+              <a:defRPr sz="2500" b="0" i="0" baseline="0">
+                <a:solidFill>
+                  <a:srgbClr val="2C2D8B"/>
+                </a:solidFill>
+                <a:latin typeface="Calibri Light"/>
+                <a:ea typeface="+mj-ea"/>
+                <a:cs typeface="Calibri Light"/>
+              </a:defRPr>
+            </a:lvl1pPr>
+            <a:lvl2pPr algn="l" rtl="0" eaLnBrk="1" fontAlgn="base" hangingPunct="1">
+              <a:spcBef>
+                <a:spcPct val="0"/>
+              </a:spcBef>
+              <a:spcAft>
+                <a:spcPct val="0"/>
+              </a:spcAft>
+              <a:defRPr sz="2000">
+                <a:solidFill>
+                  <a:schemeClr val="accent1"/>
+                </a:solidFill>
+                <a:latin typeface="Arial" pitchFamily="34" charset="0"/>
+                <a:ea typeface="STKaiti" pitchFamily="2" charset="-122"/>
+                <a:cs typeface="Geneva" pitchFamily="34" charset="0"/>
+              </a:defRPr>
+            </a:lvl2pPr>
+            <a:lvl3pPr algn="l" rtl="0" eaLnBrk="1" fontAlgn="base" hangingPunct="1">
+              <a:spcBef>
+                <a:spcPct val="0"/>
+              </a:spcBef>
+              <a:spcAft>
+                <a:spcPct val="0"/>
+              </a:spcAft>
+              <a:defRPr sz="2000">
+                <a:solidFill>
+                  <a:schemeClr val="accent1"/>
+                </a:solidFill>
+                <a:latin typeface="Arial" pitchFamily="34" charset="0"/>
+                <a:ea typeface="STKaiti" pitchFamily="2" charset="-122"/>
+                <a:cs typeface="Geneva" pitchFamily="34" charset="0"/>
+              </a:defRPr>
+            </a:lvl3pPr>
+            <a:lvl4pPr algn="l" rtl="0" eaLnBrk="1" fontAlgn="base" hangingPunct="1">
+              <a:spcBef>
+                <a:spcPct val="0"/>
+              </a:spcBef>
+              <a:spcAft>
+                <a:spcPct val="0"/>
+              </a:spcAft>
+              <a:defRPr sz="2000">
+                <a:solidFill>
+                  <a:schemeClr val="accent1"/>
+                </a:solidFill>
+                <a:latin typeface="Arial" pitchFamily="34" charset="0"/>
+                <a:ea typeface="STKaiti" pitchFamily="2" charset="-122"/>
+                <a:cs typeface="Geneva" pitchFamily="34" charset="0"/>
+              </a:defRPr>
+            </a:lvl4pPr>
+            <a:lvl5pPr algn="l" rtl="0" eaLnBrk="1" fontAlgn="base" hangingPunct="1">
+              <a:spcBef>
+                <a:spcPct val="0"/>
+              </a:spcBef>
+              <a:spcAft>
+                <a:spcPct val="0"/>
+              </a:spcAft>
+              <a:defRPr sz="2000">
+                <a:solidFill>
+                  <a:schemeClr val="accent1"/>
+                </a:solidFill>
+                <a:latin typeface="Arial" pitchFamily="34" charset="0"/>
+                <a:ea typeface="STKaiti" pitchFamily="2" charset="-122"/>
+                <a:cs typeface="Geneva" pitchFamily="34" charset="0"/>
+              </a:defRPr>
+            </a:lvl5pPr>
+            <a:lvl6pPr marL="389626" algn="l" rtl="0" eaLnBrk="1" fontAlgn="base" hangingPunct="1">
+              <a:spcBef>
+                <a:spcPct val="0"/>
+              </a:spcBef>
+              <a:spcAft>
+                <a:spcPct val="0"/>
+              </a:spcAft>
+              <a:defRPr sz="2000">
+                <a:solidFill>
+                  <a:schemeClr val="accent1"/>
+                </a:solidFill>
+                <a:latin typeface="Arial" pitchFamily="34" charset="0"/>
+                <a:ea typeface="ヒラギノ角ゴ Pro W3" pitchFamily="124" charset="-128"/>
+                <a:cs typeface="Geneva" pitchFamily="34" charset="0"/>
+              </a:defRPr>
+            </a:lvl6pPr>
+            <a:lvl7pPr marL="779252" algn="l" rtl="0" eaLnBrk="1" fontAlgn="base" hangingPunct="1">
+              <a:spcBef>
+                <a:spcPct val="0"/>
+              </a:spcBef>
+              <a:spcAft>
+                <a:spcPct val="0"/>
+              </a:spcAft>
+              <a:defRPr sz="2000">
+                <a:solidFill>
+                  <a:schemeClr val="accent1"/>
+                </a:solidFill>
+                <a:latin typeface="Arial" pitchFamily="34" charset="0"/>
+                <a:ea typeface="ヒラギノ角ゴ Pro W3" pitchFamily="124" charset="-128"/>
+                <a:cs typeface="Geneva" pitchFamily="34" charset="0"/>
+              </a:defRPr>
+            </a:lvl7pPr>
+            <a:lvl8pPr marL="1168878" algn="l" rtl="0" eaLnBrk="1" fontAlgn="base" hangingPunct="1">
+              <a:spcBef>
+                <a:spcPct val="0"/>
+              </a:spcBef>
+              <a:spcAft>
+                <a:spcPct val="0"/>
+              </a:spcAft>
+              <a:defRPr sz="2000">
+                <a:solidFill>
+                  <a:schemeClr val="accent1"/>
+                </a:solidFill>
+                <a:latin typeface="Arial" pitchFamily="34" charset="0"/>
+                <a:ea typeface="ヒラギノ角ゴ Pro W3" pitchFamily="124" charset="-128"/>
+                <a:cs typeface="Geneva" pitchFamily="34" charset="0"/>
+              </a:defRPr>
+            </a:lvl8pPr>
+            <a:lvl9pPr marL="1558503" algn="l" rtl="0" eaLnBrk="1" fontAlgn="base" hangingPunct="1">
+              <a:spcBef>
+                <a:spcPct val="0"/>
+              </a:spcBef>
+              <a:spcAft>
+                <a:spcPct val="0"/>
+              </a:spcAft>
+              <a:defRPr sz="2000">
+                <a:solidFill>
+                  <a:schemeClr val="accent1"/>
+                </a:solidFill>
+                <a:latin typeface="Arial" pitchFamily="34" charset="0"/>
+                <a:ea typeface="ヒラギノ角ゴ Pro W3" pitchFamily="124" charset="-128"/>
+                <a:cs typeface="Geneva" pitchFamily="34" charset="0"/>
+              </a:defRPr>
+            </a:lvl9pPr>
+          </a:lstStyle>
+          <a:p>
+            <a:r>
+              <a:rPr lang="en-US" sz="2400" dirty="0">
+                <a:solidFill>
+                  <a:schemeClr val="tx1"/>
+                </a:solidFill>
+              </a:rPr>
+              <a:t>					</a:t>
+            </a:r>
+          </a:p>
+          <a:p>
+            <a:pPr marL="342900" indent="-342900">
+              <a:buFont typeface="Arial" panose="020B0604020202020204" pitchFamily="34" charset="0"/>
+              <a:buChar char="•"/>
+            </a:pPr>
+            <a:endParaRPr lang="en-US" sz="2400" dirty="0">
+              <a:solidFill>
+                <a:schemeClr val="tx1"/>
+              </a:solidFill>
+            </a:endParaRPr>
+          </a:p>
+          <a:p>
+            <a:pPr marL="342900" indent="-342900">
+              <a:buFont typeface="Arial" panose="020B0604020202020204" pitchFamily="34" charset="0"/>
+              <a:buChar char="•"/>
+            </a:pPr>
+            <a:endParaRPr lang="en-US" sz="2400" dirty="0">
+              <a:solidFill>
+                <a:schemeClr val="tx1"/>
+              </a:solidFill>
+            </a:endParaRPr>
+          </a:p>
+          <a:p>
+            <a:pPr marL="342900" indent="-342900">
+              <a:buFont typeface="Arial" panose="020B0604020202020204" pitchFamily="34" charset="0"/>
+              <a:buChar char="•"/>
+            </a:pPr>
+            <a:endParaRPr lang="en-US" sz="2400" dirty="0">
+              <a:solidFill>
+                <a:schemeClr val="tx1"/>
+              </a:solidFill>
+            </a:endParaRPr>
+          </a:p>
+        </p:txBody>
+      </p:sp>
+      <p:sp>
+        <p:nvSpPr>
+          <p:cNvPr id="5" name="Slide Number Placeholder 9">
+            <a:extLst>
+              <a:ext uri="{FF2B5EF4-FFF2-40B4-BE49-F238E27FC236}">
+                <a16:creationId xmlns:a16="http://schemas.microsoft.com/office/drawing/2014/main" id="{DE51849C-4469-4998-BF10-0D647F395067}"/>
+              </a:ext>
+            </a:extLst>
+          </p:cNvPr>
+          <p:cNvSpPr txBox="1">
+            <a:spLocks/>
+          </p:cNvSpPr>
+          <p:nvPr/>
+        </p:nvSpPr>
+        <p:spPr>
+          <a:xfrm>
+            <a:off x="1" y="6356350"/>
+            <a:ext cx="1371600" cy="365125"/>
+          </a:xfrm>
+          <a:prstGeom prst="rect">
+            <a:avLst/>
+          </a:prstGeom>
+        </p:spPr>
+        <p:txBody>
+          <a:bodyPr vert="horz" lIns="91440" tIns="45720" rIns="91440" bIns="45720" rtlCol="0" anchor="ctr"/>
+          <a:lstStyle>
+            <a:defPPr>
+              <a:defRPr lang="en-US"/>
+            </a:defPPr>
+            <a:lvl1pPr marL="0" algn="r" defTabSz="914400" rtl="0" eaLnBrk="1" latinLnBrk="0" hangingPunct="1">
+              <a:defRPr sz="1200" kern="1200">
+                <a:solidFill>
+                  <a:schemeClr val="tx1">
+                    <a:tint val="75000"/>
+                  </a:schemeClr>
+                </a:solidFill>
+                <a:latin typeface="+mn-lt"/>
+                <a:ea typeface="+mn-ea"/>
+                <a:cs typeface="+mn-cs"/>
+              </a:defRPr>
+            </a:lvl1pPr>
+            <a:lvl2pPr marL="457200" algn="l" defTabSz="914400" rtl="0" eaLnBrk="1" latinLnBrk="0" hangingPunct="1">
+              <a:defRPr sz="1800" kern="1200">
+                <a:solidFill>
+                  <a:schemeClr val="tx1"/>
+                </a:solidFill>
+                <a:latin typeface="+mn-lt"/>
+                <a:ea typeface="+mn-ea"/>
+                <a:cs typeface="+mn-cs"/>
+              </a:defRPr>
+            </a:lvl2pPr>
+            <a:lvl3pPr marL="914400" algn="l" defTabSz="914400" rtl="0" eaLnBrk="1" latinLnBrk="0" hangingPunct="1">
+              <a:defRPr sz="1800" kern="1200">
+                <a:solidFill>
+                  <a:schemeClr val="tx1"/>
+                </a:solidFill>
+                <a:latin typeface="+mn-lt"/>
+                <a:ea typeface="+mn-ea"/>
+                <a:cs typeface="+mn-cs"/>
+              </a:defRPr>
+            </a:lvl3pPr>
+            <a:lvl4pPr marL="1371600" algn="l" defTabSz="914400" rtl="0" eaLnBrk="1" latinLnBrk="0" hangingPunct="1">
+              <a:defRPr sz="1800" kern="1200">
+                <a:solidFill>
+                  <a:schemeClr val="tx1"/>
+                </a:solidFill>
+                <a:latin typeface="+mn-lt"/>
+                <a:ea typeface="+mn-ea"/>
+                <a:cs typeface="+mn-cs"/>
+              </a:defRPr>
+            </a:lvl4pPr>
+            <a:lvl5pPr marL="1828800" algn="l" defTabSz="914400" rtl="0" eaLnBrk="1" latinLnBrk="0" hangingPunct="1">
+              <a:defRPr sz="1800" kern="1200">
+                <a:solidFill>
+                  <a:schemeClr val="tx1"/>
+                </a:solidFill>
+                <a:latin typeface="+mn-lt"/>
+                <a:ea typeface="+mn-ea"/>
+                <a:cs typeface="+mn-cs"/>
+              </a:defRPr>
+            </a:lvl5pPr>
+            <a:lvl6pPr marL="2286000" algn="l" defTabSz="914400" rtl="0" eaLnBrk="1" latinLnBrk="0" hangingPunct="1">
+              <a:defRPr sz="1800" kern="1200">
+                <a:solidFill>
+                  <a:schemeClr val="tx1"/>
+                </a:solidFill>
+                <a:latin typeface="+mn-lt"/>
+                <a:ea typeface="+mn-ea"/>
+                <a:cs typeface="+mn-cs"/>
+              </a:defRPr>
+            </a:lvl6pPr>
+            <a:lvl7pPr marL="2743200" algn="l" defTabSz="914400" rtl="0" eaLnBrk="1" latinLnBrk="0" hangingPunct="1">
+              <a:defRPr sz="1800" kern="1200">
+                <a:solidFill>
+                  <a:schemeClr val="tx1"/>
+                </a:solidFill>
+                <a:latin typeface="+mn-lt"/>
+                <a:ea typeface="+mn-ea"/>
+                <a:cs typeface="+mn-cs"/>
+              </a:defRPr>
+            </a:lvl7pPr>
+            <a:lvl8pPr marL="3200400" algn="l" defTabSz="914400" rtl="0" eaLnBrk="1" latinLnBrk="0" hangingPunct="1">
+              <a:defRPr sz="1800" kern="1200">
+                <a:solidFill>
+                  <a:schemeClr val="tx1"/>
+                </a:solidFill>
+                <a:latin typeface="+mn-lt"/>
+                <a:ea typeface="+mn-ea"/>
+                <a:cs typeface="+mn-cs"/>
+              </a:defRPr>
+            </a:lvl8pPr>
+            <a:lvl9pPr marL="3657600" algn="l" defTabSz="914400" rtl="0" eaLnBrk="1" latinLnBrk="0" hangingPunct="1">
+              <a:defRPr sz="1800" kern="1200">
+                <a:solidFill>
+                  <a:schemeClr val="tx1"/>
+                </a:solidFill>
+                <a:latin typeface="+mn-lt"/>
+                <a:ea typeface="+mn-ea"/>
+                <a:cs typeface="+mn-cs"/>
+              </a:defRPr>
+            </a:lvl9pPr>
+          </a:lstStyle>
+          <a:p>
+            <a:pPr algn="l"/>
+            <a:fld id="{0477F178-95BE-4B1C-9247-30D6B7E59DB7}" type="datetime3">
+              <a:rPr lang="en-US" smtClean="0"/>
+              <a:t>2 January 2020</a:t>
+            </a:fld>
+            <a:endParaRPr lang="en-US" dirty="0"/>
+          </a:p>
+        </p:txBody>
+      </p:sp>
+    </p:spTree>
+    <p:extLst>
+      <p:ext uri="{BB962C8B-B14F-4D97-AF65-F5344CB8AC3E}">
+        <p14:creationId xmlns:p14="http://schemas.microsoft.com/office/powerpoint/2010/main" val="2130412542"/>
+      </p:ext>
+    </p:extLst>
+  </p:cSld>
+  <p:clrMapOvr>
+    <a:masterClrMapping/>
+  </p:clrMapOvr>
+</p:sld>
+</file>
+
+<file path=ppt/slides/slide61.xml><?xml version="1.0" encoding="utf-8"?>
+<p:sld xmlns:a="http://schemas.openxmlformats.org/drawingml/2006/main" xmlns:r="http://schemas.openxmlformats.org/officeDocument/2006/relationships" xmlns:p="http://schemas.openxmlformats.org/presentationml/2006/main">
+  <p:cSld>
+    <p:spTree>
+      <p:nvGrpSpPr>
+        <p:cNvPr id="1" name=""/>
+        <p:cNvGrpSpPr/>
+        <p:nvPr/>
+      </p:nvGrpSpPr>
+      <p:grpSpPr>
+        <a:xfrm>
+          <a:off x="0" y="0"/>
+          <a:ext cx="0" cy="0"/>
+          <a:chOff x="0" y="0"/>
+          <a:chExt cx="0" cy="0"/>
+        </a:xfrm>
+      </p:grpSpPr>
+      <p:sp>
+        <p:nvSpPr>
+          <p:cNvPr id="11" name="Slide Number Placeholder 10">
+            <a:extLst>
+              <a:ext uri="{FF2B5EF4-FFF2-40B4-BE49-F238E27FC236}">
+                <a16:creationId xmlns:a16="http://schemas.microsoft.com/office/drawing/2014/main" id="{11FA1C95-AB64-49D4-B3E1-0BC53485AFB8}"/>
+              </a:ext>
+            </a:extLst>
+          </p:cNvPr>
+          <p:cNvSpPr>
+            <a:spLocks noGrp="1"/>
+          </p:cNvSpPr>
+          <p:nvPr>
+            <p:ph type="sldNum" sz="quarter" idx="4294967295"/>
+          </p:nvPr>
+        </p:nvSpPr>
+        <p:spPr>
+          <a:xfrm>
+            <a:off x="9448800" y="6356350"/>
+            <a:ext cx="2743200" cy="365125"/>
+          </a:xfrm>
+          <a:prstGeom prst="rect">
+            <a:avLst/>
+          </a:prstGeom>
+        </p:spPr>
+        <p:txBody>
+          <a:bodyPr/>
+          <a:lstStyle/>
+          <a:p>
+            <a:fld id="{8C4B6803-2184-4C86-B74E-CCB2F4670823}" type="slidenum">
+              <a:rPr lang="en-US" smtClean="0"/>
+              <a:t>61</a:t>
+            </a:fld>
+            <a:endParaRPr lang="en-US"/>
+          </a:p>
+        </p:txBody>
+      </p:sp>
+      <p:sp>
+        <p:nvSpPr>
+          <p:cNvPr id="2" name="TextBox 1">
+            <a:extLst>
+              <a:ext uri="{FF2B5EF4-FFF2-40B4-BE49-F238E27FC236}">
+                <a16:creationId xmlns:a16="http://schemas.microsoft.com/office/drawing/2014/main" id="{B81E0849-5774-4C90-A259-E3BDF29E06D6}"/>
+              </a:ext>
+            </a:extLst>
+          </p:cNvPr>
+          <p:cNvSpPr txBox="1"/>
+          <p:nvPr/>
+        </p:nvSpPr>
+        <p:spPr>
+          <a:xfrm>
+            <a:off x="839449" y="369350"/>
+            <a:ext cx="8609351" cy="830997"/>
+          </a:xfrm>
+          <a:prstGeom prst="rect">
+            <a:avLst/>
+          </a:prstGeom>
+          <a:noFill/>
+        </p:spPr>
+        <p:txBody>
+          <a:bodyPr wrap="square" rtlCol="0">
+            <a:spAutoFit/>
+          </a:bodyPr>
+          <a:lstStyle/>
+          <a:p>
+            <a:pPr algn="ctr"/>
+            <a:r>
+              <a:rPr lang="en-US" sz="4800" b="1" dirty="0">
+                <a:solidFill>
+                  <a:schemeClr val="bg1"/>
+                </a:solidFill>
+              </a:rPr>
+              <a:t>Emergence</a:t>
+            </a:r>
+          </a:p>
+        </p:txBody>
+      </p:sp>
+      <p:sp>
+        <p:nvSpPr>
+          <p:cNvPr id="4" name="Title 1">
+            <a:extLst>
+              <a:ext uri="{FF2B5EF4-FFF2-40B4-BE49-F238E27FC236}">
+                <a16:creationId xmlns:a16="http://schemas.microsoft.com/office/drawing/2014/main" id="{DDDD1131-69A0-4235-925F-CA6808B0F653}"/>
+              </a:ext>
+            </a:extLst>
+          </p:cNvPr>
+          <p:cNvSpPr txBox="1">
+            <a:spLocks/>
+          </p:cNvSpPr>
+          <p:nvPr/>
+        </p:nvSpPr>
+        <p:spPr bwMode="gray">
+          <a:xfrm>
+            <a:off x="554636" y="1813810"/>
+            <a:ext cx="11032761" cy="4542540"/>
+          </a:xfrm>
+          <a:prstGeom prst="rect">
+            <a:avLst/>
+          </a:prstGeom>
+          <a:noFill/>
+          <a:ln w="12700">
+            <a:noFill/>
+            <a:miter lim="800000"/>
+            <a:headEnd/>
+            <a:tailEnd/>
+          </a:ln>
+        </p:spPr>
+        <p:txBody>
+          <a:bodyPr vert="horz" wrap="square" lIns="0" tIns="0" rIns="0" bIns="0" numCol="1" anchor="t" anchorCtr="0" compatLnSpc="1">
+            <a:prstTxWarp prst="textNoShape">
+              <a:avLst/>
+            </a:prstTxWarp>
+            <a:noAutofit/>
+          </a:bodyPr>
+          <a:lstStyle>
+            <a:lvl1pPr algn="l" rtl="0" eaLnBrk="1" fontAlgn="base" hangingPunct="1">
+              <a:spcBef>
+                <a:spcPct val="0"/>
+              </a:spcBef>
+              <a:spcAft>
+                <a:spcPct val="0"/>
+              </a:spcAft>
+              <a:defRPr sz="2500" b="0" i="0" baseline="0">
+                <a:solidFill>
+                  <a:srgbClr val="2C2D8B"/>
+                </a:solidFill>
+                <a:latin typeface="Calibri Light"/>
+                <a:ea typeface="+mj-ea"/>
+                <a:cs typeface="Calibri Light"/>
+              </a:defRPr>
+            </a:lvl1pPr>
+            <a:lvl2pPr algn="l" rtl="0" eaLnBrk="1" fontAlgn="base" hangingPunct="1">
+              <a:spcBef>
+                <a:spcPct val="0"/>
+              </a:spcBef>
+              <a:spcAft>
+                <a:spcPct val="0"/>
+              </a:spcAft>
+              <a:defRPr sz="2000">
+                <a:solidFill>
+                  <a:schemeClr val="accent1"/>
+                </a:solidFill>
+                <a:latin typeface="Arial" pitchFamily="34" charset="0"/>
+                <a:ea typeface="STKaiti" pitchFamily="2" charset="-122"/>
+                <a:cs typeface="Geneva" pitchFamily="34" charset="0"/>
+              </a:defRPr>
+            </a:lvl2pPr>
+            <a:lvl3pPr algn="l" rtl="0" eaLnBrk="1" fontAlgn="base" hangingPunct="1">
+              <a:spcBef>
+                <a:spcPct val="0"/>
+              </a:spcBef>
+              <a:spcAft>
+                <a:spcPct val="0"/>
+              </a:spcAft>
+              <a:defRPr sz="2000">
+                <a:solidFill>
+                  <a:schemeClr val="accent1"/>
+                </a:solidFill>
+                <a:latin typeface="Arial" pitchFamily="34" charset="0"/>
+                <a:ea typeface="STKaiti" pitchFamily="2" charset="-122"/>
+                <a:cs typeface="Geneva" pitchFamily="34" charset="0"/>
+              </a:defRPr>
+            </a:lvl3pPr>
+            <a:lvl4pPr algn="l" rtl="0" eaLnBrk="1" fontAlgn="base" hangingPunct="1">
+              <a:spcBef>
+                <a:spcPct val="0"/>
+              </a:spcBef>
+              <a:spcAft>
+                <a:spcPct val="0"/>
+              </a:spcAft>
+              <a:defRPr sz="2000">
+                <a:solidFill>
+                  <a:schemeClr val="accent1"/>
+                </a:solidFill>
+                <a:latin typeface="Arial" pitchFamily="34" charset="0"/>
+                <a:ea typeface="STKaiti" pitchFamily="2" charset="-122"/>
+                <a:cs typeface="Geneva" pitchFamily="34" charset="0"/>
+              </a:defRPr>
+            </a:lvl4pPr>
+            <a:lvl5pPr algn="l" rtl="0" eaLnBrk="1" fontAlgn="base" hangingPunct="1">
+              <a:spcBef>
+                <a:spcPct val="0"/>
+              </a:spcBef>
+              <a:spcAft>
+                <a:spcPct val="0"/>
+              </a:spcAft>
+              <a:defRPr sz="2000">
+                <a:solidFill>
+                  <a:schemeClr val="accent1"/>
+                </a:solidFill>
+                <a:latin typeface="Arial" pitchFamily="34" charset="0"/>
+                <a:ea typeface="STKaiti" pitchFamily="2" charset="-122"/>
+                <a:cs typeface="Geneva" pitchFamily="34" charset="0"/>
+              </a:defRPr>
+            </a:lvl5pPr>
+            <a:lvl6pPr marL="389626" algn="l" rtl="0" eaLnBrk="1" fontAlgn="base" hangingPunct="1">
+              <a:spcBef>
+                <a:spcPct val="0"/>
+              </a:spcBef>
+              <a:spcAft>
+                <a:spcPct val="0"/>
+              </a:spcAft>
+              <a:defRPr sz="2000">
+                <a:solidFill>
+                  <a:schemeClr val="accent1"/>
+                </a:solidFill>
+                <a:latin typeface="Arial" pitchFamily="34" charset="0"/>
+                <a:ea typeface="ヒラギノ角ゴ Pro W3" pitchFamily="124" charset="-128"/>
+                <a:cs typeface="Geneva" pitchFamily="34" charset="0"/>
+              </a:defRPr>
+            </a:lvl6pPr>
+            <a:lvl7pPr marL="779252" algn="l" rtl="0" eaLnBrk="1" fontAlgn="base" hangingPunct="1">
+              <a:spcBef>
+                <a:spcPct val="0"/>
+              </a:spcBef>
+              <a:spcAft>
+                <a:spcPct val="0"/>
+              </a:spcAft>
+              <a:defRPr sz="2000">
+                <a:solidFill>
+                  <a:schemeClr val="accent1"/>
+                </a:solidFill>
+                <a:latin typeface="Arial" pitchFamily="34" charset="0"/>
+                <a:ea typeface="ヒラギノ角ゴ Pro W3" pitchFamily="124" charset="-128"/>
+                <a:cs typeface="Geneva" pitchFamily="34" charset="0"/>
+              </a:defRPr>
+            </a:lvl7pPr>
+            <a:lvl8pPr marL="1168878" algn="l" rtl="0" eaLnBrk="1" fontAlgn="base" hangingPunct="1">
+              <a:spcBef>
+                <a:spcPct val="0"/>
+              </a:spcBef>
+              <a:spcAft>
+                <a:spcPct val="0"/>
+              </a:spcAft>
+              <a:defRPr sz="2000">
+                <a:solidFill>
+                  <a:schemeClr val="accent1"/>
+                </a:solidFill>
+                <a:latin typeface="Arial" pitchFamily="34" charset="0"/>
+                <a:ea typeface="ヒラギノ角ゴ Pro W3" pitchFamily="124" charset="-128"/>
+                <a:cs typeface="Geneva" pitchFamily="34" charset="0"/>
+              </a:defRPr>
+            </a:lvl8pPr>
+            <a:lvl9pPr marL="1558503" algn="l" rtl="0" eaLnBrk="1" fontAlgn="base" hangingPunct="1">
+              <a:spcBef>
+                <a:spcPct val="0"/>
+              </a:spcBef>
+              <a:spcAft>
+                <a:spcPct val="0"/>
+              </a:spcAft>
+              <a:defRPr sz="2000">
+                <a:solidFill>
+                  <a:schemeClr val="accent1"/>
+                </a:solidFill>
+                <a:latin typeface="Arial" pitchFamily="34" charset="0"/>
+                <a:ea typeface="ヒラギノ角ゴ Pro W3" pitchFamily="124" charset="-128"/>
+                <a:cs typeface="Geneva" pitchFamily="34" charset="0"/>
+              </a:defRPr>
+            </a:lvl9pPr>
+          </a:lstStyle>
+          <a:p>
+            <a:r>
+              <a:rPr lang="en-US" sz="2400" dirty="0">
+                <a:solidFill>
+                  <a:schemeClr val="tx1"/>
+                </a:solidFill>
+              </a:rPr>
+              <a:t>					</a:t>
+            </a:r>
+          </a:p>
+          <a:p>
+            <a:pPr marL="342900" indent="-342900">
+              <a:buFont typeface="Arial" panose="020B0604020202020204" pitchFamily="34" charset="0"/>
+              <a:buChar char="•"/>
+            </a:pPr>
+            <a:endParaRPr lang="en-US" sz="2400" dirty="0">
+              <a:solidFill>
+                <a:schemeClr val="tx1"/>
+              </a:solidFill>
+            </a:endParaRPr>
+          </a:p>
+          <a:p>
+            <a:pPr marL="342900" indent="-342900">
+              <a:buFont typeface="Arial" panose="020B0604020202020204" pitchFamily="34" charset="0"/>
+              <a:buChar char="•"/>
+            </a:pPr>
+            <a:endParaRPr lang="en-US" sz="2400" dirty="0">
+              <a:solidFill>
+                <a:schemeClr val="tx1"/>
+              </a:solidFill>
+            </a:endParaRPr>
+          </a:p>
+          <a:p>
+            <a:pPr marL="342900" indent="-342900">
+              <a:buFont typeface="Arial" panose="020B0604020202020204" pitchFamily="34" charset="0"/>
+              <a:buChar char="•"/>
+            </a:pPr>
+            <a:endParaRPr lang="en-US" sz="2400" dirty="0">
+              <a:solidFill>
+                <a:schemeClr val="tx1"/>
+              </a:solidFill>
+            </a:endParaRPr>
+          </a:p>
+        </p:txBody>
+      </p:sp>
+      <p:sp>
+        <p:nvSpPr>
+          <p:cNvPr id="5" name="Slide Number Placeholder 9">
+            <a:extLst>
+              <a:ext uri="{FF2B5EF4-FFF2-40B4-BE49-F238E27FC236}">
+                <a16:creationId xmlns:a16="http://schemas.microsoft.com/office/drawing/2014/main" id="{F01800E4-8B0C-4E3F-8D87-093A28C52727}"/>
+              </a:ext>
+            </a:extLst>
+          </p:cNvPr>
+          <p:cNvSpPr txBox="1">
+            <a:spLocks/>
+          </p:cNvSpPr>
+          <p:nvPr/>
+        </p:nvSpPr>
+        <p:spPr>
+          <a:xfrm>
+            <a:off x="1" y="6356350"/>
+            <a:ext cx="1371600" cy="365125"/>
+          </a:xfrm>
+          <a:prstGeom prst="rect">
+            <a:avLst/>
+          </a:prstGeom>
+        </p:spPr>
+        <p:txBody>
+          <a:bodyPr vert="horz" lIns="91440" tIns="45720" rIns="91440" bIns="45720" rtlCol="0" anchor="ctr"/>
+          <a:lstStyle>
+            <a:defPPr>
+              <a:defRPr lang="en-US"/>
+            </a:defPPr>
+            <a:lvl1pPr marL="0" algn="r" defTabSz="914400" rtl="0" eaLnBrk="1" latinLnBrk="0" hangingPunct="1">
+              <a:defRPr sz="1200" kern="1200">
+                <a:solidFill>
+                  <a:schemeClr val="tx1">
+                    <a:tint val="75000"/>
+                  </a:schemeClr>
+                </a:solidFill>
+                <a:latin typeface="+mn-lt"/>
+                <a:ea typeface="+mn-ea"/>
+                <a:cs typeface="+mn-cs"/>
+              </a:defRPr>
+            </a:lvl1pPr>
+            <a:lvl2pPr marL="457200" algn="l" defTabSz="914400" rtl="0" eaLnBrk="1" latinLnBrk="0" hangingPunct="1">
+              <a:defRPr sz="1800" kern="1200">
+                <a:solidFill>
+                  <a:schemeClr val="tx1"/>
+                </a:solidFill>
+                <a:latin typeface="+mn-lt"/>
+                <a:ea typeface="+mn-ea"/>
+                <a:cs typeface="+mn-cs"/>
+              </a:defRPr>
+            </a:lvl2pPr>
+            <a:lvl3pPr marL="914400" algn="l" defTabSz="914400" rtl="0" eaLnBrk="1" latinLnBrk="0" hangingPunct="1">
+              <a:defRPr sz="1800" kern="1200">
+                <a:solidFill>
+                  <a:schemeClr val="tx1"/>
+                </a:solidFill>
+                <a:latin typeface="+mn-lt"/>
+                <a:ea typeface="+mn-ea"/>
+                <a:cs typeface="+mn-cs"/>
+              </a:defRPr>
+            </a:lvl3pPr>
+            <a:lvl4pPr marL="1371600" algn="l" defTabSz="914400" rtl="0" eaLnBrk="1" latinLnBrk="0" hangingPunct="1">
+              <a:defRPr sz="1800" kern="1200">
+                <a:solidFill>
+                  <a:schemeClr val="tx1"/>
+                </a:solidFill>
+                <a:latin typeface="+mn-lt"/>
+                <a:ea typeface="+mn-ea"/>
+                <a:cs typeface="+mn-cs"/>
+              </a:defRPr>
+            </a:lvl4pPr>
+            <a:lvl5pPr marL="1828800" algn="l" defTabSz="914400" rtl="0" eaLnBrk="1" latinLnBrk="0" hangingPunct="1">
+              <a:defRPr sz="1800" kern="1200">
+                <a:solidFill>
+                  <a:schemeClr val="tx1"/>
+                </a:solidFill>
+                <a:latin typeface="+mn-lt"/>
+                <a:ea typeface="+mn-ea"/>
+                <a:cs typeface="+mn-cs"/>
+              </a:defRPr>
+            </a:lvl5pPr>
+            <a:lvl6pPr marL="2286000" algn="l" defTabSz="914400" rtl="0" eaLnBrk="1" latinLnBrk="0" hangingPunct="1">
+              <a:defRPr sz="1800" kern="1200">
+                <a:solidFill>
+                  <a:schemeClr val="tx1"/>
+                </a:solidFill>
+                <a:latin typeface="+mn-lt"/>
+                <a:ea typeface="+mn-ea"/>
+                <a:cs typeface="+mn-cs"/>
+              </a:defRPr>
+            </a:lvl6pPr>
+            <a:lvl7pPr marL="2743200" algn="l" defTabSz="914400" rtl="0" eaLnBrk="1" latinLnBrk="0" hangingPunct="1">
+              <a:defRPr sz="1800" kern="1200">
+                <a:solidFill>
+                  <a:schemeClr val="tx1"/>
+                </a:solidFill>
+                <a:latin typeface="+mn-lt"/>
+                <a:ea typeface="+mn-ea"/>
+                <a:cs typeface="+mn-cs"/>
+              </a:defRPr>
+            </a:lvl7pPr>
+            <a:lvl8pPr marL="3200400" algn="l" defTabSz="914400" rtl="0" eaLnBrk="1" latinLnBrk="0" hangingPunct="1">
+              <a:defRPr sz="1800" kern="1200">
+                <a:solidFill>
+                  <a:schemeClr val="tx1"/>
+                </a:solidFill>
+                <a:latin typeface="+mn-lt"/>
+                <a:ea typeface="+mn-ea"/>
+                <a:cs typeface="+mn-cs"/>
+              </a:defRPr>
+            </a:lvl8pPr>
+            <a:lvl9pPr marL="3657600" algn="l" defTabSz="914400" rtl="0" eaLnBrk="1" latinLnBrk="0" hangingPunct="1">
+              <a:defRPr sz="1800" kern="1200">
+                <a:solidFill>
+                  <a:schemeClr val="tx1"/>
+                </a:solidFill>
+                <a:latin typeface="+mn-lt"/>
+                <a:ea typeface="+mn-ea"/>
+                <a:cs typeface="+mn-cs"/>
+              </a:defRPr>
+            </a:lvl9pPr>
+          </a:lstStyle>
+          <a:p>
+            <a:pPr algn="l"/>
+            <a:fld id="{0477F178-95BE-4B1C-9247-30D6B7E59DB7}" type="datetime3">
+              <a:rPr lang="en-US" smtClean="0"/>
+              <a:t>2 January 2020</a:t>
+            </a:fld>
+            <a:endParaRPr lang="en-US" dirty="0"/>
+          </a:p>
+        </p:txBody>
+      </p:sp>
+    </p:spTree>
+    <p:extLst>
+      <p:ext uri="{BB962C8B-B14F-4D97-AF65-F5344CB8AC3E}">
+        <p14:creationId xmlns:p14="http://schemas.microsoft.com/office/powerpoint/2010/main" val="3371371365"/>
+      </p:ext>
+    </p:extLst>
+  </p:cSld>
+  <p:clrMapOvr>
+    <a:masterClrMapping/>
+  </p:clrMapOvr>
+</p:sld>
+</file>
+
+<file path=ppt/slides/slide62.xml><?xml version="1.0" encoding="utf-8"?>
+<p:sld xmlns:a="http://schemas.openxmlformats.org/drawingml/2006/main" xmlns:r="http://schemas.openxmlformats.org/officeDocument/2006/relationships" xmlns:p="http://schemas.openxmlformats.org/presentationml/2006/main">
+  <p:cSld>
+    <p:spTree>
+      <p:nvGrpSpPr>
+        <p:cNvPr id="1" name=""/>
+        <p:cNvGrpSpPr/>
+        <p:nvPr/>
+      </p:nvGrpSpPr>
+      <p:grpSpPr>
+        <a:xfrm>
+          <a:off x="0" y="0"/>
+          <a:ext cx="0" cy="0"/>
+          <a:chOff x="0" y="0"/>
+          <a:chExt cx="0" cy="0"/>
+        </a:xfrm>
+      </p:grpSpPr>
+      <p:sp>
+        <p:nvSpPr>
+          <p:cNvPr id="11" name="Slide Number Placeholder 10">
+            <a:extLst>
+              <a:ext uri="{FF2B5EF4-FFF2-40B4-BE49-F238E27FC236}">
+                <a16:creationId xmlns:a16="http://schemas.microsoft.com/office/drawing/2014/main" id="{11FA1C95-AB64-49D4-B3E1-0BC53485AFB8}"/>
+              </a:ext>
+            </a:extLst>
+          </p:cNvPr>
+          <p:cNvSpPr>
+            <a:spLocks noGrp="1"/>
+          </p:cNvSpPr>
+          <p:nvPr>
+            <p:ph type="sldNum" sz="quarter" idx="4294967295"/>
+          </p:nvPr>
+        </p:nvSpPr>
+        <p:spPr>
+          <a:xfrm>
+            <a:off x="9448800" y="6356350"/>
+            <a:ext cx="2743200" cy="365125"/>
+          </a:xfrm>
+          <a:prstGeom prst="rect">
+            <a:avLst/>
+          </a:prstGeom>
+        </p:spPr>
+        <p:txBody>
+          <a:bodyPr/>
+          <a:lstStyle/>
+          <a:p>
+            <a:fld id="{8C4B6803-2184-4C86-B74E-CCB2F4670823}" type="slidenum">
+              <a:rPr lang="en-US" smtClean="0"/>
+              <a:t>62</a:t>
+            </a:fld>
+            <a:endParaRPr lang="en-US"/>
+          </a:p>
+        </p:txBody>
+      </p:sp>
+      <p:sp>
+        <p:nvSpPr>
+          <p:cNvPr id="2" name="TextBox 1">
+            <a:extLst>
+              <a:ext uri="{FF2B5EF4-FFF2-40B4-BE49-F238E27FC236}">
+                <a16:creationId xmlns:a16="http://schemas.microsoft.com/office/drawing/2014/main" id="{B81E0849-5774-4C90-A259-E3BDF29E06D6}"/>
+              </a:ext>
+            </a:extLst>
+          </p:cNvPr>
+          <p:cNvSpPr txBox="1"/>
+          <p:nvPr/>
+        </p:nvSpPr>
+        <p:spPr>
+          <a:xfrm>
+            <a:off x="839449" y="369350"/>
+            <a:ext cx="8609351" cy="830997"/>
+          </a:xfrm>
+          <a:prstGeom prst="rect">
+            <a:avLst/>
+          </a:prstGeom>
+          <a:noFill/>
+        </p:spPr>
+        <p:txBody>
+          <a:bodyPr wrap="square" rtlCol="0">
+            <a:spAutoFit/>
+          </a:bodyPr>
+          <a:lstStyle/>
+          <a:p>
+            <a:pPr algn="ctr"/>
+            <a:r>
+              <a:rPr lang="en-US" sz="4800" b="1" dirty="0">
+                <a:solidFill>
+                  <a:schemeClr val="bg1"/>
+                </a:solidFill>
+              </a:rPr>
+              <a:t>Concurrency</a:t>
+            </a:r>
+          </a:p>
+        </p:txBody>
+      </p:sp>
+      <p:sp>
+        <p:nvSpPr>
+          <p:cNvPr id="4" name="Title 1">
+            <a:extLst>
+              <a:ext uri="{FF2B5EF4-FFF2-40B4-BE49-F238E27FC236}">
+                <a16:creationId xmlns:a16="http://schemas.microsoft.com/office/drawing/2014/main" id="{DDDD1131-69A0-4235-925F-CA6808B0F653}"/>
+              </a:ext>
+            </a:extLst>
+          </p:cNvPr>
+          <p:cNvSpPr txBox="1">
+            <a:spLocks/>
+          </p:cNvSpPr>
+          <p:nvPr/>
+        </p:nvSpPr>
+        <p:spPr bwMode="gray">
+          <a:xfrm>
+            <a:off x="554636" y="1813810"/>
+            <a:ext cx="11032761" cy="4542540"/>
+          </a:xfrm>
+          <a:prstGeom prst="rect">
+            <a:avLst/>
+          </a:prstGeom>
+          <a:noFill/>
+          <a:ln w="12700">
+            <a:noFill/>
+            <a:miter lim="800000"/>
+            <a:headEnd/>
+            <a:tailEnd/>
+          </a:ln>
+        </p:spPr>
+        <p:txBody>
+          <a:bodyPr vert="horz" wrap="square" lIns="0" tIns="0" rIns="0" bIns="0" numCol="1" anchor="t" anchorCtr="0" compatLnSpc="1">
+            <a:prstTxWarp prst="textNoShape">
+              <a:avLst/>
+            </a:prstTxWarp>
+            <a:noAutofit/>
+          </a:bodyPr>
+          <a:lstStyle>
+            <a:lvl1pPr algn="l" rtl="0" eaLnBrk="1" fontAlgn="base" hangingPunct="1">
+              <a:spcBef>
+                <a:spcPct val="0"/>
+              </a:spcBef>
+              <a:spcAft>
+                <a:spcPct val="0"/>
+              </a:spcAft>
+              <a:defRPr sz="2500" b="0" i="0" baseline="0">
+                <a:solidFill>
+                  <a:srgbClr val="2C2D8B"/>
+                </a:solidFill>
+                <a:latin typeface="Calibri Light"/>
+                <a:ea typeface="+mj-ea"/>
+                <a:cs typeface="Calibri Light"/>
+              </a:defRPr>
+            </a:lvl1pPr>
+            <a:lvl2pPr algn="l" rtl="0" eaLnBrk="1" fontAlgn="base" hangingPunct="1">
+              <a:spcBef>
+                <a:spcPct val="0"/>
+              </a:spcBef>
+              <a:spcAft>
+                <a:spcPct val="0"/>
+              </a:spcAft>
+              <a:defRPr sz="2000">
+                <a:solidFill>
+                  <a:schemeClr val="accent1"/>
+                </a:solidFill>
+                <a:latin typeface="Arial" pitchFamily="34" charset="0"/>
+                <a:ea typeface="STKaiti" pitchFamily="2" charset="-122"/>
+                <a:cs typeface="Geneva" pitchFamily="34" charset="0"/>
+              </a:defRPr>
+            </a:lvl2pPr>
+            <a:lvl3pPr algn="l" rtl="0" eaLnBrk="1" fontAlgn="base" hangingPunct="1">
+              <a:spcBef>
+                <a:spcPct val="0"/>
+              </a:spcBef>
+              <a:spcAft>
+                <a:spcPct val="0"/>
+              </a:spcAft>
+              <a:defRPr sz="2000">
+                <a:solidFill>
+                  <a:schemeClr val="accent1"/>
+                </a:solidFill>
+                <a:latin typeface="Arial" pitchFamily="34" charset="0"/>
+                <a:ea typeface="STKaiti" pitchFamily="2" charset="-122"/>
+                <a:cs typeface="Geneva" pitchFamily="34" charset="0"/>
+              </a:defRPr>
+            </a:lvl3pPr>
+            <a:lvl4pPr algn="l" rtl="0" eaLnBrk="1" fontAlgn="base" hangingPunct="1">
+              <a:spcBef>
+                <a:spcPct val="0"/>
+              </a:spcBef>
+              <a:spcAft>
+                <a:spcPct val="0"/>
+              </a:spcAft>
+              <a:defRPr sz="2000">
+                <a:solidFill>
+                  <a:schemeClr val="accent1"/>
+                </a:solidFill>
+                <a:latin typeface="Arial" pitchFamily="34" charset="0"/>
+                <a:ea typeface="STKaiti" pitchFamily="2" charset="-122"/>
+                <a:cs typeface="Geneva" pitchFamily="34" charset="0"/>
+              </a:defRPr>
+            </a:lvl4pPr>
+            <a:lvl5pPr algn="l" rtl="0" eaLnBrk="1" fontAlgn="base" hangingPunct="1">
+              <a:spcBef>
+                <a:spcPct val="0"/>
+              </a:spcBef>
+              <a:spcAft>
+                <a:spcPct val="0"/>
+              </a:spcAft>
+              <a:defRPr sz="2000">
+                <a:solidFill>
+                  <a:schemeClr val="accent1"/>
+                </a:solidFill>
+                <a:latin typeface="Arial" pitchFamily="34" charset="0"/>
+                <a:ea typeface="STKaiti" pitchFamily="2" charset="-122"/>
+                <a:cs typeface="Geneva" pitchFamily="34" charset="0"/>
+              </a:defRPr>
+            </a:lvl5pPr>
+            <a:lvl6pPr marL="389626" algn="l" rtl="0" eaLnBrk="1" fontAlgn="base" hangingPunct="1">
+              <a:spcBef>
+                <a:spcPct val="0"/>
+              </a:spcBef>
+              <a:spcAft>
+                <a:spcPct val="0"/>
+              </a:spcAft>
+              <a:defRPr sz="2000">
+                <a:solidFill>
+                  <a:schemeClr val="accent1"/>
+                </a:solidFill>
+                <a:latin typeface="Arial" pitchFamily="34" charset="0"/>
+                <a:ea typeface="ヒラギノ角ゴ Pro W3" pitchFamily="124" charset="-128"/>
+                <a:cs typeface="Geneva" pitchFamily="34" charset="0"/>
+              </a:defRPr>
+            </a:lvl6pPr>
+            <a:lvl7pPr marL="779252" algn="l" rtl="0" eaLnBrk="1" fontAlgn="base" hangingPunct="1">
+              <a:spcBef>
+                <a:spcPct val="0"/>
+              </a:spcBef>
+              <a:spcAft>
+                <a:spcPct val="0"/>
+              </a:spcAft>
+              <a:defRPr sz="2000">
+                <a:solidFill>
+                  <a:schemeClr val="accent1"/>
+                </a:solidFill>
+                <a:latin typeface="Arial" pitchFamily="34" charset="0"/>
+                <a:ea typeface="ヒラギノ角ゴ Pro W3" pitchFamily="124" charset="-128"/>
+                <a:cs typeface="Geneva" pitchFamily="34" charset="0"/>
+              </a:defRPr>
+            </a:lvl7pPr>
+            <a:lvl8pPr marL="1168878" algn="l" rtl="0" eaLnBrk="1" fontAlgn="base" hangingPunct="1">
+              <a:spcBef>
+                <a:spcPct val="0"/>
+              </a:spcBef>
+              <a:spcAft>
+                <a:spcPct val="0"/>
+              </a:spcAft>
+              <a:defRPr sz="2000">
+                <a:solidFill>
+                  <a:schemeClr val="accent1"/>
+                </a:solidFill>
+                <a:latin typeface="Arial" pitchFamily="34" charset="0"/>
+                <a:ea typeface="ヒラギノ角ゴ Pro W3" pitchFamily="124" charset="-128"/>
+                <a:cs typeface="Geneva" pitchFamily="34" charset="0"/>
+              </a:defRPr>
+            </a:lvl8pPr>
+            <a:lvl9pPr marL="1558503" algn="l" rtl="0" eaLnBrk="1" fontAlgn="base" hangingPunct="1">
+              <a:spcBef>
+                <a:spcPct val="0"/>
+              </a:spcBef>
+              <a:spcAft>
+                <a:spcPct val="0"/>
+              </a:spcAft>
+              <a:defRPr sz="2000">
+                <a:solidFill>
+                  <a:schemeClr val="accent1"/>
+                </a:solidFill>
+                <a:latin typeface="Arial" pitchFamily="34" charset="0"/>
+                <a:ea typeface="ヒラギノ角ゴ Pro W3" pitchFamily="124" charset="-128"/>
+                <a:cs typeface="Geneva" pitchFamily="34" charset="0"/>
+              </a:defRPr>
+            </a:lvl9pPr>
+          </a:lstStyle>
+          <a:p>
+            <a:r>
+              <a:rPr lang="en-US" sz="2400" dirty="0">
+                <a:solidFill>
+                  <a:schemeClr val="tx1"/>
+                </a:solidFill>
+              </a:rPr>
+              <a:t>					</a:t>
+            </a:r>
+          </a:p>
+          <a:p>
+            <a:pPr marL="342900" indent="-342900">
+              <a:buFont typeface="Arial" panose="020B0604020202020204" pitchFamily="34" charset="0"/>
+              <a:buChar char="•"/>
+            </a:pPr>
+            <a:endParaRPr lang="en-US" sz="2400" dirty="0">
+              <a:solidFill>
+                <a:schemeClr val="tx1"/>
+              </a:solidFill>
+            </a:endParaRPr>
+          </a:p>
+          <a:p>
+            <a:pPr marL="342900" indent="-342900">
+              <a:buFont typeface="Arial" panose="020B0604020202020204" pitchFamily="34" charset="0"/>
+              <a:buChar char="•"/>
+            </a:pPr>
+            <a:endParaRPr lang="en-US" sz="2400" dirty="0">
+              <a:solidFill>
+                <a:schemeClr val="tx1"/>
+              </a:solidFill>
+            </a:endParaRPr>
+          </a:p>
+          <a:p>
+            <a:pPr marL="342900" indent="-342900">
+              <a:buFont typeface="Arial" panose="020B0604020202020204" pitchFamily="34" charset="0"/>
+              <a:buChar char="•"/>
+            </a:pPr>
+            <a:endParaRPr lang="en-US" sz="2400" dirty="0">
+              <a:solidFill>
+                <a:schemeClr val="tx1"/>
+              </a:solidFill>
+            </a:endParaRPr>
+          </a:p>
+        </p:txBody>
+      </p:sp>
+      <p:sp>
+        <p:nvSpPr>
+          <p:cNvPr id="5" name="Slide Number Placeholder 9">
+            <a:extLst>
+              <a:ext uri="{FF2B5EF4-FFF2-40B4-BE49-F238E27FC236}">
+                <a16:creationId xmlns:a16="http://schemas.microsoft.com/office/drawing/2014/main" id="{57F75633-95CB-471E-B737-2E0B92F3EC87}"/>
+              </a:ext>
+            </a:extLst>
+          </p:cNvPr>
+          <p:cNvSpPr txBox="1">
+            <a:spLocks/>
+          </p:cNvSpPr>
+          <p:nvPr/>
+        </p:nvSpPr>
+        <p:spPr>
+          <a:xfrm>
+            <a:off x="1" y="6356350"/>
+            <a:ext cx="1371600" cy="365125"/>
+          </a:xfrm>
+          <a:prstGeom prst="rect">
+            <a:avLst/>
+          </a:prstGeom>
+        </p:spPr>
+        <p:txBody>
+          <a:bodyPr vert="horz" lIns="91440" tIns="45720" rIns="91440" bIns="45720" rtlCol="0" anchor="ctr"/>
+          <a:lstStyle>
+            <a:defPPr>
+              <a:defRPr lang="en-US"/>
+            </a:defPPr>
+            <a:lvl1pPr marL="0" algn="r" defTabSz="914400" rtl="0" eaLnBrk="1" latinLnBrk="0" hangingPunct="1">
+              <a:defRPr sz="1200" kern="1200">
+                <a:solidFill>
+                  <a:schemeClr val="tx1">
+                    <a:tint val="75000"/>
+                  </a:schemeClr>
+                </a:solidFill>
+                <a:latin typeface="+mn-lt"/>
+                <a:ea typeface="+mn-ea"/>
+                <a:cs typeface="+mn-cs"/>
+              </a:defRPr>
+            </a:lvl1pPr>
+            <a:lvl2pPr marL="457200" algn="l" defTabSz="914400" rtl="0" eaLnBrk="1" latinLnBrk="0" hangingPunct="1">
+              <a:defRPr sz="1800" kern="1200">
+                <a:solidFill>
+                  <a:schemeClr val="tx1"/>
+                </a:solidFill>
+                <a:latin typeface="+mn-lt"/>
+                <a:ea typeface="+mn-ea"/>
+                <a:cs typeface="+mn-cs"/>
+              </a:defRPr>
+            </a:lvl2pPr>
+            <a:lvl3pPr marL="914400" algn="l" defTabSz="914400" rtl="0" eaLnBrk="1" latinLnBrk="0" hangingPunct="1">
+              <a:defRPr sz="1800" kern="1200">
+                <a:solidFill>
+                  <a:schemeClr val="tx1"/>
+                </a:solidFill>
+                <a:latin typeface="+mn-lt"/>
+                <a:ea typeface="+mn-ea"/>
+                <a:cs typeface="+mn-cs"/>
+              </a:defRPr>
+            </a:lvl3pPr>
+            <a:lvl4pPr marL="1371600" algn="l" defTabSz="914400" rtl="0" eaLnBrk="1" latinLnBrk="0" hangingPunct="1">
+              <a:defRPr sz="1800" kern="1200">
+                <a:solidFill>
+                  <a:schemeClr val="tx1"/>
+                </a:solidFill>
+                <a:latin typeface="+mn-lt"/>
+                <a:ea typeface="+mn-ea"/>
+                <a:cs typeface="+mn-cs"/>
+              </a:defRPr>
+            </a:lvl4pPr>
+            <a:lvl5pPr marL="1828800" algn="l" defTabSz="914400" rtl="0" eaLnBrk="1" latinLnBrk="0" hangingPunct="1">
+              <a:defRPr sz="1800" kern="1200">
+                <a:solidFill>
+                  <a:schemeClr val="tx1"/>
+                </a:solidFill>
+                <a:latin typeface="+mn-lt"/>
+                <a:ea typeface="+mn-ea"/>
+                <a:cs typeface="+mn-cs"/>
+              </a:defRPr>
+            </a:lvl5pPr>
+            <a:lvl6pPr marL="2286000" algn="l" defTabSz="914400" rtl="0" eaLnBrk="1" latinLnBrk="0" hangingPunct="1">
+              <a:defRPr sz="1800" kern="1200">
+                <a:solidFill>
+                  <a:schemeClr val="tx1"/>
+                </a:solidFill>
+                <a:latin typeface="+mn-lt"/>
+                <a:ea typeface="+mn-ea"/>
+                <a:cs typeface="+mn-cs"/>
+              </a:defRPr>
+            </a:lvl6pPr>
+            <a:lvl7pPr marL="2743200" algn="l" defTabSz="914400" rtl="0" eaLnBrk="1" latinLnBrk="0" hangingPunct="1">
+              <a:defRPr sz="1800" kern="1200">
+                <a:solidFill>
+                  <a:schemeClr val="tx1"/>
+                </a:solidFill>
+                <a:latin typeface="+mn-lt"/>
+                <a:ea typeface="+mn-ea"/>
+                <a:cs typeface="+mn-cs"/>
+              </a:defRPr>
+            </a:lvl7pPr>
+            <a:lvl8pPr marL="3200400" algn="l" defTabSz="914400" rtl="0" eaLnBrk="1" latinLnBrk="0" hangingPunct="1">
+              <a:defRPr sz="1800" kern="1200">
+                <a:solidFill>
+                  <a:schemeClr val="tx1"/>
+                </a:solidFill>
+                <a:latin typeface="+mn-lt"/>
+                <a:ea typeface="+mn-ea"/>
+                <a:cs typeface="+mn-cs"/>
+              </a:defRPr>
+            </a:lvl8pPr>
+            <a:lvl9pPr marL="3657600" algn="l" defTabSz="914400" rtl="0" eaLnBrk="1" latinLnBrk="0" hangingPunct="1">
+              <a:defRPr sz="1800" kern="1200">
+                <a:solidFill>
+                  <a:schemeClr val="tx1"/>
+                </a:solidFill>
+                <a:latin typeface="+mn-lt"/>
+                <a:ea typeface="+mn-ea"/>
+                <a:cs typeface="+mn-cs"/>
+              </a:defRPr>
+            </a:lvl9pPr>
+          </a:lstStyle>
+          <a:p>
+            <a:pPr algn="l"/>
+            <a:fld id="{0477F178-95BE-4B1C-9247-30D6B7E59DB7}" type="datetime3">
+              <a:rPr lang="en-US" smtClean="0"/>
+              <a:t>2 January 2020</a:t>
+            </a:fld>
+            <a:endParaRPr lang="en-US" dirty="0"/>
+          </a:p>
+        </p:txBody>
+      </p:sp>
+    </p:spTree>
+    <p:extLst>
+      <p:ext uri="{BB962C8B-B14F-4D97-AF65-F5344CB8AC3E}">
+        <p14:creationId xmlns:p14="http://schemas.microsoft.com/office/powerpoint/2010/main" val="1683742523"/>
+      </p:ext>
+    </p:extLst>
+  </p:cSld>
+  <p:clrMapOvr>
+    <a:masterClrMapping/>
+  </p:clrMapOvr>
+</p:sld>
+</file>
+
+<file path=ppt/slides/slide63.xml><?xml version="1.0" encoding="utf-8"?>
+<p:sld xmlns:a="http://schemas.openxmlformats.org/drawingml/2006/main" xmlns:r="http://schemas.openxmlformats.org/officeDocument/2006/relationships" xmlns:p="http://schemas.openxmlformats.org/presentationml/2006/main">
+  <p:cSld>
+    <p:spTree>
+      <p:nvGrpSpPr>
+        <p:cNvPr id="1" name=""/>
+        <p:cNvGrpSpPr/>
+        <p:nvPr/>
+      </p:nvGrpSpPr>
+      <p:grpSpPr>
+        <a:xfrm>
+          <a:off x="0" y="0"/>
+          <a:ext cx="0" cy="0"/>
+          <a:chOff x="0" y="0"/>
+          <a:chExt cx="0" cy="0"/>
+        </a:xfrm>
+      </p:grpSpPr>
+      <p:sp>
+        <p:nvSpPr>
+          <p:cNvPr id="10" name="Slide Number Placeholder 9">
+            <a:extLst>
+              <a:ext uri="{FF2B5EF4-FFF2-40B4-BE49-F238E27FC236}">
+                <a16:creationId xmlns:a16="http://schemas.microsoft.com/office/drawing/2014/main" id="{C97A452E-A1EE-426B-AECF-8119742E8B21}"/>
+              </a:ext>
+            </a:extLst>
+          </p:cNvPr>
+          <p:cNvSpPr>
+            <a:spLocks noGrp="1"/>
+          </p:cNvSpPr>
+          <p:nvPr>
+            <p:ph type="sldNum" sz="quarter" idx="4294967295"/>
+          </p:nvPr>
+        </p:nvSpPr>
+        <p:spPr>
+          <a:xfrm>
+            <a:off x="9448800" y="6356350"/>
+            <a:ext cx="2743200" cy="365125"/>
+          </a:xfrm>
+          <a:prstGeom prst="rect">
+            <a:avLst/>
+          </a:prstGeom>
+        </p:spPr>
+        <p:txBody>
+          <a:bodyPr/>
+          <a:lstStyle/>
+          <a:p>
+            <a:fld id="{8C4B6803-2184-4C86-B74E-CCB2F4670823}" type="slidenum">
+              <a:rPr lang="en-US" smtClean="0"/>
+              <a:t>63</a:t>
+            </a:fld>
+            <a:endParaRPr lang="en-US"/>
+          </a:p>
+        </p:txBody>
+      </p:sp>
+      <p:sp>
+        <p:nvSpPr>
+          <p:cNvPr id="11" name="TextBox 10">
+            <a:extLst>
+              <a:ext uri="{FF2B5EF4-FFF2-40B4-BE49-F238E27FC236}">
+                <a16:creationId xmlns:a16="http://schemas.microsoft.com/office/drawing/2014/main" id="{E042ECB3-0E84-43BC-81C9-03BAF2C3422E}"/>
+              </a:ext>
+            </a:extLst>
+          </p:cNvPr>
+          <p:cNvSpPr txBox="1"/>
+          <p:nvPr/>
+        </p:nvSpPr>
+        <p:spPr>
+          <a:xfrm>
+            <a:off x="0" y="760022"/>
+            <a:ext cx="8419605" cy="1569660"/>
+          </a:xfrm>
+          <a:prstGeom prst="rect">
+            <a:avLst/>
+          </a:prstGeom>
+          <a:noFill/>
+        </p:spPr>
+        <p:txBody>
+          <a:bodyPr wrap="square" rtlCol="0">
+            <a:spAutoFit/>
+          </a:bodyPr>
+          <a:lstStyle/>
+          <a:p>
+            <a:pPr algn="ctr"/>
+            <a:r>
+              <a:rPr lang="en-US" sz="9600" b="1" dirty="0">
+                <a:solidFill>
+                  <a:schemeClr val="bg1"/>
+                </a:solidFill>
+              </a:rPr>
+              <a:t>Thank You!!!</a:t>
+            </a:r>
+          </a:p>
+        </p:txBody>
+      </p:sp>
+      <p:pic>
+        <p:nvPicPr>
+          <p:cNvPr id="2" name="Picture 1">
+            <a:extLst>
+              <a:ext uri="{FF2B5EF4-FFF2-40B4-BE49-F238E27FC236}">
+                <a16:creationId xmlns:a16="http://schemas.microsoft.com/office/drawing/2014/main" id="{67CB8E82-4FCE-426C-BAB8-CB0EBBB6F88A}"/>
+              </a:ext>
+            </a:extLst>
+          </p:cNvPr>
+          <p:cNvPicPr>
+            <a:picLocks noChangeAspect="1"/>
+          </p:cNvPicPr>
+          <p:nvPr/>
+        </p:nvPicPr>
+        <p:blipFill>
+          <a:blip r:embed="rId2"/>
+          <a:stretch>
+            <a:fillRect/>
+          </a:stretch>
+        </p:blipFill>
+        <p:spPr>
+          <a:xfrm>
+            <a:off x="4438283" y="3214013"/>
+            <a:ext cx="2466609" cy="3169785"/>
+          </a:xfrm>
+          <a:prstGeom prst="rect">
+            <a:avLst/>
+          </a:prstGeom>
+        </p:spPr>
+      </p:pic>
+      <p:sp>
+        <p:nvSpPr>
+          <p:cNvPr id="8" name="Slide Number Placeholder 9">
+            <a:extLst>
+              <a:ext uri="{FF2B5EF4-FFF2-40B4-BE49-F238E27FC236}">
+                <a16:creationId xmlns:a16="http://schemas.microsoft.com/office/drawing/2014/main" id="{9D47A70C-2306-49B0-A3D5-6E7FA8E01056}"/>
+              </a:ext>
+            </a:extLst>
+          </p:cNvPr>
+          <p:cNvSpPr txBox="1">
+            <a:spLocks/>
+          </p:cNvSpPr>
+          <p:nvPr/>
+        </p:nvSpPr>
+        <p:spPr>
+          <a:xfrm>
+            <a:off x="1" y="6356350"/>
+            <a:ext cx="1371600" cy="365125"/>
+          </a:xfrm>
+          <a:prstGeom prst="rect">
+            <a:avLst/>
+          </a:prstGeom>
+        </p:spPr>
+        <p:txBody>
+          <a:bodyPr vert="horz" lIns="91440" tIns="45720" rIns="91440" bIns="45720" rtlCol="0" anchor="ctr"/>
+          <a:lstStyle>
+            <a:defPPr>
+              <a:defRPr lang="en-US"/>
+            </a:defPPr>
+            <a:lvl1pPr marL="0" algn="r" defTabSz="914400" rtl="0" eaLnBrk="1" latinLnBrk="0" hangingPunct="1">
+              <a:defRPr sz="1200" kern="1200">
+                <a:solidFill>
+                  <a:schemeClr val="tx1">
+                    <a:tint val="75000"/>
+                  </a:schemeClr>
+                </a:solidFill>
+                <a:latin typeface="+mn-lt"/>
+                <a:ea typeface="+mn-ea"/>
+                <a:cs typeface="+mn-cs"/>
+              </a:defRPr>
+            </a:lvl1pPr>
+            <a:lvl2pPr marL="457200" algn="l" defTabSz="914400" rtl="0" eaLnBrk="1" latinLnBrk="0" hangingPunct="1">
+              <a:defRPr sz="1800" kern="1200">
+                <a:solidFill>
+                  <a:schemeClr val="tx1"/>
+                </a:solidFill>
+                <a:latin typeface="+mn-lt"/>
+                <a:ea typeface="+mn-ea"/>
+                <a:cs typeface="+mn-cs"/>
+              </a:defRPr>
+            </a:lvl2pPr>
+            <a:lvl3pPr marL="914400" algn="l" defTabSz="914400" rtl="0" eaLnBrk="1" latinLnBrk="0" hangingPunct="1">
+              <a:defRPr sz="1800" kern="1200">
+                <a:solidFill>
+                  <a:schemeClr val="tx1"/>
+                </a:solidFill>
+                <a:latin typeface="+mn-lt"/>
+                <a:ea typeface="+mn-ea"/>
+                <a:cs typeface="+mn-cs"/>
+              </a:defRPr>
+            </a:lvl3pPr>
+            <a:lvl4pPr marL="1371600" algn="l" defTabSz="914400" rtl="0" eaLnBrk="1" latinLnBrk="0" hangingPunct="1">
+              <a:defRPr sz="1800" kern="1200">
+                <a:solidFill>
+                  <a:schemeClr val="tx1"/>
+                </a:solidFill>
+                <a:latin typeface="+mn-lt"/>
+                <a:ea typeface="+mn-ea"/>
+                <a:cs typeface="+mn-cs"/>
+              </a:defRPr>
+            </a:lvl4pPr>
+            <a:lvl5pPr marL="1828800" algn="l" defTabSz="914400" rtl="0" eaLnBrk="1" latinLnBrk="0" hangingPunct="1">
+              <a:defRPr sz="1800" kern="1200">
+                <a:solidFill>
+                  <a:schemeClr val="tx1"/>
+                </a:solidFill>
+                <a:latin typeface="+mn-lt"/>
+                <a:ea typeface="+mn-ea"/>
+                <a:cs typeface="+mn-cs"/>
+              </a:defRPr>
+            </a:lvl5pPr>
+            <a:lvl6pPr marL="2286000" algn="l" defTabSz="914400" rtl="0" eaLnBrk="1" latinLnBrk="0" hangingPunct="1">
+              <a:defRPr sz="1800" kern="1200">
+                <a:solidFill>
+                  <a:schemeClr val="tx1"/>
+                </a:solidFill>
+                <a:latin typeface="+mn-lt"/>
+                <a:ea typeface="+mn-ea"/>
+                <a:cs typeface="+mn-cs"/>
+              </a:defRPr>
+            </a:lvl6pPr>
+            <a:lvl7pPr marL="2743200" algn="l" defTabSz="914400" rtl="0" eaLnBrk="1" latinLnBrk="0" hangingPunct="1">
+              <a:defRPr sz="1800" kern="1200">
+                <a:solidFill>
+                  <a:schemeClr val="tx1"/>
+                </a:solidFill>
+                <a:latin typeface="+mn-lt"/>
+                <a:ea typeface="+mn-ea"/>
+                <a:cs typeface="+mn-cs"/>
+              </a:defRPr>
+            </a:lvl7pPr>
+            <a:lvl8pPr marL="3200400" algn="l" defTabSz="914400" rtl="0" eaLnBrk="1" latinLnBrk="0" hangingPunct="1">
+              <a:defRPr sz="1800" kern="1200">
+                <a:solidFill>
+                  <a:schemeClr val="tx1"/>
+                </a:solidFill>
+                <a:latin typeface="+mn-lt"/>
+                <a:ea typeface="+mn-ea"/>
+                <a:cs typeface="+mn-cs"/>
+              </a:defRPr>
+            </a:lvl8pPr>
+            <a:lvl9pPr marL="3657600" algn="l" defTabSz="914400" rtl="0" eaLnBrk="1" latinLnBrk="0" hangingPunct="1">
+              <a:defRPr sz="1800" kern="1200">
+                <a:solidFill>
+                  <a:schemeClr val="tx1"/>
+                </a:solidFill>
+                <a:latin typeface="+mn-lt"/>
+                <a:ea typeface="+mn-ea"/>
+                <a:cs typeface="+mn-cs"/>
+              </a:defRPr>
+            </a:lvl9pPr>
+          </a:lstStyle>
+          <a:p>
+            <a:pPr algn="l"/>
+            <a:fld id="{0477F178-95BE-4B1C-9247-30D6B7E59DB7}" type="datetime3">
+              <a:rPr lang="en-US" smtClean="0"/>
+              <a:t>2 January 2020</a:t>
+            </a:fld>
+            <a:endParaRPr lang="en-US" dirty="0"/>
+          </a:p>
+        </p:txBody>
+      </p:sp>
+    </p:spTree>
+    <p:extLst>
+      <p:ext uri="{BB962C8B-B14F-4D97-AF65-F5344CB8AC3E}">
+        <p14:creationId xmlns:p14="http://schemas.microsoft.com/office/powerpoint/2010/main" val="1867502856"/>
+      </p:ext>
+    </p:extLst>
+  </p:cSld>
+  <p:clrMapOvr>
+    <a:masterClrMapping/>
+  </p:clrMapOvr>
+</p:sld>
+</file>
+
 <file path=ppt/slides/slide7.xml><?xml version="1.0" encoding="utf-8"?>
 <p:sld xmlns:a="http://schemas.openxmlformats.org/drawingml/2006/main" xmlns:r="http://schemas.openxmlformats.org/officeDocument/2006/relationships" xmlns:p="http://schemas.openxmlformats.org/presentationml/2006/main">
   <p:cSld>
@@ -36062,7 +40684,7 @@
             <a:pPr algn="l"/>
             <a:fld id="{0477F178-95BE-4B1C-9247-30D6B7E59DB7}" type="datetime3">
               <a:rPr lang="en-US" smtClean="0"/>
-              <a:t>30 November 2019</a:t>
+              <a:t>2 January 2020</a:t>
             </a:fld>
             <a:endParaRPr lang="en-US" dirty="0"/>
           </a:p>
@@ -36546,7 +41168,7 @@
             <a:pPr algn="l"/>
             <a:fld id="{0477F178-95BE-4B1C-9247-30D6B7E59DB7}" type="datetime3">
               <a:rPr lang="en-US" smtClean="0"/>
-              <a:t>30 November 2019</a:t>
+              <a:t>2 January 2020</a:t>
             </a:fld>
             <a:endParaRPr lang="en-US" dirty="0"/>
           </a:p>
@@ -37051,7 +41673,7 @@
             <a:pPr algn="l"/>
             <a:fld id="{0477F178-95BE-4B1C-9247-30D6B7E59DB7}" type="datetime3">
               <a:rPr lang="en-US" smtClean="0"/>
-              <a:t>30 November 2019</a:t>
+              <a:t>2 January 2020</a:t>
             </a:fld>
             <a:endParaRPr lang="en-US" dirty="0"/>
           </a:p>
@@ -38562,21 +43184,21 @@
     <we:reference id="wa104382064" version="1.0.0.2" store="wa104382064" storeType="OMEX"/>
   </we:alternateReferences>
   <we:properties>
+    <we:property name="HH" value="0"/>
+    <we:property name="HH-reminder" value="&quot;--&quot;"/>
+    <we:property name="MM" value="2"/>
+    <we:property name="MM-reminder" value="&quot;--&quot;"/>
+    <we:property name="SS" value="0"/>
+    <we:property name="SS-reminder" value="&quot;--&quot;"/>
+    <we:property name="canvash" value="175"/>
+    <we:property name="canvasw" value="175"/>
     <we:property name="clocktype" value="&quot;digital&quot;"/>
-    <we:property name="HH" value="0"/>
-    <we:property name="MM" value="2"/>
-    <we:property name="SS" value="0"/>
-    <we:property name="HH-reminder" value="&quot;--&quot;"/>
-    <we:property name="MM-reminder" value="&quot;--&quot;"/>
-    <we:property name="SS-reminder" value="&quot;--&quot;"/>
     <we:property name="interval" value="5"/>
+    <we:property name="isCountUp" value="false"/>
+    <we:property name="radius" value="78.75"/>
+    <we:property name="showCombi" value="false"/>
     <we:property name="tickType" value="&quot;tick&quot;"/>
     <we:property name="timeupType" value="&quot;alarm&quot;"/>
-    <we:property name="showCombi" value="false"/>
-    <we:property name="isCountUp" value="false"/>
-    <we:property name="canvasw" value="218"/>
-    <we:property name="canvash" value="218"/>
-    <we:property name="radius" value="98.10000000000001"/>
   </we:properties>
   <we:bindings/>
   <we:snapshot xmlns:r="http://schemas.openxmlformats.org/officeDocument/2006/relationships" r:embed="rId1"/>
@@ -38596,12 +43218,12 @@
     <we:property name="MM-reminder" value="&quot;--&quot;"/>
     <we:property name="SS" value="0"/>
     <we:property name="SS-reminder" value="&quot;--&quot;"/>
-    <we:property name="canvash" value="219"/>
-    <we:property name="canvasw" value="219"/>
+    <we:property name="canvash" value="175"/>
+    <we:property name="canvasw" value="175"/>
     <we:property name="clocktype" value="&quot;digital&quot;"/>
     <we:property name="interval" value="5"/>
     <we:property name="isCountUp" value="false"/>
-    <we:property name="radius" value="98.55"/>
+    <we:property name="radius" value="78.75"/>
     <we:property name="showCombi" value="false"/>
     <we:property name="tickType" value="&quot;tick&quot;"/>
     <we:property name="timeupType" value="&quot;alarm&quot;"/>

--- a/PPT/Clean Code/Clean Code.pptx
+++ b/PPT/Clean Code/Clean Code.pptx
@@ -5764,7 +5764,7 @@
           <a:p>
             <a:fld id="{6B451109-92DB-4F3A-8754-3A881C271022}" type="datetime1">
               <a:rPr lang="en-US" smtClean="0"/>
-              <a:t>1/2/2020</a:t>
+              <a:t>1/3/2020</a:t>
             </a:fld>
             <a:endParaRPr lang="en-US"/>
           </a:p>
@@ -5942,7 +5942,7 @@
           <a:p>
             <a:fld id="{E55E0BF2-04CF-4FF9-A0D5-5EA729883599}" type="datetime1">
               <a:rPr lang="en-US" smtClean="0"/>
-              <a:t>1/2/2020</a:t>
+              <a:t>1/3/2020</a:t>
             </a:fld>
             <a:endParaRPr lang="en-US"/>
           </a:p>
@@ -10355,7 +10355,7 @@
             <a:fld id="{6C57CADF-DAFB-467D-871B-A4728029F0CB}" type="datetime4">
               <a:rPr lang="en-US" smtClean="0"/>
               <a:pPr algn="l"/>
-              <a:t>January 2, 2020</a:t>
+              <a:t>January 3, 2020</a:t>
             </a:fld>
             <a:endParaRPr lang="en-US" dirty="0"/>
           </a:p>
@@ -10832,7 +10832,7 @@
             <a:pPr algn="l"/>
             <a:fld id="{0477F178-95BE-4B1C-9247-30D6B7E59DB7}" type="datetime3">
               <a:rPr lang="en-US" smtClean="0"/>
-              <a:t>2 January 2020</a:t>
+              <a:t>3 January 2020</a:t>
             </a:fld>
             <a:endParaRPr lang="en-US" dirty="0"/>
           </a:p>
@@ -11591,7 +11591,7 @@
             <a:pPr algn="l"/>
             <a:fld id="{0477F178-95BE-4B1C-9247-30D6B7E59DB7}" type="datetime3">
               <a:rPr lang="en-US" smtClean="0"/>
-              <a:t>2 January 2020</a:t>
+              <a:t>3 January 2020</a:t>
             </a:fld>
             <a:endParaRPr lang="en-US" dirty="0"/>
           </a:p>
@@ -12287,7 +12287,7 @@
             <a:pPr algn="l"/>
             <a:fld id="{0477F178-95BE-4B1C-9247-30D6B7E59DB7}" type="datetime3">
               <a:rPr lang="en-US" smtClean="0"/>
-              <a:t>2 January 2020</a:t>
+              <a:t>3 January 2020</a:t>
             </a:fld>
             <a:endParaRPr lang="en-US" dirty="0"/>
           </a:p>
@@ -13114,7 +13114,7 @@
             <a:pPr algn="l"/>
             <a:fld id="{0477F178-95BE-4B1C-9247-30D6B7E59DB7}" type="datetime3">
               <a:rPr lang="en-US" smtClean="0"/>
-              <a:t>2 January 2020</a:t>
+              <a:t>3 January 2020</a:t>
             </a:fld>
             <a:endParaRPr lang="en-US" dirty="0"/>
           </a:p>
@@ -13668,7 +13668,7 @@
             <a:pPr algn="l"/>
             <a:fld id="{0477F178-95BE-4B1C-9247-30D6B7E59DB7}" type="datetime3">
               <a:rPr lang="en-US" smtClean="0"/>
-              <a:t>2 January 2020</a:t>
+              <a:t>3 January 2020</a:t>
             </a:fld>
             <a:endParaRPr lang="en-US" dirty="0"/>
           </a:p>
@@ -14384,7 +14384,7 @@
             <a:pPr algn="l"/>
             <a:fld id="{0477F178-95BE-4B1C-9247-30D6B7E59DB7}" type="datetime3">
               <a:rPr lang="en-US" smtClean="0"/>
-              <a:t>2 January 2020</a:t>
+              <a:t>3 January 2020</a:t>
             </a:fld>
             <a:endParaRPr lang="en-US" dirty="0"/>
           </a:p>
@@ -14919,7 +14919,7 @@
             <a:pPr algn="l"/>
             <a:fld id="{0477F178-95BE-4B1C-9247-30D6B7E59DB7}" type="datetime3">
               <a:rPr lang="en-US" smtClean="0"/>
-              <a:t>2 January 2020</a:t>
+              <a:t>3 January 2020</a:t>
             </a:fld>
             <a:endParaRPr lang="en-US" dirty="0"/>
           </a:p>
@@ -15416,7 +15416,7 @@
             <a:pPr algn="l"/>
             <a:fld id="{0477F178-95BE-4B1C-9247-30D6B7E59DB7}" type="datetime3">
               <a:rPr lang="en-US" smtClean="0"/>
-              <a:t>2 January 2020</a:t>
+              <a:t>3 January 2020</a:t>
             </a:fld>
             <a:endParaRPr lang="en-US" dirty="0"/>
           </a:p>
@@ -15979,7 +15979,7 @@
             <a:pPr algn="l"/>
             <a:fld id="{0477F178-95BE-4B1C-9247-30D6B7E59DB7}" type="datetime3">
               <a:rPr lang="en-US" smtClean="0"/>
-              <a:t>2 January 2020</a:t>
+              <a:t>3 January 2020</a:t>
             </a:fld>
             <a:endParaRPr lang="en-US" dirty="0"/>
           </a:p>
@@ -16542,7 +16542,7 @@
             <a:pPr algn="l"/>
             <a:fld id="{0477F178-95BE-4B1C-9247-30D6B7E59DB7}" type="datetime3">
               <a:rPr lang="en-US" smtClean="0"/>
-              <a:t>2 January 2020</a:t>
+              <a:t>3 January 2020</a:t>
             </a:fld>
             <a:endParaRPr lang="en-US" dirty="0"/>
           </a:p>
@@ -17065,7 +17065,7 @@
             <a:pPr algn="l"/>
             <a:fld id="{0477F178-95BE-4B1C-9247-30D6B7E59DB7}" type="datetime3">
               <a:rPr lang="en-US" smtClean="0"/>
-              <a:t>2 January 2020</a:t>
+              <a:t>3 January 2020</a:t>
             </a:fld>
             <a:endParaRPr lang="en-US" dirty="0"/>
           </a:p>
@@ -17706,7 +17706,7 @@
             <a:pPr algn="l"/>
             <a:fld id="{0477F178-95BE-4B1C-9247-30D6B7E59DB7}" type="datetime3">
               <a:rPr lang="en-US" smtClean="0"/>
-              <a:t>2 January 2020</a:t>
+              <a:t>3 January 2020</a:t>
             </a:fld>
             <a:endParaRPr lang="en-US" dirty="0"/>
           </a:p>
@@ -18341,7 +18341,7 @@
             <a:pPr algn="l"/>
             <a:fld id="{0477F178-95BE-4B1C-9247-30D6B7E59DB7}" type="datetime3">
               <a:rPr lang="en-US" smtClean="0"/>
-              <a:t>2 January 2020</a:t>
+              <a:t>3 January 2020</a:t>
             </a:fld>
             <a:endParaRPr lang="en-US" dirty="0"/>
           </a:p>
@@ -18837,7 +18837,7 @@
             <a:pPr algn="l"/>
             <a:fld id="{0477F178-95BE-4B1C-9247-30D6B7E59DB7}" type="datetime3">
               <a:rPr lang="en-US" smtClean="0"/>
-              <a:t>2 January 2020</a:t>
+              <a:t>3 January 2020</a:t>
             </a:fld>
             <a:endParaRPr lang="en-US" dirty="0"/>
           </a:p>
@@ -19483,7 +19483,7 @@
             <a:pPr algn="l"/>
             <a:fld id="{0477F178-95BE-4B1C-9247-30D6B7E59DB7}" type="datetime3">
               <a:rPr lang="en-US" smtClean="0"/>
-              <a:t>2 January 2020</a:t>
+              <a:t>3 January 2020</a:t>
             </a:fld>
             <a:endParaRPr lang="en-US" dirty="0"/>
           </a:p>
@@ -20142,7 +20142,7 @@
             <a:pPr algn="l"/>
             <a:fld id="{0477F178-95BE-4B1C-9247-30D6B7E59DB7}" type="datetime3">
               <a:rPr lang="en-US" smtClean="0"/>
-              <a:t>2 January 2020</a:t>
+              <a:t>3 January 2020</a:t>
             </a:fld>
             <a:endParaRPr lang="en-US" dirty="0"/>
           </a:p>
@@ -20679,7 +20679,7 @@
             <a:pPr algn="l"/>
             <a:fld id="{0477F178-95BE-4B1C-9247-30D6B7E59DB7}" type="datetime3">
               <a:rPr lang="en-US" smtClean="0"/>
-              <a:t>2 January 2020</a:t>
+              <a:t>3 January 2020</a:t>
             </a:fld>
             <a:endParaRPr lang="en-US" dirty="0"/>
           </a:p>
@@ -21189,7 +21189,7 @@
             <a:pPr algn="l"/>
             <a:fld id="{0477F178-95BE-4B1C-9247-30D6B7E59DB7}" type="datetime3">
               <a:rPr lang="en-US" smtClean="0"/>
-              <a:t>2 January 2020</a:t>
+              <a:t>3 January 2020</a:t>
             </a:fld>
             <a:endParaRPr lang="en-US" dirty="0"/>
           </a:p>
@@ -21656,7 +21656,7 @@
             <a:pPr algn="l"/>
             <a:fld id="{0477F178-95BE-4B1C-9247-30D6B7E59DB7}" type="datetime3">
               <a:rPr lang="en-US" smtClean="0"/>
-              <a:t>2 January 2020</a:t>
+              <a:t>3 January 2020</a:t>
             </a:fld>
             <a:endParaRPr lang="en-US" dirty="0"/>
           </a:p>
@@ -22126,7 +22126,7 @@
             <a:pPr algn="l"/>
             <a:fld id="{0477F178-95BE-4B1C-9247-30D6B7E59DB7}" type="datetime3">
               <a:rPr lang="en-US" smtClean="0"/>
-              <a:t>2 January 2020</a:t>
+              <a:t>3 January 2020</a:t>
             </a:fld>
             <a:endParaRPr lang="en-US" dirty="0"/>
           </a:p>
@@ -22593,7 +22593,7 @@
             <a:pPr algn="l"/>
             <a:fld id="{0477F178-95BE-4B1C-9247-30D6B7E59DB7}" type="datetime3">
               <a:rPr lang="en-US" smtClean="0"/>
-              <a:t>2 January 2020</a:t>
+              <a:t>3 January 2020</a:t>
             </a:fld>
             <a:endParaRPr lang="en-US" dirty="0"/>
           </a:p>
@@ -23169,7 +23169,7 @@
             <a:pPr algn="l"/>
             <a:fld id="{0477F178-95BE-4B1C-9247-30D6B7E59DB7}" type="datetime3">
               <a:rPr lang="en-US" smtClean="0"/>
-              <a:t>2 January 2020</a:t>
+              <a:t>3 January 2020</a:t>
             </a:fld>
             <a:endParaRPr lang="en-US" dirty="0"/>
           </a:p>
@@ -23639,7 +23639,7 @@
             <a:pPr algn="l"/>
             <a:fld id="{0477F178-95BE-4B1C-9247-30D6B7E59DB7}" type="datetime3">
               <a:rPr lang="en-US" smtClean="0"/>
-              <a:t>2 January 2020</a:t>
+              <a:t>3 January 2020</a:t>
             </a:fld>
             <a:endParaRPr lang="en-US" dirty="0"/>
           </a:p>
@@ -24106,7 +24106,7 @@
             <a:pPr algn="l"/>
             <a:fld id="{0477F178-95BE-4B1C-9247-30D6B7E59DB7}" type="datetime3">
               <a:rPr lang="en-US" smtClean="0"/>
-              <a:t>2 January 2020</a:t>
+              <a:t>3 January 2020</a:t>
             </a:fld>
             <a:endParaRPr lang="en-US" dirty="0"/>
           </a:p>
@@ -24576,7 +24576,7 @@
             <a:pPr algn="l"/>
             <a:fld id="{0477F178-95BE-4B1C-9247-30D6B7E59DB7}" type="datetime3">
               <a:rPr lang="en-US" smtClean="0"/>
-              <a:t>2 January 2020</a:t>
+              <a:t>3 January 2020</a:t>
             </a:fld>
             <a:endParaRPr lang="en-US" dirty="0"/>
           </a:p>
@@ -25043,7 +25043,7 @@
             <a:pPr algn="l"/>
             <a:fld id="{0477F178-95BE-4B1C-9247-30D6B7E59DB7}" type="datetime3">
               <a:rPr lang="en-US" smtClean="0"/>
-              <a:t>2 January 2020</a:t>
+              <a:t>3 January 2020</a:t>
             </a:fld>
             <a:endParaRPr lang="en-US" dirty="0"/>
           </a:p>
@@ -25510,7 +25510,7 @@
             <a:pPr algn="l"/>
             <a:fld id="{0477F178-95BE-4B1C-9247-30D6B7E59DB7}" type="datetime3">
               <a:rPr lang="en-US" smtClean="0"/>
-              <a:t>2 January 2020</a:t>
+              <a:t>3 January 2020</a:t>
             </a:fld>
             <a:endParaRPr lang="en-US" dirty="0"/>
           </a:p>
@@ -25984,7 +25984,7 @@
             <a:pPr algn="l"/>
             <a:fld id="{0477F178-95BE-4B1C-9247-30D6B7E59DB7}" type="datetime3">
               <a:rPr lang="en-US" smtClean="0"/>
-              <a:t>2 January 2020</a:t>
+              <a:t>3 January 2020</a:t>
             </a:fld>
             <a:endParaRPr lang="en-US" dirty="0"/>
           </a:p>
@@ -26423,7 +26423,7 @@
             <a:pPr algn="l"/>
             <a:fld id="{0477F178-95BE-4B1C-9247-30D6B7E59DB7}" type="datetime3">
               <a:rPr lang="en-US" smtClean="0"/>
-              <a:t>2 January 2020</a:t>
+              <a:t>3 January 2020</a:t>
             </a:fld>
             <a:endParaRPr lang="en-US" dirty="0"/>
           </a:p>
@@ -26869,7 +26869,7 @@
             <a:pPr algn="l"/>
             <a:fld id="{0477F178-95BE-4B1C-9247-30D6B7E59DB7}" type="datetime3">
               <a:rPr lang="en-US" smtClean="0"/>
-              <a:t>2 January 2020</a:t>
+              <a:t>3 January 2020</a:t>
             </a:fld>
             <a:endParaRPr lang="en-US" dirty="0"/>
           </a:p>
@@ -27315,7 +27315,7 @@
             <a:pPr algn="l"/>
             <a:fld id="{0477F178-95BE-4B1C-9247-30D6B7E59DB7}" type="datetime3">
               <a:rPr lang="en-US" smtClean="0"/>
-              <a:t>2 January 2020</a:t>
+              <a:t>3 January 2020</a:t>
             </a:fld>
             <a:endParaRPr lang="en-US" dirty="0"/>
           </a:p>
@@ -27754,7 +27754,7 @@
             <a:pPr algn="l"/>
             <a:fld id="{0477F178-95BE-4B1C-9247-30D6B7E59DB7}" type="datetime3">
               <a:rPr lang="en-US" smtClean="0"/>
-              <a:t>2 January 2020</a:t>
+              <a:t>3 January 2020</a:t>
             </a:fld>
             <a:endParaRPr lang="en-US" dirty="0"/>
           </a:p>
@@ -28190,7 +28190,7 @@
             <a:pPr algn="l"/>
             <a:fld id="{0477F178-95BE-4B1C-9247-30D6B7E59DB7}" type="datetime3">
               <a:rPr lang="en-US" smtClean="0"/>
-              <a:t>2 January 2020</a:t>
+              <a:t>3 January 2020</a:t>
             </a:fld>
             <a:endParaRPr lang="en-US" dirty="0"/>
           </a:p>
@@ -28657,7 +28657,7 @@
             <a:pPr algn="l"/>
             <a:fld id="{0477F178-95BE-4B1C-9247-30D6B7E59DB7}" type="datetime3">
               <a:rPr lang="en-US" smtClean="0"/>
-              <a:t>2 January 2020</a:t>
+              <a:t>3 January 2020</a:t>
             </a:fld>
             <a:endParaRPr lang="en-US" dirty="0"/>
           </a:p>
@@ -29096,7 +29096,7 @@
             <a:pPr algn="l"/>
             <a:fld id="{0477F178-95BE-4B1C-9247-30D6B7E59DB7}" type="datetime3">
               <a:rPr lang="en-US" smtClean="0"/>
-              <a:t>2 January 2020</a:t>
+              <a:t>3 January 2020</a:t>
             </a:fld>
             <a:endParaRPr lang="en-US" dirty="0"/>
           </a:p>
@@ -29535,7 +29535,7 @@
             <a:pPr algn="l"/>
             <a:fld id="{0477F178-95BE-4B1C-9247-30D6B7E59DB7}" type="datetime3">
               <a:rPr lang="en-US" smtClean="0"/>
-              <a:t>2 January 2020</a:t>
+              <a:t>3 January 2020</a:t>
             </a:fld>
             <a:endParaRPr lang="en-US" dirty="0"/>
           </a:p>
@@ -29974,7 +29974,7 @@
             <a:pPr algn="l"/>
             <a:fld id="{0477F178-95BE-4B1C-9247-30D6B7E59DB7}" type="datetime3">
               <a:rPr lang="en-US" smtClean="0"/>
-              <a:t>2 January 2020</a:t>
+              <a:t>3 January 2020</a:t>
             </a:fld>
             <a:endParaRPr lang="en-US" dirty="0"/>
           </a:p>
@@ -30413,7 +30413,7 @@
             <a:pPr algn="l"/>
             <a:fld id="{0477F178-95BE-4B1C-9247-30D6B7E59DB7}" type="datetime3">
               <a:rPr lang="en-US" smtClean="0"/>
-              <a:t>2 January 2020</a:t>
+              <a:t>3 January 2020</a:t>
             </a:fld>
             <a:endParaRPr lang="en-US" dirty="0"/>
           </a:p>
@@ -30852,7 +30852,7 @@
             <a:pPr algn="l"/>
             <a:fld id="{0477F178-95BE-4B1C-9247-30D6B7E59DB7}" type="datetime3">
               <a:rPr lang="en-US" smtClean="0"/>
-              <a:t>2 January 2020</a:t>
+              <a:t>3 January 2020</a:t>
             </a:fld>
             <a:endParaRPr lang="en-US" dirty="0"/>
           </a:p>
@@ -31291,7 +31291,7 @@
             <a:pPr algn="l"/>
             <a:fld id="{0477F178-95BE-4B1C-9247-30D6B7E59DB7}" type="datetime3">
               <a:rPr lang="en-US" smtClean="0"/>
-              <a:t>2 January 2020</a:t>
+              <a:t>3 January 2020</a:t>
             </a:fld>
             <a:endParaRPr lang="en-US" dirty="0"/>
           </a:p>
@@ -31730,7 +31730,7 @@
             <a:pPr algn="l"/>
             <a:fld id="{0477F178-95BE-4B1C-9247-30D6B7E59DB7}" type="datetime3">
               <a:rPr lang="en-US" smtClean="0"/>
-              <a:t>2 January 2020</a:t>
+              <a:t>3 January 2020</a:t>
             </a:fld>
             <a:endParaRPr lang="en-US" dirty="0"/>
           </a:p>
@@ -32169,7 +32169,7 @@
             <a:pPr algn="l"/>
             <a:fld id="{0477F178-95BE-4B1C-9247-30D6B7E59DB7}" type="datetime3">
               <a:rPr lang="en-US" smtClean="0"/>
-              <a:t>2 January 2020</a:t>
+              <a:t>3 January 2020</a:t>
             </a:fld>
             <a:endParaRPr lang="en-US" dirty="0"/>
           </a:p>
@@ -32608,7 +32608,7 @@
             <a:pPr algn="l"/>
             <a:fld id="{0477F178-95BE-4B1C-9247-30D6B7E59DB7}" type="datetime3">
               <a:rPr lang="en-US" smtClean="0"/>
-              <a:t>2 January 2020</a:t>
+              <a:t>3 January 2020</a:t>
             </a:fld>
             <a:endParaRPr lang="en-US" dirty="0"/>
           </a:p>
@@ -33160,7 +33160,7 @@
             <a:pPr algn="l"/>
             <a:fld id="{0477F178-95BE-4B1C-9247-30D6B7E59DB7}" type="datetime3">
               <a:rPr lang="en-US" smtClean="0"/>
-              <a:t>2 January 2020</a:t>
+              <a:t>3 January 2020</a:t>
             </a:fld>
             <a:endParaRPr lang="en-US" dirty="0"/>
           </a:p>
@@ -33599,7 +33599,7 @@
             <a:pPr algn="l"/>
             <a:fld id="{0477F178-95BE-4B1C-9247-30D6B7E59DB7}" type="datetime3">
               <a:rPr lang="en-US" smtClean="0"/>
-              <a:t>2 January 2020</a:t>
+              <a:t>3 January 2020</a:t>
             </a:fld>
             <a:endParaRPr lang="en-US" dirty="0"/>
           </a:p>
@@ -34038,7 +34038,7 @@
             <a:pPr algn="l"/>
             <a:fld id="{0477F178-95BE-4B1C-9247-30D6B7E59DB7}" type="datetime3">
               <a:rPr lang="en-US" smtClean="0"/>
-              <a:t>2 January 2020</a:t>
+              <a:t>3 January 2020</a:t>
             </a:fld>
             <a:endParaRPr lang="en-US" dirty="0"/>
           </a:p>
@@ -34477,7 +34477,7 @@
             <a:pPr algn="l"/>
             <a:fld id="{0477F178-95BE-4B1C-9247-30D6B7E59DB7}" type="datetime3">
               <a:rPr lang="en-US" smtClean="0"/>
-              <a:t>2 January 2020</a:t>
+              <a:t>3 January 2020</a:t>
             </a:fld>
             <a:endParaRPr lang="en-US" dirty="0"/>
           </a:p>
@@ -34916,7 +34916,7 @@
             <a:pPr algn="l"/>
             <a:fld id="{0477F178-95BE-4B1C-9247-30D6B7E59DB7}" type="datetime3">
               <a:rPr lang="en-US" smtClean="0"/>
-              <a:t>2 January 2020</a:t>
+              <a:t>3 January 2020</a:t>
             </a:fld>
             <a:endParaRPr lang="en-US" dirty="0"/>
           </a:p>
@@ -35383,7 +35383,7 @@
             <a:pPr algn="l"/>
             <a:fld id="{0477F178-95BE-4B1C-9247-30D6B7E59DB7}" type="datetime3">
               <a:rPr lang="en-US" smtClean="0"/>
-              <a:t>2 January 2020</a:t>
+              <a:t>3 January 2020</a:t>
             </a:fld>
             <a:endParaRPr lang="en-US" dirty="0"/>
           </a:p>
@@ -35850,7 +35850,7 @@
             <a:pPr algn="l"/>
             <a:fld id="{0477F178-95BE-4B1C-9247-30D6B7E59DB7}" type="datetime3">
               <a:rPr lang="en-US" smtClean="0"/>
-              <a:t>2 January 2020</a:t>
+              <a:t>3 January 2020</a:t>
             </a:fld>
             <a:endParaRPr lang="en-US" dirty="0"/>
           </a:p>
@@ -36317,7 +36317,7 @@
             <a:pPr algn="l"/>
             <a:fld id="{0477F178-95BE-4B1C-9247-30D6B7E59DB7}" type="datetime3">
               <a:rPr lang="en-US" smtClean="0"/>
-              <a:t>2 January 2020</a:t>
+              <a:t>3 January 2020</a:t>
             </a:fld>
             <a:endParaRPr lang="en-US" dirty="0"/>
           </a:p>
@@ -36784,7 +36784,7 @@
             <a:pPr algn="l"/>
             <a:fld id="{0477F178-95BE-4B1C-9247-30D6B7E59DB7}" type="datetime3">
               <a:rPr lang="en-US" smtClean="0"/>
-              <a:t>2 January 2020</a:t>
+              <a:t>3 January 2020</a:t>
             </a:fld>
             <a:endParaRPr lang="en-US" dirty="0"/>
           </a:p>
@@ -37251,7 +37251,7 @@
             <a:pPr algn="l"/>
             <a:fld id="{0477F178-95BE-4B1C-9247-30D6B7E59DB7}" type="datetime3">
               <a:rPr lang="en-US" smtClean="0"/>
-              <a:t>2 January 2020</a:t>
+              <a:t>3 January 2020</a:t>
             </a:fld>
             <a:endParaRPr lang="en-US" dirty="0"/>
           </a:p>
@@ -37718,7 +37718,7 @@
             <a:pPr algn="l"/>
             <a:fld id="{0477F178-95BE-4B1C-9247-30D6B7E59DB7}" type="datetime3">
               <a:rPr lang="en-US" smtClean="0"/>
-              <a:t>2 January 2020</a:t>
+              <a:t>3 January 2020</a:t>
             </a:fld>
             <a:endParaRPr lang="en-US" dirty="0"/>
           </a:p>
@@ -38341,7 +38341,7 @@
             <a:pPr algn="l"/>
             <a:fld id="{0477F178-95BE-4B1C-9247-30D6B7E59DB7}" type="datetime3">
               <a:rPr lang="en-US" smtClean="0"/>
-              <a:t>2 January 2020</a:t>
+              <a:t>3 January 2020</a:t>
             </a:fld>
             <a:endParaRPr lang="en-US" dirty="0"/>
           </a:p>
@@ -38977,7 +38977,7 @@
             <a:pPr algn="l"/>
             <a:fld id="{0477F178-95BE-4B1C-9247-30D6B7E59DB7}" type="datetime3">
               <a:rPr lang="en-US" smtClean="0"/>
-              <a:t>2 January 2020</a:t>
+              <a:t>3 January 2020</a:t>
             </a:fld>
             <a:endParaRPr lang="en-US" dirty="0"/>
           </a:p>
@@ -39444,7 +39444,7 @@
             <a:pPr algn="l"/>
             <a:fld id="{0477F178-95BE-4B1C-9247-30D6B7E59DB7}" type="datetime3">
               <a:rPr lang="en-US" smtClean="0"/>
-              <a:t>2 January 2020</a:t>
+              <a:t>3 January 2020</a:t>
             </a:fld>
             <a:endParaRPr lang="en-US" dirty="0"/>
           </a:p>
@@ -39911,7 +39911,7 @@
             <a:pPr algn="l"/>
             <a:fld id="{0477F178-95BE-4B1C-9247-30D6B7E59DB7}" type="datetime3">
               <a:rPr lang="en-US" smtClean="0"/>
-              <a:t>2 January 2020</a:t>
+              <a:t>3 January 2020</a:t>
             </a:fld>
             <a:endParaRPr lang="en-US" dirty="0"/>
           </a:p>
@@ -40180,7 +40180,7 @@
             <a:pPr algn="l"/>
             <a:fld id="{0477F178-95BE-4B1C-9247-30D6B7E59DB7}" type="datetime3">
               <a:rPr lang="en-US" smtClean="0"/>
-              <a:t>2 January 2020</a:t>
+              <a:t>3 January 2020</a:t>
             </a:fld>
             <a:endParaRPr lang="en-US" dirty="0"/>
           </a:p>
@@ -40684,7 +40684,7 @@
             <a:pPr algn="l"/>
             <a:fld id="{0477F178-95BE-4B1C-9247-30D6B7E59DB7}" type="datetime3">
               <a:rPr lang="en-US" smtClean="0"/>
-              <a:t>2 January 2020</a:t>
+              <a:t>3 January 2020</a:t>
             </a:fld>
             <a:endParaRPr lang="en-US" dirty="0"/>
           </a:p>
@@ -41168,7 +41168,7 @@
             <a:pPr algn="l"/>
             <a:fld id="{0477F178-95BE-4B1C-9247-30D6B7E59DB7}" type="datetime3">
               <a:rPr lang="en-US" smtClean="0"/>
-              <a:t>2 January 2020</a:t>
+              <a:t>3 January 2020</a:t>
             </a:fld>
             <a:endParaRPr lang="en-US" dirty="0"/>
           </a:p>
@@ -41673,7 +41673,7 @@
             <a:pPr algn="l"/>
             <a:fld id="{0477F178-95BE-4B1C-9247-30D6B7E59DB7}" type="datetime3">
               <a:rPr lang="en-US" smtClean="0"/>
-              <a:t>2 January 2020</a:t>
+              <a:t>3 January 2020</a:t>
             </a:fld>
             <a:endParaRPr lang="en-US" dirty="0"/>
           </a:p>
@@ -43190,12 +43190,12 @@
     <we:property name="MM-reminder" value="&quot;--&quot;"/>
     <we:property name="SS" value="0"/>
     <we:property name="SS-reminder" value="&quot;--&quot;"/>
-    <we:property name="canvash" value="175"/>
-    <we:property name="canvasw" value="175"/>
+    <we:property name="canvash" value="174"/>
+    <we:property name="canvasw" value="174"/>
     <we:property name="clocktype" value="&quot;digital&quot;"/>
     <we:property name="interval" value="5"/>
     <we:property name="isCountUp" value="false"/>
-    <we:property name="radius" value="78.75"/>
+    <we:property name="radius" value="78.3"/>
     <we:property name="showCombi" value="false"/>
     <we:property name="tickType" value="&quot;tick&quot;"/>
     <we:property name="timeupType" value="&quot;alarm&quot;"/>
